--- a/Multi-cloud Orchestration with Terraform.pptx
+++ b/Multi-cloud Orchestration with Terraform.pptx
@@ -9,18 +9,18 @@
   </p:notesMasterIdLst>
   <p:sldIdLst>
     <p:sldId id="295" r:id="rId5"/>
-    <p:sldId id="394" r:id="rId6"/>
-    <p:sldId id="277" r:id="rId7"/>
-    <p:sldId id="393" r:id="rId8"/>
+    <p:sldId id="397" r:id="rId6"/>
+    <p:sldId id="394" r:id="rId7"/>
+    <p:sldId id="277" r:id="rId8"/>
     <p:sldId id="313" r:id="rId9"/>
     <p:sldId id="314" r:id="rId10"/>
     <p:sldId id="317" r:id="rId11"/>
     <p:sldId id="316" r:id="rId12"/>
-    <p:sldId id="392" r:id="rId13"/>
-    <p:sldId id="395" r:id="rId14"/>
-    <p:sldId id="396" r:id="rId15"/>
-    <p:sldId id="391" r:id="rId16"/>
-    <p:sldId id="311" r:id="rId17"/>
+    <p:sldId id="393" r:id="rId13"/>
+    <p:sldId id="392" r:id="rId14"/>
+    <p:sldId id="395" r:id="rId15"/>
+    <p:sldId id="396" r:id="rId16"/>
+    <p:sldId id="398" r:id="rId17"/>
   </p:sldIdLst>
   <p:sldSz cx="12192000" cy="6858000"/>
   <p:notesSz cx="6858000" cy="9144000"/>
@@ -135,106 +135,6 @@
 </p1510:revInfo>
 </file>
 
-<file path=ppt/changesInfos/changesInfo1.xml><?xml version="1.0" encoding="utf-8"?>
-<pc:chgInfo xmlns:a="http://schemas.openxmlformats.org/drawingml/2006/main" xmlns:r="http://schemas.openxmlformats.org/officeDocument/2006/relationships" xmlns:ac="http://schemas.microsoft.com/office/drawing/2013/main/command" xmlns:pc="http://schemas.microsoft.com/office/powerpoint/2013/main/command">
-  <pc:docChgLst>
-    <pc:chgData name="Vandy Rodrigues" userId="S::vandyr@microsoft.com::d69b4906-773b-4d7a-924b-08b7a0de5ed7" providerId="AD" clId="Web-{CA7AA10C-18F5-484C-BBE8-056D74268AE6}"/>
-    <pc:docChg chg="modSld">
-      <pc:chgData name="Vandy Rodrigues" userId="S::vandyr@microsoft.com::d69b4906-773b-4d7a-924b-08b7a0de5ed7" providerId="AD" clId="Web-{CA7AA10C-18F5-484C-BBE8-056D74268AE6}" dt="2019-01-11T18:32:48.180" v="31" actId="20577"/>
-      <pc:docMkLst>
-        <pc:docMk/>
-      </pc:docMkLst>
-      <pc:sldChg chg="modSp">
-        <pc:chgData name="Vandy Rodrigues" userId="S::vandyr@microsoft.com::d69b4906-773b-4d7a-924b-08b7a0de5ed7" providerId="AD" clId="Web-{CA7AA10C-18F5-484C-BBE8-056D74268AE6}" dt="2019-01-11T18:32:43.758" v="24" actId="20577"/>
-        <pc:sldMkLst>
-          <pc:docMk/>
-          <pc:sldMk cId="3446698670" sldId="395"/>
-        </pc:sldMkLst>
-        <pc:spChg chg="mod">
-          <ac:chgData name="Vandy Rodrigues" userId="S::vandyr@microsoft.com::d69b4906-773b-4d7a-924b-08b7a0de5ed7" providerId="AD" clId="Web-{CA7AA10C-18F5-484C-BBE8-056D74268AE6}" dt="2019-01-11T18:32:43.758" v="24" actId="20577"/>
-          <ac:spMkLst>
-            <pc:docMk/>
-            <pc:sldMk cId="3446698670" sldId="395"/>
-            <ac:spMk id="3" creationId="{7DF74586-30F6-4617-AAE3-E858890DF31D}"/>
-          </ac:spMkLst>
-        </pc:spChg>
-      </pc:sldChg>
-      <pc:sldChg chg="modSp">
-        <pc:chgData name="Vandy Rodrigues" userId="S::vandyr@microsoft.com::d69b4906-773b-4d7a-924b-08b7a0de5ed7" providerId="AD" clId="Web-{CA7AA10C-18F5-484C-BBE8-056D74268AE6}" dt="2019-01-11T18:32:48.180" v="30" actId="20577"/>
-        <pc:sldMkLst>
-          <pc:docMk/>
-          <pc:sldMk cId="2383338744" sldId="396"/>
-        </pc:sldMkLst>
-        <pc:spChg chg="mod">
-          <ac:chgData name="Vandy Rodrigues" userId="S::vandyr@microsoft.com::d69b4906-773b-4d7a-924b-08b7a0de5ed7" providerId="AD" clId="Web-{CA7AA10C-18F5-484C-BBE8-056D74268AE6}" dt="2019-01-11T18:32:48.180" v="30" actId="20577"/>
-          <ac:spMkLst>
-            <pc:docMk/>
-            <pc:sldMk cId="2383338744" sldId="396"/>
-            <ac:spMk id="3" creationId="{7DF74586-30F6-4617-AAE3-E858890DF31D}"/>
-          </ac:spMkLst>
-        </pc:spChg>
-      </pc:sldChg>
-    </pc:docChg>
-  </pc:docChgLst>
-  <pc:docChgLst>
-    <pc:chgData name="Vandy Rodrigues" userId="S::vandyr@microsoft.com::d69b4906-773b-4d7a-924b-08b7a0de5ed7" providerId="AD" clId="Web-{32FEE90D-1E62-4015-97A5-5D2BE06D104D}"/>
-    <pc:docChg chg="modSld">
-      <pc:chgData name="Vandy Rodrigues" userId="S::vandyr@microsoft.com::d69b4906-773b-4d7a-924b-08b7a0de5ed7" providerId="AD" clId="Web-{32FEE90D-1E62-4015-97A5-5D2BE06D104D}" dt="2019-01-11T18:31:39.176" v="29" actId="20577"/>
-      <pc:docMkLst>
-        <pc:docMk/>
-      </pc:docMkLst>
-      <pc:sldChg chg="modSp">
-        <pc:chgData name="Vandy Rodrigues" userId="S::vandyr@microsoft.com::d69b4906-773b-4d7a-924b-08b7a0de5ed7" providerId="AD" clId="Web-{32FEE90D-1E62-4015-97A5-5D2BE06D104D}" dt="2019-01-11T18:31:39.176" v="28" actId="20577"/>
-        <pc:sldMkLst>
-          <pc:docMk/>
-          <pc:sldMk cId="3446698670" sldId="395"/>
-        </pc:sldMkLst>
-        <pc:spChg chg="mod">
-          <ac:chgData name="Vandy Rodrigues" userId="S::vandyr@microsoft.com::d69b4906-773b-4d7a-924b-08b7a0de5ed7" providerId="AD" clId="Web-{32FEE90D-1E62-4015-97A5-5D2BE06D104D}" dt="2019-01-11T18:31:28.816" v="6" actId="20577"/>
-          <ac:spMkLst>
-            <pc:docMk/>
-            <pc:sldMk cId="3446698670" sldId="395"/>
-            <ac:spMk id="2" creationId="{E9CD2E64-CFA3-442A-B37E-FA3C6C69A816}"/>
-          </ac:spMkLst>
-        </pc:spChg>
-        <pc:spChg chg="mod">
-          <ac:chgData name="Vandy Rodrigues" userId="S::vandyr@microsoft.com::d69b4906-773b-4d7a-924b-08b7a0de5ed7" providerId="AD" clId="Web-{32FEE90D-1E62-4015-97A5-5D2BE06D104D}" dt="2019-01-11T18:31:39.176" v="28" actId="20577"/>
-          <ac:spMkLst>
-            <pc:docMk/>
-            <pc:sldMk cId="3446698670" sldId="395"/>
-            <ac:spMk id="3" creationId="{7DF74586-30F6-4617-AAE3-E858890DF31D}"/>
-          </ac:spMkLst>
-        </pc:spChg>
-      </pc:sldChg>
-    </pc:docChg>
-  </pc:docChgLst>
-  <pc:docChgLst>
-    <pc:chgData name="Cenk Caglar" userId="67723780-3e8d-4f91-955b-262c862f308d" providerId="ADAL" clId="{AD25AAB3-A467-488F-9D27-D2AEF867988E}"/>
-    <pc:docChg chg="custSel modSld">
-      <pc:chgData name="Cenk Caglar" userId="67723780-3e8d-4f91-955b-262c862f308d" providerId="ADAL" clId="{AD25AAB3-A467-488F-9D27-D2AEF867988E}" dt="2019-02-07T21:10:53.694" v="6" actId="478"/>
-      <pc:docMkLst>
-        <pc:docMk/>
-      </pc:docMkLst>
-      <pc:sldChg chg="addSp delSp modSp">
-        <pc:chgData name="Cenk Caglar" userId="67723780-3e8d-4f91-955b-262c862f308d" providerId="ADAL" clId="{AD25AAB3-A467-488F-9D27-D2AEF867988E}" dt="2019-02-07T21:10:53.694" v="6" actId="478"/>
-        <pc:sldMkLst>
-          <pc:docMk/>
-          <pc:sldMk cId="2383338744" sldId="396"/>
-        </pc:sldMkLst>
-        <pc:picChg chg="add del mod ord">
-          <ac:chgData name="Cenk Caglar" userId="67723780-3e8d-4f91-955b-262c862f308d" providerId="ADAL" clId="{AD25AAB3-A467-488F-9D27-D2AEF867988E}" dt="2019-02-07T21:10:53.694" v="6" actId="478"/>
-          <ac:picMkLst>
-            <pc:docMk/>
-            <pc:sldMk cId="2383338744" sldId="396"/>
-            <ac:picMk id="1026" creationId="{A3B98BED-A110-4799-AA2E-2C82C46CE240}"/>
-          </ac:picMkLst>
-        </pc:picChg>
-      </pc:sldChg>
-    </pc:docChg>
-  </pc:docChgLst>
-</pc:chgInfo>
-</file>
-
 <file path=ppt/diagrams/colors1.xml><?xml version="1.0" encoding="utf-8"?>
 <dgm:colorsDef xmlns:dgm="http://schemas.openxmlformats.org/drawingml/2006/diagram" xmlns:a="http://schemas.openxmlformats.org/drawingml/2006/main" uniqueId="urn:microsoft.com/office/officeart/2005/8/colors/colorful1">
   <dgm:title val=""/>
@@ -1155,925 +1055,6 @@
 </file>
 
 <file path=ppt/diagrams/colors2.xml><?xml version="1.0" encoding="utf-8"?>
-<dgm:colorsDef xmlns:dgm="http://schemas.openxmlformats.org/drawingml/2006/diagram" xmlns:a="http://schemas.openxmlformats.org/drawingml/2006/main" uniqueId="urn:microsoft.com/office/officeart/2005/8/colors/colorful1">
-  <dgm:title val=""/>
-  <dgm:desc val=""/>
-  <dgm:catLst>
-    <dgm:cat type="colorful" pri="10100"/>
-  </dgm:catLst>
-  <dgm:styleLbl name="node0">
-    <dgm:fillClrLst meth="repeat">
-      <a:schemeClr val="accent1"/>
-    </dgm:fillClrLst>
-    <dgm:linClrLst meth="repeat">
-      <a:schemeClr val="lt1"/>
-    </dgm:linClrLst>
-    <dgm:effectClrLst/>
-    <dgm:txLinClrLst/>
-    <dgm:txFillClrLst/>
-    <dgm:txEffectClrLst/>
-  </dgm:styleLbl>
-  <dgm:styleLbl name="node1">
-    <dgm:fillClrLst meth="repeat">
-      <a:schemeClr val="accent2"/>
-      <a:schemeClr val="accent3"/>
-      <a:schemeClr val="accent4"/>
-      <a:schemeClr val="accent5"/>
-      <a:schemeClr val="accent6"/>
-    </dgm:fillClrLst>
-    <dgm:linClrLst meth="repeat">
-      <a:schemeClr val="lt1"/>
-    </dgm:linClrLst>
-    <dgm:effectClrLst/>
-    <dgm:txLinClrLst/>
-    <dgm:txFillClrLst/>
-    <dgm:txEffectClrLst/>
-  </dgm:styleLbl>
-  <dgm:styleLbl name="alignNode1">
-    <dgm:fillClrLst meth="repeat">
-      <a:schemeClr val="accent2"/>
-      <a:schemeClr val="accent3"/>
-      <a:schemeClr val="accent4"/>
-      <a:schemeClr val="accent5"/>
-      <a:schemeClr val="accent6"/>
-    </dgm:fillClrLst>
-    <dgm:linClrLst meth="repeat">
-      <a:schemeClr val="accent2"/>
-      <a:schemeClr val="accent3"/>
-      <a:schemeClr val="accent4"/>
-      <a:schemeClr val="accent5"/>
-      <a:schemeClr val="accent6"/>
-    </dgm:linClrLst>
-    <dgm:effectClrLst/>
-    <dgm:txLinClrLst/>
-    <dgm:txFillClrLst/>
-    <dgm:txEffectClrLst/>
-  </dgm:styleLbl>
-  <dgm:styleLbl name="lnNode1">
-    <dgm:fillClrLst meth="repeat">
-      <a:schemeClr val="accent2"/>
-      <a:schemeClr val="accent3"/>
-      <a:schemeClr val="accent4"/>
-      <a:schemeClr val="accent5"/>
-      <a:schemeClr val="accent6"/>
-    </dgm:fillClrLst>
-    <dgm:linClrLst meth="repeat">
-      <a:schemeClr val="lt1"/>
-    </dgm:linClrLst>
-    <dgm:effectClrLst/>
-    <dgm:txLinClrLst/>
-    <dgm:txFillClrLst/>
-    <dgm:txEffectClrLst/>
-  </dgm:styleLbl>
-  <dgm:styleLbl name="vennNode1">
-    <dgm:fillClrLst meth="repeat">
-      <a:schemeClr val="accent2">
-        <a:alpha val="50000"/>
-      </a:schemeClr>
-      <a:schemeClr val="accent3">
-        <a:alpha val="50000"/>
-      </a:schemeClr>
-      <a:schemeClr val="accent4">
-        <a:alpha val="50000"/>
-      </a:schemeClr>
-      <a:schemeClr val="accent5">
-        <a:alpha val="50000"/>
-      </a:schemeClr>
-      <a:schemeClr val="accent6">
-        <a:alpha val="50000"/>
-      </a:schemeClr>
-    </dgm:fillClrLst>
-    <dgm:linClrLst meth="repeat">
-      <a:schemeClr val="lt1"/>
-    </dgm:linClrLst>
-    <dgm:effectClrLst/>
-    <dgm:txLinClrLst/>
-    <dgm:txFillClrLst/>
-    <dgm:txEffectClrLst/>
-  </dgm:styleLbl>
-  <dgm:styleLbl name="node2">
-    <dgm:fillClrLst>
-      <a:schemeClr val="accent2"/>
-    </dgm:fillClrLst>
-    <dgm:linClrLst meth="repeat">
-      <a:schemeClr val="lt1"/>
-    </dgm:linClrLst>
-    <dgm:effectClrLst/>
-    <dgm:txLinClrLst/>
-    <dgm:txFillClrLst/>
-    <dgm:txEffectClrLst/>
-  </dgm:styleLbl>
-  <dgm:styleLbl name="node3">
-    <dgm:fillClrLst>
-      <a:schemeClr val="accent3"/>
-    </dgm:fillClrLst>
-    <dgm:linClrLst meth="repeat">
-      <a:schemeClr val="lt1"/>
-    </dgm:linClrLst>
-    <dgm:effectClrLst/>
-    <dgm:txLinClrLst/>
-    <dgm:txFillClrLst/>
-    <dgm:txEffectClrLst/>
-  </dgm:styleLbl>
-  <dgm:styleLbl name="node4">
-    <dgm:fillClrLst>
-      <a:schemeClr val="accent4"/>
-    </dgm:fillClrLst>
-    <dgm:linClrLst meth="repeat">
-      <a:schemeClr val="lt1"/>
-    </dgm:linClrLst>
-    <dgm:effectClrLst/>
-    <dgm:txLinClrLst/>
-    <dgm:txFillClrLst/>
-    <dgm:txEffectClrLst/>
-  </dgm:styleLbl>
-  <dgm:styleLbl name="fgImgPlace1">
-    <dgm:fillClrLst meth="repeat">
-      <a:schemeClr val="accent2">
-        <a:tint val="50000"/>
-      </a:schemeClr>
-      <a:schemeClr val="accent3">
-        <a:tint val="50000"/>
-      </a:schemeClr>
-      <a:schemeClr val="accent4">
-        <a:tint val="50000"/>
-      </a:schemeClr>
-      <a:schemeClr val="accent5">
-        <a:tint val="50000"/>
-      </a:schemeClr>
-      <a:schemeClr val="accent6">
-        <a:tint val="50000"/>
-      </a:schemeClr>
-    </dgm:fillClrLst>
-    <dgm:linClrLst meth="repeat">
-      <a:schemeClr val="lt1"/>
-    </dgm:linClrLst>
-    <dgm:effectClrLst/>
-    <dgm:txLinClrLst/>
-    <dgm:txFillClrLst meth="repeat">
-      <a:schemeClr val="lt1"/>
-    </dgm:txFillClrLst>
-    <dgm:txEffectClrLst/>
-  </dgm:styleLbl>
-  <dgm:styleLbl name="alignImgPlace1">
-    <dgm:fillClrLst>
-      <a:schemeClr val="accent1">
-        <a:tint val="50000"/>
-      </a:schemeClr>
-      <a:schemeClr val="accent2">
-        <a:tint val="20000"/>
-      </a:schemeClr>
-    </dgm:fillClrLst>
-    <dgm:linClrLst meth="repeat">
-      <a:schemeClr val="lt1"/>
-    </dgm:linClrLst>
-    <dgm:effectClrLst/>
-    <dgm:txLinClrLst/>
-    <dgm:txFillClrLst meth="repeat">
-      <a:schemeClr val="lt1"/>
-    </dgm:txFillClrLst>
-    <dgm:txEffectClrLst/>
-  </dgm:styleLbl>
-  <dgm:styleLbl name="bgImgPlace1">
-    <dgm:fillClrLst>
-      <a:schemeClr val="accent1">
-        <a:tint val="50000"/>
-      </a:schemeClr>
-      <a:schemeClr val="accent2">
-        <a:tint val="20000"/>
-      </a:schemeClr>
-    </dgm:fillClrLst>
-    <dgm:linClrLst meth="repeat">
-      <a:schemeClr val="lt1"/>
-    </dgm:linClrLst>
-    <dgm:effectClrLst/>
-    <dgm:txLinClrLst/>
-    <dgm:txFillClrLst meth="repeat">
-      <a:schemeClr val="lt1"/>
-    </dgm:txFillClrLst>
-    <dgm:txEffectClrLst/>
-  </dgm:styleLbl>
-  <dgm:styleLbl name="sibTrans2D1">
-    <dgm:fillClrLst meth="repeat">
-      <a:schemeClr val="accent2"/>
-      <a:schemeClr val="accent3"/>
-      <a:schemeClr val="accent4"/>
-      <a:schemeClr val="accent5"/>
-      <a:schemeClr val="accent6"/>
-    </dgm:fillClrLst>
-    <dgm:linClrLst meth="cycle">
-      <a:schemeClr val="lt1"/>
-    </dgm:linClrLst>
-    <dgm:effectClrLst/>
-    <dgm:txLinClrLst/>
-    <dgm:txFillClrLst/>
-    <dgm:txEffectClrLst/>
-  </dgm:styleLbl>
-  <dgm:styleLbl name="fgSibTrans2D1">
-    <dgm:fillClrLst meth="repeat">
-      <a:schemeClr val="accent2"/>
-      <a:schemeClr val="accent3"/>
-      <a:schemeClr val="accent4"/>
-      <a:schemeClr val="accent5"/>
-      <a:schemeClr val="accent6"/>
-    </dgm:fillClrLst>
-    <dgm:linClrLst meth="cycle">
-      <a:schemeClr val="lt1"/>
-    </dgm:linClrLst>
-    <dgm:effectClrLst/>
-    <dgm:txLinClrLst/>
-    <dgm:txFillClrLst meth="repeat">
-      <a:schemeClr val="lt1"/>
-    </dgm:txFillClrLst>
-    <dgm:txEffectClrLst/>
-  </dgm:styleLbl>
-  <dgm:styleLbl name="bgSibTrans2D1">
-    <dgm:fillClrLst meth="repeat">
-      <a:schemeClr val="accent2"/>
-      <a:schemeClr val="accent3"/>
-      <a:schemeClr val="accent4"/>
-      <a:schemeClr val="accent5"/>
-      <a:schemeClr val="accent6"/>
-    </dgm:fillClrLst>
-    <dgm:linClrLst meth="cycle">
-      <a:schemeClr val="lt1"/>
-    </dgm:linClrLst>
-    <dgm:effectClrLst/>
-    <dgm:txLinClrLst/>
-    <dgm:txFillClrLst meth="repeat">
-      <a:schemeClr val="lt1"/>
-    </dgm:txFillClrLst>
-    <dgm:txEffectClrLst/>
-  </dgm:styleLbl>
-  <dgm:styleLbl name="sibTrans1D1">
-    <dgm:fillClrLst meth="repeat">
-      <a:schemeClr val="accent2"/>
-      <a:schemeClr val="accent3"/>
-      <a:schemeClr val="accent4"/>
-      <a:schemeClr val="accent5"/>
-      <a:schemeClr val="accent6"/>
-    </dgm:fillClrLst>
-    <dgm:linClrLst meth="repeat">
-      <a:schemeClr val="accent2"/>
-      <a:schemeClr val="accent3"/>
-      <a:schemeClr val="accent4"/>
-      <a:schemeClr val="accent5"/>
-      <a:schemeClr val="accent6"/>
-    </dgm:linClrLst>
-    <dgm:effectClrLst/>
-    <dgm:txLinClrLst/>
-    <dgm:txFillClrLst meth="repeat">
-      <a:schemeClr val="tx1"/>
-    </dgm:txFillClrLst>
-    <dgm:txEffectClrLst/>
-  </dgm:styleLbl>
-  <dgm:styleLbl name="callout">
-    <dgm:fillClrLst meth="repeat">
-      <a:schemeClr val="accent2"/>
-    </dgm:fillClrLst>
-    <dgm:linClrLst meth="repeat">
-      <a:schemeClr val="accent2">
-        <a:tint val="50000"/>
-      </a:schemeClr>
-    </dgm:linClrLst>
-    <dgm:effectClrLst/>
-    <dgm:txLinClrLst/>
-    <dgm:txFillClrLst meth="repeat">
-      <a:schemeClr val="tx1"/>
-    </dgm:txFillClrLst>
-    <dgm:txEffectClrLst/>
-  </dgm:styleLbl>
-  <dgm:styleLbl name="asst0">
-    <dgm:fillClrLst meth="repeat">
-      <a:schemeClr val="accent1"/>
-    </dgm:fillClrLst>
-    <dgm:linClrLst meth="repeat">
-      <a:schemeClr val="lt1"/>
-    </dgm:linClrLst>
-    <dgm:effectClrLst/>
-    <dgm:txLinClrLst/>
-    <dgm:txFillClrLst/>
-    <dgm:txEffectClrLst/>
-  </dgm:styleLbl>
-  <dgm:styleLbl name="asst1">
-    <dgm:fillClrLst meth="repeat">
-      <a:schemeClr val="accent2"/>
-    </dgm:fillClrLst>
-    <dgm:linClrLst meth="repeat">
-      <a:schemeClr val="lt1"/>
-    </dgm:linClrLst>
-    <dgm:effectClrLst/>
-    <dgm:txLinClrLst/>
-    <dgm:txFillClrLst/>
-    <dgm:txEffectClrLst/>
-  </dgm:styleLbl>
-  <dgm:styleLbl name="asst2">
-    <dgm:fillClrLst>
-      <a:schemeClr val="accent3"/>
-    </dgm:fillClrLst>
-    <dgm:linClrLst meth="repeat">
-      <a:schemeClr val="lt1"/>
-    </dgm:linClrLst>
-    <dgm:effectClrLst/>
-    <dgm:txLinClrLst/>
-    <dgm:txFillClrLst/>
-    <dgm:txEffectClrLst/>
-  </dgm:styleLbl>
-  <dgm:styleLbl name="asst3">
-    <dgm:fillClrLst>
-      <a:schemeClr val="accent4"/>
-    </dgm:fillClrLst>
-    <dgm:linClrLst meth="repeat">
-      <a:schemeClr val="lt1"/>
-    </dgm:linClrLst>
-    <dgm:effectClrLst/>
-    <dgm:txLinClrLst/>
-    <dgm:txFillClrLst/>
-    <dgm:txEffectClrLst/>
-  </dgm:styleLbl>
-  <dgm:styleLbl name="asst4">
-    <dgm:fillClrLst>
-      <a:schemeClr val="accent5"/>
-    </dgm:fillClrLst>
-    <dgm:linClrLst meth="repeat">
-      <a:schemeClr val="lt1"/>
-    </dgm:linClrLst>
-    <dgm:effectClrLst/>
-    <dgm:txLinClrLst/>
-    <dgm:txFillClrLst/>
-    <dgm:txEffectClrLst/>
-  </dgm:styleLbl>
-  <dgm:styleLbl name="parChTrans2D1">
-    <dgm:fillClrLst meth="repeat">
-      <a:schemeClr val="accent2"/>
-    </dgm:fillClrLst>
-    <dgm:linClrLst meth="repeat">
-      <a:schemeClr val="lt1"/>
-    </dgm:linClrLst>
-    <dgm:effectClrLst/>
-    <dgm:txLinClrLst/>
-    <dgm:txFillClrLst meth="repeat">
-      <a:schemeClr val="lt1"/>
-    </dgm:txFillClrLst>
-    <dgm:txEffectClrLst/>
-  </dgm:styleLbl>
-  <dgm:styleLbl name="parChTrans2D2">
-    <dgm:fillClrLst meth="repeat">
-      <a:schemeClr val="accent3"/>
-    </dgm:fillClrLst>
-    <dgm:linClrLst meth="repeat">
-      <a:schemeClr val="lt1"/>
-    </dgm:linClrLst>
-    <dgm:effectClrLst/>
-    <dgm:txLinClrLst/>
-    <dgm:txFillClrLst/>
-    <dgm:txEffectClrLst/>
-  </dgm:styleLbl>
-  <dgm:styleLbl name="parChTrans2D3">
-    <dgm:fillClrLst meth="repeat">
-      <a:schemeClr val="accent4"/>
-    </dgm:fillClrLst>
-    <dgm:linClrLst meth="repeat">
-      <a:schemeClr val="lt1"/>
-    </dgm:linClrLst>
-    <dgm:effectClrLst/>
-    <dgm:txLinClrLst/>
-    <dgm:txFillClrLst/>
-    <dgm:txEffectClrLst/>
-  </dgm:styleLbl>
-  <dgm:styleLbl name="parChTrans2D4">
-    <dgm:fillClrLst meth="repeat">
-      <a:schemeClr val="accent5"/>
-    </dgm:fillClrLst>
-    <dgm:linClrLst meth="repeat">
-      <a:schemeClr val="lt1"/>
-    </dgm:linClrLst>
-    <dgm:effectClrLst/>
-    <dgm:txLinClrLst/>
-    <dgm:txFillClrLst meth="repeat">
-      <a:schemeClr val="lt1"/>
-    </dgm:txFillClrLst>
-    <dgm:txEffectClrLst/>
-  </dgm:styleLbl>
-  <dgm:styleLbl name="parChTrans1D1">
-    <dgm:fillClrLst meth="repeat">
-      <a:schemeClr val="accent2"/>
-    </dgm:fillClrLst>
-    <dgm:linClrLst meth="repeat">
-      <a:schemeClr val="accent1"/>
-    </dgm:linClrLst>
-    <dgm:effectClrLst/>
-    <dgm:txLinClrLst/>
-    <dgm:txFillClrLst meth="repeat">
-      <a:schemeClr val="tx1"/>
-    </dgm:txFillClrLst>
-    <dgm:txEffectClrLst/>
-  </dgm:styleLbl>
-  <dgm:styleLbl name="parChTrans1D2">
-    <dgm:fillClrLst meth="repeat">
-      <a:schemeClr val="accent3">
-        <a:tint val="90000"/>
-      </a:schemeClr>
-    </dgm:fillClrLst>
-    <dgm:linClrLst meth="repeat">
-      <a:schemeClr val="accent2"/>
-    </dgm:linClrLst>
-    <dgm:effectClrLst/>
-    <dgm:txLinClrLst/>
-    <dgm:txFillClrLst meth="repeat">
-      <a:schemeClr val="tx1"/>
-    </dgm:txFillClrLst>
-    <dgm:txEffectClrLst/>
-  </dgm:styleLbl>
-  <dgm:styleLbl name="parChTrans1D3">
-    <dgm:fillClrLst meth="repeat">
-      <a:schemeClr val="accent4">
-        <a:tint val="70000"/>
-      </a:schemeClr>
-    </dgm:fillClrLst>
-    <dgm:linClrLst meth="repeat">
-      <a:schemeClr val="accent3"/>
-    </dgm:linClrLst>
-    <dgm:effectClrLst/>
-    <dgm:txLinClrLst/>
-    <dgm:txFillClrLst meth="repeat">
-      <a:schemeClr val="tx1"/>
-    </dgm:txFillClrLst>
-    <dgm:txEffectClrLst/>
-  </dgm:styleLbl>
-  <dgm:styleLbl name="parChTrans1D4">
-    <dgm:fillClrLst meth="repeat">
-      <a:schemeClr val="accent5">
-        <a:tint val="50000"/>
-      </a:schemeClr>
-    </dgm:fillClrLst>
-    <dgm:linClrLst meth="repeat">
-      <a:schemeClr val="accent4"/>
-    </dgm:linClrLst>
-    <dgm:effectClrLst/>
-    <dgm:txLinClrLst/>
-    <dgm:txFillClrLst meth="repeat">
-      <a:schemeClr val="tx1"/>
-    </dgm:txFillClrLst>
-    <dgm:txEffectClrLst/>
-  </dgm:styleLbl>
-  <dgm:styleLbl name="fgAcc1">
-    <dgm:fillClrLst meth="repeat">
-      <a:schemeClr val="lt1">
-        <a:alpha val="90000"/>
-      </a:schemeClr>
-    </dgm:fillClrLst>
-    <dgm:linClrLst meth="repeat">
-      <a:schemeClr val="accent2"/>
-      <a:schemeClr val="accent3"/>
-      <a:schemeClr val="accent4"/>
-      <a:schemeClr val="accent5"/>
-      <a:schemeClr val="accent6"/>
-    </dgm:linClrLst>
-    <dgm:effectClrLst/>
-    <dgm:txLinClrLst/>
-    <dgm:txFillClrLst meth="repeat">
-      <a:schemeClr val="dk1"/>
-    </dgm:txFillClrLst>
-    <dgm:txEffectClrLst/>
-  </dgm:styleLbl>
-  <dgm:styleLbl name="conFgAcc1">
-    <dgm:fillClrLst meth="repeat">
-      <a:schemeClr val="lt1">
-        <a:alpha val="90000"/>
-      </a:schemeClr>
-    </dgm:fillClrLst>
-    <dgm:linClrLst meth="repeat">
-      <a:schemeClr val="accent2"/>
-      <a:schemeClr val="accent3"/>
-      <a:schemeClr val="accent4"/>
-      <a:schemeClr val="accent5"/>
-      <a:schemeClr val="accent6"/>
-    </dgm:linClrLst>
-    <dgm:effectClrLst/>
-    <dgm:txLinClrLst/>
-    <dgm:txFillClrLst meth="repeat">
-      <a:schemeClr val="dk1"/>
-    </dgm:txFillClrLst>
-    <dgm:txEffectClrLst/>
-  </dgm:styleLbl>
-  <dgm:styleLbl name="alignAcc1">
-    <dgm:fillClrLst meth="repeat">
-      <a:schemeClr val="lt1">
-        <a:alpha val="90000"/>
-      </a:schemeClr>
-    </dgm:fillClrLst>
-    <dgm:linClrLst meth="repeat">
-      <a:schemeClr val="accent2"/>
-      <a:schemeClr val="accent3"/>
-      <a:schemeClr val="accent4"/>
-      <a:schemeClr val="accent5"/>
-      <a:schemeClr val="accent6"/>
-    </dgm:linClrLst>
-    <dgm:effectClrLst/>
-    <dgm:txLinClrLst/>
-    <dgm:txFillClrLst meth="repeat">
-      <a:schemeClr val="dk1"/>
-    </dgm:txFillClrLst>
-    <dgm:txEffectClrLst/>
-  </dgm:styleLbl>
-  <dgm:styleLbl name="trAlignAcc1">
-    <dgm:fillClrLst meth="repeat">
-      <a:schemeClr val="lt1">
-        <a:alpha val="40000"/>
-      </a:schemeClr>
-    </dgm:fillClrLst>
-    <dgm:linClrLst meth="repeat">
-      <a:schemeClr val="accent1"/>
-    </dgm:linClrLst>
-    <dgm:effectClrLst/>
-    <dgm:txLinClrLst/>
-    <dgm:txFillClrLst meth="repeat">
-      <a:schemeClr val="dk1"/>
-    </dgm:txFillClrLst>
-    <dgm:txEffectClrLst/>
-  </dgm:styleLbl>
-  <dgm:styleLbl name="bgAcc1">
-    <dgm:fillClrLst meth="repeat">
-      <a:schemeClr val="lt1">
-        <a:alpha val="90000"/>
-      </a:schemeClr>
-    </dgm:fillClrLst>
-    <dgm:linClrLst meth="repeat">
-      <a:schemeClr val="accent2"/>
-      <a:schemeClr val="accent3"/>
-      <a:schemeClr val="accent4"/>
-      <a:schemeClr val="accent5"/>
-      <a:schemeClr val="accent6"/>
-    </dgm:linClrLst>
-    <dgm:effectClrLst/>
-    <dgm:txLinClrLst/>
-    <dgm:txFillClrLst meth="repeat">
-      <a:schemeClr val="dk1"/>
-    </dgm:txFillClrLst>
-    <dgm:txEffectClrLst/>
-  </dgm:styleLbl>
-  <dgm:styleLbl name="solidFgAcc1">
-    <dgm:fillClrLst meth="repeat">
-      <a:schemeClr val="lt1"/>
-    </dgm:fillClrLst>
-    <dgm:linClrLst meth="repeat">
-      <a:schemeClr val="accent2"/>
-      <a:schemeClr val="accent3"/>
-      <a:schemeClr val="accent4"/>
-      <a:schemeClr val="accent5"/>
-      <a:schemeClr val="accent6"/>
-    </dgm:linClrLst>
-    <dgm:effectClrLst/>
-    <dgm:txLinClrLst/>
-    <dgm:txFillClrLst meth="repeat">
-      <a:schemeClr val="dk1"/>
-    </dgm:txFillClrLst>
-    <dgm:txEffectClrLst/>
-  </dgm:styleLbl>
-  <dgm:styleLbl name="solidAlignAcc1">
-    <dgm:fillClrLst meth="repeat">
-      <a:schemeClr val="lt1"/>
-    </dgm:fillClrLst>
-    <dgm:linClrLst meth="repeat">
-      <a:schemeClr val="accent2"/>
-      <a:schemeClr val="accent3"/>
-      <a:schemeClr val="accent4"/>
-      <a:schemeClr val="accent5"/>
-      <a:schemeClr val="accent6"/>
-    </dgm:linClrLst>
-    <dgm:effectClrLst/>
-    <dgm:txLinClrLst/>
-    <dgm:txFillClrLst meth="repeat">
-      <a:schemeClr val="dk1"/>
-    </dgm:txFillClrLst>
-    <dgm:txEffectClrLst/>
-  </dgm:styleLbl>
-  <dgm:styleLbl name="solidBgAcc1">
-    <dgm:fillClrLst meth="repeat">
-      <a:schemeClr val="lt1"/>
-    </dgm:fillClrLst>
-    <dgm:linClrLst meth="repeat">
-      <a:schemeClr val="accent2"/>
-      <a:schemeClr val="accent3"/>
-      <a:schemeClr val="accent4"/>
-      <a:schemeClr val="accent5"/>
-      <a:schemeClr val="accent6"/>
-    </dgm:linClrLst>
-    <dgm:effectClrLst/>
-    <dgm:txLinClrLst/>
-    <dgm:txFillClrLst meth="repeat">
-      <a:schemeClr val="dk1"/>
-    </dgm:txFillClrLst>
-    <dgm:txEffectClrLst/>
-  </dgm:styleLbl>
-  <dgm:styleLbl name="fgAccFollowNode1">
-    <dgm:fillClrLst meth="repeat">
-      <a:schemeClr val="accent2">
-        <a:tint val="40000"/>
-        <a:alpha val="90000"/>
-      </a:schemeClr>
-      <a:schemeClr val="accent3">
-        <a:tint val="40000"/>
-        <a:alpha val="90000"/>
-      </a:schemeClr>
-      <a:schemeClr val="accent4">
-        <a:tint val="40000"/>
-        <a:alpha val="90000"/>
-      </a:schemeClr>
-      <a:schemeClr val="accent5">
-        <a:tint val="40000"/>
-        <a:alpha val="90000"/>
-      </a:schemeClr>
-      <a:schemeClr val="accent6">
-        <a:tint val="40000"/>
-        <a:alpha val="90000"/>
-      </a:schemeClr>
-    </dgm:fillClrLst>
-    <dgm:linClrLst meth="repeat">
-      <a:schemeClr val="accent2">
-        <a:tint val="40000"/>
-        <a:alpha val="90000"/>
-      </a:schemeClr>
-      <a:schemeClr val="accent3">
-        <a:tint val="40000"/>
-        <a:alpha val="90000"/>
-      </a:schemeClr>
-      <a:schemeClr val="accent4">
-        <a:tint val="40000"/>
-        <a:alpha val="90000"/>
-      </a:schemeClr>
-      <a:schemeClr val="accent5">
-        <a:tint val="40000"/>
-        <a:alpha val="90000"/>
-      </a:schemeClr>
-      <a:schemeClr val="accent6">
-        <a:tint val="40000"/>
-        <a:alpha val="90000"/>
-      </a:schemeClr>
-    </dgm:linClrLst>
-    <dgm:effectClrLst/>
-    <dgm:txLinClrLst/>
-    <dgm:txFillClrLst meth="repeat">
-      <a:schemeClr val="dk1"/>
-    </dgm:txFillClrLst>
-    <dgm:txEffectClrLst/>
-  </dgm:styleLbl>
-  <dgm:styleLbl name="alignAccFollowNode1">
-    <dgm:fillClrLst meth="repeat">
-      <a:schemeClr val="accent2">
-        <a:tint val="40000"/>
-        <a:alpha val="90000"/>
-      </a:schemeClr>
-      <a:schemeClr val="accent3">
-        <a:tint val="40000"/>
-        <a:alpha val="90000"/>
-      </a:schemeClr>
-      <a:schemeClr val="accent4">
-        <a:tint val="40000"/>
-        <a:alpha val="90000"/>
-      </a:schemeClr>
-      <a:schemeClr val="accent5">
-        <a:tint val="40000"/>
-        <a:alpha val="90000"/>
-      </a:schemeClr>
-      <a:schemeClr val="accent6">
-        <a:tint val="40000"/>
-        <a:alpha val="90000"/>
-      </a:schemeClr>
-    </dgm:fillClrLst>
-    <dgm:linClrLst meth="repeat">
-      <a:schemeClr val="accent2">
-        <a:tint val="40000"/>
-        <a:alpha val="90000"/>
-      </a:schemeClr>
-      <a:schemeClr val="accent3">
-        <a:tint val="40000"/>
-        <a:alpha val="90000"/>
-      </a:schemeClr>
-      <a:schemeClr val="accent4">
-        <a:tint val="40000"/>
-        <a:alpha val="90000"/>
-      </a:schemeClr>
-      <a:schemeClr val="accent5">
-        <a:tint val="40000"/>
-        <a:alpha val="90000"/>
-      </a:schemeClr>
-      <a:schemeClr val="accent6">
-        <a:tint val="40000"/>
-        <a:alpha val="90000"/>
-      </a:schemeClr>
-    </dgm:linClrLst>
-    <dgm:effectClrLst/>
-    <dgm:txLinClrLst/>
-    <dgm:txFillClrLst meth="repeat">
-      <a:schemeClr val="dk1"/>
-    </dgm:txFillClrLst>
-    <dgm:txEffectClrLst/>
-  </dgm:styleLbl>
-  <dgm:styleLbl name="bgAccFollowNode1">
-    <dgm:fillClrLst meth="repeat">
-      <a:schemeClr val="accent2">
-        <a:tint val="40000"/>
-        <a:alpha val="90000"/>
-      </a:schemeClr>
-      <a:schemeClr val="accent3">
-        <a:tint val="40000"/>
-        <a:alpha val="90000"/>
-      </a:schemeClr>
-      <a:schemeClr val="accent4">
-        <a:tint val="40000"/>
-        <a:alpha val="90000"/>
-      </a:schemeClr>
-      <a:schemeClr val="accent5">
-        <a:tint val="40000"/>
-        <a:alpha val="90000"/>
-      </a:schemeClr>
-      <a:schemeClr val="accent6">
-        <a:tint val="40000"/>
-        <a:alpha val="90000"/>
-      </a:schemeClr>
-    </dgm:fillClrLst>
-    <dgm:linClrLst meth="repeat">
-      <a:schemeClr val="accent2">
-        <a:tint val="40000"/>
-        <a:alpha val="90000"/>
-      </a:schemeClr>
-      <a:schemeClr val="accent3">
-        <a:tint val="40000"/>
-        <a:alpha val="90000"/>
-      </a:schemeClr>
-      <a:schemeClr val="accent4">
-        <a:tint val="40000"/>
-        <a:alpha val="90000"/>
-      </a:schemeClr>
-      <a:schemeClr val="accent5">
-        <a:tint val="40000"/>
-        <a:alpha val="90000"/>
-      </a:schemeClr>
-      <a:schemeClr val="accent6">
-        <a:tint val="40000"/>
-        <a:alpha val="90000"/>
-      </a:schemeClr>
-    </dgm:linClrLst>
-    <dgm:effectClrLst/>
-    <dgm:txLinClrLst/>
-    <dgm:txFillClrLst meth="repeat">
-      <a:schemeClr val="dk1"/>
-    </dgm:txFillClrLst>
-    <dgm:txEffectClrLst/>
-  </dgm:styleLbl>
-  <dgm:styleLbl name="fgAcc0">
-    <dgm:fillClrLst meth="repeat">
-      <a:schemeClr val="lt1">
-        <a:alpha val="90000"/>
-      </a:schemeClr>
-    </dgm:fillClrLst>
-    <dgm:linClrLst>
-      <a:schemeClr val="accent1"/>
-    </dgm:linClrLst>
-    <dgm:effectClrLst/>
-    <dgm:txLinClrLst/>
-    <dgm:txFillClrLst meth="repeat">
-      <a:schemeClr val="dk1"/>
-    </dgm:txFillClrLst>
-    <dgm:txEffectClrLst/>
-  </dgm:styleLbl>
-  <dgm:styleLbl name="fgAcc2">
-    <dgm:fillClrLst meth="repeat">
-      <a:schemeClr val="lt1">
-        <a:alpha val="90000"/>
-      </a:schemeClr>
-    </dgm:fillClrLst>
-    <dgm:linClrLst>
-      <a:schemeClr val="accent2"/>
-    </dgm:linClrLst>
-    <dgm:effectClrLst/>
-    <dgm:txLinClrLst/>
-    <dgm:txFillClrLst meth="repeat">
-      <a:schemeClr val="dk1"/>
-    </dgm:txFillClrLst>
-    <dgm:txEffectClrLst/>
-  </dgm:styleLbl>
-  <dgm:styleLbl name="fgAcc3">
-    <dgm:fillClrLst meth="repeat">
-      <a:schemeClr val="lt1">
-        <a:alpha val="90000"/>
-      </a:schemeClr>
-    </dgm:fillClrLst>
-    <dgm:linClrLst>
-      <a:schemeClr val="accent3"/>
-    </dgm:linClrLst>
-    <dgm:effectClrLst/>
-    <dgm:txLinClrLst/>
-    <dgm:txFillClrLst meth="repeat">
-      <a:schemeClr val="dk1"/>
-    </dgm:txFillClrLst>
-    <dgm:txEffectClrLst/>
-  </dgm:styleLbl>
-  <dgm:styleLbl name="fgAcc4">
-    <dgm:fillClrLst meth="repeat">
-      <a:schemeClr val="lt1">
-        <a:alpha val="90000"/>
-      </a:schemeClr>
-    </dgm:fillClrLst>
-    <dgm:linClrLst>
-      <a:schemeClr val="accent4"/>
-    </dgm:linClrLst>
-    <dgm:effectClrLst/>
-    <dgm:txLinClrLst/>
-    <dgm:txFillClrLst meth="repeat">
-      <a:schemeClr val="dk1"/>
-    </dgm:txFillClrLst>
-    <dgm:txEffectClrLst/>
-  </dgm:styleLbl>
-  <dgm:styleLbl name="bgShp">
-    <dgm:fillClrLst meth="repeat">
-      <a:schemeClr val="accent2">
-        <a:tint val="40000"/>
-      </a:schemeClr>
-    </dgm:fillClrLst>
-    <dgm:linClrLst meth="repeat">
-      <a:schemeClr val="dk1"/>
-    </dgm:linClrLst>
-    <dgm:effectClrLst/>
-    <dgm:txLinClrLst/>
-    <dgm:txFillClrLst meth="repeat">
-      <a:schemeClr val="dk1"/>
-    </dgm:txFillClrLst>
-    <dgm:txEffectClrLst/>
-  </dgm:styleLbl>
-  <dgm:styleLbl name="dkBgShp">
-    <dgm:fillClrLst meth="repeat">
-      <a:schemeClr val="accent2">
-        <a:shade val="90000"/>
-      </a:schemeClr>
-    </dgm:fillClrLst>
-    <dgm:linClrLst meth="repeat">
-      <a:schemeClr val="dk1"/>
-    </dgm:linClrLst>
-    <dgm:effectClrLst/>
-    <dgm:txLinClrLst/>
-    <dgm:txFillClrLst meth="repeat">
-      <a:schemeClr val="lt1"/>
-    </dgm:txFillClrLst>
-    <dgm:txEffectClrLst/>
-  </dgm:styleLbl>
-  <dgm:styleLbl name="trBgShp">
-    <dgm:fillClrLst meth="repeat">
-      <a:schemeClr val="accent1">
-        <a:tint val="50000"/>
-        <a:alpha val="40000"/>
-      </a:schemeClr>
-    </dgm:fillClrLst>
-    <dgm:linClrLst meth="repeat">
-      <a:schemeClr val="accent2"/>
-    </dgm:linClrLst>
-    <dgm:effectClrLst/>
-    <dgm:txLinClrLst/>
-    <dgm:txFillClrLst meth="repeat">
-      <a:schemeClr val="lt1"/>
-    </dgm:txFillClrLst>
-    <dgm:txEffectClrLst/>
-  </dgm:styleLbl>
-  <dgm:styleLbl name="fgShp">
-    <dgm:fillClrLst meth="repeat">
-      <a:schemeClr val="accent2">
-        <a:tint val="40000"/>
-      </a:schemeClr>
-    </dgm:fillClrLst>
-    <dgm:linClrLst meth="repeat">
-      <a:schemeClr val="lt1"/>
-    </dgm:linClrLst>
-    <dgm:effectClrLst/>
-    <dgm:txLinClrLst/>
-    <dgm:txFillClrLst meth="repeat">
-      <a:schemeClr val="dk1"/>
-    </dgm:txFillClrLst>
-    <dgm:txEffectClrLst/>
-  </dgm:styleLbl>
-  <dgm:styleLbl name="revTx">
-    <dgm:fillClrLst meth="repeat">
-      <a:schemeClr val="lt1">
-        <a:alpha val="0"/>
-      </a:schemeClr>
-    </dgm:fillClrLst>
-    <dgm:linClrLst meth="repeat">
-      <a:schemeClr val="dk1">
-        <a:alpha val="0"/>
-      </a:schemeClr>
-    </dgm:linClrLst>
-    <dgm:effectClrLst/>
-    <dgm:txLinClrLst/>
-    <dgm:txFillClrLst meth="repeat">
-      <a:schemeClr val="tx1"/>
-    </dgm:txFillClrLst>
-    <dgm:txEffectClrLst/>
-  </dgm:styleLbl>
-</dgm:colorsDef>
-</file>
-
-<file path=ppt/diagrams/colors3.xml><?xml version="1.0" encoding="utf-8"?>
 <dgm:colorsDef xmlns:dgm="http://schemas.openxmlformats.org/drawingml/2006/diagram" xmlns:a="http://schemas.openxmlformats.org/drawingml/2006/main" uniqueId="urn:microsoft.com/office/officeart/2005/8/colors/colorful1">
   <dgm:title val=""/>
   <dgm:desc val=""/>
@@ -3202,340 +2183,6 @@
         <a:lstStyle/>
         <a:p>
           <a:endParaRPr lang="en-US" sz="2400"/>
-        </a:p>
-      </dgm:t>
-    </dgm:pt>
-    <dgm:pt modelId="{8DFD67B8-D561-994D-A0E2-7E62AB4D7403}" type="pres">
-      <dgm:prSet presAssocID="{6461BB18-229A-494D-9BAF-BBAFA145B22E}" presName="rootnode" presStyleCnt="0">
-        <dgm:presLayoutVars>
-          <dgm:chMax/>
-          <dgm:chPref/>
-          <dgm:dir/>
-          <dgm:animLvl val="lvl"/>
-        </dgm:presLayoutVars>
-      </dgm:prSet>
-      <dgm:spPr/>
-    </dgm:pt>
-    <dgm:pt modelId="{3A7A16FB-483D-6741-BE94-46CD165AB7AD}" type="pres">
-      <dgm:prSet presAssocID="{CF28DB55-6624-6948-9DF9-F5A92F09DBF0}" presName="composite" presStyleCnt="0"/>
-      <dgm:spPr/>
-    </dgm:pt>
-    <dgm:pt modelId="{6A5AE2B9-42AA-C34B-80EA-BE4B1010BB85}" type="pres">
-      <dgm:prSet presAssocID="{CF28DB55-6624-6948-9DF9-F5A92F09DBF0}" presName="bentUpArrow1" presStyleLbl="alignImgPlace1" presStyleIdx="0" presStyleCnt="3" custLinFactX="-143846" custLinFactNeighborX="-200000" custLinFactNeighborY="-3178"/>
-      <dgm:spPr/>
-    </dgm:pt>
-    <dgm:pt modelId="{0F91F0DD-3B46-A645-9482-2FFA0A97B4A6}" type="pres">
-      <dgm:prSet presAssocID="{CF28DB55-6624-6948-9DF9-F5A92F09DBF0}" presName="ParentText" presStyleLbl="node1" presStyleIdx="0" presStyleCnt="4" custScaleX="132663" custLinFactX="-100000" custLinFactNeighborX="-132538" custLinFactNeighborY="-1397">
-        <dgm:presLayoutVars>
-          <dgm:chMax val="1"/>
-          <dgm:chPref val="1"/>
-          <dgm:bulletEnabled val="1"/>
-        </dgm:presLayoutVars>
-      </dgm:prSet>
-      <dgm:spPr/>
-    </dgm:pt>
-    <dgm:pt modelId="{10399004-045B-844A-972C-54C830C3E972}" type="pres">
-      <dgm:prSet presAssocID="{CF28DB55-6624-6948-9DF9-F5A92F09DBF0}" presName="ChildText" presStyleLbl="revTx" presStyleIdx="0" presStyleCnt="3">
-        <dgm:presLayoutVars>
-          <dgm:chMax val="0"/>
-          <dgm:chPref val="0"/>
-          <dgm:bulletEnabled val="1"/>
-        </dgm:presLayoutVars>
-      </dgm:prSet>
-      <dgm:spPr/>
-    </dgm:pt>
-    <dgm:pt modelId="{F758AE3B-70F4-774E-B5DA-6318B2145BD4}" type="pres">
-      <dgm:prSet presAssocID="{C3B1B784-385E-4145-A5C7-5E80B8654E71}" presName="sibTrans" presStyleCnt="0"/>
-      <dgm:spPr/>
-    </dgm:pt>
-    <dgm:pt modelId="{31B2EFCE-8A35-1641-828F-30383BBEE7C8}" type="pres">
-      <dgm:prSet presAssocID="{7FF5E108-8DF3-404D-8D5F-2E181E2179D3}" presName="composite" presStyleCnt="0"/>
-      <dgm:spPr/>
-    </dgm:pt>
-    <dgm:pt modelId="{3CE3060E-4821-E94D-8944-352F9036708C}" type="pres">
-      <dgm:prSet presAssocID="{7FF5E108-8DF3-404D-8D5F-2E181E2179D3}" presName="bentUpArrow1" presStyleLbl="alignImgPlace1" presStyleIdx="1" presStyleCnt="3" custLinFactX="-124729" custLinFactNeighborX="-200000" custLinFactNeighborY="-3178"/>
-      <dgm:spPr/>
-    </dgm:pt>
-    <dgm:pt modelId="{A9B570B6-9AB9-B441-8A49-78263FB132A5}" type="pres">
-      <dgm:prSet presAssocID="{7FF5E108-8DF3-404D-8D5F-2E181E2179D3}" presName="ParentText" presStyleLbl="node1" presStyleIdx="1" presStyleCnt="4" custLinFactX="-100000" custLinFactNeighborX="-123012" custLinFactNeighborY="-1378">
-        <dgm:presLayoutVars>
-          <dgm:chMax val="1"/>
-          <dgm:chPref val="1"/>
-          <dgm:bulletEnabled val="1"/>
-        </dgm:presLayoutVars>
-      </dgm:prSet>
-      <dgm:spPr/>
-    </dgm:pt>
-    <dgm:pt modelId="{848ECA70-E4B7-5340-A00C-61754BF21E81}" type="pres">
-      <dgm:prSet presAssocID="{7FF5E108-8DF3-404D-8D5F-2E181E2179D3}" presName="ChildText" presStyleLbl="revTx" presStyleIdx="1" presStyleCnt="3">
-        <dgm:presLayoutVars>
-          <dgm:chMax val="0"/>
-          <dgm:chPref val="0"/>
-          <dgm:bulletEnabled val="1"/>
-        </dgm:presLayoutVars>
-      </dgm:prSet>
-      <dgm:spPr/>
-    </dgm:pt>
-    <dgm:pt modelId="{41AF3B10-E199-B747-BF2C-C6DC7FC6729C}" type="pres">
-      <dgm:prSet presAssocID="{5B87446B-02B9-8649-AB91-CE41F15EFD43}" presName="sibTrans" presStyleCnt="0"/>
-      <dgm:spPr/>
-    </dgm:pt>
-    <dgm:pt modelId="{79ACF0D2-BEAF-8245-8BFF-372E2110652C}" type="pres">
-      <dgm:prSet presAssocID="{4CDBBC08-7F9C-3146-94F1-DBA386FA7C21}" presName="composite" presStyleCnt="0"/>
-      <dgm:spPr/>
-    </dgm:pt>
-    <dgm:pt modelId="{02904B05-2915-054C-A1B7-AF27F24EEACF}" type="pres">
-      <dgm:prSet presAssocID="{4CDBBC08-7F9C-3146-94F1-DBA386FA7C21}" presName="bentUpArrow1" presStyleLbl="alignImgPlace1" presStyleIdx="2" presStyleCnt="3" custLinFactX="-143846" custLinFactNeighborX="-200000" custLinFactNeighborY="-3178"/>
-      <dgm:spPr/>
-    </dgm:pt>
-    <dgm:pt modelId="{EACC0B4E-1894-3843-9C7E-43D97429168C}" type="pres">
-      <dgm:prSet presAssocID="{4CDBBC08-7F9C-3146-94F1-DBA386FA7C21}" presName="ParentText" presStyleLbl="node1" presStyleIdx="2" presStyleCnt="4" custLinFactX="-100000" custLinFactNeighborX="-132538" custLinFactNeighborY="-2697">
-        <dgm:presLayoutVars>
-          <dgm:chMax val="1"/>
-          <dgm:chPref val="1"/>
-          <dgm:bulletEnabled val="1"/>
-        </dgm:presLayoutVars>
-      </dgm:prSet>
-      <dgm:spPr/>
-    </dgm:pt>
-    <dgm:pt modelId="{131CAF40-97AE-EE40-8409-30AE5BADE101}" type="pres">
-      <dgm:prSet presAssocID="{4CDBBC08-7F9C-3146-94F1-DBA386FA7C21}" presName="ChildText" presStyleLbl="revTx" presStyleIdx="2" presStyleCnt="3">
-        <dgm:presLayoutVars>
-          <dgm:chMax val="0"/>
-          <dgm:chPref val="0"/>
-          <dgm:bulletEnabled val="1"/>
-        </dgm:presLayoutVars>
-      </dgm:prSet>
-      <dgm:spPr/>
-    </dgm:pt>
-    <dgm:pt modelId="{7A7CDA76-108F-BD41-BA2C-DF400CC5E256}" type="pres">
-      <dgm:prSet presAssocID="{DFB90D4C-1764-E34B-B827-98ABBB831B1E}" presName="sibTrans" presStyleCnt="0"/>
-      <dgm:spPr/>
-    </dgm:pt>
-    <dgm:pt modelId="{4D393B1B-90E1-AE43-8B4C-59887812E09F}" type="pres">
-      <dgm:prSet presAssocID="{8C141C72-AD93-1545-857B-4D2FE4959C40}" presName="composite" presStyleCnt="0"/>
-      <dgm:spPr/>
-    </dgm:pt>
-    <dgm:pt modelId="{D8DC1696-C14F-2B47-86A2-E755768F4FD7}" type="pres">
-      <dgm:prSet presAssocID="{8C141C72-AD93-1545-857B-4D2FE4959C40}" presName="ParentText" presStyleLbl="node1" presStyleIdx="3" presStyleCnt="4" custLinFactX="-100000" custLinFactNeighborX="-141384" custLinFactNeighborY="-3669">
-        <dgm:presLayoutVars>
-          <dgm:chMax val="1"/>
-          <dgm:chPref val="1"/>
-          <dgm:bulletEnabled val="1"/>
-        </dgm:presLayoutVars>
-      </dgm:prSet>
-      <dgm:spPr/>
-    </dgm:pt>
-  </dgm:ptLst>
-  <dgm:cxnLst>
-    <dgm:cxn modelId="{271C1D13-6766-664B-B19B-8CF07019A934}" srcId="{6461BB18-229A-494D-9BAF-BBAFA145B22E}" destId="{8C141C72-AD93-1545-857B-4D2FE4959C40}" srcOrd="3" destOrd="0" parTransId="{D703A137-F46C-654A-851E-009D7141D0A8}" sibTransId="{044DBB9C-B362-A44C-9F4D-42AD513BFF0E}"/>
-    <dgm:cxn modelId="{6C527E16-F75B-C940-9476-1726A4098A67}" type="presOf" srcId="{4CDBBC08-7F9C-3146-94F1-DBA386FA7C21}" destId="{EACC0B4E-1894-3843-9C7E-43D97429168C}" srcOrd="0" destOrd="0" presId="urn:microsoft.com/office/officeart/2005/8/layout/StepDownProcess"/>
-    <dgm:cxn modelId="{16A7F841-4B7C-8B43-9F4F-FF9047C0963A}" type="presOf" srcId="{6461BB18-229A-494D-9BAF-BBAFA145B22E}" destId="{8DFD67B8-D561-994D-A0E2-7E62AB4D7403}" srcOrd="0" destOrd="0" presId="urn:microsoft.com/office/officeart/2005/8/layout/StepDownProcess"/>
-    <dgm:cxn modelId="{C53E7889-0B88-9349-8921-BA1487AB48AC}" srcId="{6461BB18-229A-494D-9BAF-BBAFA145B22E}" destId="{7FF5E108-8DF3-404D-8D5F-2E181E2179D3}" srcOrd="1" destOrd="0" parTransId="{C3F7CC50-BF90-0743-964B-086D1BD8509D}" sibTransId="{5B87446B-02B9-8649-AB91-CE41F15EFD43}"/>
-    <dgm:cxn modelId="{8BCD718B-B1F2-6647-ADC7-03BFF985FE66}" srcId="{6461BB18-229A-494D-9BAF-BBAFA145B22E}" destId="{4CDBBC08-7F9C-3146-94F1-DBA386FA7C21}" srcOrd="2" destOrd="0" parTransId="{830823ED-041F-3545-AD08-9BFE03B949AB}" sibTransId="{DFB90D4C-1764-E34B-B827-98ABBB831B1E}"/>
-    <dgm:cxn modelId="{EB374DA1-C5BD-C942-B010-35AF61A99471}" type="presOf" srcId="{CF28DB55-6624-6948-9DF9-F5A92F09DBF0}" destId="{0F91F0DD-3B46-A645-9482-2FFA0A97B4A6}" srcOrd="0" destOrd="0" presId="urn:microsoft.com/office/officeart/2005/8/layout/StepDownProcess"/>
-    <dgm:cxn modelId="{161567B7-93C2-8444-9B69-93ADD3F9F58E}" type="presOf" srcId="{7FF5E108-8DF3-404D-8D5F-2E181E2179D3}" destId="{A9B570B6-9AB9-B441-8A49-78263FB132A5}" srcOrd="0" destOrd="0" presId="urn:microsoft.com/office/officeart/2005/8/layout/StepDownProcess"/>
-    <dgm:cxn modelId="{7DA231F0-39E1-284E-A427-4F9696EC86FA}" srcId="{6461BB18-229A-494D-9BAF-BBAFA145B22E}" destId="{CF28DB55-6624-6948-9DF9-F5A92F09DBF0}" srcOrd="0" destOrd="0" parTransId="{F51373B9-6BF4-7B43-B986-BF1D9F5CC1A5}" sibTransId="{C3B1B784-385E-4145-A5C7-5E80B8654E71}"/>
-    <dgm:cxn modelId="{99AA0CF5-FC58-C94E-89F2-9761C3A09DDE}" type="presOf" srcId="{8C141C72-AD93-1545-857B-4D2FE4959C40}" destId="{D8DC1696-C14F-2B47-86A2-E755768F4FD7}" srcOrd="0" destOrd="0" presId="urn:microsoft.com/office/officeart/2005/8/layout/StepDownProcess"/>
-    <dgm:cxn modelId="{7CF14865-6225-A643-926F-EF599FA0701B}" type="presParOf" srcId="{8DFD67B8-D561-994D-A0E2-7E62AB4D7403}" destId="{3A7A16FB-483D-6741-BE94-46CD165AB7AD}" srcOrd="0" destOrd="0" presId="urn:microsoft.com/office/officeart/2005/8/layout/StepDownProcess"/>
-    <dgm:cxn modelId="{521E85B6-CBA9-E14F-829E-1D823D725187}" type="presParOf" srcId="{3A7A16FB-483D-6741-BE94-46CD165AB7AD}" destId="{6A5AE2B9-42AA-C34B-80EA-BE4B1010BB85}" srcOrd="0" destOrd="0" presId="urn:microsoft.com/office/officeart/2005/8/layout/StepDownProcess"/>
-    <dgm:cxn modelId="{B7E2977B-A544-A64B-84B1-6C43F9D24968}" type="presParOf" srcId="{3A7A16FB-483D-6741-BE94-46CD165AB7AD}" destId="{0F91F0DD-3B46-A645-9482-2FFA0A97B4A6}" srcOrd="1" destOrd="0" presId="urn:microsoft.com/office/officeart/2005/8/layout/StepDownProcess"/>
-    <dgm:cxn modelId="{2C9A0705-8137-BB49-8E80-9C6F5F8450E7}" type="presParOf" srcId="{3A7A16FB-483D-6741-BE94-46CD165AB7AD}" destId="{10399004-045B-844A-972C-54C830C3E972}" srcOrd="2" destOrd="0" presId="urn:microsoft.com/office/officeart/2005/8/layout/StepDownProcess"/>
-    <dgm:cxn modelId="{810C7767-146E-C24F-B209-1BE35278E07F}" type="presParOf" srcId="{8DFD67B8-D561-994D-A0E2-7E62AB4D7403}" destId="{F758AE3B-70F4-774E-B5DA-6318B2145BD4}" srcOrd="1" destOrd="0" presId="urn:microsoft.com/office/officeart/2005/8/layout/StepDownProcess"/>
-    <dgm:cxn modelId="{8501B44F-1495-094D-A968-C7F7639D664F}" type="presParOf" srcId="{8DFD67B8-D561-994D-A0E2-7E62AB4D7403}" destId="{31B2EFCE-8A35-1641-828F-30383BBEE7C8}" srcOrd="2" destOrd="0" presId="urn:microsoft.com/office/officeart/2005/8/layout/StepDownProcess"/>
-    <dgm:cxn modelId="{D927C71C-D44E-0245-92EB-C6B504253DF7}" type="presParOf" srcId="{31B2EFCE-8A35-1641-828F-30383BBEE7C8}" destId="{3CE3060E-4821-E94D-8944-352F9036708C}" srcOrd="0" destOrd="0" presId="urn:microsoft.com/office/officeart/2005/8/layout/StepDownProcess"/>
-    <dgm:cxn modelId="{00DC44F3-07FC-0546-9D5D-5E6FCAF93954}" type="presParOf" srcId="{31B2EFCE-8A35-1641-828F-30383BBEE7C8}" destId="{A9B570B6-9AB9-B441-8A49-78263FB132A5}" srcOrd="1" destOrd="0" presId="urn:microsoft.com/office/officeart/2005/8/layout/StepDownProcess"/>
-    <dgm:cxn modelId="{CD9CE2ED-3229-494B-BC76-457D51E8D8C5}" type="presParOf" srcId="{31B2EFCE-8A35-1641-828F-30383BBEE7C8}" destId="{848ECA70-E4B7-5340-A00C-61754BF21E81}" srcOrd="2" destOrd="0" presId="urn:microsoft.com/office/officeart/2005/8/layout/StepDownProcess"/>
-    <dgm:cxn modelId="{1D25EFC8-46ED-704A-A3FB-2CCBB0EA4BCA}" type="presParOf" srcId="{8DFD67B8-D561-994D-A0E2-7E62AB4D7403}" destId="{41AF3B10-E199-B747-BF2C-C6DC7FC6729C}" srcOrd="3" destOrd="0" presId="urn:microsoft.com/office/officeart/2005/8/layout/StepDownProcess"/>
-    <dgm:cxn modelId="{80714EAD-4473-A047-A185-BA04912FCA91}" type="presParOf" srcId="{8DFD67B8-D561-994D-A0E2-7E62AB4D7403}" destId="{79ACF0D2-BEAF-8245-8BFF-372E2110652C}" srcOrd="4" destOrd="0" presId="urn:microsoft.com/office/officeart/2005/8/layout/StepDownProcess"/>
-    <dgm:cxn modelId="{D9F36C77-92F4-2A48-BAB2-EE9BB8BBA1F5}" type="presParOf" srcId="{79ACF0D2-BEAF-8245-8BFF-372E2110652C}" destId="{02904B05-2915-054C-A1B7-AF27F24EEACF}" srcOrd="0" destOrd="0" presId="urn:microsoft.com/office/officeart/2005/8/layout/StepDownProcess"/>
-    <dgm:cxn modelId="{5501E8E0-3A8B-E94A-BA78-1D6BA5D705BB}" type="presParOf" srcId="{79ACF0D2-BEAF-8245-8BFF-372E2110652C}" destId="{EACC0B4E-1894-3843-9C7E-43D97429168C}" srcOrd="1" destOrd="0" presId="urn:microsoft.com/office/officeart/2005/8/layout/StepDownProcess"/>
-    <dgm:cxn modelId="{6AD4D96E-962C-B940-AE99-5E17051583E1}" type="presParOf" srcId="{79ACF0D2-BEAF-8245-8BFF-372E2110652C}" destId="{131CAF40-97AE-EE40-8409-30AE5BADE101}" srcOrd="2" destOrd="0" presId="urn:microsoft.com/office/officeart/2005/8/layout/StepDownProcess"/>
-    <dgm:cxn modelId="{1CA4D914-A5DC-F843-BAAF-739C1C714229}" type="presParOf" srcId="{8DFD67B8-D561-994D-A0E2-7E62AB4D7403}" destId="{7A7CDA76-108F-BD41-BA2C-DF400CC5E256}" srcOrd="5" destOrd="0" presId="urn:microsoft.com/office/officeart/2005/8/layout/StepDownProcess"/>
-    <dgm:cxn modelId="{662819AB-7CD8-334C-A8A3-E1B1F5D55F33}" type="presParOf" srcId="{8DFD67B8-D561-994D-A0E2-7E62AB4D7403}" destId="{4D393B1B-90E1-AE43-8B4C-59887812E09F}" srcOrd="6" destOrd="0" presId="urn:microsoft.com/office/officeart/2005/8/layout/StepDownProcess"/>
-    <dgm:cxn modelId="{DF04018C-D263-464C-8427-32217647BCF3}" type="presParOf" srcId="{4D393B1B-90E1-AE43-8B4C-59887812E09F}" destId="{D8DC1696-C14F-2B47-86A2-E755768F4FD7}" srcOrd="0" destOrd="0" presId="urn:microsoft.com/office/officeart/2005/8/layout/StepDownProcess"/>
-  </dgm:cxnLst>
-  <dgm:bg/>
-  <dgm:whole/>
-  <dgm:extLst>
-    <a:ext uri="http://schemas.microsoft.com/office/drawing/2008/diagram">
-      <dsp:dataModelExt xmlns:dsp="http://schemas.microsoft.com/office/drawing/2008/diagram" relId="rId7" minVer="http://schemas.openxmlformats.org/drawingml/2006/diagram"/>
-    </a:ext>
-  </dgm:extLst>
-</dgm:dataModel>
-</file>
-
-<file path=ppt/diagrams/data3.xml><?xml version="1.0" encoding="utf-8"?>
-<dgm:dataModel xmlns:dgm="http://schemas.openxmlformats.org/drawingml/2006/diagram" xmlns:a="http://schemas.openxmlformats.org/drawingml/2006/main">
-  <dgm:ptLst>
-    <dgm:pt modelId="{6461BB18-229A-494D-9BAF-BBAFA145B22E}" type="doc">
-      <dgm:prSet loTypeId="urn:microsoft.com/office/officeart/2005/8/layout/StepDownProcess" loCatId="" qsTypeId="urn:microsoft.com/office/officeart/2005/8/quickstyle/simple1" qsCatId="simple" csTypeId="urn:microsoft.com/office/officeart/2005/8/colors/colorful1" csCatId="colorful" phldr="1"/>
-      <dgm:spPr/>
-      <dgm:t>
-        <a:bodyPr/>
-        <a:lstStyle/>
-        <a:p>
-          <a:endParaRPr lang="en-US"/>
-        </a:p>
-      </dgm:t>
-    </dgm:pt>
-    <dgm:pt modelId="{CF28DB55-6624-6948-9DF9-F5A92F09DBF0}">
-      <dgm:prSet phldrT="[Text]" custT="1"/>
-      <dgm:spPr/>
-      <dgm:t>
-        <a:bodyPr/>
-        <a:lstStyle/>
-        <a:p>
-          <a:r>
-            <a:rPr lang="en-US" sz="1600" b="1">
-              <a:solidFill>
-                <a:schemeClr val="tx1"/>
-              </a:solidFill>
-            </a:rPr>
-            <a:t>Azure Subscription</a:t>
-          </a:r>
-        </a:p>
-      </dgm:t>
-    </dgm:pt>
-    <dgm:pt modelId="{F51373B9-6BF4-7B43-B986-BF1D9F5CC1A5}" type="parTrans" cxnId="{7DA231F0-39E1-284E-A427-4F9696EC86FA}">
-      <dgm:prSet/>
-      <dgm:spPr/>
-      <dgm:t>
-        <a:bodyPr/>
-        <a:lstStyle/>
-        <a:p>
-          <a:endParaRPr lang="en-US" sz="2400"/>
-        </a:p>
-      </dgm:t>
-    </dgm:pt>
-    <dgm:pt modelId="{C3B1B784-385E-4145-A5C7-5E80B8654E71}" type="sibTrans" cxnId="{7DA231F0-39E1-284E-A427-4F9696EC86FA}">
-      <dgm:prSet/>
-      <dgm:spPr/>
-      <dgm:t>
-        <a:bodyPr/>
-        <a:lstStyle/>
-        <a:p>
-          <a:endParaRPr lang="en-US" sz="2400"/>
-        </a:p>
-      </dgm:t>
-    </dgm:pt>
-    <dgm:pt modelId="{4CDBBC08-7F9C-3146-94F1-DBA386FA7C21}">
-      <dgm:prSet phldrT="[Text]" custT="1"/>
-      <dgm:spPr/>
-      <dgm:t>
-        <a:bodyPr/>
-        <a:lstStyle/>
-        <a:p>
-          <a:r>
-            <a:rPr lang="en-US" sz="1600" b="1">
-              <a:solidFill>
-                <a:schemeClr val="tx1"/>
-              </a:solidFill>
-            </a:rPr>
-            <a:t>Terraform open source</a:t>
-          </a:r>
-        </a:p>
-      </dgm:t>
-    </dgm:pt>
-    <dgm:pt modelId="{830823ED-041F-3545-AD08-9BFE03B949AB}" type="parTrans" cxnId="{8BCD718B-B1F2-6647-ADC7-03BFF985FE66}">
-      <dgm:prSet/>
-      <dgm:spPr/>
-      <dgm:t>
-        <a:bodyPr/>
-        <a:lstStyle/>
-        <a:p>
-          <a:endParaRPr lang="en-US" sz="2400"/>
-        </a:p>
-      </dgm:t>
-    </dgm:pt>
-    <dgm:pt modelId="{DFB90D4C-1764-E34B-B827-98ABBB831B1E}" type="sibTrans" cxnId="{8BCD718B-B1F2-6647-ADC7-03BFF985FE66}">
-      <dgm:prSet/>
-      <dgm:spPr/>
-      <dgm:t>
-        <a:bodyPr/>
-        <a:lstStyle/>
-        <a:p>
-          <a:endParaRPr lang="en-US" sz="2400"/>
-        </a:p>
-      </dgm:t>
-    </dgm:pt>
-    <dgm:pt modelId="{8C141C72-AD93-1545-857B-4D2FE4959C40}">
-      <dgm:prSet phldrT="[Text]" custT="1"/>
-      <dgm:spPr/>
-      <dgm:t>
-        <a:bodyPr/>
-        <a:lstStyle/>
-        <a:p>
-          <a:r>
-            <a:rPr lang="en-US" sz="1600" b="1">
-              <a:solidFill>
-                <a:schemeClr val="tx1"/>
-              </a:solidFill>
-            </a:rPr>
-            <a:t>Internet Access</a:t>
-          </a:r>
-        </a:p>
-      </dgm:t>
-    </dgm:pt>
-    <dgm:pt modelId="{D703A137-F46C-654A-851E-009D7141D0A8}" type="parTrans" cxnId="{271C1D13-6766-664B-B19B-8CF07019A934}">
-      <dgm:prSet/>
-      <dgm:spPr/>
-      <dgm:t>
-        <a:bodyPr/>
-        <a:lstStyle/>
-        <a:p>
-          <a:endParaRPr lang="en-US" sz="2400"/>
-        </a:p>
-      </dgm:t>
-    </dgm:pt>
-    <dgm:pt modelId="{044DBB9C-B362-A44C-9F4D-42AD513BFF0E}" type="sibTrans" cxnId="{271C1D13-6766-664B-B19B-8CF07019A934}">
-      <dgm:prSet/>
-      <dgm:spPr/>
-      <dgm:t>
-        <a:bodyPr/>
-        <a:lstStyle/>
-        <a:p>
-          <a:endParaRPr lang="en-US" sz="2400"/>
-        </a:p>
-      </dgm:t>
-    </dgm:pt>
-    <dgm:pt modelId="{7FF5E108-8DF3-404D-8D5F-2E181E2179D3}">
-      <dgm:prSet phldrT="[Text]" custT="1"/>
-      <dgm:spPr/>
-      <dgm:t>
-        <a:bodyPr/>
-        <a:lstStyle/>
-        <a:p>
-          <a:r>
-            <a:rPr lang="en-US" sz="1600" b="1">
-              <a:solidFill>
-                <a:schemeClr val="tx1"/>
-              </a:solidFill>
-            </a:rPr>
-            <a:t>Windows or Linux or Cloud Shell</a:t>
-          </a:r>
-        </a:p>
-      </dgm:t>
-    </dgm:pt>
-    <dgm:pt modelId="{C3F7CC50-BF90-0743-964B-086D1BD8509D}" type="parTrans" cxnId="{C53E7889-0B88-9349-8921-BA1487AB48AC}">
-      <dgm:prSet/>
-      <dgm:spPr/>
-      <dgm:t>
-        <a:bodyPr/>
-        <a:lstStyle/>
-        <a:p>
-          <a:endParaRPr lang="en-US" sz="1600"/>
-        </a:p>
-      </dgm:t>
-    </dgm:pt>
-    <dgm:pt modelId="{5B87446B-02B9-8649-AB91-CE41F15EFD43}" type="sibTrans" cxnId="{C53E7889-0B88-9349-8921-BA1487AB48AC}">
-      <dgm:prSet/>
-      <dgm:spPr/>
-      <dgm:t>
-        <a:bodyPr/>
-        <a:lstStyle/>
-        <a:p>
-          <a:endParaRPr lang="en-US" sz="1600"/>
         </a:p>
       </dgm:t>
     </dgm:pt>
@@ -4314,609 +2961,6 @@
 </dsp:drawing>
 </file>
 
-<file path=ppt/diagrams/drawing3.xml><?xml version="1.0" encoding="utf-8"?>
-<dsp:drawing xmlns:dgm="http://schemas.openxmlformats.org/drawingml/2006/diagram" xmlns:dsp="http://schemas.microsoft.com/office/drawing/2008/diagram" xmlns:a="http://schemas.openxmlformats.org/drawingml/2006/main">
-  <dsp:spTree>
-    <dsp:nvGrpSpPr>
-      <dsp:cNvPr id="0" name=""/>
-      <dsp:cNvGrpSpPr/>
-    </dsp:nvGrpSpPr>
-    <dsp:grpSpPr/>
-    <dsp:sp modelId="{6A5AE2B9-42AA-C34B-80EA-BE4B1010BB85}">
-      <dsp:nvSpPr>
-        <dsp:cNvPr id="0" name=""/>
-        <dsp:cNvSpPr/>
-      </dsp:nvSpPr>
-      <dsp:spPr>
-        <a:xfrm rot="5400000">
-          <a:off x="262459" y="849622"/>
-          <a:ext cx="767576" cy="873858"/>
-        </a:xfrm>
-        <a:prstGeom prst="bentUpArrow">
-          <a:avLst>
-            <a:gd name="adj1" fmla="val 32840"/>
-            <a:gd name="adj2" fmla="val 25000"/>
-            <a:gd name="adj3" fmla="val 35780"/>
-          </a:avLst>
-        </a:prstGeom>
-        <a:solidFill>
-          <a:schemeClr val="accent1">
-            <a:tint val="50000"/>
-            <a:hueOff val="0"/>
-            <a:satOff val="0"/>
-            <a:lumOff val="0"/>
-            <a:alphaOff val="0"/>
-          </a:schemeClr>
-        </a:solidFill>
-        <a:ln w="12700" cap="flat" cmpd="sng" algn="ctr">
-          <a:solidFill>
-            <a:schemeClr val="lt1">
-              <a:hueOff val="0"/>
-              <a:satOff val="0"/>
-              <a:lumOff val="0"/>
-              <a:alphaOff val="0"/>
-            </a:schemeClr>
-          </a:solidFill>
-          <a:prstDash val="solid"/>
-          <a:miter lim="800000"/>
-        </a:ln>
-        <a:effectLst/>
-      </dsp:spPr>
-      <dsp:style>
-        <a:lnRef idx="2">
-          <a:scrgbClr r="0" g="0" b="0"/>
-        </a:lnRef>
-        <a:fillRef idx="1">
-          <a:scrgbClr r="0" g="0" b="0"/>
-        </a:fillRef>
-        <a:effectRef idx="0">
-          <a:scrgbClr r="0" g="0" b="0"/>
-        </a:effectRef>
-        <a:fontRef idx="minor"/>
-      </dsp:style>
-    </dsp:sp>
-    <dsp:sp modelId="{0F91F0DD-3B46-A645-9482-2FFA0A97B4A6}">
-      <dsp:nvSpPr>
-        <dsp:cNvPr id="0" name=""/>
-        <dsp:cNvSpPr/>
-      </dsp:nvSpPr>
-      <dsp:spPr>
-        <a:xfrm>
-          <a:off x="0" y="10507"/>
-          <a:ext cx="1714199" cy="904460"/>
-        </a:xfrm>
-        <a:prstGeom prst="roundRect">
-          <a:avLst>
-            <a:gd name="adj" fmla="val 16670"/>
-          </a:avLst>
-        </a:prstGeom>
-        <a:solidFill>
-          <a:schemeClr val="accent2">
-            <a:hueOff val="0"/>
-            <a:satOff val="0"/>
-            <a:lumOff val="0"/>
-            <a:alphaOff val="0"/>
-          </a:schemeClr>
-        </a:solidFill>
-        <a:ln w="12700" cap="flat" cmpd="sng" algn="ctr">
-          <a:solidFill>
-            <a:schemeClr val="lt1">
-              <a:hueOff val="0"/>
-              <a:satOff val="0"/>
-              <a:lumOff val="0"/>
-              <a:alphaOff val="0"/>
-            </a:schemeClr>
-          </a:solidFill>
-          <a:prstDash val="solid"/>
-          <a:miter lim="800000"/>
-        </a:ln>
-        <a:effectLst/>
-      </dsp:spPr>
-      <dsp:style>
-        <a:lnRef idx="2">
-          <a:scrgbClr r="0" g="0" b="0"/>
-        </a:lnRef>
-        <a:fillRef idx="1">
-          <a:scrgbClr r="0" g="0" b="0"/>
-        </a:fillRef>
-        <a:effectRef idx="0">
-          <a:scrgbClr r="0" g="0" b="0"/>
-        </a:effectRef>
-        <a:fontRef idx="minor">
-          <a:schemeClr val="lt1"/>
-        </a:fontRef>
-      </dsp:style>
-      <dsp:txBody>
-        <a:bodyPr spcFirstLastPara="0" vert="horz" wrap="square" lIns="60960" tIns="60960" rIns="60960" bIns="60960" numCol="1" spcCol="1270" anchor="ctr" anchorCtr="0">
-          <a:noAutofit/>
-        </a:bodyPr>
-        <a:lstStyle/>
-        <a:p>
-          <a:pPr marL="0" lvl="0" indent="0" algn="ctr" defTabSz="711200">
-            <a:lnSpc>
-              <a:spcPct val="90000"/>
-            </a:lnSpc>
-            <a:spcBef>
-              <a:spcPct val="0"/>
-            </a:spcBef>
-            <a:spcAft>
-              <a:spcPct val="35000"/>
-            </a:spcAft>
-            <a:buNone/>
-          </a:pPr>
-          <a:r>
-            <a:rPr lang="en-US" sz="1600" b="1" kern="1200">
-              <a:solidFill>
-                <a:schemeClr val="tx1"/>
-              </a:solidFill>
-            </a:rPr>
-            <a:t>Azure Subscription</a:t>
-          </a:r>
-        </a:p>
-      </dsp:txBody>
-      <dsp:txXfrm>
-        <a:off x="44160" y="54667"/>
-        <a:ext cx="1625879" cy="816140"/>
-      </dsp:txXfrm>
-    </dsp:sp>
-    <dsp:sp modelId="{10399004-045B-844A-972C-54C830C3E972}">
-      <dsp:nvSpPr>
-        <dsp:cNvPr id="0" name=""/>
-        <dsp:cNvSpPr/>
-      </dsp:nvSpPr>
-      <dsp:spPr>
-        <a:xfrm>
-          <a:off x="4355971" y="109403"/>
-          <a:ext cx="939783" cy="731024"/>
-        </a:xfrm>
-        <a:prstGeom prst="rect">
-          <a:avLst/>
-        </a:prstGeom>
-        <a:noFill/>
-        <a:ln>
-          <a:noFill/>
-        </a:ln>
-        <a:effectLst/>
-      </dsp:spPr>
-      <dsp:style>
-        <a:lnRef idx="0">
-          <a:scrgbClr r="0" g="0" b="0"/>
-        </a:lnRef>
-        <a:fillRef idx="0">
-          <a:scrgbClr r="0" g="0" b="0"/>
-        </a:fillRef>
-        <a:effectRef idx="0">
-          <a:scrgbClr r="0" g="0" b="0"/>
-        </a:effectRef>
-        <a:fontRef idx="minor"/>
-      </dsp:style>
-    </dsp:sp>
-    <dsp:sp modelId="{3CE3060E-4821-E94D-8944-352F9036708C}">
-      <dsp:nvSpPr>
-        <dsp:cNvPr id="0" name=""/>
-        <dsp:cNvSpPr/>
-      </dsp:nvSpPr>
-      <dsp:spPr>
-        <a:xfrm rot="5400000">
-          <a:off x="1391107" y="1865629"/>
-          <a:ext cx="767576" cy="873858"/>
-        </a:xfrm>
-        <a:prstGeom prst="bentUpArrow">
-          <a:avLst>
-            <a:gd name="adj1" fmla="val 32840"/>
-            <a:gd name="adj2" fmla="val 25000"/>
-            <a:gd name="adj3" fmla="val 35780"/>
-          </a:avLst>
-        </a:prstGeom>
-        <a:solidFill>
-          <a:schemeClr val="accent1">
-            <a:tint val="50000"/>
-            <a:hueOff val="-6359532"/>
-            <a:satOff val="17037"/>
-            <a:lumOff val="6188"/>
-            <a:alphaOff val="0"/>
-          </a:schemeClr>
-        </a:solidFill>
-        <a:ln w="12700" cap="flat" cmpd="sng" algn="ctr">
-          <a:solidFill>
-            <a:schemeClr val="lt1">
-              <a:hueOff val="0"/>
-              <a:satOff val="0"/>
-              <a:lumOff val="0"/>
-              <a:alphaOff val="0"/>
-            </a:schemeClr>
-          </a:solidFill>
-          <a:prstDash val="solid"/>
-          <a:miter lim="800000"/>
-        </a:ln>
-        <a:effectLst/>
-      </dsp:spPr>
-      <dsp:style>
-        <a:lnRef idx="2">
-          <a:scrgbClr r="0" g="0" b="0"/>
-        </a:lnRef>
-        <a:fillRef idx="1">
-          <a:scrgbClr r="0" g="0" b="0"/>
-        </a:fillRef>
-        <a:effectRef idx="0">
-          <a:scrgbClr r="0" g="0" b="0"/>
-        </a:effectRef>
-        <a:fontRef idx="minor"/>
-      </dsp:style>
-    </dsp:sp>
-    <dsp:sp modelId="{A9B570B6-9AB9-B441-8A49-78263FB132A5}">
-      <dsp:nvSpPr>
-        <dsp:cNvPr id="0" name=""/>
-        <dsp:cNvSpPr/>
-      </dsp:nvSpPr>
-      <dsp:spPr>
-        <a:xfrm>
-          <a:off x="1143776" y="1026686"/>
-          <a:ext cx="1292146" cy="904460"/>
-        </a:xfrm>
-        <a:prstGeom prst="roundRect">
-          <a:avLst>
-            <a:gd name="adj" fmla="val 16670"/>
-          </a:avLst>
-        </a:prstGeom>
-        <a:solidFill>
-          <a:schemeClr val="accent3">
-            <a:hueOff val="0"/>
-            <a:satOff val="0"/>
-            <a:lumOff val="0"/>
-            <a:alphaOff val="0"/>
-          </a:schemeClr>
-        </a:solidFill>
-        <a:ln w="12700" cap="flat" cmpd="sng" algn="ctr">
-          <a:solidFill>
-            <a:schemeClr val="lt1">
-              <a:hueOff val="0"/>
-              <a:satOff val="0"/>
-              <a:lumOff val="0"/>
-              <a:alphaOff val="0"/>
-            </a:schemeClr>
-          </a:solidFill>
-          <a:prstDash val="solid"/>
-          <a:miter lim="800000"/>
-        </a:ln>
-        <a:effectLst/>
-      </dsp:spPr>
-      <dsp:style>
-        <a:lnRef idx="2">
-          <a:scrgbClr r="0" g="0" b="0"/>
-        </a:lnRef>
-        <a:fillRef idx="1">
-          <a:scrgbClr r="0" g="0" b="0"/>
-        </a:fillRef>
-        <a:effectRef idx="0">
-          <a:scrgbClr r="0" g="0" b="0"/>
-        </a:effectRef>
-        <a:fontRef idx="minor">
-          <a:schemeClr val="lt1"/>
-        </a:fontRef>
-      </dsp:style>
-      <dsp:txBody>
-        <a:bodyPr spcFirstLastPara="0" vert="horz" wrap="square" lIns="60960" tIns="60960" rIns="60960" bIns="60960" numCol="1" spcCol="1270" anchor="ctr" anchorCtr="0">
-          <a:noAutofit/>
-        </a:bodyPr>
-        <a:lstStyle/>
-        <a:p>
-          <a:pPr marL="0" lvl="0" indent="0" algn="ctr" defTabSz="711200">
-            <a:lnSpc>
-              <a:spcPct val="90000"/>
-            </a:lnSpc>
-            <a:spcBef>
-              <a:spcPct val="0"/>
-            </a:spcBef>
-            <a:spcAft>
-              <a:spcPct val="35000"/>
-            </a:spcAft>
-            <a:buNone/>
-          </a:pPr>
-          <a:r>
-            <a:rPr lang="en-US" sz="1600" b="1" kern="1200">
-              <a:solidFill>
-                <a:schemeClr val="tx1"/>
-              </a:solidFill>
-            </a:rPr>
-            <a:t>Windows or Linux or Cloud Shell</a:t>
-          </a:r>
-        </a:p>
-      </dsp:txBody>
-      <dsp:txXfrm>
-        <a:off x="1187936" y="1070846"/>
-        <a:ext cx="1203826" cy="816140"/>
-      </dsp:txXfrm>
-    </dsp:sp>
-    <dsp:sp modelId="{848ECA70-E4B7-5340-A00C-61754BF21E81}">
-      <dsp:nvSpPr>
-        <dsp:cNvPr id="0" name=""/>
-        <dsp:cNvSpPr/>
-      </dsp:nvSpPr>
-      <dsp:spPr>
-        <a:xfrm>
-          <a:off x="5317563" y="1125410"/>
-          <a:ext cx="939783" cy="731024"/>
-        </a:xfrm>
-        <a:prstGeom prst="rect">
-          <a:avLst/>
-        </a:prstGeom>
-        <a:noFill/>
-        <a:ln>
-          <a:noFill/>
-        </a:ln>
-        <a:effectLst/>
-      </dsp:spPr>
-      <dsp:style>
-        <a:lnRef idx="0">
-          <a:scrgbClr r="0" g="0" b="0"/>
-        </a:lnRef>
-        <a:fillRef idx="0">
-          <a:scrgbClr r="0" g="0" b="0"/>
-        </a:fillRef>
-        <a:effectRef idx="0">
-          <a:scrgbClr r="0" g="0" b="0"/>
-        </a:effectRef>
-        <a:fontRef idx="minor"/>
-      </dsp:style>
-    </dsp:sp>
-    <dsp:sp modelId="{02904B05-2915-054C-A1B7-AF27F24EEACF}">
-      <dsp:nvSpPr>
-        <dsp:cNvPr id="0" name=""/>
-        <dsp:cNvSpPr/>
-      </dsp:nvSpPr>
-      <dsp:spPr>
-        <a:xfrm rot="5400000">
-          <a:off x="2396671" y="2881637"/>
-          <a:ext cx="767576" cy="873858"/>
-        </a:xfrm>
-        <a:prstGeom prst="bentUpArrow">
-          <a:avLst>
-            <a:gd name="adj1" fmla="val 32840"/>
-            <a:gd name="adj2" fmla="val 25000"/>
-            <a:gd name="adj3" fmla="val 35780"/>
-          </a:avLst>
-        </a:prstGeom>
-        <a:solidFill>
-          <a:schemeClr val="accent1">
-            <a:tint val="50000"/>
-            <a:hueOff val="-12719064"/>
-            <a:satOff val="34075"/>
-            <a:lumOff val="12376"/>
-            <a:alphaOff val="0"/>
-          </a:schemeClr>
-        </a:solidFill>
-        <a:ln w="12700" cap="flat" cmpd="sng" algn="ctr">
-          <a:solidFill>
-            <a:schemeClr val="lt1">
-              <a:hueOff val="0"/>
-              <a:satOff val="0"/>
-              <a:lumOff val="0"/>
-              <a:alphaOff val="0"/>
-            </a:schemeClr>
-          </a:solidFill>
-          <a:prstDash val="solid"/>
-          <a:miter lim="800000"/>
-        </a:ln>
-        <a:effectLst/>
-      </dsp:spPr>
-      <dsp:style>
-        <a:lnRef idx="2">
-          <a:scrgbClr r="0" g="0" b="0"/>
-        </a:lnRef>
-        <a:fillRef idx="1">
-          <a:scrgbClr r="0" g="0" b="0"/>
-        </a:fillRef>
-        <a:effectRef idx="0">
-          <a:scrgbClr r="0" g="0" b="0"/>
-        </a:effectRef>
-        <a:fontRef idx="minor"/>
-      </dsp:style>
-    </dsp:sp>
-    <dsp:sp modelId="{EACC0B4E-1894-3843-9C7E-43D97429168C}">
-      <dsp:nvSpPr>
-        <dsp:cNvPr id="0" name=""/>
-        <dsp:cNvSpPr/>
-      </dsp:nvSpPr>
-      <dsp:spPr>
-        <a:xfrm>
-          <a:off x="2193306" y="2030764"/>
-          <a:ext cx="1292146" cy="904460"/>
-        </a:xfrm>
-        <a:prstGeom prst="roundRect">
-          <a:avLst>
-            <a:gd name="adj" fmla="val 16670"/>
-          </a:avLst>
-        </a:prstGeom>
-        <a:solidFill>
-          <a:schemeClr val="accent4">
-            <a:hueOff val="0"/>
-            <a:satOff val="0"/>
-            <a:lumOff val="0"/>
-            <a:alphaOff val="0"/>
-          </a:schemeClr>
-        </a:solidFill>
-        <a:ln w="12700" cap="flat" cmpd="sng" algn="ctr">
-          <a:solidFill>
-            <a:schemeClr val="lt1">
-              <a:hueOff val="0"/>
-              <a:satOff val="0"/>
-              <a:lumOff val="0"/>
-              <a:alphaOff val="0"/>
-            </a:schemeClr>
-          </a:solidFill>
-          <a:prstDash val="solid"/>
-          <a:miter lim="800000"/>
-        </a:ln>
-        <a:effectLst/>
-      </dsp:spPr>
-      <dsp:style>
-        <a:lnRef idx="2">
-          <a:scrgbClr r="0" g="0" b="0"/>
-        </a:lnRef>
-        <a:fillRef idx="1">
-          <a:scrgbClr r="0" g="0" b="0"/>
-        </a:fillRef>
-        <a:effectRef idx="0">
-          <a:scrgbClr r="0" g="0" b="0"/>
-        </a:effectRef>
-        <a:fontRef idx="minor">
-          <a:schemeClr val="lt1"/>
-        </a:fontRef>
-      </dsp:style>
-      <dsp:txBody>
-        <a:bodyPr spcFirstLastPara="0" vert="horz" wrap="square" lIns="60960" tIns="60960" rIns="60960" bIns="60960" numCol="1" spcCol="1270" anchor="ctr" anchorCtr="0">
-          <a:noAutofit/>
-        </a:bodyPr>
-        <a:lstStyle/>
-        <a:p>
-          <a:pPr marL="0" lvl="0" indent="0" algn="ctr" defTabSz="711200">
-            <a:lnSpc>
-              <a:spcPct val="90000"/>
-            </a:lnSpc>
-            <a:spcBef>
-              <a:spcPct val="0"/>
-            </a:spcBef>
-            <a:spcAft>
-              <a:spcPct val="35000"/>
-            </a:spcAft>
-            <a:buNone/>
-          </a:pPr>
-          <a:r>
-            <a:rPr lang="en-US" sz="1600" b="1" kern="1200">
-              <a:solidFill>
-                <a:schemeClr val="tx1"/>
-              </a:solidFill>
-            </a:rPr>
-            <a:t>Terraform open source</a:t>
-          </a:r>
-        </a:p>
-      </dsp:txBody>
-      <dsp:txXfrm>
-        <a:off x="2237466" y="2074924"/>
-        <a:ext cx="1203826" cy="816140"/>
-      </dsp:txXfrm>
-    </dsp:sp>
-    <dsp:sp modelId="{131CAF40-97AE-EE40-8409-30AE5BADE101}">
-      <dsp:nvSpPr>
-        <dsp:cNvPr id="0" name=""/>
-        <dsp:cNvSpPr/>
-      </dsp:nvSpPr>
-      <dsp:spPr>
-        <a:xfrm>
-          <a:off x="6490183" y="2141418"/>
-          <a:ext cx="939783" cy="731024"/>
-        </a:xfrm>
-        <a:prstGeom prst="rect">
-          <a:avLst/>
-        </a:prstGeom>
-        <a:noFill/>
-        <a:ln>
-          <a:noFill/>
-        </a:ln>
-        <a:effectLst/>
-      </dsp:spPr>
-      <dsp:style>
-        <a:lnRef idx="0">
-          <a:scrgbClr r="0" g="0" b="0"/>
-        </a:lnRef>
-        <a:fillRef idx="0">
-          <a:scrgbClr r="0" g="0" b="0"/>
-        </a:fillRef>
-        <a:effectRef idx="0">
-          <a:scrgbClr r="0" g="0" b="0"/>
-        </a:effectRef>
-        <a:fontRef idx="minor"/>
-      </dsp:style>
-    </dsp:sp>
-    <dsp:sp modelId="{D8DC1696-C14F-2B47-86A2-E755768F4FD7}">
-      <dsp:nvSpPr>
-        <dsp:cNvPr id="0" name=""/>
-        <dsp:cNvSpPr/>
-      </dsp:nvSpPr>
-      <dsp:spPr>
-        <a:xfrm>
-          <a:off x="3251622" y="3037980"/>
-          <a:ext cx="1292146" cy="904460"/>
-        </a:xfrm>
-        <a:prstGeom prst="roundRect">
-          <a:avLst>
-            <a:gd name="adj" fmla="val 16670"/>
-          </a:avLst>
-        </a:prstGeom>
-        <a:solidFill>
-          <a:schemeClr val="accent5">
-            <a:hueOff val="0"/>
-            <a:satOff val="0"/>
-            <a:lumOff val="0"/>
-            <a:alphaOff val="0"/>
-          </a:schemeClr>
-        </a:solidFill>
-        <a:ln w="12700" cap="flat" cmpd="sng" algn="ctr">
-          <a:solidFill>
-            <a:schemeClr val="lt1">
-              <a:hueOff val="0"/>
-              <a:satOff val="0"/>
-              <a:lumOff val="0"/>
-              <a:alphaOff val="0"/>
-            </a:schemeClr>
-          </a:solidFill>
-          <a:prstDash val="solid"/>
-          <a:miter lim="800000"/>
-        </a:ln>
-        <a:effectLst/>
-      </dsp:spPr>
-      <dsp:style>
-        <a:lnRef idx="2">
-          <a:scrgbClr r="0" g="0" b="0"/>
-        </a:lnRef>
-        <a:fillRef idx="1">
-          <a:scrgbClr r="0" g="0" b="0"/>
-        </a:fillRef>
-        <a:effectRef idx="0">
-          <a:scrgbClr r="0" g="0" b="0"/>
-        </a:effectRef>
-        <a:fontRef idx="minor">
-          <a:schemeClr val="lt1"/>
-        </a:fontRef>
-      </dsp:style>
-      <dsp:txBody>
-        <a:bodyPr spcFirstLastPara="0" vert="horz" wrap="square" lIns="60960" tIns="60960" rIns="60960" bIns="60960" numCol="1" spcCol="1270" anchor="ctr" anchorCtr="0">
-          <a:noAutofit/>
-        </a:bodyPr>
-        <a:lstStyle/>
-        <a:p>
-          <a:pPr marL="0" lvl="0" indent="0" algn="ctr" defTabSz="711200">
-            <a:lnSpc>
-              <a:spcPct val="90000"/>
-            </a:lnSpc>
-            <a:spcBef>
-              <a:spcPct val="0"/>
-            </a:spcBef>
-            <a:spcAft>
-              <a:spcPct val="35000"/>
-            </a:spcAft>
-            <a:buNone/>
-          </a:pPr>
-          <a:r>
-            <a:rPr lang="en-US" sz="1600" b="1" kern="1200">
-              <a:solidFill>
-                <a:schemeClr val="tx1"/>
-              </a:solidFill>
-            </a:rPr>
-            <a:t>Internet Access</a:t>
-          </a:r>
-        </a:p>
-      </dsp:txBody>
-      <dsp:txXfrm>
-        <a:off x="3295782" y="3082140"/>
-        <a:ext cx="1203826" cy="816140"/>
-      </dsp:txXfrm>
-    </dsp:sp>
-  </dsp:spTree>
-</dsp:drawing>
-</file>
-
 <file path=ppt/diagrams/layout1.xml><?xml version="1.0" encoding="utf-8"?>
 <dgm:layoutDef xmlns:dgm="http://schemas.openxmlformats.org/drawingml/2006/diagram" xmlns:a="http://schemas.openxmlformats.org/drawingml/2006/main" uniqueId="urn:microsoft.com/office/officeart/2005/8/layout/StepDownProcess">
   <dgm:title val=""/>
@@ -5553,324 +3597,6 @@
 </dgm:layoutDef>
 </file>
 
-<file path=ppt/diagrams/layout3.xml><?xml version="1.0" encoding="utf-8"?>
-<dgm:layoutDef xmlns:dgm="http://schemas.openxmlformats.org/drawingml/2006/diagram" xmlns:a="http://schemas.openxmlformats.org/drawingml/2006/main" uniqueId="urn:microsoft.com/office/officeart/2005/8/layout/StepDownProcess">
-  <dgm:title val=""/>
-  <dgm:desc val=""/>
-  <dgm:catLst>
-    <dgm:cat type="process" pri="1600"/>
-  </dgm:catLst>
-  <dgm:sampData>
-    <dgm:dataModel>
-      <dgm:ptLst>
-        <dgm:pt modelId="0" type="doc"/>
-        <dgm:pt modelId="10">
-          <dgm:prSet phldr="1"/>
-        </dgm:pt>
-        <dgm:pt modelId="11">
-          <dgm:prSet phldr="1"/>
-        </dgm:pt>
-        <dgm:pt modelId="20">
-          <dgm:prSet phldr="1"/>
-        </dgm:pt>
-        <dgm:pt modelId="21">
-          <dgm:prSet phldr="1"/>
-        </dgm:pt>
-        <dgm:pt modelId="30">
-          <dgm:prSet phldr="1"/>
-        </dgm:pt>
-        <dgm:pt modelId="31">
-          <dgm:prSet phldr="1"/>
-        </dgm:pt>
-      </dgm:ptLst>
-      <dgm:cxnLst>
-        <dgm:cxn modelId="60" srcId="0" destId="10" srcOrd="0" destOrd="0"/>
-        <dgm:cxn modelId="12" srcId="10" destId="11" srcOrd="0" destOrd="0"/>
-        <dgm:cxn modelId="70" srcId="0" destId="20" srcOrd="1" destOrd="0"/>
-        <dgm:cxn modelId="22" srcId="20" destId="21" srcOrd="0" destOrd="0"/>
-        <dgm:cxn modelId="80" srcId="0" destId="30" srcOrd="2" destOrd="0"/>
-        <dgm:cxn modelId="32" srcId="30" destId="31" srcOrd="0" destOrd="0"/>
-      </dgm:cxnLst>
-      <dgm:bg/>
-      <dgm:whole/>
-    </dgm:dataModel>
-  </dgm:sampData>
-  <dgm:styleData>
-    <dgm:dataModel>
-      <dgm:ptLst>
-        <dgm:pt modelId="0" type="doc"/>
-        <dgm:pt modelId="10">
-          <dgm:prSet phldr="1"/>
-        </dgm:pt>
-        <dgm:pt modelId="20">
-          <dgm:prSet phldr="1"/>
-        </dgm:pt>
-      </dgm:ptLst>
-      <dgm:cxnLst>
-        <dgm:cxn modelId="60" srcId="0" destId="10" srcOrd="0" destOrd="0"/>
-        <dgm:cxn modelId="70" srcId="0" destId="20" srcOrd="1" destOrd="0"/>
-      </dgm:cxnLst>
-      <dgm:bg/>
-      <dgm:whole/>
-    </dgm:dataModel>
-  </dgm:styleData>
-  <dgm:clrData>
-    <dgm:dataModel>
-      <dgm:ptLst>
-        <dgm:pt modelId="0" type="doc"/>
-        <dgm:pt modelId="10">
-          <dgm:prSet phldr="1"/>
-        </dgm:pt>
-        <dgm:pt modelId="20">
-          <dgm:prSet phldr="1"/>
-        </dgm:pt>
-        <dgm:pt modelId="30">
-          <dgm:prSet phldr="1"/>
-        </dgm:pt>
-        <dgm:pt modelId="40">
-          <dgm:prSet phldr="1"/>
-        </dgm:pt>
-      </dgm:ptLst>
-      <dgm:cxnLst>
-        <dgm:cxn modelId="60" srcId="0" destId="10" srcOrd="0" destOrd="0"/>
-        <dgm:cxn modelId="70" srcId="0" destId="20" srcOrd="1" destOrd="0"/>
-        <dgm:cxn modelId="80" srcId="0" destId="30" srcOrd="2" destOrd="0"/>
-        <dgm:cxn modelId="90" srcId="0" destId="40" srcOrd="3" destOrd="0"/>
-      </dgm:cxnLst>
-      <dgm:bg/>
-      <dgm:whole/>
-    </dgm:dataModel>
-  </dgm:clrData>
-  <dgm:layoutNode name="rootnode">
-    <dgm:varLst>
-      <dgm:chMax/>
-      <dgm:chPref/>
-      <dgm:dir/>
-      <dgm:animLvl val="lvl"/>
-    </dgm:varLst>
-    <dgm:choose name="Name0">
-      <dgm:if name="Name1" func="var" arg="dir" op="equ" val="norm">
-        <dgm:alg type="snake">
-          <dgm:param type="grDir" val="tL"/>
-          <dgm:param type="flowDir" val="row"/>
-          <dgm:param type="off" val="off"/>
-          <dgm:param type="bkpt" val="fixed"/>
-          <dgm:param type="bkPtFixedVal" val="1"/>
-        </dgm:alg>
-      </dgm:if>
-      <dgm:else name="Name2">
-        <dgm:alg type="snake">
-          <dgm:param type="grDir" val="tR"/>
-          <dgm:param type="flowDir" val="row"/>
-          <dgm:param type="off" val="off"/>
-          <dgm:param type="bkpt" val="fixed"/>
-          <dgm:param type="bkPtFixedVal" val="1"/>
-        </dgm:alg>
-      </dgm:else>
-    </dgm:choose>
-    <dgm:shape xmlns:r="http://schemas.openxmlformats.org/officeDocument/2006/relationships" r:blip="">
-      <dgm:adjLst/>
-    </dgm:shape>
-    <dgm:choose name="Name3">
-      <dgm:if name="Name4" func="var" arg="dir" op="equ" val="norm">
-        <dgm:constrLst>
-          <dgm:constr type="alignOff" forName="rootnode" val="0.48"/>
-          <dgm:constr type="primFontSz" for="des" forName="ParentText" val="65"/>
-          <dgm:constr type="primFontSz" for="des" forName="ChildText" refType="primFontSz" refFor="des" refForName="ParentText" op="lte"/>
-          <dgm:constr type="w" for="ch" forName="composite" refType="w"/>
-          <dgm:constr type="h" for="ch" forName="composite" refType="h"/>
-          <dgm:constr type="sp" refType="h" refFor="ch" refForName="composite" op="equ" fact="-0.38"/>
-        </dgm:constrLst>
-      </dgm:if>
-      <dgm:else name="Name5">
-        <dgm:constrLst>
-          <dgm:constr type="alignOff" forName="rootnode" val="0.48"/>
-          <dgm:constr type="primFontSz" for="des" forName="ParentText" val="65"/>
-          <dgm:constr type="primFontSz" for="des" forName="ChildText" refType="primFontSz" refFor="des" refForName="ParentText" op="lte"/>
-          <dgm:constr type="w" for="ch" forName="composite" refType="w"/>
-          <dgm:constr type="h" for="ch" forName="composite" refType="h"/>
-          <dgm:constr type="sp" refType="h" refFor="ch" refForName="composite" op="equ" fact="-0.38"/>
-        </dgm:constrLst>
-      </dgm:else>
-    </dgm:choose>
-    <dgm:forEach name="nodesForEach" axis="ch" ptType="node">
-      <dgm:layoutNode name="composite">
-        <dgm:alg type="composite">
-          <dgm:param type="ar" val="1.2439"/>
-        </dgm:alg>
-        <dgm:shape xmlns:r="http://schemas.openxmlformats.org/officeDocument/2006/relationships" r:blip="">
-          <dgm:adjLst/>
-        </dgm:shape>
-        <dgm:choose name="Name6">
-          <dgm:if name="Name7" func="var" arg="dir" op="equ" val="norm">
-            <dgm:constrLst>
-              <dgm:constr type="l" for="ch" forName="bentUpArrow1" refType="w" fact="0.07"/>
-              <dgm:constr type="t" for="ch" forName="bentUpArrow1" refType="h" fact="0.524"/>
-              <dgm:constr type="w" for="ch" forName="bentUpArrow1" refType="w" fact="0.3844"/>
-              <dgm:constr type="h" for="ch" forName="bentUpArrow1" refType="h" fact="0.42"/>
-              <dgm:constr type="l" for="ch" forName="ParentText" refType="w" fact="0"/>
-              <dgm:constr type="t" for="ch" forName="ParentText" refType="h" fact="0"/>
-              <dgm:constr type="w" for="ch" forName="ParentText" refType="w" fact="0.5684"/>
-              <dgm:constr type="h" for="ch" forName="ParentText" refType="h" fact="0.4949"/>
-              <dgm:constr type="l" for="ch" forName="ChildText" refType="w" refFor="ch" refForName="ParentText"/>
-              <dgm:constr type="t" for="ch" forName="ChildText" refType="h" fact="0.05"/>
-              <dgm:constr type="w" for="ch" forName="ChildText" refType="w" fact="0.4134"/>
-              <dgm:constr type="h" for="ch" forName="ChildText" refType="h" fact="0.4"/>
-              <dgm:constr type="l" for="ch" forName="FinalChildText" refType="w" refFor="ch" refForName="ParentText"/>
-              <dgm:constr type="t" for="ch" forName="FinalChildText" refType="h" fact="0.05"/>
-              <dgm:constr type="w" for="ch" forName="FinalChildText" refType="w" fact="0.4134"/>
-              <dgm:constr type="h" for="ch" forName="FinalChildText" refType="h" fact="0.4"/>
-            </dgm:constrLst>
-          </dgm:if>
-          <dgm:else name="Name8">
-            <dgm:constrLst>
-              <dgm:constr type="r" for="ch" forName="bentUpArrow1" refType="w" fact="0.97"/>
-              <dgm:constr type="t" for="ch" forName="bentUpArrow1" refType="h" fact="0.524"/>
-              <dgm:constr type="w" for="ch" forName="bentUpArrow1" refType="w" fact="0.3844"/>
-              <dgm:constr type="h" for="ch" forName="bentUpArrow1" refType="h" fact="0.42"/>
-              <dgm:constr type="l" for="ch" forName="ParentText" refType="w" fact="0.4316"/>
-              <dgm:constr type="t" for="ch" forName="ParentText" refType="h" fact="0"/>
-              <dgm:constr type="w" for="ch" forName="ParentText" refType="w" fact="0.5684"/>
-              <dgm:constr type="h" for="ch" forName="ParentText" refType="h" fact="0.4949"/>
-              <dgm:constr type="l" for="ch" forName="ChildText" refType="w" fact="0"/>
-              <dgm:constr type="t" for="ch" forName="ChildText" refType="h" fact="0.05"/>
-              <dgm:constr type="w" for="ch" forName="ChildText" refType="w" fact="0.4134"/>
-              <dgm:constr type="h" for="ch" forName="ChildText" refType="h" fact="0.4"/>
-              <dgm:constr type="l" for="ch" forName="FinalChildText" refType="w" fact="0"/>
-              <dgm:constr type="t" for="ch" forName="FinalChildText" refType="h" fact="0.05"/>
-              <dgm:constr type="w" for="ch" forName="FinalChildText" refType="w" fact="0.4134"/>
-              <dgm:constr type="h" for="ch" forName="FinalChildText" refType="h" fact="0.4"/>
-            </dgm:constrLst>
-          </dgm:else>
-        </dgm:choose>
-        <dgm:choose name="Name9">
-          <dgm:if name="Name10" axis="followSib" ptType="node" func="cnt" op="gte" val="1">
-            <dgm:layoutNode name="bentUpArrow1" styleLbl="alignImgPlace1">
-              <dgm:alg type="sp"/>
-              <dgm:choose name="Name11">
-                <dgm:if name="Name12" func="var" arg="dir" op="equ" val="norm">
-                  <dgm:shape xmlns:r="http://schemas.openxmlformats.org/officeDocument/2006/relationships" rot="90" type="bentUpArrow" r:blip="">
-                    <dgm:adjLst>
-                      <dgm:adj idx="1" val="0.3284"/>
-                      <dgm:adj idx="2" val="0.25"/>
-                      <dgm:adj idx="3" val="0.3578"/>
-                    </dgm:adjLst>
-                  </dgm:shape>
-                </dgm:if>
-                <dgm:else name="Name13">
-                  <dgm:shape xmlns:r="http://schemas.openxmlformats.org/officeDocument/2006/relationships" rot="180" type="bentArrow" r:blip="">
-                    <dgm:adjLst>
-                      <dgm:adj idx="1" val="0.3284"/>
-                      <dgm:adj idx="2" val="0.25"/>
-                      <dgm:adj idx="3" val="0.3578"/>
-                      <dgm:adj idx="4" val="0"/>
-                    </dgm:adjLst>
-                  </dgm:shape>
-                </dgm:else>
-              </dgm:choose>
-              <dgm:presOf/>
-            </dgm:layoutNode>
-          </dgm:if>
-          <dgm:else name="Name14"/>
-        </dgm:choose>
-        <dgm:layoutNode name="ParentText" styleLbl="node1">
-          <dgm:varLst>
-            <dgm:chMax val="1"/>
-            <dgm:chPref val="1"/>
-            <dgm:bulletEnabled val="1"/>
-          </dgm:varLst>
-          <dgm:alg type="tx"/>
-          <dgm:shape xmlns:r="http://schemas.openxmlformats.org/officeDocument/2006/relationships" type="roundRect" r:blip="">
-            <dgm:adjLst>
-              <dgm:adj idx="1" val="0.1667"/>
-            </dgm:adjLst>
-          </dgm:shape>
-          <dgm:presOf axis="self" ptType="node"/>
-          <dgm:constrLst>
-            <dgm:constr type="lMarg" refType="primFontSz" fact="0.3"/>
-            <dgm:constr type="rMarg" refType="primFontSz" fact="0.3"/>
-            <dgm:constr type="tMarg" refType="primFontSz" fact="0.3"/>
-            <dgm:constr type="bMarg" refType="primFontSz" fact="0.3"/>
-          </dgm:constrLst>
-          <dgm:ruleLst>
-            <dgm:rule type="primFontSz" val="5" fact="NaN" max="NaN"/>
-          </dgm:ruleLst>
-        </dgm:layoutNode>
-        <dgm:choose name="Name15">
-          <dgm:if name="Name16" axis="followSib" ptType="node" func="cnt" op="equ" val="0">
-            <dgm:choose name="Name17">
-              <dgm:if name="Name18" axis="ch" ptType="node" func="cnt" op="gte" val="1">
-                <dgm:layoutNode name="FinalChildText" styleLbl="revTx">
-                  <dgm:varLst>
-                    <dgm:chMax val="0"/>
-                    <dgm:chPref val="0"/>
-                    <dgm:bulletEnabled val="1"/>
-                  </dgm:varLst>
-                  <dgm:alg type="tx">
-                    <dgm:param type="stBulletLvl" val="1"/>
-                    <dgm:param type="txAnchorVertCh" val="mid"/>
-                    <dgm:param type="parTxLTRAlign" val="l"/>
-                  </dgm:alg>
-                  <dgm:shape xmlns:r="http://schemas.openxmlformats.org/officeDocument/2006/relationships" type="rect" r:blip="">
-                    <dgm:adjLst/>
-                  </dgm:shape>
-                  <dgm:presOf axis="des" ptType="node"/>
-                  <dgm:constrLst>
-                    <dgm:constr type="lMarg" refType="primFontSz" fact="0.3"/>
-                    <dgm:constr type="rMarg" refType="primFontSz" fact="0.3"/>
-                    <dgm:constr type="tMarg" refType="primFontSz" fact="0.3"/>
-                    <dgm:constr type="bMarg" refType="primFontSz" fact="0.3"/>
-                  </dgm:constrLst>
-                  <dgm:ruleLst>
-                    <dgm:rule type="primFontSz" val="5" fact="NaN" max="NaN"/>
-                  </dgm:ruleLst>
-                </dgm:layoutNode>
-              </dgm:if>
-              <dgm:else name="Name19"/>
-            </dgm:choose>
-          </dgm:if>
-          <dgm:else name="Name20">
-            <dgm:layoutNode name="ChildText" styleLbl="revTx">
-              <dgm:varLst>
-                <dgm:chMax val="0"/>
-                <dgm:chPref val="0"/>
-                <dgm:bulletEnabled val="1"/>
-              </dgm:varLst>
-              <dgm:alg type="tx">
-                <dgm:param type="stBulletLvl" val="1"/>
-                <dgm:param type="txAnchorVertCh" val="mid"/>
-                <dgm:param type="parTxLTRAlign" val="l"/>
-              </dgm:alg>
-              <dgm:shape xmlns:r="http://schemas.openxmlformats.org/officeDocument/2006/relationships" type="rect" r:blip="">
-                <dgm:adjLst/>
-              </dgm:shape>
-              <dgm:presOf axis="des" ptType="node"/>
-              <dgm:constrLst>
-                <dgm:constr type="lMarg" refType="primFontSz" fact="0.3"/>
-                <dgm:constr type="rMarg" refType="primFontSz" fact="0.3"/>
-                <dgm:constr type="tMarg" refType="primFontSz" fact="0.3"/>
-                <dgm:constr type="bMarg" refType="primFontSz" fact="0.3"/>
-              </dgm:constrLst>
-              <dgm:ruleLst>
-                <dgm:rule type="primFontSz" val="5" fact="NaN" max="NaN"/>
-              </dgm:ruleLst>
-            </dgm:layoutNode>
-          </dgm:else>
-        </dgm:choose>
-      </dgm:layoutNode>
-      <dgm:forEach name="sibTransForEach" axis="followSib" ptType="sibTrans" cnt="1">
-        <dgm:layoutNode name="sibTrans">
-          <dgm:alg type="sp"/>
-          <dgm:shape xmlns:r="http://schemas.openxmlformats.org/officeDocument/2006/relationships" r:blip="">
-            <dgm:adjLst/>
-          </dgm:shape>
-        </dgm:layoutNode>
-      </dgm:forEach>
-    </dgm:forEach>
-  </dgm:layoutNode>
-</dgm:layoutDef>
-</file>
-
 <file path=ppt/diagrams/quickStyle1.xml><?xml version="1.0" encoding="utf-8"?>
 <dgm:styleDef xmlns:dgm="http://schemas.openxmlformats.org/drawingml/2006/diagram" xmlns:a="http://schemas.openxmlformats.org/drawingml/2006/main" uniqueId="urn:microsoft.com/office/officeart/2005/8/quickstyle/simple1">
   <dgm:title val=""/>
@@ -6906,1040 +4632,6 @@
 </file>
 
 <file path=ppt/diagrams/quickStyle2.xml><?xml version="1.0" encoding="utf-8"?>
-<dgm:styleDef xmlns:dgm="http://schemas.openxmlformats.org/drawingml/2006/diagram" xmlns:a="http://schemas.openxmlformats.org/drawingml/2006/main" uniqueId="urn:microsoft.com/office/officeart/2005/8/quickstyle/simple1">
-  <dgm:title val=""/>
-  <dgm:desc val=""/>
-  <dgm:catLst>
-    <dgm:cat type="simple" pri="10100"/>
-  </dgm:catLst>
-  <dgm:scene3d>
-    <a:camera prst="orthographicFront"/>
-    <a:lightRig rig="threePt" dir="t"/>
-  </dgm:scene3d>
-  <dgm:styleLbl name="node0">
-    <dgm:scene3d>
-      <a:camera prst="orthographicFront"/>
-      <a:lightRig rig="threePt" dir="t"/>
-    </dgm:scene3d>
-    <dgm:sp3d/>
-    <dgm:txPr/>
-    <dgm:style>
-      <a:lnRef idx="2">
-        <a:scrgbClr r="0" g="0" b="0"/>
-      </a:lnRef>
-      <a:fillRef idx="1">
-        <a:scrgbClr r="0" g="0" b="0"/>
-      </a:fillRef>
-      <a:effectRef idx="0">
-        <a:scrgbClr r="0" g="0" b="0"/>
-      </a:effectRef>
-      <a:fontRef idx="minor">
-        <a:schemeClr val="lt1"/>
-      </a:fontRef>
-    </dgm:style>
-  </dgm:styleLbl>
-  <dgm:styleLbl name="lnNode1">
-    <dgm:scene3d>
-      <a:camera prst="orthographicFront"/>
-      <a:lightRig rig="threePt" dir="t"/>
-    </dgm:scene3d>
-    <dgm:sp3d/>
-    <dgm:txPr/>
-    <dgm:style>
-      <a:lnRef idx="2">
-        <a:scrgbClr r="0" g="0" b="0"/>
-      </a:lnRef>
-      <a:fillRef idx="1">
-        <a:scrgbClr r="0" g="0" b="0"/>
-      </a:fillRef>
-      <a:effectRef idx="0">
-        <a:scrgbClr r="0" g="0" b="0"/>
-      </a:effectRef>
-      <a:fontRef idx="minor">
-        <a:schemeClr val="lt1"/>
-      </a:fontRef>
-    </dgm:style>
-  </dgm:styleLbl>
-  <dgm:styleLbl name="vennNode1">
-    <dgm:scene3d>
-      <a:camera prst="orthographicFront"/>
-      <a:lightRig rig="threePt" dir="t"/>
-    </dgm:scene3d>
-    <dgm:sp3d/>
-    <dgm:txPr/>
-    <dgm:style>
-      <a:lnRef idx="2">
-        <a:scrgbClr r="0" g="0" b="0"/>
-      </a:lnRef>
-      <a:fillRef idx="1">
-        <a:scrgbClr r="0" g="0" b="0"/>
-      </a:fillRef>
-      <a:effectRef idx="0">
-        <a:scrgbClr r="0" g="0" b="0"/>
-      </a:effectRef>
-      <a:fontRef idx="minor">
-        <a:schemeClr val="tx1"/>
-      </a:fontRef>
-    </dgm:style>
-  </dgm:styleLbl>
-  <dgm:styleLbl name="alignNode1">
-    <dgm:scene3d>
-      <a:camera prst="orthographicFront"/>
-      <a:lightRig rig="threePt" dir="t"/>
-    </dgm:scene3d>
-    <dgm:sp3d/>
-    <dgm:txPr/>
-    <dgm:style>
-      <a:lnRef idx="2">
-        <a:scrgbClr r="0" g="0" b="0"/>
-      </a:lnRef>
-      <a:fillRef idx="1">
-        <a:scrgbClr r="0" g="0" b="0"/>
-      </a:fillRef>
-      <a:effectRef idx="0">
-        <a:scrgbClr r="0" g="0" b="0"/>
-      </a:effectRef>
-      <a:fontRef idx="minor">
-        <a:schemeClr val="lt1"/>
-      </a:fontRef>
-    </dgm:style>
-  </dgm:styleLbl>
-  <dgm:styleLbl name="node1">
-    <dgm:scene3d>
-      <a:camera prst="orthographicFront"/>
-      <a:lightRig rig="threePt" dir="t"/>
-    </dgm:scene3d>
-    <dgm:sp3d/>
-    <dgm:txPr/>
-    <dgm:style>
-      <a:lnRef idx="2">
-        <a:scrgbClr r="0" g="0" b="0"/>
-      </a:lnRef>
-      <a:fillRef idx="1">
-        <a:scrgbClr r="0" g="0" b="0"/>
-      </a:fillRef>
-      <a:effectRef idx="0">
-        <a:scrgbClr r="0" g="0" b="0"/>
-      </a:effectRef>
-      <a:fontRef idx="minor">
-        <a:schemeClr val="lt1"/>
-      </a:fontRef>
-    </dgm:style>
-  </dgm:styleLbl>
-  <dgm:styleLbl name="node2">
-    <dgm:scene3d>
-      <a:camera prst="orthographicFront"/>
-      <a:lightRig rig="threePt" dir="t"/>
-    </dgm:scene3d>
-    <dgm:sp3d/>
-    <dgm:txPr/>
-    <dgm:style>
-      <a:lnRef idx="2">
-        <a:scrgbClr r="0" g="0" b="0"/>
-      </a:lnRef>
-      <a:fillRef idx="1">
-        <a:scrgbClr r="0" g="0" b="0"/>
-      </a:fillRef>
-      <a:effectRef idx="0">
-        <a:scrgbClr r="0" g="0" b="0"/>
-      </a:effectRef>
-      <a:fontRef idx="minor">
-        <a:schemeClr val="lt1"/>
-      </a:fontRef>
-    </dgm:style>
-  </dgm:styleLbl>
-  <dgm:styleLbl name="node3">
-    <dgm:scene3d>
-      <a:camera prst="orthographicFront"/>
-      <a:lightRig rig="threePt" dir="t"/>
-    </dgm:scene3d>
-    <dgm:sp3d/>
-    <dgm:txPr/>
-    <dgm:style>
-      <a:lnRef idx="2">
-        <a:scrgbClr r="0" g="0" b="0"/>
-      </a:lnRef>
-      <a:fillRef idx="1">
-        <a:scrgbClr r="0" g="0" b="0"/>
-      </a:fillRef>
-      <a:effectRef idx="0">
-        <a:scrgbClr r="0" g="0" b="0"/>
-      </a:effectRef>
-      <a:fontRef idx="minor">
-        <a:schemeClr val="lt1"/>
-      </a:fontRef>
-    </dgm:style>
-  </dgm:styleLbl>
-  <dgm:styleLbl name="node4">
-    <dgm:scene3d>
-      <a:camera prst="orthographicFront"/>
-      <a:lightRig rig="threePt" dir="t"/>
-    </dgm:scene3d>
-    <dgm:sp3d/>
-    <dgm:txPr/>
-    <dgm:style>
-      <a:lnRef idx="2">
-        <a:scrgbClr r="0" g="0" b="0"/>
-      </a:lnRef>
-      <a:fillRef idx="1">
-        <a:scrgbClr r="0" g="0" b="0"/>
-      </a:fillRef>
-      <a:effectRef idx="0">
-        <a:scrgbClr r="0" g="0" b="0"/>
-      </a:effectRef>
-      <a:fontRef idx="minor">
-        <a:schemeClr val="lt1"/>
-      </a:fontRef>
-    </dgm:style>
-  </dgm:styleLbl>
-  <dgm:styleLbl name="fgImgPlace1">
-    <dgm:scene3d>
-      <a:camera prst="orthographicFront"/>
-      <a:lightRig rig="threePt" dir="t"/>
-    </dgm:scene3d>
-    <dgm:sp3d/>
-    <dgm:txPr/>
-    <dgm:style>
-      <a:lnRef idx="2">
-        <a:scrgbClr r="0" g="0" b="0"/>
-      </a:lnRef>
-      <a:fillRef idx="1">
-        <a:scrgbClr r="0" g="0" b="0"/>
-      </a:fillRef>
-      <a:effectRef idx="0">
-        <a:scrgbClr r="0" g="0" b="0"/>
-      </a:effectRef>
-      <a:fontRef idx="minor"/>
-    </dgm:style>
-  </dgm:styleLbl>
-  <dgm:styleLbl name="alignImgPlace1">
-    <dgm:scene3d>
-      <a:camera prst="orthographicFront"/>
-      <a:lightRig rig="threePt" dir="t"/>
-    </dgm:scene3d>
-    <dgm:sp3d/>
-    <dgm:txPr/>
-    <dgm:style>
-      <a:lnRef idx="2">
-        <a:scrgbClr r="0" g="0" b="0"/>
-      </a:lnRef>
-      <a:fillRef idx="1">
-        <a:scrgbClr r="0" g="0" b="0"/>
-      </a:fillRef>
-      <a:effectRef idx="0">
-        <a:scrgbClr r="0" g="0" b="0"/>
-      </a:effectRef>
-      <a:fontRef idx="minor"/>
-    </dgm:style>
-  </dgm:styleLbl>
-  <dgm:styleLbl name="bgImgPlace1">
-    <dgm:scene3d>
-      <a:camera prst="orthographicFront"/>
-      <a:lightRig rig="threePt" dir="t"/>
-    </dgm:scene3d>
-    <dgm:sp3d/>
-    <dgm:txPr/>
-    <dgm:style>
-      <a:lnRef idx="2">
-        <a:scrgbClr r="0" g="0" b="0"/>
-      </a:lnRef>
-      <a:fillRef idx="1">
-        <a:scrgbClr r="0" g="0" b="0"/>
-      </a:fillRef>
-      <a:effectRef idx="0">
-        <a:scrgbClr r="0" g="0" b="0"/>
-      </a:effectRef>
-      <a:fontRef idx="minor"/>
-    </dgm:style>
-  </dgm:styleLbl>
-  <dgm:styleLbl name="sibTrans2D1">
-    <dgm:scene3d>
-      <a:camera prst="orthographicFront"/>
-      <a:lightRig rig="threePt" dir="t"/>
-    </dgm:scene3d>
-    <dgm:sp3d/>
-    <dgm:txPr/>
-    <dgm:style>
-      <a:lnRef idx="0">
-        <a:scrgbClr r="0" g="0" b="0"/>
-      </a:lnRef>
-      <a:fillRef idx="1">
-        <a:scrgbClr r="0" g="0" b="0"/>
-      </a:fillRef>
-      <a:effectRef idx="0">
-        <a:scrgbClr r="0" g="0" b="0"/>
-      </a:effectRef>
-      <a:fontRef idx="minor">
-        <a:schemeClr val="lt1"/>
-      </a:fontRef>
-    </dgm:style>
-  </dgm:styleLbl>
-  <dgm:styleLbl name="fgSibTrans2D1">
-    <dgm:scene3d>
-      <a:camera prst="orthographicFront"/>
-      <a:lightRig rig="threePt" dir="t"/>
-    </dgm:scene3d>
-    <dgm:sp3d/>
-    <dgm:txPr/>
-    <dgm:style>
-      <a:lnRef idx="0">
-        <a:scrgbClr r="0" g="0" b="0"/>
-      </a:lnRef>
-      <a:fillRef idx="1">
-        <a:scrgbClr r="0" g="0" b="0"/>
-      </a:fillRef>
-      <a:effectRef idx="0">
-        <a:scrgbClr r="0" g="0" b="0"/>
-      </a:effectRef>
-      <a:fontRef idx="minor">
-        <a:schemeClr val="lt1"/>
-      </a:fontRef>
-    </dgm:style>
-  </dgm:styleLbl>
-  <dgm:styleLbl name="bgSibTrans2D1">
-    <dgm:scene3d>
-      <a:camera prst="orthographicFront"/>
-      <a:lightRig rig="threePt" dir="t"/>
-    </dgm:scene3d>
-    <dgm:sp3d/>
-    <dgm:txPr/>
-    <dgm:style>
-      <a:lnRef idx="0">
-        <a:scrgbClr r="0" g="0" b="0"/>
-      </a:lnRef>
-      <a:fillRef idx="1">
-        <a:scrgbClr r="0" g="0" b="0"/>
-      </a:fillRef>
-      <a:effectRef idx="0">
-        <a:scrgbClr r="0" g="0" b="0"/>
-      </a:effectRef>
-      <a:fontRef idx="minor">
-        <a:schemeClr val="lt1"/>
-      </a:fontRef>
-    </dgm:style>
-  </dgm:styleLbl>
-  <dgm:styleLbl name="sibTrans1D1">
-    <dgm:scene3d>
-      <a:camera prst="orthographicFront"/>
-      <a:lightRig rig="threePt" dir="t"/>
-    </dgm:scene3d>
-    <dgm:sp3d/>
-    <dgm:txPr/>
-    <dgm:style>
-      <a:lnRef idx="1">
-        <a:scrgbClr r="0" g="0" b="0"/>
-      </a:lnRef>
-      <a:fillRef idx="0">
-        <a:scrgbClr r="0" g="0" b="0"/>
-      </a:fillRef>
-      <a:effectRef idx="0">
-        <a:scrgbClr r="0" g="0" b="0"/>
-      </a:effectRef>
-      <a:fontRef idx="minor"/>
-    </dgm:style>
-  </dgm:styleLbl>
-  <dgm:styleLbl name="callout">
-    <dgm:scene3d>
-      <a:camera prst="orthographicFront"/>
-      <a:lightRig rig="threePt" dir="t"/>
-    </dgm:scene3d>
-    <dgm:sp3d/>
-    <dgm:txPr/>
-    <dgm:style>
-      <a:lnRef idx="2">
-        <a:scrgbClr r="0" g="0" b="0"/>
-      </a:lnRef>
-      <a:fillRef idx="1">
-        <a:scrgbClr r="0" g="0" b="0"/>
-      </a:fillRef>
-      <a:effectRef idx="0">
-        <a:scrgbClr r="0" g="0" b="0"/>
-      </a:effectRef>
-      <a:fontRef idx="minor"/>
-    </dgm:style>
-  </dgm:styleLbl>
-  <dgm:styleLbl name="asst0">
-    <dgm:scene3d>
-      <a:camera prst="orthographicFront"/>
-      <a:lightRig rig="threePt" dir="t"/>
-    </dgm:scene3d>
-    <dgm:sp3d/>
-    <dgm:txPr/>
-    <dgm:style>
-      <a:lnRef idx="2">
-        <a:scrgbClr r="0" g="0" b="0"/>
-      </a:lnRef>
-      <a:fillRef idx="1">
-        <a:scrgbClr r="0" g="0" b="0"/>
-      </a:fillRef>
-      <a:effectRef idx="0">
-        <a:scrgbClr r="0" g="0" b="0"/>
-      </a:effectRef>
-      <a:fontRef idx="minor">
-        <a:schemeClr val="lt1"/>
-      </a:fontRef>
-    </dgm:style>
-  </dgm:styleLbl>
-  <dgm:styleLbl name="asst1">
-    <dgm:scene3d>
-      <a:camera prst="orthographicFront"/>
-      <a:lightRig rig="threePt" dir="t"/>
-    </dgm:scene3d>
-    <dgm:sp3d/>
-    <dgm:txPr/>
-    <dgm:style>
-      <a:lnRef idx="2">
-        <a:scrgbClr r="0" g="0" b="0"/>
-      </a:lnRef>
-      <a:fillRef idx="1">
-        <a:scrgbClr r="0" g="0" b="0"/>
-      </a:fillRef>
-      <a:effectRef idx="0">
-        <a:scrgbClr r="0" g="0" b="0"/>
-      </a:effectRef>
-      <a:fontRef idx="minor">
-        <a:schemeClr val="lt1"/>
-      </a:fontRef>
-    </dgm:style>
-  </dgm:styleLbl>
-  <dgm:styleLbl name="asst2">
-    <dgm:scene3d>
-      <a:camera prst="orthographicFront"/>
-      <a:lightRig rig="threePt" dir="t"/>
-    </dgm:scene3d>
-    <dgm:sp3d/>
-    <dgm:txPr/>
-    <dgm:style>
-      <a:lnRef idx="2">
-        <a:scrgbClr r="0" g="0" b="0"/>
-      </a:lnRef>
-      <a:fillRef idx="1">
-        <a:scrgbClr r="0" g="0" b="0"/>
-      </a:fillRef>
-      <a:effectRef idx="0">
-        <a:scrgbClr r="0" g="0" b="0"/>
-      </a:effectRef>
-      <a:fontRef idx="minor">
-        <a:schemeClr val="lt1"/>
-      </a:fontRef>
-    </dgm:style>
-  </dgm:styleLbl>
-  <dgm:styleLbl name="asst3">
-    <dgm:scene3d>
-      <a:camera prst="orthographicFront"/>
-      <a:lightRig rig="threePt" dir="t"/>
-    </dgm:scene3d>
-    <dgm:sp3d/>
-    <dgm:txPr/>
-    <dgm:style>
-      <a:lnRef idx="2">
-        <a:scrgbClr r="0" g="0" b="0"/>
-      </a:lnRef>
-      <a:fillRef idx="1">
-        <a:scrgbClr r="0" g="0" b="0"/>
-      </a:fillRef>
-      <a:effectRef idx="0">
-        <a:scrgbClr r="0" g="0" b="0"/>
-      </a:effectRef>
-      <a:fontRef idx="minor">
-        <a:schemeClr val="lt1"/>
-      </a:fontRef>
-    </dgm:style>
-  </dgm:styleLbl>
-  <dgm:styleLbl name="asst4">
-    <dgm:scene3d>
-      <a:camera prst="orthographicFront"/>
-      <a:lightRig rig="threePt" dir="t"/>
-    </dgm:scene3d>
-    <dgm:sp3d/>
-    <dgm:txPr/>
-    <dgm:style>
-      <a:lnRef idx="2">
-        <a:scrgbClr r="0" g="0" b="0"/>
-      </a:lnRef>
-      <a:fillRef idx="1">
-        <a:scrgbClr r="0" g="0" b="0"/>
-      </a:fillRef>
-      <a:effectRef idx="0">
-        <a:scrgbClr r="0" g="0" b="0"/>
-      </a:effectRef>
-      <a:fontRef idx="minor">
-        <a:schemeClr val="lt1"/>
-      </a:fontRef>
-    </dgm:style>
-  </dgm:styleLbl>
-  <dgm:styleLbl name="parChTrans2D1">
-    <dgm:scene3d>
-      <a:camera prst="orthographicFront"/>
-      <a:lightRig rig="threePt" dir="t"/>
-    </dgm:scene3d>
-    <dgm:sp3d/>
-    <dgm:txPr/>
-    <dgm:style>
-      <a:lnRef idx="2">
-        <a:scrgbClr r="0" g="0" b="0"/>
-      </a:lnRef>
-      <a:fillRef idx="1">
-        <a:scrgbClr r="0" g="0" b="0"/>
-      </a:fillRef>
-      <a:effectRef idx="0">
-        <a:scrgbClr r="0" g="0" b="0"/>
-      </a:effectRef>
-      <a:fontRef idx="minor">
-        <a:schemeClr val="lt1"/>
-      </a:fontRef>
-    </dgm:style>
-  </dgm:styleLbl>
-  <dgm:styleLbl name="parChTrans2D2">
-    <dgm:scene3d>
-      <a:camera prst="orthographicFront"/>
-      <a:lightRig rig="threePt" dir="t"/>
-    </dgm:scene3d>
-    <dgm:sp3d/>
-    <dgm:txPr/>
-    <dgm:style>
-      <a:lnRef idx="2">
-        <a:scrgbClr r="0" g="0" b="0"/>
-      </a:lnRef>
-      <a:fillRef idx="1">
-        <a:scrgbClr r="0" g="0" b="0"/>
-      </a:fillRef>
-      <a:effectRef idx="0">
-        <a:scrgbClr r="0" g="0" b="0"/>
-      </a:effectRef>
-      <a:fontRef idx="minor">
-        <a:schemeClr val="lt1"/>
-      </a:fontRef>
-    </dgm:style>
-  </dgm:styleLbl>
-  <dgm:styleLbl name="parChTrans2D3">
-    <dgm:scene3d>
-      <a:camera prst="orthographicFront"/>
-      <a:lightRig rig="threePt" dir="t"/>
-    </dgm:scene3d>
-    <dgm:sp3d/>
-    <dgm:txPr/>
-    <dgm:style>
-      <a:lnRef idx="2">
-        <a:scrgbClr r="0" g="0" b="0"/>
-      </a:lnRef>
-      <a:fillRef idx="1">
-        <a:scrgbClr r="0" g="0" b="0"/>
-      </a:fillRef>
-      <a:effectRef idx="0">
-        <a:scrgbClr r="0" g="0" b="0"/>
-      </a:effectRef>
-      <a:fontRef idx="minor">
-        <a:schemeClr val="lt1"/>
-      </a:fontRef>
-    </dgm:style>
-  </dgm:styleLbl>
-  <dgm:styleLbl name="parChTrans2D4">
-    <dgm:scene3d>
-      <a:camera prst="orthographicFront"/>
-      <a:lightRig rig="threePt" dir="t"/>
-    </dgm:scene3d>
-    <dgm:sp3d/>
-    <dgm:txPr/>
-    <dgm:style>
-      <a:lnRef idx="2">
-        <a:scrgbClr r="0" g="0" b="0"/>
-      </a:lnRef>
-      <a:fillRef idx="1">
-        <a:scrgbClr r="0" g="0" b="0"/>
-      </a:fillRef>
-      <a:effectRef idx="0">
-        <a:scrgbClr r="0" g="0" b="0"/>
-      </a:effectRef>
-      <a:fontRef idx="minor">
-        <a:schemeClr val="lt1"/>
-      </a:fontRef>
-    </dgm:style>
-  </dgm:styleLbl>
-  <dgm:styleLbl name="parChTrans1D1">
-    <dgm:scene3d>
-      <a:camera prst="orthographicFront"/>
-      <a:lightRig rig="threePt" dir="t"/>
-    </dgm:scene3d>
-    <dgm:sp3d/>
-    <dgm:txPr/>
-    <dgm:style>
-      <a:lnRef idx="2">
-        <a:scrgbClr r="0" g="0" b="0"/>
-      </a:lnRef>
-      <a:fillRef idx="0">
-        <a:scrgbClr r="0" g="0" b="0"/>
-      </a:fillRef>
-      <a:effectRef idx="0">
-        <a:scrgbClr r="0" g="0" b="0"/>
-      </a:effectRef>
-      <a:fontRef idx="minor"/>
-    </dgm:style>
-  </dgm:styleLbl>
-  <dgm:styleLbl name="parChTrans1D2">
-    <dgm:scene3d>
-      <a:camera prst="orthographicFront"/>
-      <a:lightRig rig="threePt" dir="t"/>
-    </dgm:scene3d>
-    <dgm:sp3d/>
-    <dgm:txPr/>
-    <dgm:style>
-      <a:lnRef idx="2">
-        <a:scrgbClr r="0" g="0" b="0"/>
-      </a:lnRef>
-      <a:fillRef idx="0">
-        <a:scrgbClr r="0" g="0" b="0"/>
-      </a:fillRef>
-      <a:effectRef idx="0">
-        <a:scrgbClr r="0" g="0" b="0"/>
-      </a:effectRef>
-      <a:fontRef idx="minor"/>
-    </dgm:style>
-  </dgm:styleLbl>
-  <dgm:styleLbl name="parChTrans1D3">
-    <dgm:scene3d>
-      <a:camera prst="orthographicFront"/>
-      <a:lightRig rig="threePt" dir="t"/>
-    </dgm:scene3d>
-    <dgm:sp3d/>
-    <dgm:txPr/>
-    <dgm:style>
-      <a:lnRef idx="2">
-        <a:scrgbClr r="0" g="0" b="0"/>
-      </a:lnRef>
-      <a:fillRef idx="0">
-        <a:scrgbClr r="0" g="0" b="0"/>
-      </a:fillRef>
-      <a:effectRef idx="0">
-        <a:scrgbClr r="0" g="0" b="0"/>
-      </a:effectRef>
-      <a:fontRef idx="minor"/>
-    </dgm:style>
-  </dgm:styleLbl>
-  <dgm:styleLbl name="parChTrans1D4">
-    <dgm:scene3d>
-      <a:camera prst="orthographicFront"/>
-      <a:lightRig rig="threePt" dir="t"/>
-    </dgm:scene3d>
-    <dgm:sp3d/>
-    <dgm:txPr/>
-    <dgm:style>
-      <a:lnRef idx="2">
-        <a:scrgbClr r="0" g="0" b="0"/>
-      </a:lnRef>
-      <a:fillRef idx="0">
-        <a:scrgbClr r="0" g="0" b="0"/>
-      </a:fillRef>
-      <a:effectRef idx="0">
-        <a:scrgbClr r="0" g="0" b="0"/>
-      </a:effectRef>
-      <a:fontRef idx="minor"/>
-    </dgm:style>
-  </dgm:styleLbl>
-  <dgm:styleLbl name="fgAcc1">
-    <dgm:scene3d>
-      <a:camera prst="orthographicFront"/>
-      <a:lightRig rig="threePt" dir="t"/>
-    </dgm:scene3d>
-    <dgm:sp3d/>
-    <dgm:txPr/>
-    <dgm:style>
-      <a:lnRef idx="2">
-        <a:scrgbClr r="0" g="0" b="0"/>
-      </a:lnRef>
-      <a:fillRef idx="1">
-        <a:scrgbClr r="0" g="0" b="0"/>
-      </a:fillRef>
-      <a:effectRef idx="0">
-        <a:scrgbClr r="0" g="0" b="0"/>
-      </a:effectRef>
-      <a:fontRef idx="minor"/>
-    </dgm:style>
-  </dgm:styleLbl>
-  <dgm:styleLbl name="conFgAcc1">
-    <dgm:scene3d>
-      <a:camera prst="orthographicFront"/>
-      <a:lightRig rig="threePt" dir="t"/>
-    </dgm:scene3d>
-    <dgm:sp3d/>
-    <dgm:txPr/>
-    <dgm:style>
-      <a:lnRef idx="2">
-        <a:scrgbClr r="0" g="0" b="0"/>
-      </a:lnRef>
-      <a:fillRef idx="1">
-        <a:scrgbClr r="0" g="0" b="0"/>
-      </a:fillRef>
-      <a:effectRef idx="0">
-        <a:scrgbClr r="0" g="0" b="0"/>
-      </a:effectRef>
-      <a:fontRef idx="minor"/>
-    </dgm:style>
-  </dgm:styleLbl>
-  <dgm:styleLbl name="alignAcc1">
-    <dgm:scene3d>
-      <a:camera prst="orthographicFront"/>
-      <a:lightRig rig="threePt" dir="t"/>
-    </dgm:scene3d>
-    <dgm:sp3d/>
-    <dgm:txPr/>
-    <dgm:style>
-      <a:lnRef idx="2">
-        <a:scrgbClr r="0" g="0" b="0"/>
-      </a:lnRef>
-      <a:fillRef idx="1">
-        <a:scrgbClr r="0" g="0" b="0"/>
-      </a:fillRef>
-      <a:effectRef idx="0">
-        <a:scrgbClr r="0" g="0" b="0"/>
-      </a:effectRef>
-      <a:fontRef idx="minor"/>
-    </dgm:style>
-  </dgm:styleLbl>
-  <dgm:styleLbl name="trAlignAcc1">
-    <dgm:scene3d>
-      <a:camera prst="orthographicFront"/>
-      <a:lightRig rig="threePt" dir="t"/>
-    </dgm:scene3d>
-    <dgm:sp3d/>
-    <dgm:txPr/>
-    <dgm:style>
-      <a:lnRef idx="1">
-        <a:scrgbClr r="0" g="0" b="0"/>
-      </a:lnRef>
-      <a:fillRef idx="1">
-        <a:scrgbClr r="0" g="0" b="0"/>
-      </a:fillRef>
-      <a:effectRef idx="0">
-        <a:scrgbClr r="0" g="0" b="0"/>
-      </a:effectRef>
-      <a:fontRef idx="minor"/>
-    </dgm:style>
-  </dgm:styleLbl>
-  <dgm:styleLbl name="bgAcc1">
-    <dgm:scene3d>
-      <a:camera prst="orthographicFront"/>
-      <a:lightRig rig="threePt" dir="t"/>
-    </dgm:scene3d>
-    <dgm:sp3d/>
-    <dgm:txPr/>
-    <dgm:style>
-      <a:lnRef idx="2">
-        <a:scrgbClr r="0" g="0" b="0"/>
-      </a:lnRef>
-      <a:fillRef idx="1">
-        <a:scrgbClr r="0" g="0" b="0"/>
-      </a:fillRef>
-      <a:effectRef idx="0">
-        <a:scrgbClr r="0" g="0" b="0"/>
-      </a:effectRef>
-      <a:fontRef idx="minor"/>
-    </dgm:style>
-  </dgm:styleLbl>
-  <dgm:styleLbl name="solidFgAcc1">
-    <dgm:scene3d>
-      <a:camera prst="orthographicFront"/>
-      <a:lightRig rig="threePt" dir="t"/>
-    </dgm:scene3d>
-    <dgm:sp3d/>
-    <dgm:txPr/>
-    <dgm:style>
-      <a:lnRef idx="2">
-        <a:scrgbClr r="0" g="0" b="0"/>
-      </a:lnRef>
-      <a:fillRef idx="1">
-        <a:scrgbClr r="0" g="0" b="0"/>
-      </a:fillRef>
-      <a:effectRef idx="0">
-        <a:scrgbClr r="0" g="0" b="0"/>
-      </a:effectRef>
-      <a:fontRef idx="minor"/>
-    </dgm:style>
-  </dgm:styleLbl>
-  <dgm:styleLbl name="solidAlignAcc1">
-    <dgm:scene3d>
-      <a:camera prst="orthographicFront"/>
-      <a:lightRig rig="threePt" dir="t"/>
-    </dgm:scene3d>
-    <dgm:sp3d/>
-    <dgm:txPr/>
-    <dgm:style>
-      <a:lnRef idx="2">
-        <a:scrgbClr r="0" g="0" b="0"/>
-      </a:lnRef>
-      <a:fillRef idx="1">
-        <a:scrgbClr r="0" g="0" b="0"/>
-      </a:fillRef>
-      <a:effectRef idx="0">
-        <a:scrgbClr r="0" g="0" b="0"/>
-      </a:effectRef>
-      <a:fontRef idx="minor"/>
-    </dgm:style>
-  </dgm:styleLbl>
-  <dgm:styleLbl name="solidBgAcc1">
-    <dgm:scene3d>
-      <a:camera prst="orthographicFront"/>
-      <a:lightRig rig="threePt" dir="t"/>
-    </dgm:scene3d>
-    <dgm:sp3d/>
-    <dgm:txPr/>
-    <dgm:style>
-      <a:lnRef idx="2">
-        <a:scrgbClr r="0" g="0" b="0"/>
-      </a:lnRef>
-      <a:fillRef idx="1">
-        <a:scrgbClr r="0" g="0" b="0"/>
-      </a:fillRef>
-      <a:effectRef idx="0">
-        <a:scrgbClr r="0" g="0" b="0"/>
-      </a:effectRef>
-      <a:fontRef idx="minor"/>
-    </dgm:style>
-  </dgm:styleLbl>
-  <dgm:styleLbl name="fgAccFollowNode1">
-    <dgm:scene3d>
-      <a:camera prst="orthographicFront"/>
-      <a:lightRig rig="threePt" dir="t"/>
-    </dgm:scene3d>
-    <dgm:sp3d/>
-    <dgm:txPr/>
-    <dgm:style>
-      <a:lnRef idx="2">
-        <a:scrgbClr r="0" g="0" b="0"/>
-      </a:lnRef>
-      <a:fillRef idx="1">
-        <a:scrgbClr r="0" g="0" b="0"/>
-      </a:fillRef>
-      <a:effectRef idx="0">
-        <a:scrgbClr r="0" g="0" b="0"/>
-      </a:effectRef>
-      <a:fontRef idx="minor"/>
-    </dgm:style>
-  </dgm:styleLbl>
-  <dgm:styleLbl name="alignAccFollowNode1">
-    <dgm:scene3d>
-      <a:camera prst="orthographicFront"/>
-      <a:lightRig rig="threePt" dir="t"/>
-    </dgm:scene3d>
-    <dgm:sp3d/>
-    <dgm:txPr/>
-    <dgm:style>
-      <a:lnRef idx="2">
-        <a:scrgbClr r="0" g="0" b="0"/>
-      </a:lnRef>
-      <a:fillRef idx="1">
-        <a:scrgbClr r="0" g="0" b="0"/>
-      </a:fillRef>
-      <a:effectRef idx="0">
-        <a:scrgbClr r="0" g="0" b="0"/>
-      </a:effectRef>
-      <a:fontRef idx="minor"/>
-    </dgm:style>
-  </dgm:styleLbl>
-  <dgm:styleLbl name="bgAccFollowNode1">
-    <dgm:scene3d>
-      <a:camera prst="orthographicFront"/>
-      <a:lightRig rig="threePt" dir="t"/>
-    </dgm:scene3d>
-    <dgm:sp3d/>
-    <dgm:txPr/>
-    <dgm:style>
-      <a:lnRef idx="2">
-        <a:scrgbClr r="0" g="0" b="0"/>
-      </a:lnRef>
-      <a:fillRef idx="1">
-        <a:scrgbClr r="0" g="0" b="0"/>
-      </a:fillRef>
-      <a:effectRef idx="0">
-        <a:scrgbClr r="0" g="0" b="0"/>
-      </a:effectRef>
-      <a:fontRef idx="minor"/>
-    </dgm:style>
-  </dgm:styleLbl>
-  <dgm:styleLbl name="fgAcc0">
-    <dgm:scene3d>
-      <a:camera prst="orthographicFront"/>
-      <a:lightRig rig="threePt" dir="t"/>
-    </dgm:scene3d>
-    <dgm:sp3d/>
-    <dgm:txPr/>
-    <dgm:style>
-      <a:lnRef idx="2">
-        <a:scrgbClr r="0" g="0" b="0"/>
-      </a:lnRef>
-      <a:fillRef idx="1">
-        <a:scrgbClr r="0" g="0" b="0"/>
-      </a:fillRef>
-      <a:effectRef idx="0">
-        <a:scrgbClr r="0" g="0" b="0"/>
-      </a:effectRef>
-      <a:fontRef idx="minor"/>
-    </dgm:style>
-  </dgm:styleLbl>
-  <dgm:styleLbl name="fgAcc2">
-    <dgm:scene3d>
-      <a:camera prst="orthographicFront"/>
-      <a:lightRig rig="threePt" dir="t"/>
-    </dgm:scene3d>
-    <dgm:sp3d/>
-    <dgm:txPr/>
-    <dgm:style>
-      <a:lnRef idx="2">
-        <a:scrgbClr r="0" g="0" b="0"/>
-      </a:lnRef>
-      <a:fillRef idx="1">
-        <a:scrgbClr r="0" g="0" b="0"/>
-      </a:fillRef>
-      <a:effectRef idx="0">
-        <a:scrgbClr r="0" g="0" b="0"/>
-      </a:effectRef>
-      <a:fontRef idx="minor"/>
-    </dgm:style>
-  </dgm:styleLbl>
-  <dgm:styleLbl name="fgAcc3">
-    <dgm:scene3d>
-      <a:camera prst="orthographicFront"/>
-      <a:lightRig rig="threePt" dir="t"/>
-    </dgm:scene3d>
-    <dgm:sp3d/>
-    <dgm:txPr/>
-    <dgm:style>
-      <a:lnRef idx="2">
-        <a:scrgbClr r="0" g="0" b="0"/>
-      </a:lnRef>
-      <a:fillRef idx="1">
-        <a:scrgbClr r="0" g="0" b="0"/>
-      </a:fillRef>
-      <a:effectRef idx="0">
-        <a:scrgbClr r="0" g="0" b="0"/>
-      </a:effectRef>
-      <a:fontRef idx="minor"/>
-    </dgm:style>
-  </dgm:styleLbl>
-  <dgm:styleLbl name="fgAcc4">
-    <dgm:scene3d>
-      <a:camera prst="orthographicFront"/>
-      <a:lightRig rig="threePt" dir="t"/>
-    </dgm:scene3d>
-    <dgm:sp3d/>
-    <dgm:txPr/>
-    <dgm:style>
-      <a:lnRef idx="2">
-        <a:scrgbClr r="0" g="0" b="0"/>
-      </a:lnRef>
-      <a:fillRef idx="1">
-        <a:scrgbClr r="0" g="0" b="0"/>
-      </a:fillRef>
-      <a:effectRef idx="0">
-        <a:scrgbClr r="0" g="0" b="0"/>
-      </a:effectRef>
-      <a:fontRef idx="minor"/>
-    </dgm:style>
-  </dgm:styleLbl>
-  <dgm:styleLbl name="bgShp">
-    <dgm:scene3d>
-      <a:camera prst="orthographicFront"/>
-      <a:lightRig rig="threePt" dir="t"/>
-    </dgm:scene3d>
-    <dgm:sp3d/>
-    <dgm:txPr/>
-    <dgm:style>
-      <a:lnRef idx="0">
-        <a:scrgbClr r="0" g="0" b="0"/>
-      </a:lnRef>
-      <a:fillRef idx="1">
-        <a:scrgbClr r="0" g="0" b="0"/>
-      </a:fillRef>
-      <a:effectRef idx="0">
-        <a:scrgbClr r="0" g="0" b="0"/>
-      </a:effectRef>
-      <a:fontRef idx="minor"/>
-    </dgm:style>
-  </dgm:styleLbl>
-  <dgm:styleLbl name="dkBgShp">
-    <dgm:scene3d>
-      <a:camera prst="orthographicFront"/>
-      <a:lightRig rig="threePt" dir="t"/>
-    </dgm:scene3d>
-    <dgm:sp3d/>
-    <dgm:txPr/>
-    <dgm:style>
-      <a:lnRef idx="0">
-        <a:scrgbClr r="0" g="0" b="0"/>
-      </a:lnRef>
-      <a:fillRef idx="1">
-        <a:scrgbClr r="0" g="0" b="0"/>
-      </a:fillRef>
-      <a:effectRef idx="0">
-        <a:scrgbClr r="0" g="0" b="0"/>
-      </a:effectRef>
-      <a:fontRef idx="minor"/>
-    </dgm:style>
-  </dgm:styleLbl>
-  <dgm:styleLbl name="trBgShp">
-    <dgm:scene3d>
-      <a:camera prst="orthographicFront"/>
-      <a:lightRig rig="threePt" dir="t"/>
-    </dgm:scene3d>
-    <dgm:sp3d/>
-    <dgm:txPr/>
-    <dgm:style>
-      <a:lnRef idx="0">
-        <a:scrgbClr r="0" g="0" b="0"/>
-      </a:lnRef>
-      <a:fillRef idx="1">
-        <a:scrgbClr r="0" g="0" b="0"/>
-      </a:fillRef>
-      <a:effectRef idx="0">
-        <a:scrgbClr r="0" g="0" b="0"/>
-      </a:effectRef>
-      <a:fontRef idx="minor"/>
-    </dgm:style>
-  </dgm:styleLbl>
-  <dgm:styleLbl name="fgShp">
-    <dgm:scene3d>
-      <a:camera prst="orthographicFront"/>
-      <a:lightRig rig="threePt" dir="t"/>
-    </dgm:scene3d>
-    <dgm:sp3d/>
-    <dgm:txPr/>
-    <dgm:style>
-      <a:lnRef idx="2">
-        <a:scrgbClr r="0" g="0" b="0"/>
-      </a:lnRef>
-      <a:fillRef idx="1">
-        <a:scrgbClr r="0" g="0" b="0"/>
-      </a:fillRef>
-      <a:effectRef idx="0">
-        <a:scrgbClr r="0" g="0" b="0"/>
-      </a:effectRef>
-      <a:fontRef idx="minor"/>
-    </dgm:style>
-  </dgm:styleLbl>
-  <dgm:styleLbl name="revTx">
-    <dgm:scene3d>
-      <a:camera prst="orthographicFront"/>
-      <a:lightRig rig="threePt" dir="t"/>
-    </dgm:scene3d>
-    <dgm:sp3d/>
-    <dgm:txPr/>
-    <dgm:style>
-      <a:lnRef idx="0">
-        <a:scrgbClr r="0" g="0" b="0"/>
-      </a:lnRef>
-      <a:fillRef idx="0">
-        <a:scrgbClr r="0" g="0" b="0"/>
-      </a:fillRef>
-      <a:effectRef idx="0">
-        <a:scrgbClr r="0" g="0" b="0"/>
-      </a:effectRef>
-      <a:fontRef idx="minor"/>
-    </dgm:style>
-  </dgm:styleLbl>
-</dgm:styleDef>
-</file>
-
-<file path=ppt/diagrams/quickStyle3.xml><?xml version="1.0" encoding="utf-8"?>
 <dgm:styleDef xmlns:dgm="http://schemas.openxmlformats.org/drawingml/2006/diagram" xmlns:a="http://schemas.openxmlformats.org/drawingml/2006/main" uniqueId="urn:microsoft.com/office/officeart/2005/8/quickstyle/simple1">
   <dgm:title val=""/>
   <dgm:desc val=""/>
@@ -9055,7 +5747,7 @@
           <a:p>
             <a:fld id="{64B5CDC6-C9CC-4F19-A304-2F95E321901D}" type="datetimeFigureOut">
               <a:rPr lang="en-US" smtClean="0"/>
-              <a:t>2/7/2019</a:t>
+              <a:t>2/20/2019</a:t>
             </a:fld>
             <a:endParaRPr lang="en-US"/>
           </a:p>
@@ -9406,94 +6098,6 @@
 </p:notes>
 </file>
 
-<file path=ppt/notesSlides/notesSlide10.xml><?xml version="1.0" encoding="utf-8"?>
-<p:notes xmlns:a="http://schemas.openxmlformats.org/drawingml/2006/main" xmlns:r="http://schemas.openxmlformats.org/officeDocument/2006/relationships" xmlns:p="http://schemas.openxmlformats.org/presentationml/2006/main">
-  <p:cSld>
-    <p:spTree>
-      <p:nvGrpSpPr>
-        <p:cNvPr id="1" name=""/>
-        <p:cNvGrpSpPr/>
-        <p:nvPr/>
-      </p:nvGrpSpPr>
-      <p:grpSpPr>
-        <a:xfrm>
-          <a:off x="0" y="0"/>
-          <a:ext cx="0" cy="0"/>
-          <a:chOff x="0" y="0"/>
-          <a:chExt cx="0" cy="0"/>
-        </a:xfrm>
-      </p:grpSpPr>
-      <p:sp>
-        <p:nvSpPr>
-          <p:cNvPr id="2" name="Slide Image Placeholder 1"/>
-          <p:cNvSpPr>
-            <a:spLocks noGrp="1" noRot="1" noChangeAspect="1"/>
-          </p:cNvSpPr>
-          <p:nvPr>
-            <p:ph type="sldImg"/>
-          </p:nvPr>
-        </p:nvSpPr>
-        <p:spPr/>
-      </p:sp>
-      <p:sp>
-        <p:nvSpPr>
-          <p:cNvPr id="3" name="Notes Placeholder 2"/>
-          <p:cNvSpPr>
-            <a:spLocks noGrp="1"/>
-          </p:cNvSpPr>
-          <p:nvPr>
-            <p:ph type="body" idx="1"/>
-          </p:nvPr>
-        </p:nvSpPr>
-        <p:spPr/>
-        <p:txBody>
-          <a:bodyPr/>
-          <a:lstStyle/>
-          <a:p>
-            <a:pPr marL="0" indent="0">
-              <a:buFont typeface="Arial" panose="020B0604020202020204" pitchFamily="34" charset="0"/>
-              <a:buNone/>
-            </a:pPr>
-            <a:endParaRPr lang="en-US"/>
-          </a:p>
-        </p:txBody>
-      </p:sp>
-      <p:sp>
-        <p:nvSpPr>
-          <p:cNvPr id="4" name="Slide Number Placeholder 3"/>
-          <p:cNvSpPr>
-            <a:spLocks noGrp="1"/>
-          </p:cNvSpPr>
-          <p:nvPr>
-            <p:ph type="sldNum" sz="quarter" idx="10"/>
-          </p:nvPr>
-        </p:nvSpPr>
-        <p:spPr/>
-        <p:txBody>
-          <a:bodyPr/>
-          <a:lstStyle/>
-          <a:p>
-            <a:fld id="{A6E32E67-58B7-48E6-A35C-FAFBD4282C30}" type="slidenum">
-              <a:rPr lang="en-US" smtClean="0"/>
-              <a:t>12</a:t>
-            </a:fld>
-            <a:endParaRPr lang="en-US"/>
-          </a:p>
-        </p:txBody>
-      </p:sp>
-    </p:spTree>
-    <p:extLst>
-      <p:ext uri="{BB962C8B-B14F-4D97-AF65-F5344CB8AC3E}">
-        <p14:creationId xmlns:p14="http://schemas.microsoft.com/office/powerpoint/2010/main" val="567576885"/>
-      </p:ext>
-    </p:extLst>
-  </p:cSld>
-  <p:clrMapOvr>
-    <a:masterClrMapping/>
-  </p:clrMapOvr>
-</p:notes>
-</file>
-
 <file path=ppt/notesSlides/notesSlide2.xml><?xml version="1.0" encoding="utf-8"?>
 <p:notes xmlns:a="http://schemas.openxmlformats.org/drawingml/2006/main" xmlns:r="http://schemas.openxmlformats.org/officeDocument/2006/relationships" xmlns:p="http://schemas.openxmlformats.org/presentationml/2006/main">
   <p:cSld>
@@ -9583,7 +6187,7 @@
           <a:p>
             <a:fld id="{A6E32E67-58B7-48E6-A35C-FAFBD4282C30}" type="slidenum">
               <a:rPr lang="en-US" smtClean="0"/>
-              <a:t>2</a:t>
+              <a:t>3</a:t>
             </a:fld>
             <a:endParaRPr lang="en-US"/>
           </a:p>
@@ -9757,10 +6361,6 @@
           <a:bodyPr/>
           <a:lstStyle/>
           <a:p>
-            <a:pPr marL="0" indent="0">
-              <a:buFont typeface="Arial" panose="020B0604020202020204" pitchFamily="34" charset="0"/>
-              <a:buNone/>
-            </a:pPr>
             <a:endParaRPr lang="en-US"/>
           </a:p>
         </p:txBody>
@@ -9782,7 +6382,7 @@
           <a:p>
             <a:fld id="{A6E32E67-58B7-48E6-A35C-FAFBD4282C30}" type="slidenum">
               <a:rPr lang="en-US" smtClean="0"/>
-              <a:t>4</a:t>
+              <a:t>5</a:t>
             </a:fld>
             <a:endParaRPr lang="en-US"/>
           </a:p>
@@ -9791,7 +6391,7 @@
     </p:spTree>
     <p:extLst>
       <p:ext uri="{BB962C8B-B14F-4D97-AF65-F5344CB8AC3E}">
-        <p14:creationId xmlns:p14="http://schemas.microsoft.com/office/powerpoint/2010/main" val="1530908956"/>
+        <p14:creationId xmlns:p14="http://schemas.microsoft.com/office/powerpoint/2010/main" val="709596335"/>
       </p:ext>
     </p:extLst>
   </p:cSld>
@@ -9845,6 +6445,18 @@
           <a:bodyPr/>
           <a:lstStyle/>
           <a:p>
+            <a:r>
+              <a:rPr lang="en-US"/>
+              <a:t>Terraform Labs: https://azurecitadel.github.io/workshops/terraform/#labs</a:t>
+            </a:r>
+          </a:p>
+          <a:p>
+            <a:r>
+              <a:rPr lang="en-US"/>
+              <a:t>Azure CLI: https://docs.microsoft.com/en-us/cli/azure/get-started-with-azure-cli?view=azure-cli-latest</a:t>
+            </a:r>
+          </a:p>
+          <a:p>
             <a:endParaRPr lang="en-US"/>
           </a:p>
         </p:txBody>
@@ -9866,7 +6478,7 @@
           <a:p>
             <a:fld id="{A6E32E67-58B7-48E6-A35C-FAFBD4282C30}" type="slidenum">
               <a:rPr lang="en-US" smtClean="0"/>
-              <a:t>5</a:t>
+              <a:t>6</a:t>
             </a:fld>
             <a:endParaRPr lang="en-US"/>
           </a:p>
@@ -9875,7 +6487,7 @@
     </p:spTree>
     <p:extLst>
       <p:ext uri="{BB962C8B-B14F-4D97-AF65-F5344CB8AC3E}">
-        <p14:creationId xmlns:p14="http://schemas.microsoft.com/office/powerpoint/2010/main" val="709596335"/>
+        <p14:creationId xmlns:p14="http://schemas.microsoft.com/office/powerpoint/2010/main" val="991454673"/>
       </p:ext>
     </p:extLst>
   </p:cSld>
@@ -9929,18 +6541,10 @@
           <a:bodyPr/>
           <a:lstStyle/>
           <a:p>
-            <a:r>
-              <a:rPr lang="en-US"/>
-              <a:t>Terraform Labs: https://azurecitadel.github.io/workshops/terraform/#labs</a:t>
-            </a:r>
-          </a:p>
-          <a:p>
-            <a:r>
-              <a:rPr lang="en-US"/>
-              <a:t>Azure CLI: https://docs.microsoft.com/en-us/cli/azure/get-started-with-azure-cli?view=azure-cli-latest</a:t>
-            </a:r>
-          </a:p>
-          <a:p>
+            <a:pPr marL="0" indent="0">
+              <a:buFont typeface="Arial" panose="020B0604020202020204" pitchFamily="34" charset="0"/>
+              <a:buNone/>
+            </a:pPr>
             <a:endParaRPr lang="en-US"/>
           </a:p>
         </p:txBody>
@@ -9962,7 +6566,7 @@
           <a:p>
             <a:fld id="{A6E32E67-58B7-48E6-A35C-FAFBD4282C30}" type="slidenum">
               <a:rPr lang="en-US" smtClean="0"/>
-              <a:t>6</a:t>
+              <a:t>7</a:t>
             </a:fld>
             <a:endParaRPr lang="en-US"/>
           </a:p>
@@ -9971,7 +6575,7 @@
     </p:spTree>
     <p:extLst>
       <p:ext uri="{BB962C8B-B14F-4D97-AF65-F5344CB8AC3E}">
-        <p14:creationId xmlns:p14="http://schemas.microsoft.com/office/powerpoint/2010/main" val="991454673"/>
+        <p14:creationId xmlns:p14="http://schemas.microsoft.com/office/powerpoint/2010/main" val="2043337315"/>
       </p:ext>
     </p:extLst>
   </p:cSld>
@@ -10050,7 +6654,7 @@
           <a:p>
             <a:fld id="{A6E32E67-58B7-48E6-A35C-FAFBD4282C30}" type="slidenum">
               <a:rPr lang="en-US" smtClean="0"/>
-              <a:t>7</a:t>
+              <a:t>8</a:t>
             </a:fld>
             <a:endParaRPr lang="en-US"/>
           </a:p>
@@ -10059,7 +6663,7 @@
     </p:spTree>
     <p:extLst>
       <p:ext uri="{BB962C8B-B14F-4D97-AF65-F5344CB8AC3E}">
-        <p14:creationId xmlns:p14="http://schemas.microsoft.com/office/powerpoint/2010/main" val="2043337315"/>
+        <p14:creationId xmlns:p14="http://schemas.microsoft.com/office/powerpoint/2010/main" val="2987831706"/>
       </p:ext>
     </p:extLst>
   </p:cSld>
@@ -10138,7 +6742,7 @@
           <a:p>
             <a:fld id="{A6E32E67-58B7-48E6-A35C-FAFBD4282C30}" type="slidenum">
               <a:rPr lang="en-US" smtClean="0"/>
-              <a:t>8</a:t>
+              <a:t>9</a:t>
             </a:fld>
             <a:endParaRPr lang="en-US"/>
           </a:p>
@@ -10147,7 +6751,7 @@
     </p:spTree>
     <p:extLst>
       <p:ext uri="{BB962C8B-B14F-4D97-AF65-F5344CB8AC3E}">
-        <p14:creationId xmlns:p14="http://schemas.microsoft.com/office/powerpoint/2010/main" val="2987831706"/>
+        <p14:creationId xmlns:p14="http://schemas.microsoft.com/office/powerpoint/2010/main" val="1530908956"/>
       </p:ext>
     </p:extLst>
   </p:cSld>
@@ -10226,7 +6830,7 @@
           <a:p>
             <a:fld id="{A6E32E67-58B7-48E6-A35C-FAFBD4282C30}" type="slidenum">
               <a:rPr lang="en-US" smtClean="0"/>
-              <a:t>9</a:t>
+              <a:t>10</a:t>
             </a:fld>
             <a:endParaRPr lang="en-US"/>
           </a:p>
@@ -10374,7 +6978,7 @@
           <a:p>
             <a:fld id="{97EF81AB-0984-4A53-A1A0-D4D18D764F0C}" type="datetimeFigureOut">
               <a:rPr lang="en-US" smtClean="0"/>
-              <a:t>2/7/2019</a:t>
+              <a:t>2/20/2019</a:t>
             </a:fld>
             <a:endParaRPr lang="en-US"/>
           </a:p>
@@ -10542,7 +7146,7 @@
           <a:p>
             <a:fld id="{97EF81AB-0984-4A53-A1A0-D4D18D764F0C}" type="datetimeFigureOut">
               <a:rPr lang="en-US" smtClean="0"/>
-              <a:t>2/7/2019</a:t>
+              <a:t>2/20/2019</a:t>
             </a:fld>
             <a:endParaRPr lang="en-US"/>
           </a:p>
@@ -10720,7 +7324,7 @@
           <a:p>
             <a:fld id="{97EF81AB-0984-4A53-A1A0-D4D18D764F0C}" type="datetimeFigureOut">
               <a:rPr lang="en-US" smtClean="0"/>
-              <a:t>2/7/2019</a:t>
+              <a:t>2/20/2019</a:t>
             </a:fld>
             <a:endParaRPr lang="en-US"/>
           </a:p>
@@ -11329,7 +7933,7 @@
           </a:ln>
           <a:extLst>
             <a:ext uri="{C572A759-6A51-4108-AA02-DFA0A04FC94B}">
-              <ma14:wrappingTextBoxFlag xmlns="" xmlns:ma14="http://schemas.microsoft.com/office/mac/drawingml/2011/main" val="1"/>
+              <ma14:wrappingTextBoxFlag xmlns:ma14="http://schemas.microsoft.com/office/mac/drawingml/2011/main" xmlns="" val="1"/>
             </a:ext>
           </a:extLst>
         </p:spPr>
@@ -11523,7 +8127,7 @@
           <a:p>
             <a:fld id="{97EF81AB-0984-4A53-A1A0-D4D18D764F0C}" type="datetimeFigureOut">
               <a:rPr lang="en-US" smtClean="0"/>
-              <a:t>2/7/2019</a:t>
+              <a:t>2/20/2019</a:t>
             </a:fld>
             <a:endParaRPr lang="en-US"/>
           </a:p>
@@ -11768,7 +8372,7 @@
           <a:p>
             <a:fld id="{97EF81AB-0984-4A53-A1A0-D4D18D764F0C}" type="datetimeFigureOut">
               <a:rPr lang="en-US" smtClean="0"/>
-              <a:t>2/7/2019</a:t>
+              <a:t>2/20/2019</a:t>
             </a:fld>
             <a:endParaRPr lang="en-US"/>
           </a:p>
@@ -11997,7 +8601,7 @@
           <a:p>
             <a:fld id="{97EF81AB-0984-4A53-A1A0-D4D18D764F0C}" type="datetimeFigureOut">
               <a:rPr lang="en-US" smtClean="0"/>
-              <a:t>2/7/2019</a:t>
+              <a:t>2/20/2019</a:t>
             </a:fld>
             <a:endParaRPr lang="en-US"/>
           </a:p>
@@ -12361,7 +8965,7 @@
           <a:p>
             <a:fld id="{97EF81AB-0984-4A53-A1A0-D4D18D764F0C}" type="datetimeFigureOut">
               <a:rPr lang="en-US" smtClean="0"/>
-              <a:t>2/7/2019</a:t>
+              <a:t>2/20/2019</a:t>
             </a:fld>
             <a:endParaRPr lang="en-US"/>
           </a:p>
@@ -12478,7 +9082,7 @@
           <a:p>
             <a:fld id="{97EF81AB-0984-4A53-A1A0-D4D18D764F0C}" type="datetimeFigureOut">
               <a:rPr lang="en-US" smtClean="0"/>
-              <a:t>2/7/2019</a:t>
+              <a:t>2/20/2019</a:t>
             </a:fld>
             <a:endParaRPr lang="en-US"/>
           </a:p>
@@ -12573,7 +9177,7 @@
           <a:p>
             <a:fld id="{97EF81AB-0984-4A53-A1A0-D4D18D764F0C}" type="datetimeFigureOut">
               <a:rPr lang="en-US" smtClean="0"/>
-              <a:t>2/7/2019</a:t>
+              <a:t>2/20/2019</a:t>
             </a:fld>
             <a:endParaRPr lang="en-US"/>
           </a:p>
@@ -12848,7 +9452,7 @@
           <a:p>
             <a:fld id="{97EF81AB-0984-4A53-A1A0-D4D18D764F0C}" type="datetimeFigureOut">
               <a:rPr lang="en-US" smtClean="0"/>
-              <a:t>2/7/2019</a:t>
+              <a:t>2/20/2019</a:t>
             </a:fld>
             <a:endParaRPr lang="en-US"/>
           </a:p>
@@ -13100,7 +9704,7 @@
           <a:p>
             <a:fld id="{97EF81AB-0984-4A53-A1A0-D4D18D764F0C}" type="datetimeFigureOut">
               <a:rPr lang="en-US" smtClean="0"/>
-              <a:t>2/7/2019</a:t>
+              <a:t>2/20/2019</a:t>
             </a:fld>
             <a:endParaRPr lang="en-US"/>
           </a:p>
@@ -13311,7 +9915,7 @@
           <a:p>
             <a:fld id="{97EF81AB-0984-4A53-A1A0-D4D18D764F0C}" type="datetimeFigureOut">
               <a:rPr lang="en-US" smtClean="0"/>
-              <a:t>2/7/2019</a:t>
+              <a:t>2/20/2019</a:t>
             </a:fld>
             <a:endParaRPr lang="en-US"/>
           </a:p>
@@ -13826,7 +10430,7 @@
           <p:cNvPr id="2" name="Title 1">
             <a:extLst>
               <a:ext uri="{FF2B5EF4-FFF2-40B4-BE49-F238E27FC236}">
-                <a16:creationId xmlns:a16="http://schemas.microsoft.com/office/drawing/2014/main" id="{E9CD2E64-CFA3-442A-B37E-FA3C6C69A816}"/>
+                <a16:creationId xmlns:a16="http://schemas.microsoft.com/office/drawing/2014/main" id="{4294E8BB-1F44-B946-B118-6C380D7CE8F0}"/>
               </a:ext>
             </a:extLst>
           </p:cNvPr>
@@ -13837,43 +10441,159 @@
             <p:ph type="title"/>
           </p:nvPr>
         </p:nvSpPr>
-        <p:spPr/>
+        <p:spPr>
+          <a:solidFill>
+            <a:schemeClr val="accent1"/>
+          </a:solidFill>
+          <a:ln>
+            <a:noFill/>
+          </a:ln>
+        </p:spPr>
+        <p:style>
+          <a:lnRef idx="2">
+            <a:schemeClr val="accent1">
+              <a:shade val="50000"/>
+            </a:schemeClr>
+          </a:lnRef>
+          <a:fillRef idx="1">
+            <a:schemeClr val="accent1"/>
+          </a:fillRef>
+          <a:effectRef idx="0">
+            <a:schemeClr val="accent1"/>
+          </a:effectRef>
+          <a:fontRef idx="minor">
+            <a:schemeClr val="lt1"/>
+          </a:fontRef>
+        </p:style>
         <p:txBody>
-          <a:bodyPr/>
+          <a:bodyPr rtlCol="0" anchor="ctr">
+            <a:normAutofit/>
+          </a:bodyPr>
           <a:lstStyle/>
           <a:p>
             <a:r>
-              <a:rPr lang="en-US"/>
-              <a:t>Challenge 1: Scenario IaaS - </a:t>
+              <a:rPr lang="en-US" sz="6600">
+                <a:latin typeface="Segoe UI Light" panose="020B0502040204020203" pitchFamily="34" charset="0"/>
+              </a:rPr>
+              <a:t>Challenges</a:t>
             </a:r>
           </a:p>
         </p:txBody>
       </p:sp>
-      <p:sp>
-        <p:nvSpPr>
-          <p:cNvPr id="3" name="Content Placeholder 2">
+      <p:graphicFrame>
+        <p:nvGraphicFramePr>
+          <p:cNvPr id="19" name="Diagram 18">
             <a:extLst>
               <a:ext uri="{FF2B5EF4-FFF2-40B4-BE49-F238E27FC236}">
-                <a16:creationId xmlns:a16="http://schemas.microsoft.com/office/drawing/2014/main" id="{7DF74586-30F6-4617-AAE3-E858890DF31D}"/>
+                <a16:creationId xmlns:a16="http://schemas.microsoft.com/office/drawing/2014/main" id="{308A3B27-D871-4DA9-B27C-0D1AA5A9BAB6}"/>
               </a:ext>
             </a:extLst>
           </p:cNvPr>
-          <p:cNvSpPr>
-            <a:spLocks noGrp="1"/>
-          </p:cNvSpPr>
+          <p:cNvGraphicFramePr/>
           <p:nvPr>
-            <p:ph idx="1"/>
+            <p:extLst>
+              <p:ext uri="{D42A27DB-BD31-4B8C-83A1-F6EECF244321}">
+                <p14:modId xmlns:p14="http://schemas.microsoft.com/office/powerpoint/2010/main" val="4284121109"/>
+              </p:ext>
+            </p:extLst>
           </p:nvPr>
+        </p:nvGraphicFramePr>
+        <p:xfrm>
+          <a:off x="838199" y="1950087"/>
+          <a:ext cx="10515601" cy="3998768"/>
+        </p:xfrm>
+        <a:graphic>
+          <a:graphicData uri="http://schemas.openxmlformats.org/drawingml/2006/diagram">
+            <dgm:relIds xmlns:dgm="http://schemas.openxmlformats.org/drawingml/2006/diagram" xmlns:r="http://schemas.openxmlformats.org/officeDocument/2006/relationships" r:dm="rId3" r:lo="rId4" r:qs="rId5" r:cs="rId6"/>
+          </a:graphicData>
+        </a:graphic>
+      </p:graphicFrame>
+      <p:sp>
+        <p:nvSpPr>
+          <p:cNvPr id="4" name="TextBox 3">
+            <a:extLst>
+              <a:ext uri="{FF2B5EF4-FFF2-40B4-BE49-F238E27FC236}">
+                <a16:creationId xmlns:a16="http://schemas.microsoft.com/office/drawing/2014/main" id="{77C660F4-8101-4EC5-A5BD-F29927BF625A}"/>
+              </a:ext>
+            </a:extLst>
+          </p:cNvPr>
+          <p:cNvSpPr txBox="1"/>
+          <p:nvPr/>
         </p:nvSpPr>
-        <p:spPr/>
+        <p:spPr>
+          <a:xfrm>
+            <a:off x="2622452" y="2218652"/>
+            <a:ext cx="6794696" cy="646331"/>
+          </a:xfrm>
+          <a:prstGeom prst="rect">
+            <a:avLst/>
+          </a:prstGeom>
+          <a:noFill/>
+        </p:spPr>
         <p:txBody>
-          <a:bodyPr vert="horz" lIns="91440" tIns="45720" rIns="91440" bIns="45720" rtlCol="0" anchor="t">
-            <a:normAutofit/>
+          <a:bodyPr wrap="square" rtlCol="0">
+            <a:spAutoFit/>
           </a:bodyPr>
           <a:lstStyle/>
           <a:p>
             <a:r>
-              <a:rPr lang="en-US" b="1" dirty="0">
+              <a:rPr lang="en-US" b="1">
+                <a:solidFill>
+                  <a:schemeClr val="tx1">
+                    <a:lumMod val="50000"/>
+                    <a:lumOff val="50000"/>
+                  </a:schemeClr>
+                </a:solidFill>
+              </a:rPr>
+              <a:t>Deploying Infrastructure as Code – </a:t>
+            </a:r>
+            <a:r>
+              <a:rPr lang="en-US" b="1">
+                <a:solidFill>
+                  <a:schemeClr val="tx1">
+                    <a:lumMod val="50000"/>
+                    <a:lumOff val="50000"/>
+                  </a:schemeClr>
+                </a:solidFill>
+                <a:hlinkClick r:id="rId8"/>
+              </a:rPr>
+              <a:t>Lab 1 </a:t>
+            </a:r>
+            <a:r>
+              <a:rPr lang="en-US" b="1">
+                <a:solidFill>
+                  <a:schemeClr val="tx1">
+                    <a:lumMod val="50000"/>
+                    <a:lumOff val="50000"/>
+                  </a:schemeClr>
+                </a:solidFill>
+              </a:rPr>
+              <a:t>and </a:t>
+            </a:r>
+            <a:r>
+              <a:rPr lang="en-US" b="1">
+                <a:solidFill>
+                  <a:schemeClr val="tx1">
+                    <a:lumMod val="50000"/>
+                    <a:lumOff val="50000"/>
+                  </a:schemeClr>
+                </a:solidFill>
+                <a:hlinkClick r:id="rId9"/>
+              </a:rPr>
+              <a:t>Lab 2</a:t>
+            </a:r>
+            <a:endParaRPr lang="en-US" b="1">
+              <a:solidFill>
+                <a:schemeClr val="tx1">
+                  <a:lumMod val="50000"/>
+                  <a:lumOff val="50000"/>
+                </a:schemeClr>
+              </a:solidFill>
+            </a:endParaRPr>
+          </a:p>
+          <a:p>
+            <a:r>
+              <a:rPr lang="en-US" b="1">
                 <a:solidFill>
                   <a:schemeClr val="tx1">
                     <a:lumMod val="50000"/>
@@ -13884,34 +10604,191 @@
               <a:t>Azure RG, VM, Manage Disk and VNET, NSG.</a:t>
             </a:r>
           </a:p>
+        </p:txBody>
+      </p:sp>
+      <p:sp>
+        <p:nvSpPr>
+          <p:cNvPr id="5" name="TextBox 4">
+            <a:extLst>
+              <a:ext uri="{FF2B5EF4-FFF2-40B4-BE49-F238E27FC236}">
+                <a16:creationId xmlns:a16="http://schemas.microsoft.com/office/drawing/2014/main" id="{CFCEEC94-5FA4-40A4-9ECF-DBB8E4D7A6C7}"/>
+              </a:ext>
+            </a:extLst>
+          </p:cNvPr>
+          <p:cNvSpPr txBox="1"/>
+          <p:nvPr/>
+        </p:nvSpPr>
+        <p:spPr>
+          <a:xfrm>
+            <a:off x="3368430" y="3157957"/>
+            <a:ext cx="7247988" cy="646331"/>
+          </a:xfrm>
+          <a:prstGeom prst="rect">
+            <a:avLst/>
+          </a:prstGeom>
+          <a:noFill/>
+        </p:spPr>
+        <p:txBody>
+          <a:bodyPr wrap="square" rtlCol="0">
+            <a:spAutoFit/>
+          </a:bodyPr>
+          <a:lstStyle/>
           <a:p>
             <a:r>
-              <a:rPr lang="en-US" b="1" dirty="0">
+              <a:rPr lang="en-US" b="1">
                 <a:solidFill>
                   <a:schemeClr val="tx1">
                     <a:lumMod val="50000"/>
                     <a:lumOff val="50000"/>
                   </a:schemeClr>
                 </a:solidFill>
-                <a:cs typeface="Calibri"/>
               </a:rPr>
-              <a:t>@Cenk Caglar  will update this slide</a:t>
+              <a:t>Deploying Azure PaaS – </a:t>
             </a:r>
-          </a:p>
-          <a:p>
-            <a:pPr marL="0" indent="0">
-              <a:buNone/>
-            </a:pPr>
-            <a:endParaRPr lang="en-US" dirty="0">
-              <a:cs typeface="Calibri" panose="020F0502020204030204"/>
+            <a:r>
+              <a:rPr lang="en-US" b="1">
+                <a:solidFill>
+                  <a:schemeClr val="tx1">
+                    <a:lumMod val="50000"/>
+                    <a:lumOff val="50000"/>
+                  </a:schemeClr>
+                </a:solidFill>
+                <a:hlinkClick r:id="rId10"/>
+              </a:rPr>
+              <a:t>Lab 4</a:t>
+            </a:r>
+            <a:endParaRPr lang="en-US" b="1">
+              <a:solidFill>
+                <a:schemeClr val="tx1">
+                  <a:lumMod val="50000"/>
+                  <a:lumOff val="50000"/>
+                </a:schemeClr>
+              </a:solidFill>
             </a:endParaRPr>
+          </a:p>
+          <a:p>
+            <a:r>
+              <a:rPr lang="en-US" b="1">
+                <a:solidFill>
+                  <a:schemeClr val="tx1">
+                    <a:lumMod val="50000"/>
+                    <a:lumOff val="50000"/>
+                  </a:schemeClr>
+                </a:solidFill>
+              </a:rPr>
+              <a:t>Azure Web App Multi-region, Azure SQL DB, NLB</a:t>
+            </a:r>
+          </a:p>
+        </p:txBody>
+      </p:sp>
+      <p:sp>
+        <p:nvSpPr>
+          <p:cNvPr id="6" name="TextBox 5">
+            <a:extLst>
+              <a:ext uri="{FF2B5EF4-FFF2-40B4-BE49-F238E27FC236}">
+                <a16:creationId xmlns:a16="http://schemas.microsoft.com/office/drawing/2014/main" id="{F2F43DDA-75FA-41BF-98F5-F01E1FDF7F7D}"/>
+              </a:ext>
+            </a:extLst>
+          </p:cNvPr>
+          <p:cNvSpPr txBox="1"/>
+          <p:nvPr/>
+        </p:nvSpPr>
+        <p:spPr>
+          <a:xfrm>
+            <a:off x="4424044" y="4097262"/>
+            <a:ext cx="6049499" cy="369332"/>
+          </a:xfrm>
+          <a:prstGeom prst="rect">
+            <a:avLst/>
+          </a:prstGeom>
+          <a:noFill/>
+        </p:spPr>
+        <p:txBody>
+          <a:bodyPr wrap="square" rtlCol="0">
+            <a:spAutoFit/>
+          </a:bodyPr>
+          <a:lstStyle/>
+          <a:p>
+            <a:r>
+              <a:rPr lang="en-US" b="1">
+                <a:solidFill>
+                  <a:schemeClr val="tx1">
+                    <a:lumMod val="50000"/>
+                    <a:lumOff val="50000"/>
+                  </a:schemeClr>
+                </a:solidFill>
+              </a:rPr>
+              <a:t>Deploy Azure Kubernetes Services (AKS) – </a:t>
+            </a:r>
+            <a:r>
+              <a:rPr lang="en-US" b="1">
+                <a:solidFill>
+                  <a:schemeClr val="tx1">
+                    <a:lumMod val="50000"/>
+                    <a:lumOff val="50000"/>
+                  </a:schemeClr>
+                </a:solidFill>
+                <a:hlinkClick r:id="rId11"/>
+              </a:rPr>
+              <a:t>Lab 8</a:t>
+            </a:r>
+            <a:endParaRPr lang="en-US" b="1">
+              <a:solidFill>
+                <a:schemeClr val="tx1">
+                  <a:lumMod val="50000"/>
+                  <a:lumOff val="50000"/>
+                </a:schemeClr>
+              </a:solidFill>
+            </a:endParaRPr>
+          </a:p>
+        </p:txBody>
+      </p:sp>
+      <p:sp>
+        <p:nvSpPr>
+          <p:cNvPr id="7" name="TextBox 6">
+            <a:extLst>
+              <a:ext uri="{FF2B5EF4-FFF2-40B4-BE49-F238E27FC236}">
+                <a16:creationId xmlns:a16="http://schemas.microsoft.com/office/drawing/2014/main" id="{4ED8FA69-5093-45C6-813C-83219EA41F62}"/>
+              </a:ext>
+            </a:extLst>
+          </p:cNvPr>
+          <p:cNvSpPr txBox="1"/>
+          <p:nvPr/>
+        </p:nvSpPr>
+        <p:spPr>
+          <a:xfrm>
+            <a:off x="5444929" y="5145287"/>
+            <a:ext cx="4889696" cy="369332"/>
+          </a:xfrm>
+          <a:prstGeom prst="rect">
+            <a:avLst/>
+          </a:prstGeom>
+          <a:noFill/>
+        </p:spPr>
+        <p:txBody>
+          <a:bodyPr wrap="square" rtlCol="0">
+            <a:spAutoFit/>
+          </a:bodyPr>
+          <a:lstStyle/>
+          <a:p>
+            <a:r>
+              <a:rPr lang="en-US" b="1">
+                <a:solidFill>
+                  <a:schemeClr val="tx1">
+                    <a:lumMod val="50000"/>
+                    <a:lumOff val="50000"/>
+                  </a:schemeClr>
+                </a:solidFill>
+              </a:rPr>
+              <a:t>Terraform Enterprise - Demo</a:t>
+            </a:r>
           </a:p>
         </p:txBody>
       </p:sp>
     </p:spTree>
     <p:extLst>
       <p:ext uri="{BB962C8B-B14F-4D97-AF65-F5344CB8AC3E}">
-        <p14:creationId xmlns:p14="http://schemas.microsoft.com/office/powerpoint/2010/main" val="3446698670"/>
+        <p14:creationId xmlns:p14="http://schemas.microsoft.com/office/powerpoint/2010/main" val="3305089340"/>
       </p:ext>
     </p:extLst>
   </p:cSld>
@@ -13960,7 +10837,120 @@
           <a:lstStyle/>
           <a:p>
             <a:r>
-              <a:rPr lang="en-US"/>
+              <a:rPr lang="en-US" dirty="0"/>
+              <a:t>Challenge 1: Scenario IaaS </a:t>
+            </a:r>
+          </a:p>
+        </p:txBody>
+      </p:sp>
+      <p:sp>
+        <p:nvSpPr>
+          <p:cNvPr id="9" name="Content Placeholder 8">
+            <a:extLst>
+              <a:ext uri="{FF2B5EF4-FFF2-40B4-BE49-F238E27FC236}">
+                <a16:creationId xmlns:a16="http://schemas.microsoft.com/office/drawing/2014/main" id="{AE37A7C1-3F42-42FE-9BD3-6348660811DB}"/>
+              </a:ext>
+            </a:extLst>
+          </p:cNvPr>
+          <p:cNvSpPr>
+            <a:spLocks noGrp="1"/>
+          </p:cNvSpPr>
+          <p:nvPr>
+            <p:ph idx="1"/>
+          </p:nvPr>
+        </p:nvSpPr>
+        <p:spPr/>
+        <p:txBody>
+          <a:bodyPr/>
+          <a:lstStyle/>
+          <a:p>
+            <a:endParaRPr lang="en-US" dirty="0"/>
+          </a:p>
+        </p:txBody>
+      </p:sp>
+      <p:pic>
+        <p:nvPicPr>
+          <p:cNvPr id="10" name="Picture 9">
+            <a:extLst>
+              <a:ext uri="{FF2B5EF4-FFF2-40B4-BE49-F238E27FC236}">
+                <a16:creationId xmlns:a16="http://schemas.microsoft.com/office/drawing/2014/main" id="{0D84C3E5-2008-4ECC-A5F1-ADF0BD596708}"/>
+              </a:ext>
+            </a:extLst>
+          </p:cNvPr>
+          <p:cNvPicPr>
+            <a:picLocks noChangeAspect="1"/>
+          </p:cNvPicPr>
+          <p:nvPr/>
+        </p:nvPicPr>
+        <p:blipFill>
+          <a:blip r:embed="rId2"/>
+          <a:stretch>
+            <a:fillRect/>
+          </a:stretch>
+        </p:blipFill>
+        <p:spPr>
+          <a:xfrm>
+            <a:off x="3265714" y="2004702"/>
+            <a:ext cx="4820283" cy="3993183"/>
+          </a:xfrm>
+          <a:prstGeom prst="rect">
+            <a:avLst/>
+          </a:prstGeom>
+        </p:spPr>
+      </p:pic>
+    </p:spTree>
+    <p:extLst>
+      <p:ext uri="{BB962C8B-B14F-4D97-AF65-F5344CB8AC3E}">
+        <p14:creationId xmlns:p14="http://schemas.microsoft.com/office/powerpoint/2010/main" val="3446698670"/>
+      </p:ext>
+    </p:extLst>
+  </p:cSld>
+  <p:clrMapOvr>
+    <a:masterClrMapping/>
+  </p:clrMapOvr>
+</p:sld>
+</file>
+
+<file path=ppt/slides/slide12.xml><?xml version="1.0" encoding="utf-8"?>
+<p:sld xmlns:a="http://schemas.openxmlformats.org/drawingml/2006/main" xmlns:r="http://schemas.openxmlformats.org/officeDocument/2006/relationships" xmlns:p="http://schemas.openxmlformats.org/presentationml/2006/main">
+  <p:cSld>
+    <p:spTree>
+      <p:nvGrpSpPr>
+        <p:cNvPr id="1" name=""/>
+        <p:cNvGrpSpPr/>
+        <p:nvPr/>
+      </p:nvGrpSpPr>
+      <p:grpSpPr>
+        <a:xfrm>
+          <a:off x="0" y="0"/>
+          <a:ext cx="0" cy="0"/>
+          <a:chOff x="0" y="0"/>
+          <a:chExt cx="0" cy="0"/>
+        </a:xfrm>
+      </p:grpSpPr>
+      <p:sp>
+        <p:nvSpPr>
+          <p:cNvPr id="2" name="Title 1">
+            <a:extLst>
+              <a:ext uri="{FF2B5EF4-FFF2-40B4-BE49-F238E27FC236}">
+                <a16:creationId xmlns:a16="http://schemas.microsoft.com/office/drawing/2014/main" id="{E9CD2E64-CFA3-442A-B37E-FA3C6C69A816}"/>
+              </a:ext>
+            </a:extLst>
+          </p:cNvPr>
+          <p:cNvSpPr>
+            <a:spLocks noGrp="1"/>
+          </p:cNvSpPr>
+          <p:nvPr>
+            <p:ph type="title"/>
+          </p:nvPr>
+        </p:nvSpPr>
+        <p:spPr/>
+        <p:txBody>
+          <a:bodyPr/>
+          <a:lstStyle/>
+          <a:p>
+            <a:r>
+              <a:rPr lang="en-US" dirty="0"/>
               <a:t>Challenge 2: Scenario PaaS</a:t>
             </a:r>
           </a:p>
@@ -13998,355 +10988,45 @@
                   </a:schemeClr>
                 </a:solidFill>
               </a:rPr>
-              <a:t>Azure Web App Multi-region, Azure SQL DB, NLB</a:t>
+              <a:t>Azure Web App Multi-region</a:t>
             </a:r>
-          </a:p>
-          <a:p>
-            <a:r>
-              <a:rPr lang="en-US" b="1" dirty="0">
-                <a:cs typeface="Calibri"/>
-              </a:rPr>
-              <a:t>@Cenk Caglar  will update this slide</a:t>
-            </a:r>
-            <a:endParaRPr lang="en-US" b="1" dirty="0">
-              <a:solidFill>
-                <a:schemeClr val="tx1">
-                  <a:lumMod val="50000"/>
-                  <a:lumOff val="50000"/>
-                </a:schemeClr>
-              </a:solidFill>
-              <a:cs typeface="Calibri"/>
-            </a:endParaRPr>
-          </a:p>
-          <a:p>
-            <a:pPr marL="0" indent="0">
-              <a:buNone/>
-            </a:pPr>
-            <a:endParaRPr lang="en-US" dirty="0">
-              <a:cs typeface="Calibri" panose="020F0502020204030204"/>
-            </a:endParaRPr>
           </a:p>
         </p:txBody>
       </p:sp>
+      <p:pic>
+        <p:nvPicPr>
+          <p:cNvPr id="6" name="Picture 5">
+            <a:extLst>
+              <a:ext uri="{FF2B5EF4-FFF2-40B4-BE49-F238E27FC236}">
+                <a16:creationId xmlns:a16="http://schemas.microsoft.com/office/drawing/2014/main" id="{C777861C-21DD-41E2-9352-2A99E1507C14}"/>
+              </a:ext>
+            </a:extLst>
+          </p:cNvPr>
+          <p:cNvPicPr>
+            <a:picLocks noChangeAspect="1"/>
+          </p:cNvPicPr>
+          <p:nvPr/>
+        </p:nvPicPr>
+        <p:blipFill>
+          <a:blip r:embed="rId2"/>
+          <a:stretch>
+            <a:fillRect/>
+          </a:stretch>
+        </p:blipFill>
+        <p:spPr>
+          <a:xfrm>
+            <a:off x="2422455" y="2640559"/>
+            <a:ext cx="6510435" cy="3536404"/>
+          </a:xfrm>
+          <a:prstGeom prst="rect">
+            <a:avLst/>
+          </a:prstGeom>
+        </p:spPr>
+      </p:pic>
     </p:spTree>
     <p:extLst>
       <p:ext uri="{BB962C8B-B14F-4D97-AF65-F5344CB8AC3E}">
         <p14:creationId xmlns:p14="http://schemas.microsoft.com/office/powerpoint/2010/main" val="2383338744"/>
-      </p:ext>
-    </p:extLst>
-  </p:cSld>
-  <p:clrMapOvr>
-    <a:masterClrMapping/>
-  </p:clrMapOvr>
-</p:sld>
-</file>
-
-<file path=ppt/slides/slide12.xml><?xml version="1.0" encoding="utf-8"?>
-<p:sld xmlns:a="http://schemas.openxmlformats.org/drawingml/2006/main" xmlns:r="http://schemas.openxmlformats.org/officeDocument/2006/relationships" xmlns:p="http://schemas.openxmlformats.org/presentationml/2006/main" show="0">
-  <p:cSld>
-    <p:spTree>
-      <p:nvGrpSpPr>
-        <p:cNvPr id="1" name=""/>
-        <p:cNvGrpSpPr/>
-        <p:nvPr/>
-      </p:nvGrpSpPr>
-      <p:grpSpPr>
-        <a:xfrm>
-          <a:off x="0" y="0"/>
-          <a:ext cx="0" cy="0"/>
-          <a:chOff x="0" y="0"/>
-          <a:chExt cx="0" cy="0"/>
-        </a:xfrm>
-      </p:grpSpPr>
-      <p:sp>
-        <p:nvSpPr>
-          <p:cNvPr id="2" name="Title 1">
-            <a:extLst>
-              <a:ext uri="{FF2B5EF4-FFF2-40B4-BE49-F238E27FC236}">
-                <a16:creationId xmlns:a16="http://schemas.microsoft.com/office/drawing/2014/main" id="{4294E8BB-1F44-B946-B118-6C380D7CE8F0}"/>
-              </a:ext>
-            </a:extLst>
-          </p:cNvPr>
-          <p:cNvSpPr>
-            <a:spLocks noGrp="1"/>
-          </p:cNvSpPr>
-          <p:nvPr>
-            <p:ph type="title"/>
-          </p:nvPr>
-        </p:nvSpPr>
-        <p:spPr>
-          <a:solidFill>
-            <a:schemeClr val="accent1"/>
-          </a:solidFill>
-          <a:ln>
-            <a:noFill/>
-          </a:ln>
-        </p:spPr>
-        <p:style>
-          <a:lnRef idx="2">
-            <a:schemeClr val="accent1">
-              <a:shade val="50000"/>
-            </a:schemeClr>
-          </a:lnRef>
-          <a:fillRef idx="1">
-            <a:schemeClr val="accent1"/>
-          </a:fillRef>
-          <a:effectRef idx="0">
-            <a:schemeClr val="accent1"/>
-          </a:effectRef>
-          <a:fontRef idx="minor">
-            <a:schemeClr val="lt1"/>
-          </a:fontRef>
-        </p:style>
-        <p:txBody>
-          <a:bodyPr rtlCol="0" anchor="ctr">
-            <a:normAutofit/>
-          </a:bodyPr>
-          <a:lstStyle/>
-          <a:p>
-            <a:r>
-              <a:rPr lang="en-US" sz="6600">
-                <a:latin typeface="Segoe UI Light" panose="020B0502040204020203" pitchFamily="34" charset="0"/>
-              </a:rPr>
-              <a:t>Prerequisites</a:t>
-            </a:r>
-          </a:p>
-        </p:txBody>
-      </p:sp>
-      <p:graphicFrame>
-        <p:nvGraphicFramePr>
-          <p:cNvPr id="19" name="Diagram 18">
-            <a:extLst>
-              <a:ext uri="{FF2B5EF4-FFF2-40B4-BE49-F238E27FC236}">
-                <a16:creationId xmlns:a16="http://schemas.microsoft.com/office/drawing/2014/main" id="{308A3B27-D871-4DA9-B27C-0D1AA5A9BAB6}"/>
-              </a:ext>
-            </a:extLst>
-          </p:cNvPr>
-          <p:cNvGraphicFramePr/>
-          <p:nvPr>
-            <p:extLst/>
-          </p:nvPr>
-        </p:nvGraphicFramePr>
-        <p:xfrm>
-          <a:off x="838199" y="1950087"/>
-          <a:ext cx="10515601" cy="3998768"/>
-        </p:xfrm>
-        <a:graphic>
-          <a:graphicData uri="http://schemas.openxmlformats.org/drawingml/2006/diagram">
-            <dgm:relIds xmlns:dgm="http://schemas.openxmlformats.org/drawingml/2006/diagram" xmlns:r="http://schemas.openxmlformats.org/officeDocument/2006/relationships" r:dm="rId3" r:lo="rId4" r:qs="rId5" r:cs="rId6"/>
-          </a:graphicData>
-        </a:graphic>
-      </p:graphicFrame>
-      <p:sp>
-        <p:nvSpPr>
-          <p:cNvPr id="4" name="TextBox 3">
-            <a:extLst>
-              <a:ext uri="{FF2B5EF4-FFF2-40B4-BE49-F238E27FC236}">
-                <a16:creationId xmlns:a16="http://schemas.microsoft.com/office/drawing/2014/main" id="{77C660F4-8101-4EC5-A5BD-F29927BF625A}"/>
-              </a:ext>
-            </a:extLst>
-          </p:cNvPr>
-          <p:cNvSpPr txBox="1"/>
-          <p:nvPr/>
-        </p:nvSpPr>
-        <p:spPr>
-          <a:xfrm>
-            <a:off x="2622452" y="2218652"/>
-            <a:ext cx="6794696" cy="369332"/>
-          </a:xfrm>
-          <a:prstGeom prst="rect">
-            <a:avLst/>
-          </a:prstGeom>
-          <a:noFill/>
-        </p:spPr>
-        <p:txBody>
-          <a:bodyPr wrap="square" rtlCol="0">
-            <a:spAutoFit/>
-          </a:bodyPr>
-          <a:lstStyle/>
-          <a:p>
-            <a:r>
-              <a:rPr lang="en-US" b="1">
-                <a:solidFill>
-                  <a:schemeClr val="tx1">
-                    <a:lumMod val="50000"/>
-                    <a:lumOff val="50000"/>
-                  </a:schemeClr>
-                </a:solidFill>
-              </a:rPr>
-              <a:t>List of activities required to configure Cognitive services etc.</a:t>
-            </a:r>
-          </a:p>
-        </p:txBody>
-      </p:sp>
-      <p:sp>
-        <p:nvSpPr>
-          <p:cNvPr id="5" name="TextBox 4">
-            <a:extLst>
-              <a:ext uri="{FF2B5EF4-FFF2-40B4-BE49-F238E27FC236}">
-                <a16:creationId xmlns:a16="http://schemas.microsoft.com/office/drawing/2014/main" id="{CFCEEC94-5FA4-40A4-9ECF-DBB8E4D7A6C7}"/>
-              </a:ext>
-            </a:extLst>
-          </p:cNvPr>
-          <p:cNvSpPr txBox="1"/>
-          <p:nvPr/>
-        </p:nvSpPr>
-        <p:spPr>
-          <a:xfrm>
-            <a:off x="3368430" y="3157957"/>
-            <a:ext cx="7247988" cy="369332"/>
-          </a:xfrm>
-          <a:prstGeom prst="rect">
-            <a:avLst/>
-          </a:prstGeom>
-          <a:noFill/>
-        </p:spPr>
-        <p:txBody>
-          <a:bodyPr wrap="square" rtlCol="0">
-            <a:spAutoFit/>
-          </a:bodyPr>
-          <a:lstStyle/>
-          <a:p>
-            <a:r>
-              <a:rPr lang="en-US" b="1">
-                <a:solidFill>
-                  <a:schemeClr val="tx1">
-                    <a:lumMod val="50000"/>
-                    <a:lumOff val="50000"/>
-                  </a:schemeClr>
-                </a:solidFill>
-              </a:rPr>
-              <a:t>List of activities required to configure </a:t>
-            </a:r>
-            <a:r>
-              <a:rPr lang="en-US" b="1" err="1">
-                <a:solidFill>
-                  <a:schemeClr val="tx1">
-                    <a:lumMod val="50000"/>
-                    <a:lumOff val="50000"/>
-                  </a:schemeClr>
-                </a:solidFill>
-              </a:rPr>
-              <a:t>CosmosDB</a:t>
-            </a:r>
-            <a:endParaRPr lang="en-US" b="1">
-              <a:solidFill>
-                <a:schemeClr val="tx1">
-                  <a:lumMod val="50000"/>
-                  <a:lumOff val="50000"/>
-                </a:schemeClr>
-              </a:solidFill>
-            </a:endParaRPr>
-          </a:p>
-        </p:txBody>
-      </p:sp>
-      <p:sp>
-        <p:nvSpPr>
-          <p:cNvPr id="6" name="TextBox 5">
-            <a:extLst>
-              <a:ext uri="{FF2B5EF4-FFF2-40B4-BE49-F238E27FC236}">
-                <a16:creationId xmlns:a16="http://schemas.microsoft.com/office/drawing/2014/main" id="{F2F43DDA-75FA-41BF-98F5-F01E1FDF7F7D}"/>
-              </a:ext>
-            </a:extLst>
-          </p:cNvPr>
-          <p:cNvSpPr txBox="1"/>
-          <p:nvPr/>
-        </p:nvSpPr>
-        <p:spPr>
-          <a:xfrm>
-            <a:off x="4424044" y="4097262"/>
-            <a:ext cx="6049499" cy="369332"/>
-          </a:xfrm>
-          <a:prstGeom prst="rect">
-            <a:avLst/>
-          </a:prstGeom>
-          <a:noFill/>
-        </p:spPr>
-        <p:txBody>
-          <a:bodyPr wrap="square" rtlCol="0">
-            <a:spAutoFit/>
-          </a:bodyPr>
-          <a:lstStyle/>
-          <a:p>
-            <a:r>
-              <a:rPr lang="en-US" b="1">
-                <a:solidFill>
-                  <a:schemeClr val="tx1">
-                    <a:lumMod val="50000"/>
-                    <a:lumOff val="50000"/>
-                  </a:schemeClr>
-                </a:solidFill>
-              </a:rPr>
-              <a:t>List of activities to point PBI dashboard to </a:t>
-            </a:r>
-            <a:r>
-              <a:rPr lang="en-US" b="1" err="1">
-                <a:solidFill>
-                  <a:schemeClr val="tx1">
-                    <a:lumMod val="50000"/>
-                    <a:lumOff val="50000"/>
-                  </a:schemeClr>
-                </a:solidFill>
-              </a:rPr>
-              <a:t>CosmosDB</a:t>
-            </a:r>
-            <a:endParaRPr lang="en-US" b="1">
-              <a:solidFill>
-                <a:schemeClr val="tx1">
-                  <a:lumMod val="50000"/>
-                  <a:lumOff val="50000"/>
-                </a:schemeClr>
-              </a:solidFill>
-            </a:endParaRPr>
-          </a:p>
-        </p:txBody>
-      </p:sp>
-      <p:sp>
-        <p:nvSpPr>
-          <p:cNvPr id="7" name="TextBox 6">
-            <a:extLst>
-              <a:ext uri="{FF2B5EF4-FFF2-40B4-BE49-F238E27FC236}">
-                <a16:creationId xmlns:a16="http://schemas.microsoft.com/office/drawing/2014/main" id="{4ED8FA69-5093-45C6-813C-83219EA41F62}"/>
-              </a:ext>
-            </a:extLst>
-          </p:cNvPr>
-          <p:cNvSpPr txBox="1"/>
-          <p:nvPr/>
-        </p:nvSpPr>
-        <p:spPr>
-          <a:xfrm>
-            <a:off x="5444929" y="5145287"/>
-            <a:ext cx="4889696" cy="369332"/>
-          </a:xfrm>
-          <a:prstGeom prst="rect">
-            <a:avLst/>
-          </a:prstGeom>
-          <a:noFill/>
-        </p:spPr>
-        <p:txBody>
-          <a:bodyPr wrap="square" rtlCol="0">
-            <a:spAutoFit/>
-          </a:bodyPr>
-          <a:lstStyle/>
-          <a:p>
-            <a:r>
-              <a:rPr lang="en-US" b="1">
-                <a:solidFill>
-                  <a:schemeClr val="tx1">
-                    <a:lumMod val="50000"/>
-                    <a:lumOff val="50000"/>
-                  </a:schemeClr>
-                </a:solidFill>
-              </a:rPr>
-              <a:t>List of activities to run end to end test</a:t>
-            </a:r>
-          </a:p>
-        </p:txBody>
-      </p:sp>
-    </p:spTree>
-    <p:extLst>
-      <p:ext uri="{BB962C8B-B14F-4D97-AF65-F5344CB8AC3E}">
-        <p14:creationId xmlns:p14="http://schemas.microsoft.com/office/powerpoint/2010/main" val="2187258335"/>
       </p:ext>
     </p:extLst>
   </p:cSld>
@@ -14378,7 +11058,7 @@
           <p:cNvPr id="2" name="Title 1">
             <a:extLst>
               <a:ext uri="{FF2B5EF4-FFF2-40B4-BE49-F238E27FC236}">
-                <a16:creationId xmlns:a16="http://schemas.microsoft.com/office/drawing/2014/main" id="{EB8A7496-23FC-4C00-91D2-A87850E309C4}"/>
+                <a16:creationId xmlns:a16="http://schemas.microsoft.com/office/drawing/2014/main" id="{5FF0D4D1-A9A6-4688-91F5-9FD469F2BAFE}"/>
               </a:ext>
             </a:extLst>
           </p:cNvPr>
@@ -14395,427 +11075,41 @@
           <a:lstStyle/>
           <a:p>
             <a:r>
-              <a:rPr lang="en-US"/>
-              <a:t>Terraform variables</a:t>
+              <a:rPr lang="en-US" dirty="0"/>
+              <a:t>Thank you! Slide here</a:t>
             </a:r>
           </a:p>
         </p:txBody>
       </p:sp>
-      <p:pic>
-        <p:nvPicPr>
-          <p:cNvPr id="18" name="Content Placeholder 17">
+      <p:sp>
+        <p:nvSpPr>
+          <p:cNvPr id="3" name="Content Placeholder 2">
             <a:extLst>
               <a:ext uri="{FF2B5EF4-FFF2-40B4-BE49-F238E27FC236}">
-                <a16:creationId xmlns:a16="http://schemas.microsoft.com/office/drawing/2014/main" id="{248DEF98-BFEB-4FA4-84F7-E4C0EC5DD6EE}"/>
+                <a16:creationId xmlns:a16="http://schemas.microsoft.com/office/drawing/2014/main" id="{67E84621-CB01-4633-B3A4-52E7E43A6576}"/>
               </a:ext>
             </a:extLst>
           </p:cNvPr>
-          <p:cNvPicPr>
-            <a:picLocks noGrp="1" noChangeAspect="1"/>
-          </p:cNvPicPr>
+          <p:cNvSpPr>
+            <a:spLocks noGrp="1"/>
+          </p:cNvSpPr>
           <p:nvPr>
             <p:ph idx="1"/>
           </p:nvPr>
-        </p:nvPicPr>
-        <p:blipFill>
-          <a:blip r:embed="rId2"/>
-          <a:stretch>
-            <a:fillRect/>
-          </a:stretch>
-        </p:blipFill>
-        <p:spPr>
-          <a:xfrm>
-            <a:off x="8197217" y="1884317"/>
-            <a:ext cx="1755926" cy="362272"/>
-          </a:xfrm>
-          <a:prstGeom prst="rect">
-            <a:avLst/>
-          </a:prstGeom>
-        </p:spPr>
-      </p:pic>
-      <p:pic>
-        <p:nvPicPr>
-          <p:cNvPr id="6" name="Picture 5">
-            <a:extLst>
-              <a:ext uri="{FF2B5EF4-FFF2-40B4-BE49-F238E27FC236}">
-                <a16:creationId xmlns:a16="http://schemas.microsoft.com/office/drawing/2014/main" id="{BCF9812F-1A10-4B3B-A50B-3089ECA345C3}"/>
-              </a:ext>
-            </a:extLst>
-          </p:cNvPr>
-          <p:cNvPicPr>
-            <a:picLocks noChangeAspect="1"/>
-          </p:cNvPicPr>
-          <p:nvPr/>
-        </p:nvPicPr>
-        <p:blipFill>
-          <a:blip r:embed="rId3"/>
-          <a:stretch>
-            <a:fillRect/>
-          </a:stretch>
-        </p:blipFill>
-        <p:spPr>
-          <a:xfrm>
-            <a:off x="2238857" y="2415579"/>
-            <a:ext cx="7714286" cy="3171429"/>
-          </a:xfrm>
-          <a:prstGeom prst="rect">
-            <a:avLst/>
-          </a:prstGeom>
-        </p:spPr>
-      </p:pic>
-      <p:sp>
-        <p:nvSpPr>
-          <p:cNvPr id="7" name="TextBox 6">
-            <a:extLst>
-              <a:ext uri="{FF2B5EF4-FFF2-40B4-BE49-F238E27FC236}">
-                <a16:creationId xmlns:a16="http://schemas.microsoft.com/office/drawing/2014/main" id="{A0B059C2-D60B-4CCE-AA3F-2E2D7715D2BC}"/>
-              </a:ext>
-            </a:extLst>
-          </p:cNvPr>
-          <p:cNvSpPr txBox="1"/>
-          <p:nvPr/>
         </p:nvSpPr>
-        <p:spPr>
-          <a:xfrm>
-            <a:off x="947882" y="2639216"/>
-            <a:ext cx="865365" cy="369332"/>
-          </a:xfrm>
-          <a:prstGeom prst="rect">
-            <a:avLst/>
-          </a:prstGeom>
-          <a:solidFill>
-            <a:schemeClr val="bg2">
-              <a:lumMod val="90000"/>
-            </a:schemeClr>
-          </a:solidFill>
-          <a:ln>
-            <a:solidFill>
-              <a:srgbClr val="FFC000"/>
-            </a:solidFill>
-          </a:ln>
-        </p:spPr>
+        <p:spPr/>
         <p:txBody>
-          <a:bodyPr wrap="none" rtlCol="0">
-            <a:spAutoFit/>
-          </a:bodyPr>
+          <a:bodyPr/>
           <a:lstStyle/>
           <a:p>
-            <a:pPr algn="ctr"/>
-            <a:r>
-              <a:rPr lang="en-US" b="1"/>
-              <a:t>default</a:t>
-            </a:r>
+            <a:endParaRPr lang="en-US"/>
           </a:p>
         </p:txBody>
       </p:sp>
-      <p:cxnSp>
-        <p:nvCxnSpPr>
-          <p:cNvPr id="9" name="Straight Arrow Connector 8">
-            <a:extLst>
-              <a:ext uri="{FF2B5EF4-FFF2-40B4-BE49-F238E27FC236}">
-                <a16:creationId xmlns:a16="http://schemas.microsoft.com/office/drawing/2014/main" id="{E8310BCC-2D56-4969-B993-53FD754322A3}"/>
-              </a:ext>
-            </a:extLst>
-          </p:cNvPr>
-          <p:cNvCxnSpPr>
-            <a:cxnSpLocks/>
-            <a:stCxn id="7" idx="3"/>
-          </p:cNvCxnSpPr>
-          <p:nvPr/>
-        </p:nvCxnSpPr>
-        <p:spPr>
-          <a:xfrm>
-            <a:off x="1813247" y="2823882"/>
-            <a:ext cx="822377" cy="0"/>
-          </a:xfrm>
-          <a:prstGeom prst="straightConnector1">
-            <a:avLst/>
-          </a:prstGeom>
-          <a:ln>
-            <a:tailEnd type="triangle"/>
-          </a:ln>
-        </p:spPr>
-        <p:style>
-          <a:lnRef idx="1">
-            <a:schemeClr val="accent4"/>
-          </a:lnRef>
-          <a:fillRef idx="0">
-            <a:schemeClr val="accent4"/>
-          </a:fillRef>
-          <a:effectRef idx="0">
-            <a:schemeClr val="accent4"/>
-          </a:effectRef>
-          <a:fontRef idx="minor">
-            <a:schemeClr val="tx1"/>
-          </a:fontRef>
-        </p:style>
-      </p:cxnSp>
-      <p:sp>
-        <p:nvSpPr>
-          <p:cNvPr id="13" name="TextBox 12">
-            <a:extLst>
-              <a:ext uri="{FF2B5EF4-FFF2-40B4-BE49-F238E27FC236}">
-                <a16:creationId xmlns:a16="http://schemas.microsoft.com/office/drawing/2014/main" id="{D1EA5020-1CAB-4C7C-9C6C-D754F6F2DA2B}"/>
-              </a:ext>
-            </a:extLst>
-          </p:cNvPr>
-          <p:cNvSpPr txBox="1"/>
-          <p:nvPr/>
-        </p:nvSpPr>
-        <p:spPr>
-          <a:xfrm>
-            <a:off x="1164478" y="4209926"/>
-            <a:ext cx="612668" cy="369332"/>
-          </a:xfrm>
-          <a:prstGeom prst="rect">
-            <a:avLst/>
-          </a:prstGeom>
-          <a:solidFill>
-            <a:schemeClr val="bg2">
-              <a:lumMod val="90000"/>
-            </a:schemeClr>
-          </a:solidFill>
-          <a:ln>
-            <a:solidFill>
-              <a:srgbClr val="FFC000"/>
-            </a:solidFill>
-          </a:ln>
-        </p:spPr>
-        <p:txBody>
-          <a:bodyPr wrap="none" rtlCol="0">
-            <a:spAutoFit/>
-          </a:bodyPr>
-          <a:lstStyle/>
-          <a:p>
-            <a:pPr algn="ctr"/>
-            <a:r>
-              <a:rPr lang="en-US" b="1"/>
-              <a:t>type</a:t>
-            </a:r>
-          </a:p>
-        </p:txBody>
-      </p:sp>
-      <p:cxnSp>
-        <p:nvCxnSpPr>
-          <p:cNvPr id="14" name="Straight Arrow Connector 13">
-            <a:extLst>
-              <a:ext uri="{FF2B5EF4-FFF2-40B4-BE49-F238E27FC236}">
-                <a16:creationId xmlns:a16="http://schemas.microsoft.com/office/drawing/2014/main" id="{857A48E1-1BAE-4FBF-91E0-40FCC01FA271}"/>
-              </a:ext>
-            </a:extLst>
-          </p:cNvPr>
-          <p:cNvCxnSpPr>
-            <a:cxnSpLocks/>
-          </p:cNvCxnSpPr>
-          <p:nvPr/>
-        </p:nvCxnSpPr>
-        <p:spPr>
-          <a:xfrm>
-            <a:off x="1777146" y="4394592"/>
-            <a:ext cx="822377" cy="0"/>
-          </a:xfrm>
-          <a:prstGeom prst="straightConnector1">
-            <a:avLst/>
-          </a:prstGeom>
-          <a:ln>
-            <a:tailEnd type="triangle"/>
-          </a:ln>
-        </p:spPr>
-        <p:style>
-          <a:lnRef idx="1">
-            <a:schemeClr val="accent4"/>
-          </a:lnRef>
-          <a:fillRef idx="0">
-            <a:schemeClr val="accent4"/>
-          </a:fillRef>
-          <a:effectRef idx="0">
-            <a:schemeClr val="accent4"/>
-          </a:effectRef>
-          <a:fontRef idx="minor">
-            <a:schemeClr val="tx1"/>
-          </a:fontRef>
-        </p:style>
-      </p:cxnSp>
-      <p:pic>
-        <p:nvPicPr>
-          <p:cNvPr id="17" name="Picture 16">
-            <a:extLst>
-              <a:ext uri="{FF2B5EF4-FFF2-40B4-BE49-F238E27FC236}">
-                <a16:creationId xmlns:a16="http://schemas.microsoft.com/office/drawing/2014/main" id="{213C8903-2D59-44F2-A09E-D745A4A9E546}"/>
-              </a:ext>
-            </a:extLst>
-          </p:cNvPr>
-          <p:cNvPicPr>
-            <a:picLocks noChangeAspect="1"/>
-          </p:cNvPicPr>
-          <p:nvPr/>
-        </p:nvPicPr>
-        <p:blipFill>
-          <a:blip r:embed="rId4"/>
-          <a:stretch>
-            <a:fillRect/>
-          </a:stretch>
-        </p:blipFill>
-        <p:spPr>
-          <a:xfrm>
-            <a:off x="838200" y="1889201"/>
-            <a:ext cx="2386838" cy="357388"/>
-          </a:xfrm>
-          <a:prstGeom prst="rect">
-            <a:avLst/>
-          </a:prstGeom>
-        </p:spPr>
-      </p:pic>
-      <p:pic>
-        <p:nvPicPr>
-          <p:cNvPr id="19" name="Picture 18">
-            <a:extLst>
-              <a:ext uri="{FF2B5EF4-FFF2-40B4-BE49-F238E27FC236}">
-                <a16:creationId xmlns:a16="http://schemas.microsoft.com/office/drawing/2014/main" id="{4F55E797-2D72-4C54-AA36-856BDC6782DF}"/>
-              </a:ext>
-            </a:extLst>
-          </p:cNvPr>
-          <p:cNvPicPr>
-            <a:picLocks noChangeAspect="1"/>
-          </p:cNvPicPr>
-          <p:nvPr/>
-        </p:nvPicPr>
-        <p:blipFill>
-          <a:blip r:embed="rId5"/>
-          <a:stretch>
-            <a:fillRect/>
-          </a:stretch>
-        </p:blipFill>
-        <p:spPr>
-          <a:xfrm>
-            <a:off x="2238857" y="5780637"/>
-            <a:ext cx="7685714" cy="885714"/>
-          </a:xfrm>
-          <a:prstGeom prst="rect">
-            <a:avLst/>
-          </a:prstGeom>
-        </p:spPr>
-      </p:pic>
-      <p:sp>
-        <p:nvSpPr>
-          <p:cNvPr id="21" name="TextBox 20">
-            <a:extLst>
-              <a:ext uri="{FF2B5EF4-FFF2-40B4-BE49-F238E27FC236}">
-                <a16:creationId xmlns:a16="http://schemas.microsoft.com/office/drawing/2014/main" id="{97083277-938D-4AA6-98A3-5D748CAC8AB0}"/>
-              </a:ext>
-            </a:extLst>
-          </p:cNvPr>
-          <p:cNvSpPr txBox="1"/>
-          <p:nvPr/>
-        </p:nvSpPr>
-        <p:spPr>
-          <a:xfrm>
-            <a:off x="1143685" y="6038828"/>
-            <a:ext cx="465833" cy="369332"/>
-          </a:xfrm>
-          <a:prstGeom prst="rect">
-            <a:avLst/>
-          </a:prstGeom>
-          <a:solidFill>
-            <a:schemeClr val="bg2">
-              <a:lumMod val="90000"/>
-            </a:schemeClr>
-          </a:solidFill>
-          <a:ln>
-            <a:solidFill>
-              <a:srgbClr val="FFC000"/>
-            </a:solidFill>
-          </a:ln>
-        </p:spPr>
-        <p:txBody>
-          <a:bodyPr wrap="none" rtlCol="0">
-            <a:spAutoFit/>
-          </a:bodyPr>
-          <a:lstStyle/>
-          <a:p>
-            <a:pPr algn="ctr"/>
-            <a:r>
-              <a:rPr lang="en-US" b="1"/>
-              <a:t>list</a:t>
-            </a:r>
-          </a:p>
-        </p:txBody>
-      </p:sp>
-      <p:cxnSp>
-        <p:nvCxnSpPr>
-          <p:cNvPr id="22" name="Straight Arrow Connector 21">
-            <a:extLst>
-              <a:ext uri="{FF2B5EF4-FFF2-40B4-BE49-F238E27FC236}">
-                <a16:creationId xmlns:a16="http://schemas.microsoft.com/office/drawing/2014/main" id="{F083CCFC-90CC-4499-AE12-20397C1F4BB5}"/>
-              </a:ext>
-            </a:extLst>
-          </p:cNvPr>
-          <p:cNvCxnSpPr>
-            <a:cxnSpLocks/>
-          </p:cNvCxnSpPr>
-          <p:nvPr/>
-        </p:nvCxnSpPr>
-        <p:spPr>
-          <a:xfrm>
-            <a:off x="1620430" y="6223494"/>
-            <a:ext cx="822377" cy="0"/>
-          </a:xfrm>
-          <a:prstGeom prst="straightConnector1">
-            <a:avLst/>
-          </a:prstGeom>
-          <a:ln>
-            <a:tailEnd type="triangle"/>
-          </a:ln>
-        </p:spPr>
-        <p:style>
-          <a:lnRef idx="1">
-            <a:schemeClr val="accent4"/>
-          </a:lnRef>
-          <a:fillRef idx="0">
-            <a:schemeClr val="accent4"/>
-          </a:fillRef>
-          <a:effectRef idx="0">
-            <a:schemeClr val="accent4"/>
-          </a:effectRef>
-          <a:fontRef idx="minor">
-            <a:schemeClr val="tx1"/>
-          </a:fontRef>
-        </p:style>
-      </p:cxnSp>
-      <p:pic>
-        <p:nvPicPr>
-          <p:cNvPr id="23" name="Picture 22">
-            <a:extLst>
-              <a:ext uri="{FF2B5EF4-FFF2-40B4-BE49-F238E27FC236}">
-                <a16:creationId xmlns:a16="http://schemas.microsoft.com/office/drawing/2014/main" id="{C6D31957-8733-455A-8371-5708C3FAED4E}"/>
-              </a:ext>
-            </a:extLst>
-          </p:cNvPr>
-          <p:cNvPicPr>
-            <a:picLocks noChangeAspect="1"/>
-          </p:cNvPicPr>
-          <p:nvPr/>
-        </p:nvPicPr>
-        <p:blipFill>
-          <a:blip r:embed="rId6"/>
-          <a:stretch>
-            <a:fillRect/>
-          </a:stretch>
-        </p:blipFill>
-        <p:spPr>
-          <a:xfrm>
-            <a:off x="5848381" y="6364303"/>
-            <a:ext cx="4076190" cy="257143"/>
-          </a:xfrm>
-          <a:prstGeom prst="rect">
-            <a:avLst/>
-          </a:prstGeom>
-        </p:spPr>
-      </p:pic>
     </p:spTree>
     <p:extLst>
       <p:ext uri="{BB962C8B-B14F-4D97-AF65-F5344CB8AC3E}">
-        <p14:creationId xmlns:p14="http://schemas.microsoft.com/office/powerpoint/2010/main" val="1451833540"/>
+        <p14:creationId xmlns:p14="http://schemas.microsoft.com/office/powerpoint/2010/main" val="2856504776"/>
       </p:ext>
     </p:extLst>
   </p:cSld>
@@ -14826,6 +11120,89 @@
 </file>
 
 <file path=ppt/slides/slide2.xml><?xml version="1.0" encoding="utf-8"?>
+<p:sld xmlns:a="http://schemas.openxmlformats.org/drawingml/2006/main" xmlns:r="http://schemas.openxmlformats.org/officeDocument/2006/relationships" xmlns:p="http://schemas.openxmlformats.org/presentationml/2006/main">
+  <p:cSld>
+    <p:spTree>
+      <p:nvGrpSpPr>
+        <p:cNvPr id="1" name=""/>
+        <p:cNvGrpSpPr/>
+        <p:nvPr/>
+      </p:nvGrpSpPr>
+      <p:grpSpPr>
+        <a:xfrm>
+          <a:off x="0" y="0"/>
+          <a:ext cx="0" cy="0"/>
+          <a:chOff x="0" y="0"/>
+          <a:chExt cx="0" cy="0"/>
+        </a:xfrm>
+      </p:grpSpPr>
+      <p:sp>
+        <p:nvSpPr>
+          <p:cNvPr id="2" name="Title 1">
+            <a:extLst>
+              <a:ext uri="{FF2B5EF4-FFF2-40B4-BE49-F238E27FC236}">
+                <a16:creationId xmlns:a16="http://schemas.microsoft.com/office/drawing/2014/main" id="{E688005E-CFE0-461D-96E1-27B008201924}"/>
+              </a:ext>
+            </a:extLst>
+          </p:cNvPr>
+          <p:cNvSpPr>
+            <a:spLocks noGrp="1"/>
+          </p:cNvSpPr>
+          <p:nvPr>
+            <p:ph type="title"/>
+          </p:nvPr>
+        </p:nvSpPr>
+        <p:spPr/>
+        <p:txBody>
+          <a:bodyPr/>
+          <a:lstStyle/>
+          <a:p>
+            <a:r>
+              <a:rPr lang="en-US" dirty="0"/>
+              <a:t>Add slide Vandy  / Cenk Introduction</a:t>
+            </a:r>
+          </a:p>
+        </p:txBody>
+      </p:sp>
+      <p:sp>
+        <p:nvSpPr>
+          <p:cNvPr id="3" name="Content Placeholder 2">
+            <a:extLst>
+              <a:ext uri="{FF2B5EF4-FFF2-40B4-BE49-F238E27FC236}">
+                <a16:creationId xmlns:a16="http://schemas.microsoft.com/office/drawing/2014/main" id="{E2ABA83E-7055-4C7D-8DA5-0113141E8C6B}"/>
+              </a:ext>
+            </a:extLst>
+          </p:cNvPr>
+          <p:cNvSpPr>
+            <a:spLocks noGrp="1"/>
+          </p:cNvSpPr>
+          <p:nvPr>
+            <p:ph idx="1"/>
+          </p:nvPr>
+        </p:nvSpPr>
+        <p:spPr/>
+        <p:txBody>
+          <a:bodyPr/>
+          <a:lstStyle/>
+          <a:p>
+            <a:endParaRPr lang="en-US"/>
+          </a:p>
+        </p:txBody>
+      </p:sp>
+    </p:spTree>
+    <p:extLst>
+      <p:ext uri="{BB962C8B-B14F-4D97-AF65-F5344CB8AC3E}">
+        <p14:creationId xmlns:p14="http://schemas.microsoft.com/office/powerpoint/2010/main" val="3681923"/>
+      </p:ext>
+    </p:extLst>
+  </p:cSld>
+  <p:clrMapOvr>
+    <a:masterClrMapping/>
+  </p:clrMapOvr>
+</p:sld>
+</file>
+
+<file path=ppt/slides/slide3.xml><?xml version="1.0" encoding="utf-8"?>
 <p:sld xmlns:a="http://schemas.openxmlformats.org/drawingml/2006/main" xmlns:r="http://schemas.openxmlformats.org/officeDocument/2006/relationships" xmlns:p="http://schemas.openxmlformats.org/presentationml/2006/main">
   <p:cSld>
     <p:spTree>
@@ -15210,7 +11587,7 @@
 </p:sld>
 </file>
 
-<file path=ppt/slides/slide3.xml><?xml version="1.0" encoding="utf-8"?>
+<file path=ppt/slides/slide4.xml><?xml version="1.0" encoding="utf-8"?>
 <p:sld xmlns:a="http://schemas.openxmlformats.org/drawingml/2006/main" xmlns:r="http://schemas.openxmlformats.org/officeDocument/2006/relationships" xmlns:p="http://schemas.openxmlformats.org/presentationml/2006/main">
   <p:cSld>
     <p:spTree>
@@ -15347,7 +11724,7 @@
           </a:prstGeom>
           <a:extLst>
             <a:ext uri="{C572A759-6A51-4108-AA02-DFA0A04FC94B}">
-              <ma14:wrappingTextBoxFlag xmlns="" xmlns:ma14="http://schemas.microsoft.com/office/mac/drawingml/2011/main" val="1"/>
+              <ma14:wrappingTextBoxFlag xmlns:ma14="http://schemas.microsoft.com/office/mac/drawingml/2011/main" xmlns="" val="1"/>
             </a:ext>
           </a:extLst>
         </p:spPr>
@@ -15356,7 +11733,7 @@
           <a:lstStyle/>
           <a:p>
             <a:fld id="{86CB4B4D-7CA3-9044-876B-883B54F8677D}" type="slidenum">
-              <a:t>3</a:t>
+              <a:t>4</a:t>
             </a:fld>
             <a:endParaRPr/>
           </a:p>
@@ -15814,7 +12191,7 @@
           </a:effectLst>
           <a:extLst>
             <a:ext uri="{C572A759-6A51-4108-AA02-DFA0A04FC94B}">
-              <ma14:wrappingTextBoxFlag xmlns="" xmlns:ma14="http://schemas.microsoft.com/office/mac/drawingml/2011/main" val="1"/>
+              <ma14:wrappingTextBoxFlag xmlns:ma14="http://schemas.microsoft.com/office/mac/drawingml/2011/main" xmlns="" val="1"/>
             </a:ext>
           </a:extLst>
         </p:spPr>
@@ -15916,7 +12293,7 @@
           </a:effectLst>
           <a:extLst>
             <a:ext uri="{C572A759-6A51-4108-AA02-DFA0A04FC94B}">
-              <ma14:wrappingTextBoxFlag xmlns="" xmlns:ma14="http://schemas.microsoft.com/office/mac/drawingml/2011/main" val="1"/>
+              <ma14:wrappingTextBoxFlag xmlns:ma14="http://schemas.microsoft.com/office/mac/drawingml/2011/main" xmlns="" val="1"/>
             </a:ext>
           </a:extLst>
         </p:spPr>
@@ -15965,7 +12342,7 @@
           </a:ln>
           <a:extLst>
             <a:ext uri="{C572A759-6A51-4108-AA02-DFA0A04FC94B}">
-              <ma14:wrappingTextBoxFlag xmlns="" xmlns:ma14="http://schemas.microsoft.com/office/mac/drawingml/2011/main" val="1"/>
+              <ma14:wrappingTextBoxFlag xmlns:ma14="http://schemas.microsoft.com/office/mac/drawingml/2011/main" xmlns="" val="1"/>
             </a:ext>
           </a:extLst>
         </p:spPr>
@@ -16275,7 +12652,7 @@
           </a:ln>
           <a:extLst>
             <a:ext uri="{C572A759-6A51-4108-AA02-DFA0A04FC94B}">
-              <ma14:wrappingTextBoxFlag xmlns="" xmlns:ma14="http://schemas.microsoft.com/office/mac/drawingml/2011/main" val="1"/>
+              <ma14:wrappingTextBoxFlag xmlns:ma14="http://schemas.microsoft.com/office/mac/drawingml/2011/main" xmlns="" val="1"/>
             </a:ext>
           </a:extLst>
         </p:spPr>
@@ -16329,7 +12706,7 @@
           </a:ln>
           <a:extLst>
             <a:ext uri="{C572A759-6A51-4108-AA02-DFA0A04FC94B}">
-              <ma14:wrappingTextBoxFlag xmlns="" xmlns:ma14="http://schemas.microsoft.com/office/mac/drawingml/2011/main" val="1"/>
+              <ma14:wrappingTextBoxFlag xmlns:ma14="http://schemas.microsoft.com/office/mac/drawingml/2011/main" xmlns="" val="1"/>
             </a:ext>
           </a:extLst>
         </p:spPr>
@@ -16412,7 +12789,7 @@
           </a:ln>
           <a:extLst>
             <a:ext uri="{C572A759-6A51-4108-AA02-DFA0A04FC94B}">
-              <ma14:wrappingTextBoxFlag xmlns="" xmlns:ma14="http://schemas.microsoft.com/office/mac/drawingml/2011/main" val="1"/>
+              <ma14:wrappingTextBoxFlag xmlns:ma14="http://schemas.microsoft.com/office/mac/drawingml/2011/main" xmlns="" val="1"/>
             </a:ext>
           </a:extLst>
         </p:spPr>
@@ -17529,247 +13906,6 @@
 </p:sld>
 </file>
 
-<file path=ppt/slides/slide4.xml><?xml version="1.0" encoding="utf-8"?>
-<p:sld xmlns:a="http://schemas.openxmlformats.org/drawingml/2006/main" xmlns:r="http://schemas.openxmlformats.org/officeDocument/2006/relationships" xmlns:p="http://schemas.openxmlformats.org/presentationml/2006/main">
-  <p:cSld>
-    <p:spTree>
-      <p:nvGrpSpPr>
-        <p:cNvPr id="1" name=""/>
-        <p:cNvGrpSpPr/>
-        <p:nvPr/>
-      </p:nvGrpSpPr>
-      <p:grpSpPr>
-        <a:xfrm>
-          <a:off x="0" y="0"/>
-          <a:ext cx="0" cy="0"/>
-          <a:chOff x="0" y="0"/>
-          <a:chExt cx="0" cy="0"/>
-        </a:xfrm>
-      </p:grpSpPr>
-      <p:sp>
-        <p:nvSpPr>
-          <p:cNvPr id="2" name="Title 1">
-            <a:extLst>
-              <a:ext uri="{FF2B5EF4-FFF2-40B4-BE49-F238E27FC236}">
-                <a16:creationId xmlns:a16="http://schemas.microsoft.com/office/drawing/2014/main" id="{4294E8BB-1F44-B946-B118-6C380D7CE8F0}"/>
-              </a:ext>
-            </a:extLst>
-          </p:cNvPr>
-          <p:cNvSpPr>
-            <a:spLocks noGrp="1"/>
-          </p:cNvSpPr>
-          <p:nvPr>
-            <p:ph type="title"/>
-          </p:nvPr>
-        </p:nvSpPr>
-        <p:spPr>
-          <a:solidFill>
-            <a:schemeClr val="accent1"/>
-          </a:solidFill>
-          <a:ln>
-            <a:noFill/>
-          </a:ln>
-        </p:spPr>
-        <p:style>
-          <a:lnRef idx="2">
-            <a:schemeClr val="accent1">
-              <a:shade val="50000"/>
-            </a:schemeClr>
-          </a:lnRef>
-          <a:fillRef idx="1">
-            <a:schemeClr val="accent1"/>
-          </a:fillRef>
-          <a:effectRef idx="0">
-            <a:schemeClr val="accent1"/>
-          </a:effectRef>
-          <a:fontRef idx="minor">
-            <a:schemeClr val="lt1"/>
-          </a:fontRef>
-        </p:style>
-        <p:txBody>
-          <a:bodyPr rtlCol="0" anchor="ctr">
-            <a:normAutofit/>
-          </a:bodyPr>
-          <a:lstStyle/>
-          <a:p>
-            <a:r>
-              <a:rPr lang="en-US" sz="6600">
-                <a:latin typeface="Segoe UI Light" panose="020B0502040204020203" pitchFamily="34" charset="0"/>
-              </a:rPr>
-              <a:t>Prerequisites for the labs</a:t>
-            </a:r>
-          </a:p>
-        </p:txBody>
-      </p:sp>
-      <p:graphicFrame>
-        <p:nvGraphicFramePr>
-          <p:cNvPr id="19" name="Diagram 18">
-            <a:extLst>
-              <a:ext uri="{FF2B5EF4-FFF2-40B4-BE49-F238E27FC236}">
-                <a16:creationId xmlns:a16="http://schemas.microsoft.com/office/drawing/2014/main" id="{308A3B27-D871-4DA9-B27C-0D1AA5A9BAB6}"/>
-              </a:ext>
-            </a:extLst>
-          </p:cNvPr>
-          <p:cNvGraphicFramePr/>
-          <p:nvPr>
-            <p:extLst/>
-          </p:nvPr>
-        </p:nvGraphicFramePr>
-        <p:xfrm>
-          <a:off x="838199" y="1950087"/>
-          <a:ext cx="10515601" cy="3998768"/>
-        </p:xfrm>
-        <a:graphic>
-          <a:graphicData uri="http://schemas.openxmlformats.org/drawingml/2006/diagram">
-            <dgm:relIds xmlns:dgm="http://schemas.openxmlformats.org/drawingml/2006/diagram" xmlns:r="http://schemas.openxmlformats.org/officeDocument/2006/relationships" r:dm="rId3" r:lo="rId4" r:qs="rId5" r:cs="rId6"/>
-          </a:graphicData>
-        </a:graphic>
-      </p:graphicFrame>
-      <p:sp>
-        <p:nvSpPr>
-          <p:cNvPr id="4" name="TextBox 3">
-            <a:extLst>
-              <a:ext uri="{FF2B5EF4-FFF2-40B4-BE49-F238E27FC236}">
-                <a16:creationId xmlns:a16="http://schemas.microsoft.com/office/drawing/2014/main" id="{CB1F9F02-054D-42CD-8D8B-E89DFB6565BE}"/>
-              </a:ext>
-            </a:extLst>
-          </p:cNvPr>
-          <p:cNvSpPr txBox="1"/>
-          <p:nvPr/>
-        </p:nvSpPr>
-        <p:spPr>
-          <a:xfrm>
-            <a:off x="838199" y="1923861"/>
-            <a:ext cx="10324723" cy="2031325"/>
-          </a:xfrm>
-          <a:prstGeom prst="rect">
-            <a:avLst/>
-          </a:prstGeom>
-          <a:noFill/>
-        </p:spPr>
-        <p:txBody>
-          <a:bodyPr wrap="square" rtlCol="0">
-            <a:spAutoFit/>
-          </a:bodyPr>
-          <a:lstStyle/>
-          <a:p>
-            <a:pPr marL="285750" indent="-285750">
-              <a:buFont typeface="Arial" panose="020B0604020202020204" pitchFamily="34" charset="0"/>
-              <a:buChar char="•"/>
-            </a:pPr>
-            <a:endParaRPr lang="en-US"/>
-          </a:p>
-          <a:p>
-            <a:pPr marL="285750" indent="-285750">
-              <a:buFont typeface="Arial" panose="020B0604020202020204" pitchFamily="34" charset="0"/>
-              <a:buChar char="•"/>
-            </a:pPr>
-            <a:endParaRPr lang="en-US"/>
-          </a:p>
-          <a:p>
-            <a:pPr marL="285750" indent="-285750">
-              <a:buFont typeface="Arial" panose="020B0604020202020204" pitchFamily="34" charset="0"/>
-              <a:buChar char="•"/>
-            </a:pPr>
-            <a:r>
-              <a:rPr lang="en-US"/>
-              <a:t>Azure subscription (with ‘contributor rights’), or an Azure Pass or free account.</a:t>
-            </a:r>
-          </a:p>
-          <a:p>
-            <a:pPr marL="285750" indent="-285750">
-              <a:buFont typeface="Arial" panose="020B0604020202020204" pitchFamily="34" charset="0"/>
-              <a:buChar char="•"/>
-            </a:pPr>
-            <a:r>
-              <a:rPr lang="en-US"/>
-              <a:t>Terraform Open Source</a:t>
-            </a:r>
-          </a:p>
-          <a:p>
-            <a:pPr marL="285750" indent="-285750">
-              <a:buFont typeface="Arial" panose="020B0604020202020204" pitchFamily="34" charset="0"/>
-              <a:buChar char="•"/>
-            </a:pPr>
-            <a:r>
-              <a:rPr lang="en-US"/>
-              <a:t>Windows or a Linux machine</a:t>
-            </a:r>
-          </a:p>
-          <a:p>
-            <a:pPr marL="285750" indent="-285750">
-              <a:buFont typeface="Arial" panose="020B0604020202020204" pitchFamily="34" charset="0"/>
-              <a:buChar char="•"/>
-            </a:pPr>
-            <a:endParaRPr lang="en-US"/>
-          </a:p>
-          <a:p>
-            <a:endParaRPr lang="en-US"/>
-          </a:p>
-        </p:txBody>
-      </p:sp>
-      <p:sp>
-        <p:nvSpPr>
-          <p:cNvPr id="5" name="Rectangle 4">
-            <a:extLst>
-              <a:ext uri="{FF2B5EF4-FFF2-40B4-BE49-F238E27FC236}">
-                <a16:creationId xmlns:a16="http://schemas.microsoft.com/office/drawing/2014/main" id="{7357FBF9-217E-4B2C-9EDF-B193170A5D59}"/>
-              </a:ext>
-            </a:extLst>
-          </p:cNvPr>
-          <p:cNvSpPr/>
-          <p:nvPr/>
-        </p:nvSpPr>
-        <p:spPr>
-          <a:xfrm>
-            <a:off x="1034561" y="5108220"/>
-            <a:ext cx="10764715" cy="923330"/>
-          </a:xfrm>
-          <a:prstGeom prst="rect">
-            <a:avLst/>
-          </a:prstGeom>
-        </p:spPr>
-        <p:txBody>
-          <a:bodyPr wrap="square">
-            <a:spAutoFit/>
-          </a:bodyPr>
-          <a:lstStyle/>
-          <a:p>
-            <a:r>
-              <a:rPr lang="en-US" b="1">
-                <a:solidFill>
-                  <a:srgbClr val="313130"/>
-                </a:solidFill>
-                <a:latin typeface="&amp;quot"/>
-              </a:rPr>
-              <a:t>💬 Note.</a:t>
-            </a:r>
-            <a:r>
-              <a:rPr lang="en-US">
-                <a:solidFill>
-                  <a:srgbClr val="313130"/>
-                </a:solidFill>
-                <a:latin typeface="Helvetica Neue"/>
-              </a:rPr>
-              <a:t> If you are using an Azure Free Pass then please do not activate it using your work email address. If you do then it will be unlikely that you will have RBAC permissions to create Service Principals and you will be limited to using the Azure CLI authentication.</a:t>
-            </a:r>
-            <a:endParaRPr lang="en-US"/>
-          </a:p>
-        </p:txBody>
-      </p:sp>
-    </p:spTree>
-    <p:extLst>
-      <p:ext uri="{BB962C8B-B14F-4D97-AF65-F5344CB8AC3E}">
-        <p14:creationId xmlns:p14="http://schemas.microsoft.com/office/powerpoint/2010/main" val="109223160"/>
-      </p:ext>
-    </p:extLst>
-  </p:cSld>
-  <p:clrMapOvr>
-    <a:masterClrMapping/>
-  </p:clrMapOvr>
-</p:sld>
-</file>
-
 <file path=ppt/slides/slide5.xml><?xml version="1.0" encoding="utf-8"?>
 <p:sld xmlns:a="http://schemas.openxmlformats.org/drawingml/2006/main" xmlns:r="http://schemas.openxmlformats.org/officeDocument/2006/relationships" xmlns:p="http://schemas.openxmlformats.org/presentationml/2006/main">
   <p:cSld>
@@ -18489,7 +14625,7 @@
               <a:rPr lang="en-US" sz="6600">
                 <a:latin typeface="Segoe UI Light" panose="020B0502040204020203" pitchFamily="34" charset="0"/>
               </a:rPr>
-              <a:t>Challenges</a:t>
+              <a:t>Prerequisites for the labs</a:t>
             </a:r>
           </a:p>
         </p:txBody>
@@ -18505,11 +14641,7 @@
           </p:cNvPr>
           <p:cNvGraphicFramePr/>
           <p:nvPr>
-            <p:extLst>
-              <p:ext uri="{D42A27DB-BD31-4B8C-83A1-F6EECF244321}">
-                <p14:modId xmlns:p14="http://schemas.microsoft.com/office/powerpoint/2010/main" val="4284121109"/>
-              </p:ext>
-            </p:extLst>
+            <p:extLst/>
           </p:nvPr>
         </p:nvGraphicFramePr>
         <p:xfrm>
@@ -18527,7 +14659,7 @@
           <p:cNvPr id="4" name="TextBox 3">
             <a:extLst>
               <a:ext uri="{FF2B5EF4-FFF2-40B4-BE49-F238E27FC236}">
-                <a16:creationId xmlns:a16="http://schemas.microsoft.com/office/drawing/2014/main" id="{77C660F4-8101-4EC5-A5BD-F29927BF625A}"/>
+                <a16:creationId xmlns:a16="http://schemas.microsoft.com/office/drawing/2014/main" id="{CB1F9F02-054D-42CD-8D8B-E89DFB6565BE}"/>
               </a:ext>
             </a:extLst>
           </p:cNvPr>
@@ -18536,8 +14668,8 @@
         </p:nvSpPr>
         <p:spPr>
           <a:xfrm>
-            <a:off x="2622452" y="2218652"/>
-            <a:ext cx="6794696" cy="646331"/>
+            <a:off x="838199" y="1923861"/>
+            <a:ext cx="10324723" cy="2031325"/>
           </a:xfrm>
           <a:prstGeom prst="rect">
             <a:avLst/>
@@ -18550,100 +14682,84 @@
           </a:bodyPr>
           <a:lstStyle/>
           <a:p>
+            <a:pPr marL="285750" indent="-285750">
+              <a:buFont typeface="Arial" panose="020B0604020202020204" pitchFamily="34" charset="0"/>
+              <a:buChar char="•"/>
+            </a:pPr>
+            <a:endParaRPr lang="en-US"/>
+          </a:p>
+          <a:p>
+            <a:pPr marL="285750" indent="-285750">
+              <a:buFont typeface="Arial" panose="020B0604020202020204" pitchFamily="34" charset="0"/>
+              <a:buChar char="•"/>
+            </a:pPr>
+            <a:endParaRPr lang="en-US"/>
+          </a:p>
+          <a:p>
+            <a:pPr marL="285750" indent="-285750">
+              <a:buFont typeface="Arial" panose="020B0604020202020204" pitchFamily="34" charset="0"/>
+              <a:buChar char="•"/>
+            </a:pPr>
             <a:r>
-              <a:rPr lang="en-US" b="1">
-                <a:solidFill>
-                  <a:schemeClr val="tx1">
-                    <a:lumMod val="50000"/>
-                    <a:lumOff val="50000"/>
-                  </a:schemeClr>
-                </a:solidFill>
-              </a:rPr>
-              <a:t>Deploying Infrastructure as Code – </a:t>
+              <a:rPr lang="en-US"/>
+              <a:t>Azure subscription (with ‘contributor rights’), or an Azure Pass or free account.</a:t>
             </a:r>
+          </a:p>
+          <a:p>
+            <a:pPr marL="285750" indent="-285750">
+              <a:buFont typeface="Arial" panose="020B0604020202020204" pitchFamily="34" charset="0"/>
+              <a:buChar char="•"/>
+            </a:pPr>
             <a:r>
-              <a:rPr lang="en-US" b="1">
-                <a:solidFill>
-                  <a:schemeClr val="tx1">
-                    <a:lumMod val="50000"/>
-                    <a:lumOff val="50000"/>
-                  </a:schemeClr>
-                </a:solidFill>
-                <a:hlinkClick r:id="rId8"/>
-              </a:rPr>
-              <a:t>Lab 1 </a:t>
+              <a:rPr lang="en-US"/>
+              <a:t>Terraform Open Source</a:t>
             </a:r>
+          </a:p>
+          <a:p>
+            <a:pPr marL="285750" indent="-285750">
+              <a:buFont typeface="Arial" panose="020B0604020202020204" pitchFamily="34" charset="0"/>
+              <a:buChar char="•"/>
+            </a:pPr>
             <a:r>
-              <a:rPr lang="en-US" b="1">
-                <a:solidFill>
-                  <a:schemeClr val="tx1">
-                    <a:lumMod val="50000"/>
-                    <a:lumOff val="50000"/>
-                  </a:schemeClr>
-                </a:solidFill>
-              </a:rPr>
-              <a:t>and </a:t>
+              <a:rPr lang="en-US"/>
+              <a:t>Windows or a Linux machine</a:t>
             </a:r>
-            <a:r>
-              <a:rPr lang="en-US" b="1">
-                <a:solidFill>
-                  <a:schemeClr val="tx1">
-                    <a:lumMod val="50000"/>
-                    <a:lumOff val="50000"/>
-                  </a:schemeClr>
-                </a:solidFill>
-                <a:hlinkClick r:id="rId9"/>
-              </a:rPr>
-              <a:t>Lab 2</a:t>
-            </a:r>
-            <a:endParaRPr lang="en-US" b="1">
-              <a:solidFill>
-                <a:schemeClr val="tx1">
-                  <a:lumMod val="50000"/>
-                  <a:lumOff val="50000"/>
-                </a:schemeClr>
-              </a:solidFill>
-            </a:endParaRPr>
-          </a:p>
-          <a:p>
-            <a:r>
-              <a:rPr lang="en-US" b="1">
-                <a:solidFill>
-                  <a:schemeClr val="tx1">
-                    <a:lumMod val="50000"/>
-                    <a:lumOff val="50000"/>
-                  </a:schemeClr>
-                </a:solidFill>
-              </a:rPr>
-              <a:t>Azure RG, VM, Manage Disk and VNET, NSG.</a:t>
-            </a:r>
+          </a:p>
+          <a:p>
+            <a:pPr marL="285750" indent="-285750">
+              <a:buFont typeface="Arial" panose="020B0604020202020204" pitchFamily="34" charset="0"/>
+              <a:buChar char="•"/>
+            </a:pPr>
+            <a:endParaRPr lang="en-US"/>
+          </a:p>
+          <a:p>
+            <a:endParaRPr lang="en-US"/>
           </a:p>
         </p:txBody>
       </p:sp>
       <p:sp>
         <p:nvSpPr>
-          <p:cNvPr id="5" name="TextBox 4">
+          <p:cNvPr id="5" name="Rectangle 4">
             <a:extLst>
               <a:ext uri="{FF2B5EF4-FFF2-40B4-BE49-F238E27FC236}">
-                <a16:creationId xmlns:a16="http://schemas.microsoft.com/office/drawing/2014/main" id="{CFCEEC94-5FA4-40A4-9ECF-DBB8E4D7A6C7}"/>
+                <a16:creationId xmlns:a16="http://schemas.microsoft.com/office/drawing/2014/main" id="{7357FBF9-217E-4B2C-9EDF-B193170A5D59}"/>
               </a:ext>
             </a:extLst>
           </p:cNvPr>
-          <p:cNvSpPr txBox="1"/>
+          <p:cNvSpPr/>
           <p:nvPr/>
         </p:nvSpPr>
         <p:spPr>
           <a:xfrm>
-            <a:off x="3368430" y="3157957"/>
-            <a:ext cx="7247988" cy="646331"/>
+            <a:off x="1034561" y="5108220"/>
+            <a:ext cx="10764715" cy="923330"/>
           </a:xfrm>
           <a:prstGeom prst="rect">
             <a:avLst/>
           </a:prstGeom>
-          <a:noFill/>
         </p:spPr>
         <p:txBody>
-          <a:bodyPr wrap="square" rtlCol="0">
+          <a:bodyPr wrap="square">
             <a:spAutoFit/>
           </a:bodyPr>
           <a:lstStyle/>
@@ -18651,158 +14767,29 @@
             <a:r>
               <a:rPr lang="en-US" b="1">
                 <a:solidFill>
-                  <a:schemeClr val="tx1">
-                    <a:lumMod val="50000"/>
-                    <a:lumOff val="50000"/>
-                  </a:schemeClr>
+                  <a:srgbClr val="313130"/>
                 </a:solidFill>
+                <a:latin typeface="&amp;quot"/>
               </a:rPr>
-              <a:t>Deploying Azure PaaS – </a:t>
+              <a:t>💬 Note.</a:t>
             </a:r>
             <a:r>
-              <a:rPr lang="en-US" b="1">
+              <a:rPr lang="en-US">
                 <a:solidFill>
-                  <a:schemeClr val="tx1">
-                    <a:lumMod val="50000"/>
-                    <a:lumOff val="50000"/>
-                  </a:schemeClr>
+                  <a:srgbClr val="313130"/>
                 </a:solidFill>
-                <a:hlinkClick r:id="rId10"/>
+                <a:latin typeface="Helvetica Neue"/>
               </a:rPr>
-              <a:t>Lab 4</a:t>
+              <a:t> If you are using an Azure Free Pass then please do not activate it using your work email address. If you do then it will be unlikely that you will have RBAC permissions to create Service Principals and you will be limited to using the Azure CLI authentication.</a:t>
             </a:r>
-            <a:endParaRPr lang="en-US" b="1">
-              <a:solidFill>
-                <a:schemeClr val="tx1">
-                  <a:lumMod val="50000"/>
-                  <a:lumOff val="50000"/>
-                </a:schemeClr>
-              </a:solidFill>
-            </a:endParaRPr>
-          </a:p>
-          <a:p>
-            <a:r>
-              <a:rPr lang="en-US" b="1">
-                <a:solidFill>
-                  <a:schemeClr val="tx1">
-                    <a:lumMod val="50000"/>
-                    <a:lumOff val="50000"/>
-                  </a:schemeClr>
-                </a:solidFill>
-              </a:rPr>
-              <a:t>Azure Web App Multi-region, Azure SQL DB, NLB</a:t>
-            </a:r>
-          </a:p>
-        </p:txBody>
-      </p:sp>
-      <p:sp>
-        <p:nvSpPr>
-          <p:cNvPr id="6" name="TextBox 5">
-            <a:extLst>
-              <a:ext uri="{FF2B5EF4-FFF2-40B4-BE49-F238E27FC236}">
-                <a16:creationId xmlns:a16="http://schemas.microsoft.com/office/drawing/2014/main" id="{F2F43DDA-75FA-41BF-98F5-F01E1FDF7F7D}"/>
-              </a:ext>
-            </a:extLst>
-          </p:cNvPr>
-          <p:cNvSpPr txBox="1"/>
-          <p:nvPr/>
-        </p:nvSpPr>
-        <p:spPr>
-          <a:xfrm>
-            <a:off x="4424044" y="4097262"/>
-            <a:ext cx="6049499" cy="369332"/>
-          </a:xfrm>
-          <a:prstGeom prst="rect">
-            <a:avLst/>
-          </a:prstGeom>
-          <a:noFill/>
-        </p:spPr>
-        <p:txBody>
-          <a:bodyPr wrap="square" rtlCol="0">
-            <a:spAutoFit/>
-          </a:bodyPr>
-          <a:lstStyle/>
-          <a:p>
-            <a:r>
-              <a:rPr lang="en-US" b="1">
-                <a:solidFill>
-                  <a:schemeClr val="tx1">
-                    <a:lumMod val="50000"/>
-                    <a:lumOff val="50000"/>
-                  </a:schemeClr>
-                </a:solidFill>
-              </a:rPr>
-              <a:t>Deploy Azure Kubernetes Services (AKS) – </a:t>
-            </a:r>
-            <a:r>
-              <a:rPr lang="en-US" b="1">
-                <a:solidFill>
-                  <a:schemeClr val="tx1">
-                    <a:lumMod val="50000"/>
-                    <a:lumOff val="50000"/>
-                  </a:schemeClr>
-                </a:solidFill>
-                <a:hlinkClick r:id="rId11"/>
-              </a:rPr>
-              <a:t>Lab 8</a:t>
-            </a:r>
-            <a:endParaRPr lang="en-US" b="1">
-              <a:solidFill>
-                <a:schemeClr val="tx1">
-                  <a:lumMod val="50000"/>
-                  <a:lumOff val="50000"/>
-                </a:schemeClr>
-              </a:solidFill>
-            </a:endParaRPr>
-          </a:p>
-        </p:txBody>
-      </p:sp>
-      <p:sp>
-        <p:nvSpPr>
-          <p:cNvPr id="7" name="TextBox 6">
-            <a:extLst>
-              <a:ext uri="{FF2B5EF4-FFF2-40B4-BE49-F238E27FC236}">
-                <a16:creationId xmlns:a16="http://schemas.microsoft.com/office/drawing/2014/main" id="{4ED8FA69-5093-45C6-813C-83219EA41F62}"/>
-              </a:ext>
-            </a:extLst>
-          </p:cNvPr>
-          <p:cNvSpPr txBox="1"/>
-          <p:nvPr/>
-        </p:nvSpPr>
-        <p:spPr>
-          <a:xfrm>
-            <a:off x="5444929" y="5145287"/>
-            <a:ext cx="4889696" cy="369332"/>
-          </a:xfrm>
-          <a:prstGeom prst="rect">
-            <a:avLst/>
-          </a:prstGeom>
-          <a:noFill/>
-        </p:spPr>
-        <p:txBody>
-          <a:bodyPr wrap="square" rtlCol="0">
-            <a:spAutoFit/>
-          </a:bodyPr>
-          <a:lstStyle/>
-          <a:p>
-            <a:r>
-              <a:rPr lang="en-US" b="1">
-                <a:solidFill>
-                  <a:schemeClr val="tx1">
-                    <a:lumMod val="50000"/>
-                    <a:lumOff val="50000"/>
-                  </a:schemeClr>
-                </a:solidFill>
-              </a:rPr>
-              <a:t>Terraform Enterprise - Demo</a:t>
-            </a:r>
+            <a:endParaRPr lang="en-US"/>
           </a:p>
         </p:txBody>
       </p:sp>
     </p:spTree>
     <p:extLst>
       <p:ext uri="{BB962C8B-B14F-4D97-AF65-F5344CB8AC3E}">
-        <p14:creationId xmlns:p14="http://schemas.microsoft.com/office/powerpoint/2010/main" val="3305089340"/>
+        <p14:creationId xmlns:p14="http://schemas.microsoft.com/office/powerpoint/2010/main" val="109223160"/>
       </p:ext>
     </p:extLst>
   </p:cSld>
@@ -19403,12 +15390,13 @@
 </file>
 
 <file path=customXml/item1.xml><?xml version="1.0" encoding="utf-8"?>
-<?mso-contentType ?>
-<FormTemplates xmlns="http://schemas.microsoft.com/sharepoint/v3/contenttype/forms">
-  <Display>DocumentLibraryForm</Display>
-  <Edit>DocumentLibraryForm</Edit>
-  <New>DocumentLibraryForm</New>
-</FormTemplates>
+<p:properties xmlns:p="http://schemas.microsoft.com/office/2006/metadata/properties" xmlns:xsi="http://www.w3.org/2001/XMLSchema-instance" xmlns:pc="http://schemas.microsoft.com/office/infopath/2007/PartnerControls">
+  <documentManagement>
+    <_ip_UnifiedCompliancePolicyUIAction xmlns="http://schemas.microsoft.com/sharepoint/v3" xsi:nil="true"/>
+    <_ip_UnifiedCompliancePolicyProperties xmlns="http://schemas.microsoft.com/sharepoint/v3" xsi:nil="true"/>
+    <MediaServiceKeyPoints xmlns="36984313-f623-41bb-a65c-16a37d29f6f8" xsi:nil="true"/>
+  </documentManagement>
+</p:properties>
 </file>
 
 <file path=customXml/item2.xml><?xml version="1.0" encoding="utf-8"?>
@@ -19622,19 +15610,28 @@
 </file>
 
 <file path=customXml/item3.xml><?xml version="1.0" encoding="utf-8"?>
-<p:properties xmlns:p="http://schemas.microsoft.com/office/2006/metadata/properties" xmlns:xsi="http://www.w3.org/2001/XMLSchema-instance" xmlns:pc="http://schemas.microsoft.com/office/infopath/2007/PartnerControls">
-  <documentManagement>
-    <_ip_UnifiedCompliancePolicyUIAction xmlns="http://schemas.microsoft.com/sharepoint/v3" xsi:nil="true"/>
-    <_ip_UnifiedCompliancePolicyProperties xmlns="http://schemas.microsoft.com/sharepoint/v3" xsi:nil="true"/>
-    <MediaServiceKeyPoints xmlns="36984313-f623-41bb-a65c-16a37d29f6f8" xsi:nil="true"/>
-  </documentManagement>
-</p:properties>
+<?mso-contentType ?>
+<FormTemplates xmlns="http://schemas.microsoft.com/sharepoint/v3/contenttype/forms">
+  <Display>DocumentLibraryForm</Display>
+  <Edit>DocumentLibraryForm</Edit>
+  <New>DocumentLibraryForm</New>
+</FormTemplates>
 </file>
 
 <file path=customXml/itemProps1.xml><?xml version="1.0" encoding="utf-8"?>
-<ds:datastoreItem xmlns:ds="http://schemas.openxmlformats.org/officeDocument/2006/customXml" ds:itemID="{A5C48E5E-7CC6-49B1-BEEB-92F78CA821FC}">
+<ds:datastoreItem xmlns:ds="http://schemas.openxmlformats.org/officeDocument/2006/customXml" ds:itemID="{5937D4A4-7B08-4DC9-8876-2CFC31085D37}">
   <ds:schemaRefs>
-    <ds:schemaRef ds:uri="http://schemas.microsoft.com/sharepoint/v3/contenttype/forms"/>
+    <ds:schemaRef ds:uri="fa40b356-8329-45cf-bdd1-8a6639dbec32"/>
+    <ds:schemaRef ds:uri="http://schemas.microsoft.com/sharepoint/v3"/>
+    <ds:schemaRef ds:uri="http://purl.org/dc/terms/"/>
+    <ds:schemaRef ds:uri="http://schemas.openxmlformats.org/package/2006/metadata/core-properties"/>
+    <ds:schemaRef ds:uri="http://schemas.microsoft.com/office/2006/documentManagement/types"/>
+    <ds:schemaRef ds:uri="http://schemas.microsoft.com/office/infopath/2007/PartnerControls"/>
+    <ds:schemaRef ds:uri="http://purl.org/dc/elements/1.1/"/>
+    <ds:schemaRef ds:uri="http://schemas.microsoft.com/office/2006/metadata/properties"/>
+    <ds:schemaRef ds:uri="36984313-f623-41bb-a65c-16a37d29f6f8"/>
+    <ds:schemaRef ds:uri="http://www.w3.org/XML/1998/namespace"/>
+    <ds:schemaRef ds:uri="http://purl.org/dc/dcmitype/"/>
   </ds:schemaRefs>
 </ds:datastoreItem>
 </file>
@@ -19660,19 +15657,9 @@
 </file>
 
 <file path=customXml/itemProps3.xml><?xml version="1.0" encoding="utf-8"?>
-<ds:datastoreItem xmlns:ds="http://schemas.openxmlformats.org/officeDocument/2006/customXml" ds:itemID="{5937D4A4-7B08-4DC9-8876-2CFC31085D37}">
+<ds:datastoreItem xmlns:ds="http://schemas.openxmlformats.org/officeDocument/2006/customXml" ds:itemID="{A5C48E5E-7CC6-49B1-BEEB-92F78CA821FC}">
   <ds:schemaRefs>
-    <ds:schemaRef ds:uri="36984313-f623-41bb-a65c-16a37d29f6f8"/>
-    <ds:schemaRef ds:uri="http://schemas.openxmlformats.org/package/2006/metadata/core-properties"/>
-    <ds:schemaRef ds:uri="http://schemas.microsoft.com/office/2006/documentManagement/types"/>
-    <ds:schemaRef ds:uri="http://www.w3.org/XML/1998/namespace"/>
-    <ds:schemaRef ds:uri="http://purl.org/dc/elements/1.1/"/>
-    <ds:schemaRef ds:uri="http://purl.org/dc/terms/"/>
-    <ds:schemaRef ds:uri="http://purl.org/dc/dcmitype/"/>
-    <ds:schemaRef ds:uri="http://schemas.microsoft.com/office/infopath/2007/PartnerControls"/>
-    <ds:schemaRef ds:uri="fa40b356-8329-45cf-bdd1-8a6639dbec32"/>
-    <ds:schemaRef ds:uri="http://schemas.microsoft.com/sharepoint/v3"/>
-    <ds:schemaRef ds:uri="http://schemas.microsoft.com/office/2006/metadata/properties"/>
+    <ds:schemaRef ds:uri="http://schemas.microsoft.com/sharepoint/v3/contenttype/forms"/>
   </ds:schemaRefs>
 </ds:datastoreItem>
 </file>
--- a/Multi-cloud Orchestration with Terraform.pptx
+++ b/Multi-cloud Orchestration with Terraform.pptx
@@ -5,11 +5,11 @@
     <p:sldMasterId id="2147483648" r:id="rId4"/>
   </p:sldMasterIdLst>
   <p:notesMasterIdLst>
-    <p:notesMasterId r:id="rId18"/>
+    <p:notesMasterId r:id="rId19"/>
   </p:notesMasterIdLst>
   <p:sldIdLst>
     <p:sldId id="295" r:id="rId5"/>
-    <p:sldId id="397" r:id="rId6"/>
+    <p:sldId id="399" r:id="rId6"/>
     <p:sldId id="394" r:id="rId7"/>
     <p:sldId id="277" r:id="rId8"/>
     <p:sldId id="313" r:id="rId9"/>
@@ -20,7 +20,8 @@
     <p:sldId id="392" r:id="rId14"/>
     <p:sldId id="395" r:id="rId15"/>
     <p:sldId id="396" r:id="rId16"/>
-    <p:sldId id="398" r:id="rId17"/>
+    <p:sldId id="401" r:id="rId17"/>
+    <p:sldId id="400" r:id="rId18"/>
   </p:sldIdLst>
   <p:sldSz cx="12192000" cy="6858000"/>
   <p:notesSz cx="6858000" cy="9144000"/>
@@ -5747,7 +5748,7 @@
           <a:p>
             <a:fld id="{64B5CDC6-C9CC-4F19-A304-2F95E321901D}" type="datetimeFigureOut">
               <a:rPr lang="en-US" smtClean="0"/>
-              <a:t>2/20/2019</a:t>
+              <a:t>2/21/2019</a:t>
             </a:fld>
             <a:endParaRPr lang="en-US"/>
           </a:p>
@@ -6098,6 +6099,266 @@
 </p:notes>
 </file>
 
+<file path=ppt/notesSlides/notesSlide10.xml><?xml version="1.0" encoding="utf-8"?>
+<p:notes xmlns:a="http://schemas.openxmlformats.org/drawingml/2006/main" xmlns:r="http://schemas.openxmlformats.org/officeDocument/2006/relationships" xmlns:p="http://schemas.openxmlformats.org/presentationml/2006/main">
+  <p:cSld>
+    <p:spTree>
+      <p:nvGrpSpPr>
+        <p:cNvPr id="1" name=""/>
+        <p:cNvGrpSpPr/>
+        <p:nvPr/>
+      </p:nvGrpSpPr>
+      <p:grpSpPr>
+        <a:xfrm>
+          <a:off x="0" y="0"/>
+          <a:ext cx="0" cy="0"/>
+          <a:chOff x="0" y="0"/>
+          <a:chExt cx="0" cy="0"/>
+        </a:xfrm>
+      </p:grpSpPr>
+      <p:sp>
+        <p:nvSpPr>
+          <p:cNvPr id="2" name="Slide Image Placeholder 1"/>
+          <p:cNvSpPr>
+            <a:spLocks noGrp="1" noRot="1" noChangeAspect="1"/>
+          </p:cNvSpPr>
+          <p:nvPr>
+            <p:ph type="sldImg"/>
+          </p:nvPr>
+        </p:nvSpPr>
+        <p:spPr/>
+      </p:sp>
+      <p:sp>
+        <p:nvSpPr>
+          <p:cNvPr id="3" name="Notes Placeholder 2"/>
+          <p:cNvSpPr>
+            <a:spLocks noGrp="1"/>
+          </p:cNvSpPr>
+          <p:nvPr>
+            <p:ph type="body" idx="1"/>
+          </p:nvPr>
+        </p:nvSpPr>
+        <p:spPr/>
+        <p:txBody>
+          <a:bodyPr/>
+          <a:lstStyle/>
+          <a:p>
+            <a:pPr marL="0" indent="0">
+              <a:buFont typeface="Arial" panose="020B0604020202020204" pitchFamily="34" charset="0"/>
+              <a:buNone/>
+            </a:pPr>
+            <a:endParaRPr lang="en-US"/>
+          </a:p>
+        </p:txBody>
+      </p:sp>
+      <p:sp>
+        <p:nvSpPr>
+          <p:cNvPr id="4" name="Slide Number Placeholder 3"/>
+          <p:cNvSpPr>
+            <a:spLocks noGrp="1"/>
+          </p:cNvSpPr>
+          <p:nvPr>
+            <p:ph type="sldNum" sz="quarter" idx="10"/>
+          </p:nvPr>
+        </p:nvSpPr>
+        <p:spPr/>
+        <p:txBody>
+          <a:bodyPr/>
+          <a:lstStyle/>
+          <a:p>
+            <a:fld id="{A6E32E67-58B7-48E6-A35C-FAFBD4282C30}" type="slidenum">
+              <a:rPr lang="en-US" smtClean="0"/>
+              <a:t>10</a:t>
+            </a:fld>
+            <a:endParaRPr lang="en-US"/>
+          </a:p>
+        </p:txBody>
+      </p:sp>
+    </p:spTree>
+    <p:extLst>
+      <p:ext uri="{BB962C8B-B14F-4D97-AF65-F5344CB8AC3E}">
+        <p14:creationId xmlns:p14="http://schemas.microsoft.com/office/powerpoint/2010/main" val="2809238625"/>
+      </p:ext>
+    </p:extLst>
+  </p:cSld>
+  <p:clrMapOvr>
+    <a:masterClrMapping/>
+  </p:clrMapOvr>
+</p:notes>
+</file>
+
+<file path=ppt/notesSlides/notesSlide11.xml><?xml version="1.0" encoding="utf-8"?>
+<p:notes xmlns:a="http://schemas.openxmlformats.org/drawingml/2006/main" xmlns:r="http://schemas.openxmlformats.org/officeDocument/2006/relationships" xmlns:p="http://schemas.openxmlformats.org/presentationml/2006/main">
+  <p:cSld>
+    <p:spTree>
+      <p:nvGrpSpPr>
+        <p:cNvPr id="1" name=""/>
+        <p:cNvGrpSpPr/>
+        <p:nvPr/>
+      </p:nvGrpSpPr>
+      <p:grpSpPr>
+        <a:xfrm>
+          <a:off x="0" y="0"/>
+          <a:ext cx="0" cy="0"/>
+          <a:chOff x="0" y="0"/>
+          <a:chExt cx="0" cy="0"/>
+        </a:xfrm>
+      </p:grpSpPr>
+      <p:sp>
+        <p:nvSpPr>
+          <p:cNvPr id="2" name="Slide Image Placeholder 1"/>
+          <p:cNvSpPr>
+            <a:spLocks noGrp="1" noRot="1" noChangeAspect="1"/>
+          </p:cNvSpPr>
+          <p:nvPr>
+            <p:ph type="sldImg"/>
+          </p:nvPr>
+        </p:nvSpPr>
+        <p:spPr/>
+      </p:sp>
+      <p:sp>
+        <p:nvSpPr>
+          <p:cNvPr id="3" name="Notes Placeholder 2"/>
+          <p:cNvSpPr>
+            <a:spLocks noGrp="1"/>
+          </p:cNvSpPr>
+          <p:nvPr>
+            <p:ph type="body" idx="1"/>
+          </p:nvPr>
+        </p:nvSpPr>
+        <p:spPr/>
+        <p:txBody>
+          <a:bodyPr/>
+          <a:lstStyle/>
+          <a:p>
+            <a:pPr marL="0" indent="0">
+              <a:buFont typeface="Arial" panose="020B0604020202020204" pitchFamily="34" charset="0"/>
+              <a:buNone/>
+            </a:pPr>
+            <a:endParaRPr lang="en-US"/>
+          </a:p>
+        </p:txBody>
+      </p:sp>
+      <p:sp>
+        <p:nvSpPr>
+          <p:cNvPr id="4" name="Slide Number Placeholder 3"/>
+          <p:cNvSpPr>
+            <a:spLocks noGrp="1"/>
+          </p:cNvSpPr>
+          <p:nvPr>
+            <p:ph type="sldNum" sz="quarter" idx="10"/>
+          </p:nvPr>
+        </p:nvSpPr>
+        <p:spPr/>
+        <p:txBody>
+          <a:bodyPr/>
+          <a:lstStyle/>
+          <a:p>
+            <a:fld id="{A6E32E67-58B7-48E6-A35C-FAFBD4282C30}" type="slidenum">
+              <a:rPr lang="en-US" smtClean="0"/>
+              <a:t>13</a:t>
+            </a:fld>
+            <a:endParaRPr lang="en-US"/>
+          </a:p>
+        </p:txBody>
+      </p:sp>
+    </p:spTree>
+    <p:extLst>
+      <p:ext uri="{BB962C8B-B14F-4D97-AF65-F5344CB8AC3E}">
+        <p14:creationId xmlns:p14="http://schemas.microsoft.com/office/powerpoint/2010/main" val="1159094177"/>
+      </p:ext>
+    </p:extLst>
+  </p:cSld>
+  <p:clrMapOvr>
+    <a:masterClrMapping/>
+  </p:clrMapOvr>
+</p:notes>
+</file>
+
+<file path=ppt/notesSlides/notesSlide12.xml><?xml version="1.0" encoding="utf-8"?>
+<p:notes xmlns:a="http://schemas.openxmlformats.org/drawingml/2006/main" xmlns:r="http://schemas.openxmlformats.org/officeDocument/2006/relationships" xmlns:p="http://schemas.openxmlformats.org/presentationml/2006/main">
+  <p:cSld>
+    <p:spTree>
+      <p:nvGrpSpPr>
+        <p:cNvPr id="1" name=""/>
+        <p:cNvGrpSpPr/>
+        <p:nvPr/>
+      </p:nvGrpSpPr>
+      <p:grpSpPr>
+        <a:xfrm>
+          <a:off x="0" y="0"/>
+          <a:ext cx="0" cy="0"/>
+          <a:chOff x="0" y="0"/>
+          <a:chExt cx="0" cy="0"/>
+        </a:xfrm>
+      </p:grpSpPr>
+      <p:sp>
+        <p:nvSpPr>
+          <p:cNvPr id="2" name="Slide Image Placeholder 1"/>
+          <p:cNvSpPr>
+            <a:spLocks noGrp="1" noRot="1" noChangeAspect="1"/>
+          </p:cNvSpPr>
+          <p:nvPr>
+            <p:ph type="sldImg"/>
+          </p:nvPr>
+        </p:nvSpPr>
+        <p:spPr/>
+      </p:sp>
+      <p:sp>
+        <p:nvSpPr>
+          <p:cNvPr id="3" name="Notes Placeholder 2"/>
+          <p:cNvSpPr>
+            <a:spLocks noGrp="1"/>
+          </p:cNvSpPr>
+          <p:nvPr>
+            <p:ph type="body" idx="1"/>
+          </p:nvPr>
+        </p:nvSpPr>
+        <p:spPr/>
+        <p:txBody>
+          <a:bodyPr/>
+          <a:lstStyle/>
+          <a:p>
+            <a:endParaRPr lang="en-US"/>
+          </a:p>
+        </p:txBody>
+      </p:sp>
+      <p:sp>
+        <p:nvSpPr>
+          <p:cNvPr id="4" name="Slide Number Placeholder 3"/>
+          <p:cNvSpPr>
+            <a:spLocks noGrp="1"/>
+          </p:cNvSpPr>
+          <p:nvPr>
+            <p:ph type="sldNum" sz="quarter" idx="10"/>
+          </p:nvPr>
+        </p:nvSpPr>
+        <p:spPr/>
+        <p:txBody>
+          <a:bodyPr/>
+          <a:lstStyle/>
+          <a:p>
+            <a:fld id="{A6E32E67-58B7-48E6-A35C-FAFBD4282C30}" type="slidenum">
+              <a:rPr lang="en-US" smtClean="0"/>
+              <a:t>14</a:t>
+            </a:fld>
+            <a:endParaRPr lang="en-US"/>
+          </a:p>
+        </p:txBody>
+      </p:sp>
+    </p:spTree>
+    <p:extLst>
+      <p:ext uri="{BB962C8B-B14F-4D97-AF65-F5344CB8AC3E}">
+        <p14:creationId xmlns:p14="http://schemas.microsoft.com/office/powerpoint/2010/main" val="369818427"/>
+      </p:ext>
+    </p:extLst>
+  </p:cSld>
+  <p:clrMapOvr>
+    <a:masterClrMapping/>
+  </p:clrMapOvr>
+</p:notes>
+</file>
+
 <file path=ppt/notesSlides/notesSlide2.xml><?xml version="1.0" encoding="utf-8"?>
 <p:notes xmlns:a="http://schemas.openxmlformats.org/drawingml/2006/main" xmlns:r="http://schemas.openxmlformats.org/officeDocument/2006/relationships" xmlns:p="http://schemas.openxmlformats.org/presentationml/2006/main">
   <p:cSld>
@@ -6142,30 +6403,6 @@
           <a:bodyPr/>
           <a:lstStyle/>
           <a:p>
-            <a:r>
-              <a:rPr lang="en-US"/>
-              <a:t>Identify the customer’s stage / maturity</a:t>
-            </a:r>
-          </a:p>
-          <a:p>
-            <a:r>
-              <a:rPr lang="en-US"/>
-              <a:t>Is the customer already using Azure or other Cloud providers</a:t>
-            </a:r>
-          </a:p>
-          <a:p>
-            <a:r>
-              <a:rPr lang="en-US"/>
-              <a:t>Investing in serverless  / deploying </a:t>
-            </a:r>
-          </a:p>
-          <a:p>
-            <a:r>
-              <a:rPr lang="en-US"/>
-              <a:t>Cloud agnostic</a:t>
-            </a:r>
-          </a:p>
-          <a:p>
             <a:endParaRPr lang="en-US"/>
           </a:p>
         </p:txBody>
@@ -6177,7 +6414,7 @@
             <a:spLocks noGrp="1"/>
           </p:cNvSpPr>
           <p:nvPr>
-            <p:ph type="sldNum" sz="quarter" idx="5"/>
+            <p:ph type="sldNum" sz="quarter" idx="10"/>
           </p:nvPr>
         </p:nvSpPr>
         <p:spPr/>
@@ -6187,7 +6424,7 @@
           <a:p>
             <a:fld id="{A6E32E67-58B7-48E6-A35C-FAFBD4282C30}" type="slidenum">
               <a:rPr lang="en-US" smtClean="0"/>
-              <a:t>3</a:t>
+              <a:t>2</a:t>
             </a:fld>
             <a:endParaRPr lang="en-US"/>
           </a:p>
@@ -6196,7 +6433,7 @@
     </p:spTree>
     <p:extLst>
       <p:ext uri="{BB962C8B-B14F-4D97-AF65-F5344CB8AC3E}">
-        <p14:creationId xmlns:p14="http://schemas.microsoft.com/office/powerpoint/2010/main" val="728677670"/>
+        <p14:creationId xmlns:p14="http://schemas.microsoft.com/office/powerpoint/2010/main" val="2335387148"/>
       </p:ext>
     </p:extLst>
   </p:cSld>
@@ -6207,117 +6444,6 @@
 </file>
 
 <file path=ppt/notesSlides/notesSlide3.xml><?xml version="1.0" encoding="utf-8"?>
-<p:notes xmlns:a="http://schemas.openxmlformats.org/drawingml/2006/main" xmlns:r="http://schemas.openxmlformats.org/officeDocument/2006/relationships" xmlns:p="http://schemas.openxmlformats.org/presentationml/2006/main">
-  <p:cSld>
-    <p:spTree>
-      <p:nvGrpSpPr>
-        <p:cNvPr id="1" name=""/>
-        <p:cNvGrpSpPr/>
-        <p:nvPr/>
-      </p:nvGrpSpPr>
-      <p:grpSpPr>
-        <a:xfrm>
-          <a:off x="0" y="0"/>
-          <a:ext cx="0" cy="0"/>
-          <a:chOff x="0" y="0"/>
-          <a:chExt cx="0" cy="0"/>
-        </a:xfrm>
-      </p:grpSpPr>
-      <p:sp>
-        <p:nvSpPr>
-          <p:cNvPr id="1928" name="Shape 1928"/>
-          <p:cNvSpPr>
-            <a:spLocks noGrp="1" noRot="1" noChangeAspect="1"/>
-          </p:cNvSpPr>
-          <p:nvPr>
-            <p:ph type="sldImg"/>
-          </p:nvPr>
-        </p:nvSpPr>
-        <p:spPr>
-          <a:xfrm>
-            <a:off x="381000" y="685800"/>
-            <a:ext cx="6096000" cy="3429000"/>
-          </a:xfrm>
-          <a:prstGeom prst="rect">
-            <a:avLst/>
-          </a:prstGeom>
-        </p:spPr>
-        <p:txBody>
-          <a:bodyPr/>
-          <a:lstStyle/>
-          <a:p>
-            <a:endParaRPr/>
-          </a:p>
-        </p:txBody>
-      </p:sp>
-      <p:sp>
-        <p:nvSpPr>
-          <p:cNvPr id="1929" name="Shape 1929"/>
-          <p:cNvSpPr>
-            <a:spLocks noGrp="1"/>
-          </p:cNvSpPr>
-          <p:nvPr>
-            <p:ph type="body" sz="quarter" idx="1"/>
-          </p:nvPr>
-        </p:nvSpPr>
-        <p:spPr>
-          <a:prstGeom prst="rect">
-            <a:avLst/>
-          </a:prstGeom>
-        </p:spPr>
-        <p:txBody>
-          <a:bodyPr/>
-          <a:lstStyle/>
-          <a:p>
-            <a:pPr marL="0" indent="0">
-              <a:buSzPct val="100000"/>
-              <a:buNone/>
-              <a:defRPr sz="1400"/>
-            </a:pPr>
-            <a:endParaRPr lang="en-US"/>
-          </a:p>
-          <a:p>
-            <a:pPr marL="0" indent="0">
-              <a:buSzPct val="100000"/>
-              <a:buNone/>
-              <a:defRPr sz="1400"/>
-            </a:pPr>
-            <a:r>
-              <a:rPr lang="en-US"/>
-              <a:t>Partnerships</a:t>
-            </a:r>
-          </a:p>
-          <a:p>
-            <a:pPr marL="0" indent="0">
-              <a:buSzPct val="100000"/>
-              <a:buNone/>
-              <a:defRPr sz="1400"/>
-            </a:pPr>
-            <a:endParaRPr lang="en-US"/>
-          </a:p>
-          <a:p>
-            <a:pPr marL="0" indent="0">
-              <a:buSzPct val="100000"/>
-              <a:buNone/>
-              <a:defRPr sz="1400"/>
-            </a:pPr>
-            <a:r>
-              <a:rPr lang="en-US"/>
-              <a:t>VCS support</a:t>
-            </a:r>
-            <a:endParaRPr/>
-          </a:p>
-        </p:txBody>
-      </p:sp>
-    </p:spTree>
-  </p:cSld>
-  <p:clrMapOvr>
-    <a:masterClrMapping/>
-  </p:clrMapOvr>
-</p:notes>
-</file>
-
-<file path=ppt/notesSlides/notesSlide4.xml><?xml version="1.0" encoding="utf-8"?>
 <p:notes xmlns:a="http://schemas.openxmlformats.org/drawingml/2006/main" xmlns:r="http://schemas.openxmlformats.org/officeDocument/2006/relationships" xmlns:p="http://schemas.openxmlformats.org/presentationml/2006/main">
   <p:cSld>
     <p:spTree>
@@ -6361,6 +6487,30 @@
           <a:bodyPr/>
           <a:lstStyle/>
           <a:p>
+            <a:r>
+              <a:rPr lang="en-US"/>
+              <a:t>Identify the customer’s stage / maturity</a:t>
+            </a:r>
+          </a:p>
+          <a:p>
+            <a:r>
+              <a:rPr lang="en-US"/>
+              <a:t>Is the customer already using Azure or other Cloud providers</a:t>
+            </a:r>
+          </a:p>
+          <a:p>
+            <a:r>
+              <a:rPr lang="en-US"/>
+              <a:t>Investing in serverless  / deploying </a:t>
+            </a:r>
+          </a:p>
+          <a:p>
+            <a:r>
+              <a:rPr lang="en-US"/>
+              <a:t>Cloud agnostic</a:t>
+            </a:r>
+          </a:p>
+          <a:p>
             <a:endParaRPr lang="en-US"/>
           </a:p>
         </p:txBody>
@@ -6372,7 +6522,7 @@
             <a:spLocks noGrp="1"/>
           </p:cNvSpPr>
           <p:nvPr>
-            <p:ph type="sldNum" sz="quarter" idx="10"/>
+            <p:ph type="sldNum" sz="quarter" idx="5"/>
           </p:nvPr>
         </p:nvSpPr>
         <p:spPr/>
@@ -6382,7 +6532,7 @@
           <a:p>
             <a:fld id="{A6E32E67-58B7-48E6-A35C-FAFBD4282C30}" type="slidenum">
               <a:rPr lang="en-US" smtClean="0"/>
-              <a:t>5</a:t>
+              <a:t>3</a:t>
             </a:fld>
             <a:endParaRPr lang="en-US"/>
           </a:p>
@@ -6391,9 +6541,120 @@
     </p:spTree>
     <p:extLst>
       <p:ext uri="{BB962C8B-B14F-4D97-AF65-F5344CB8AC3E}">
-        <p14:creationId xmlns:p14="http://schemas.microsoft.com/office/powerpoint/2010/main" val="709596335"/>
+        <p14:creationId xmlns:p14="http://schemas.microsoft.com/office/powerpoint/2010/main" val="728677670"/>
       </p:ext>
     </p:extLst>
+  </p:cSld>
+  <p:clrMapOvr>
+    <a:masterClrMapping/>
+  </p:clrMapOvr>
+</p:notes>
+</file>
+
+<file path=ppt/notesSlides/notesSlide4.xml><?xml version="1.0" encoding="utf-8"?>
+<p:notes xmlns:a="http://schemas.openxmlformats.org/drawingml/2006/main" xmlns:r="http://schemas.openxmlformats.org/officeDocument/2006/relationships" xmlns:p="http://schemas.openxmlformats.org/presentationml/2006/main">
+  <p:cSld>
+    <p:spTree>
+      <p:nvGrpSpPr>
+        <p:cNvPr id="1" name=""/>
+        <p:cNvGrpSpPr/>
+        <p:nvPr/>
+      </p:nvGrpSpPr>
+      <p:grpSpPr>
+        <a:xfrm>
+          <a:off x="0" y="0"/>
+          <a:ext cx="0" cy="0"/>
+          <a:chOff x="0" y="0"/>
+          <a:chExt cx="0" cy="0"/>
+        </a:xfrm>
+      </p:grpSpPr>
+      <p:sp>
+        <p:nvSpPr>
+          <p:cNvPr id="1928" name="Shape 1928"/>
+          <p:cNvSpPr>
+            <a:spLocks noGrp="1" noRot="1" noChangeAspect="1"/>
+          </p:cNvSpPr>
+          <p:nvPr>
+            <p:ph type="sldImg"/>
+          </p:nvPr>
+        </p:nvSpPr>
+        <p:spPr>
+          <a:xfrm>
+            <a:off x="381000" y="685800"/>
+            <a:ext cx="6096000" cy="3429000"/>
+          </a:xfrm>
+          <a:prstGeom prst="rect">
+            <a:avLst/>
+          </a:prstGeom>
+        </p:spPr>
+        <p:txBody>
+          <a:bodyPr/>
+          <a:lstStyle/>
+          <a:p>
+            <a:endParaRPr/>
+          </a:p>
+        </p:txBody>
+      </p:sp>
+      <p:sp>
+        <p:nvSpPr>
+          <p:cNvPr id="1929" name="Shape 1929"/>
+          <p:cNvSpPr>
+            <a:spLocks noGrp="1"/>
+          </p:cNvSpPr>
+          <p:nvPr>
+            <p:ph type="body" sz="quarter" idx="1"/>
+          </p:nvPr>
+        </p:nvSpPr>
+        <p:spPr>
+          <a:prstGeom prst="rect">
+            <a:avLst/>
+          </a:prstGeom>
+        </p:spPr>
+        <p:txBody>
+          <a:bodyPr/>
+          <a:lstStyle/>
+          <a:p>
+            <a:pPr marL="0" indent="0">
+              <a:buSzPct val="100000"/>
+              <a:buNone/>
+              <a:defRPr sz="1400"/>
+            </a:pPr>
+            <a:endParaRPr lang="en-US"/>
+          </a:p>
+          <a:p>
+            <a:pPr marL="0" indent="0">
+              <a:buSzPct val="100000"/>
+              <a:buNone/>
+              <a:defRPr sz="1400"/>
+            </a:pPr>
+            <a:r>
+              <a:rPr lang="en-US"/>
+              <a:t>Partnerships</a:t>
+            </a:r>
+          </a:p>
+          <a:p>
+            <a:pPr marL="0" indent="0">
+              <a:buSzPct val="100000"/>
+              <a:buNone/>
+              <a:defRPr sz="1400"/>
+            </a:pPr>
+            <a:endParaRPr lang="en-US"/>
+          </a:p>
+          <a:p>
+            <a:pPr marL="0" indent="0">
+              <a:buSzPct val="100000"/>
+              <a:buNone/>
+              <a:defRPr sz="1400"/>
+            </a:pPr>
+            <a:r>
+              <a:rPr lang="en-US"/>
+              <a:t>VCS support</a:t>
+            </a:r>
+            <a:endParaRPr/>
+          </a:p>
+        </p:txBody>
+      </p:sp>
+    </p:spTree>
   </p:cSld>
   <p:clrMapOvr>
     <a:masterClrMapping/>
@@ -6445,18 +6706,6 @@
           <a:bodyPr/>
           <a:lstStyle/>
           <a:p>
-            <a:r>
-              <a:rPr lang="en-US"/>
-              <a:t>Terraform Labs: https://azurecitadel.github.io/workshops/terraform/#labs</a:t>
-            </a:r>
-          </a:p>
-          <a:p>
-            <a:r>
-              <a:rPr lang="en-US"/>
-              <a:t>Azure CLI: https://docs.microsoft.com/en-us/cli/azure/get-started-with-azure-cli?view=azure-cli-latest</a:t>
-            </a:r>
-          </a:p>
-          <a:p>
             <a:endParaRPr lang="en-US"/>
           </a:p>
         </p:txBody>
@@ -6478,7 +6727,7 @@
           <a:p>
             <a:fld id="{A6E32E67-58B7-48E6-A35C-FAFBD4282C30}" type="slidenum">
               <a:rPr lang="en-US" smtClean="0"/>
-              <a:t>6</a:t>
+              <a:t>5</a:t>
             </a:fld>
             <a:endParaRPr lang="en-US"/>
           </a:p>
@@ -6487,7 +6736,7 @@
     </p:spTree>
     <p:extLst>
       <p:ext uri="{BB962C8B-B14F-4D97-AF65-F5344CB8AC3E}">
-        <p14:creationId xmlns:p14="http://schemas.microsoft.com/office/powerpoint/2010/main" val="991454673"/>
+        <p14:creationId xmlns:p14="http://schemas.microsoft.com/office/powerpoint/2010/main" val="709596335"/>
       </p:ext>
     </p:extLst>
   </p:cSld>
@@ -6541,10 +6790,18 @@
           <a:bodyPr/>
           <a:lstStyle/>
           <a:p>
-            <a:pPr marL="0" indent="0">
-              <a:buFont typeface="Arial" panose="020B0604020202020204" pitchFamily="34" charset="0"/>
-              <a:buNone/>
-            </a:pPr>
+            <a:r>
+              <a:rPr lang="en-US"/>
+              <a:t>Terraform Labs: https://azurecitadel.github.io/workshops/terraform/#labs</a:t>
+            </a:r>
+          </a:p>
+          <a:p>
+            <a:r>
+              <a:rPr lang="en-US"/>
+              <a:t>Azure CLI: https://docs.microsoft.com/en-us/cli/azure/get-started-with-azure-cli?view=azure-cli-latest</a:t>
+            </a:r>
+          </a:p>
+          <a:p>
             <a:endParaRPr lang="en-US"/>
           </a:p>
         </p:txBody>
@@ -6566,7 +6823,7 @@
           <a:p>
             <a:fld id="{A6E32E67-58B7-48E6-A35C-FAFBD4282C30}" type="slidenum">
               <a:rPr lang="en-US" smtClean="0"/>
-              <a:t>7</a:t>
+              <a:t>6</a:t>
             </a:fld>
             <a:endParaRPr lang="en-US"/>
           </a:p>
@@ -6575,7 +6832,7 @@
     </p:spTree>
     <p:extLst>
       <p:ext uri="{BB962C8B-B14F-4D97-AF65-F5344CB8AC3E}">
-        <p14:creationId xmlns:p14="http://schemas.microsoft.com/office/powerpoint/2010/main" val="2043337315"/>
+        <p14:creationId xmlns:p14="http://schemas.microsoft.com/office/powerpoint/2010/main" val="991454673"/>
       </p:ext>
     </p:extLst>
   </p:cSld>
@@ -6654,7 +6911,7 @@
           <a:p>
             <a:fld id="{A6E32E67-58B7-48E6-A35C-FAFBD4282C30}" type="slidenum">
               <a:rPr lang="en-US" smtClean="0"/>
-              <a:t>8</a:t>
+              <a:t>7</a:t>
             </a:fld>
             <a:endParaRPr lang="en-US"/>
           </a:p>
@@ -6663,7 +6920,7 @@
     </p:spTree>
     <p:extLst>
       <p:ext uri="{BB962C8B-B14F-4D97-AF65-F5344CB8AC3E}">
-        <p14:creationId xmlns:p14="http://schemas.microsoft.com/office/powerpoint/2010/main" val="2987831706"/>
+        <p14:creationId xmlns:p14="http://schemas.microsoft.com/office/powerpoint/2010/main" val="2043337315"/>
       </p:ext>
     </p:extLst>
   </p:cSld>
@@ -6742,7 +6999,7 @@
           <a:p>
             <a:fld id="{A6E32E67-58B7-48E6-A35C-FAFBD4282C30}" type="slidenum">
               <a:rPr lang="en-US" smtClean="0"/>
-              <a:t>9</a:t>
+              <a:t>8</a:t>
             </a:fld>
             <a:endParaRPr lang="en-US"/>
           </a:p>
@@ -6751,7 +7008,7 @@
     </p:spTree>
     <p:extLst>
       <p:ext uri="{BB962C8B-B14F-4D97-AF65-F5344CB8AC3E}">
-        <p14:creationId xmlns:p14="http://schemas.microsoft.com/office/powerpoint/2010/main" val="1530908956"/>
+        <p14:creationId xmlns:p14="http://schemas.microsoft.com/office/powerpoint/2010/main" val="2987831706"/>
       </p:ext>
     </p:extLst>
   </p:cSld>
@@ -6830,7 +7087,7 @@
           <a:p>
             <a:fld id="{A6E32E67-58B7-48E6-A35C-FAFBD4282C30}" type="slidenum">
               <a:rPr lang="en-US" smtClean="0"/>
-              <a:t>10</a:t>
+              <a:t>9</a:t>
             </a:fld>
             <a:endParaRPr lang="en-US"/>
           </a:p>
@@ -6839,7 +7096,7 @@
     </p:spTree>
     <p:extLst>
       <p:ext uri="{BB962C8B-B14F-4D97-AF65-F5344CB8AC3E}">
-        <p14:creationId xmlns:p14="http://schemas.microsoft.com/office/powerpoint/2010/main" val="2809238625"/>
+        <p14:creationId xmlns:p14="http://schemas.microsoft.com/office/powerpoint/2010/main" val="1530908956"/>
       </p:ext>
     </p:extLst>
   </p:cSld>
@@ -6978,7 +7235,7 @@
           <a:p>
             <a:fld id="{97EF81AB-0984-4A53-A1A0-D4D18D764F0C}" type="datetimeFigureOut">
               <a:rPr lang="en-US" smtClean="0"/>
-              <a:t>2/20/2019</a:t>
+              <a:t>2/21/2019</a:t>
             </a:fld>
             <a:endParaRPr lang="en-US"/>
           </a:p>
@@ -7146,7 +7403,7 @@
           <a:p>
             <a:fld id="{97EF81AB-0984-4A53-A1A0-D4D18D764F0C}" type="datetimeFigureOut">
               <a:rPr lang="en-US" smtClean="0"/>
-              <a:t>2/20/2019</a:t>
+              <a:t>2/21/2019</a:t>
             </a:fld>
             <a:endParaRPr lang="en-US"/>
           </a:p>
@@ -7324,7 +7581,7 @@
           <a:p>
             <a:fld id="{97EF81AB-0984-4A53-A1A0-D4D18D764F0C}" type="datetimeFigureOut">
               <a:rPr lang="en-US" smtClean="0"/>
-              <a:t>2/20/2019</a:t>
+              <a:t>2/21/2019</a:t>
             </a:fld>
             <a:endParaRPr lang="en-US"/>
           </a:p>
@@ -7933,7 +8190,7 @@
           </a:ln>
           <a:extLst>
             <a:ext uri="{C572A759-6A51-4108-AA02-DFA0A04FC94B}">
-              <ma14:wrappingTextBoxFlag xmlns:ma14="http://schemas.microsoft.com/office/mac/drawingml/2011/main" xmlns="" val="1"/>
+              <ma14:wrappingTextBoxFlag xmlns="" xmlns:ma14="http://schemas.microsoft.com/office/mac/drawingml/2011/main" val="1"/>
             </a:ext>
           </a:extLst>
         </p:spPr>
@@ -8127,7 +8384,7 @@
           <a:p>
             <a:fld id="{97EF81AB-0984-4A53-A1A0-D4D18D764F0C}" type="datetimeFigureOut">
               <a:rPr lang="en-US" smtClean="0"/>
-              <a:t>2/20/2019</a:t>
+              <a:t>2/21/2019</a:t>
             </a:fld>
             <a:endParaRPr lang="en-US"/>
           </a:p>
@@ -8372,7 +8629,7 @@
           <a:p>
             <a:fld id="{97EF81AB-0984-4A53-A1A0-D4D18D764F0C}" type="datetimeFigureOut">
               <a:rPr lang="en-US" smtClean="0"/>
-              <a:t>2/20/2019</a:t>
+              <a:t>2/21/2019</a:t>
             </a:fld>
             <a:endParaRPr lang="en-US"/>
           </a:p>
@@ -8601,7 +8858,7 @@
           <a:p>
             <a:fld id="{97EF81AB-0984-4A53-A1A0-D4D18D764F0C}" type="datetimeFigureOut">
               <a:rPr lang="en-US" smtClean="0"/>
-              <a:t>2/20/2019</a:t>
+              <a:t>2/21/2019</a:t>
             </a:fld>
             <a:endParaRPr lang="en-US"/>
           </a:p>
@@ -8965,7 +9222,7 @@
           <a:p>
             <a:fld id="{97EF81AB-0984-4A53-A1A0-D4D18D764F0C}" type="datetimeFigureOut">
               <a:rPr lang="en-US" smtClean="0"/>
-              <a:t>2/20/2019</a:t>
+              <a:t>2/21/2019</a:t>
             </a:fld>
             <a:endParaRPr lang="en-US"/>
           </a:p>
@@ -9082,7 +9339,7 @@
           <a:p>
             <a:fld id="{97EF81AB-0984-4A53-A1A0-D4D18D764F0C}" type="datetimeFigureOut">
               <a:rPr lang="en-US" smtClean="0"/>
-              <a:t>2/20/2019</a:t>
+              <a:t>2/21/2019</a:t>
             </a:fld>
             <a:endParaRPr lang="en-US"/>
           </a:p>
@@ -9177,7 +9434,7 @@
           <a:p>
             <a:fld id="{97EF81AB-0984-4A53-A1A0-D4D18D764F0C}" type="datetimeFigureOut">
               <a:rPr lang="en-US" smtClean="0"/>
-              <a:t>2/20/2019</a:t>
+              <a:t>2/21/2019</a:t>
             </a:fld>
             <a:endParaRPr lang="en-US"/>
           </a:p>
@@ -9452,7 +9709,7 @@
           <a:p>
             <a:fld id="{97EF81AB-0984-4A53-A1A0-D4D18D764F0C}" type="datetimeFigureOut">
               <a:rPr lang="en-US" smtClean="0"/>
-              <a:t>2/20/2019</a:t>
+              <a:t>2/21/2019</a:t>
             </a:fld>
             <a:endParaRPr lang="en-US"/>
           </a:p>
@@ -9704,7 +9961,7 @@
           <a:p>
             <a:fld id="{97EF81AB-0984-4A53-A1A0-D4D18D764F0C}" type="datetimeFigureOut">
               <a:rPr lang="en-US" smtClean="0"/>
-              <a:t>2/20/2019</a:t>
+              <a:t>2/21/2019</a:t>
             </a:fld>
             <a:endParaRPr lang="en-US"/>
           </a:p>
@@ -9915,7 +10172,7 @@
           <a:p>
             <a:fld id="{97EF81AB-0984-4A53-A1A0-D4D18D764F0C}" type="datetimeFigureOut">
               <a:rPr lang="en-US" smtClean="0"/>
-              <a:t>2/20/2019</a:t>
+              <a:t>2/21/2019</a:t>
             </a:fld>
             <a:endParaRPr lang="en-US"/>
           </a:p>
@@ -10864,7 +11121,20 @@
           <a:bodyPr/>
           <a:lstStyle/>
           <a:p>
-            <a:endParaRPr lang="en-US" dirty="0"/>
+            <a:pPr marL="0" indent="0">
+              <a:buNone/>
+            </a:pPr>
+            <a:r>
+              <a:rPr lang="en-US" b="1" dirty="0">
+                <a:solidFill>
+                  <a:schemeClr val="tx1">
+                    <a:lumMod val="50000"/>
+                    <a:lumOff val="50000"/>
+                  </a:schemeClr>
+                </a:solidFill>
+              </a:rPr>
+              <a:t>Azure VM</a:t>
+            </a:r>
           </a:p>
         </p:txBody>
       </p:sp>
@@ -10979,6 +11249,9 @@
           </a:bodyPr>
           <a:lstStyle/>
           <a:p>
+            <a:pPr marL="0" indent="0">
+              <a:buNone/>
+            </a:pPr>
             <a:r>
               <a:rPr lang="en-US" b="1" dirty="0">
                 <a:solidFill>
@@ -10988,7 +11261,7 @@
                   </a:schemeClr>
                 </a:solidFill>
               </a:rPr>
-              <a:t>Azure Web App Multi-region</a:t>
+              <a:t>Azure Web App Multi-Region</a:t>
             </a:r>
           </a:p>
         </p:txBody>
@@ -11058,7 +11331,7 @@
           <p:cNvPr id="2" name="Title 1">
             <a:extLst>
               <a:ext uri="{FF2B5EF4-FFF2-40B4-BE49-F238E27FC236}">
-                <a16:creationId xmlns:a16="http://schemas.microsoft.com/office/drawing/2014/main" id="{5FF0D4D1-A9A6-4688-91F5-9FD469F2BAFE}"/>
+                <a16:creationId xmlns:a16="http://schemas.microsoft.com/office/drawing/2014/main" id="{4294E8BB-1F44-B946-B118-6C380D7CE8F0}"/>
               </a:ext>
             </a:extLst>
           </p:cNvPr>
@@ -11069,14 +11342,41 @@
             <p:ph type="title"/>
           </p:nvPr>
         </p:nvSpPr>
-        <p:spPr/>
+        <p:spPr>
+          <a:solidFill>
+            <a:schemeClr val="accent1"/>
+          </a:solidFill>
+          <a:ln>
+            <a:noFill/>
+          </a:ln>
+        </p:spPr>
+        <p:style>
+          <a:lnRef idx="2">
+            <a:schemeClr val="accent1">
+              <a:shade val="50000"/>
+            </a:schemeClr>
+          </a:lnRef>
+          <a:fillRef idx="1">
+            <a:schemeClr val="accent1"/>
+          </a:fillRef>
+          <a:effectRef idx="0">
+            <a:schemeClr val="accent1"/>
+          </a:effectRef>
+          <a:fontRef idx="minor">
+            <a:schemeClr val="lt1"/>
+          </a:fontRef>
+        </p:style>
         <p:txBody>
-          <a:bodyPr/>
+          <a:bodyPr rtlCol="0" anchor="ctr">
+            <a:normAutofit/>
+          </a:bodyPr>
           <a:lstStyle/>
           <a:p>
             <a:r>
-              <a:rPr lang="en-US" dirty="0"/>
-              <a:t>Thank you! Slide here</a:t>
+              <a:rPr lang="en-US" sz="6600" dirty="0">
+                <a:latin typeface="Segoe UI Light" panose="020B0502040204020203" pitchFamily="34" charset="0"/>
+              </a:rPr>
+              <a:t>References</a:t>
             </a:r>
           </a:p>
         </p:txBody>
@@ -11086,7 +11386,7 @@
           <p:cNvPr id="3" name="Content Placeholder 2">
             <a:extLst>
               <a:ext uri="{FF2B5EF4-FFF2-40B4-BE49-F238E27FC236}">
-                <a16:creationId xmlns:a16="http://schemas.microsoft.com/office/drawing/2014/main" id="{67E84621-CB01-4633-B3A4-52E7E43A6576}"/>
+                <a16:creationId xmlns:a16="http://schemas.microsoft.com/office/drawing/2014/main" id="{FBAEBF28-FA93-467E-9293-50C98CEAF91D}"/>
               </a:ext>
             </a:extLst>
           </p:cNvPr>
@@ -11102,14 +11402,218 @@
           <a:bodyPr/>
           <a:lstStyle/>
           <a:p>
-            <a:endParaRPr lang="en-US"/>
+            <a:pPr marL="0" indent="0">
+              <a:buNone/>
+            </a:pPr>
+            <a:endParaRPr lang="en-US" dirty="0">
+              <a:hlinkClick r:id="rId3"/>
+            </a:endParaRPr>
+          </a:p>
+          <a:p>
+            <a:r>
+              <a:rPr lang="en-US" dirty="0">
+                <a:hlinkClick r:id="rId3"/>
+              </a:rPr>
+              <a:t>Microsoft cloud IT architecture resources</a:t>
+            </a:r>
+            <a:endParaRPr lang="en-US" dirty="0"/>
+          </a:p>
+          <a:p>
+            <a:r>
+              <a:rPr lang="en-US" dirty="0">
+                <a:hlinkClick r:id="rId4"/>
+              </a:rPr>
+              <a:t>Azure Reference Architectures</a:t>
+            </a:r>
+            <a:endParaRPr lang="en-US" dirty="0"/>
+          </a:p>
+          <a:p>
+            <a:r>
+              <a:rPr lang="en-US" dirty="0">
+                <a:hlinkClick r:id="rId5"/>
+              </a:rPr>
+              <a:t>Azure Virtual Datacenter and the Enterprise Control Plane</a:t>
+            </a:r>
+            <a:endParaRPr lang="en-US" dirty="0"/>
+          </a:p>
+          <a:p>
+            <a:r>
+              <a:rPr lang="en-US" dirty="0">
+                <a:hlinkClick r:id="rId6"/>
+              </a:rPr>
+              <a:t>Microsoft Cloud Adoption Framework for Azure</a:t>
+            </a:r>
+            <a:endParaRPr lang="en-US" dirty="0"/>
+          </a:p>
+          <a:p>
+            <a:r>
+              <a:rPr lang="en-US" dirty="0">
+                <a:hlinkClick r:id="rId7"/>
+              </a:rPr>
+              <a:t>Azure subscription and service limits, quotas, and constraints</a:t>
+            </a:r>
+            <a:endParaRPr lang="en-US" dirty="0"/>
+          </a:p>
+          <a:p>
+            <a:r>
+              <a:rPr lang="en-US" dirty="0">
+                <a:hlinkClick r:id="rId8"/>
+              </a:rPr>
+              <a:t>Terraform on Azure - Labs</a:t>
+            </a:r>
+            <a:endParaRPr lang="en-US" dirty="0"/>
           </a:p>
         </p:txBody>
       </p:sp>
     </p:spTree>
     <p:extLst>
       <p:ext uri="{BB962C8B-B14F-4D97-AF65-F5344CB8AC3E}">
-        <p14:creationId xmlns:p14="http://schemas.microsoft.com/office/powerpoint/2010/main" val="2856504776"/>
+        <p14:creationId xmlns:p14="http://schemas.microsoft.com/office/powerpoint/2010/main" val="1457540026"/>
+      </p:ext>
+    </p:extLst>
+  </p:cSld>
+  <p:clrMapOvr>
+    <a:masterClrMapping/>
+  </p:clrMapOvr>
+</p:sld>
+</file>
+
+<file path=ppt/slides/slide14.xml><?xml version="1.0" encoding="utf-8"?>
+<p:sld xmlns:a="http://schemas.openxmlformats.org/drawingml/2006/main" xmlns:r="http://schemas.openxmlformats.org/officeDocument/2006/relationships" xmlns:p="http://schemas.openxmlformats.org/presentationml/2006/main">
+  <p:cSld>
+    <p:spTree>
+      <p:nvGrpSpPr>
+        <p:cNvPr id="1" name=""/>
+        <p:cNvGrpSpPr/>
+        <p:nvPr/>
+      </p:nvGrpSpPr>
+      <p:grpSpPr>
+        <a:xfrm>
+          <a:off x="0" y="0"/>
+          <a:ext cx="0" cy="0"/>
+          <a:chOff x="0" y="0"/>
+          <a:chExt cx="0" cy="0"/>
+        </a:xfrm>
+      </p:grpSpPr>
+      <p:pic>
+        <p:nvPicPr>
+          <p:cNvPr id="4" name="Picture 3">
+            <a:extLst>
+              <a:ext uri="{FF2B5EF4-FFF2-40B4-BE49-F238E27FC236}">
+                <a16:creationId xmlns:a16="http://schemas.microsoft.com/office/drawing/2014/main" id="{7674AE76-1481-4C72-90CD-20387B6B35F1}"/>
+              </a:ext>
+            </a:extLst>
+          </p:cNvPr>
+          <p:cNvPicPr>
+            <a:picLocks noChangeAspect="1"/>
+          </p:cNvPicPr>
+          <p:nvPr/>
+        </p:nvPicPr>
+        <p:blipFill>
+          <a:blip r:embed="rId3"/>
+          <a:stretch>
+            <a:fillRect/>
+          </a:stretch>
+        </p:blipFill>
+        <p:spPr>
+          <a:xfrm>
+            <a:off x="0" y="0"/>
+            <a:ext cx="12234203" cy="6858000"/>
+          </a:xfrm>
+          <a:prstGeom prst="rect">
+            <a:avLst/>
+          </a:prstGeom>
+          <a:solidFill>
+            <a:srgbClr val="00B0F0"/>
+          </a:solidFill>
+        </p:spPr>
+      </p:pic>
+      <p:sp>
+        <p:nvSpPr>
+          <p:cNvPr id="5" name="TextBox 4">
+            <a:extLst>
+              <a:ext uri="{FF2B5EF4-FFF2-40B4-BE49-F238E27FC236}">
+                <a16:creationId xmlns:a16="http://schemas.microsoft.com/office/drawing/2014/main" id="{D41D8EB6-A7CA-4D53-AFD2-2FB925CFEF86}"/>
+              </a:ext>
+            </a:extLst>
+          </p:cNvPr>
+          <p:cNvSpPr txBox="1"/>
+          <p:nvPr/>
+        </p:nvSpPr>
+        <p:spPr>
+          <a:xfrm>
+            <a:off x="0" y="0"/>
+            <a:ext cx="12110519" cy="769441"/>
+          </a:xfrm>
+          <a:prstGeom prst="rect">
+            <a:avLst/>
+          </a:prstGeom>
+          <a:noFill/>
+        </p:spPr>
+        <p:txBody>
+          <a:bodyPr wrap="square" rtlCol="0">
+            <a:spAutoFit/>
+          </a:bodyPr>
+          <a:lstStyle/>
+          <a:p>
+            <a:r>
+              <a:rPr lang="en-US" sz="4400" dirty="0">
+                <a:solidFill>
+                  <a:schemeClr val="bg1"/>
+                </a:solidFill>
+                <a:latin typeface="Segoe UI Light" panose="020B0502040204020203" pitchFamily="34" charset="0"/>
+                <a:cs typeface="Segoe UI Light" panose="020B0502040204020203" pitchFamily="34" charset="0"/>
+              </a:rPr>
+              <a:t>Multi-cloud Orchestration with Terraform</a:t>
+            </a:r>
+          </a:p>
+        </p:txBody>
+      </p:sp>
+      <p:sp>
+        <p:nvSpPr>
+          <p:cNvPr id="6" name="TextBox 5">
+            <a:extLst>
+              <a:ext uri="{FF2B5EF4-FFF2-40B4-BE49-F238E27FC236}">
+                <a16:creationId xmlns:a16="http://schemas.microsoft.com/office/drawing/2014/main" id="{F3309996-6338-4E32-AB4F-1B9DAB10B100}"/>
+              </a:ext>
+            </a:extLst>
+          </p:cNvPr>
+          <p:cNvSpPr txBox="1"/>
+          <p:nvPr/>
+        </p:nvSpPr>
+        <p:spPr>
+          <a:xfrm>
+            <a:off x="107951" y="5314950"/>
+            <a:ext cx="3505200" cy="769441"/>
+          </a:xfrm>
+          <a:prstGeom prst="rect">
+            <a:avLst/>
+          </a:prstGeom>
+          <a:noFill/>
+        </p:spPr>
+        <p:txBody>
+          <a:bodyPr wrap="square" rtlCol="0">
+            <a:spAutoFit/>
+          </a:bodyPr>
+          <a:lstStyle/>
+          <a:p>
+            <a:r>
+              <a:rPr lang="en-US" sz="4400" dirty="0">
+                <a:solidFill>
+                  <a:schemeClr val="bg1"/>
+                </a:solidFill>
+                <a:latin typeface="Segoe UI Light" panose="020B0502040204020203" pitchFamily="34" charset="0"/>
+                <a:cs typeface="Segoe UI Light" panose="020B0502040204020203" pitchFamily="34" charset="0"/>
+              </a:rPr>
+              <a:t>Thank you!</a:t>
+            </a:r>
+          </a:p>
+        </p:txBody>
+      </p:sp>
+    </p:spTree>
+    <p:extLst>
+      <p:ext uri="{BB962C8B-B14F-4D97-AF65-F5344CB8AC3E}">
+        <p14:creationId xmlns:p14="http://schemas.microsoft.com/office/powerpoint/2010/main" val="2612142866"/>
       </p:ext>
     </p:extLst>
   </p:cSld>
@@ -11136,63 +11640,137 @@
           <a:chExt cx="0" cy="0"/>
         </a:xfrm>
       </p:grpSpPr>
-      <p:sp>
-        <p:nvSpPr>
-          <p:cNvPr id="2" name="Title 1">
+      <p:pic>
+        <p:nvPicPr>
+          <p:cNvPr id="4" name="Picture 3">
             <a:extLst>
               <a:ext uri="{FF2B5EF4-FFF2-40B4-BE49-F238E27FC236}">
-                <a16:creationId xmlns:a16="http://schemas.microsoft.com/office/drawing/2014/main" id="{E688005E-CFE0-461D-96E1-27B008201924}"/>
+                <a16:creationId xmlns:a16="http://schemas.microsoft.com/office/drawing/2014/main" id="{7674AE76-1481-4C72-90CD-20387B6B35F1}"/>
               </a:ext>
             </a:extLst>
           </p:cNvPr>
-          <p:cNvSpPr>
-            <a:spLocks noGrp="1"/>
-          </p:cNvSpPr>
-          <p:nvPr>
-            <p:ph type="title"/>
-          </p:nvPr>
+          <p:cNvPicPr>
+            <a:picLocks noChangeAspect="1"/>
+          </p:cNvPicPr>
+          <p:nvPr/>
+        </p:nvPicPr>
+        <p:blipFill>
+          <a:blip r:embed="rId3"/>
+          <a:stretch>
+            <a:fillRect/>
+          </a:stretch>
+        </p:blipFill>
+        <p:spPr>
+          <a:xfrm>
+            <a:off x="0" y="0"/>
+            <a:ext cx="12234203" cy="6858000"/>
+          </a:xfrm>
+          <a:prstGeom prst="rect">
+            <a:avLst/>
+          </a:prstGeom>
+          <a:solidFill>
+            <a:srgbClr val="00B0F0"/>
+          </a:solidFill>
+        </p:spPr>
+      </p:pic>
+      <p:sp>
+        <p:nvSpPr>
+          <p:cNvPr id="5" name="TextBox 4">
+            <a:extLst>
+              <a:ext uri="{FF2B5EF4-FFF2-40B4-BE49-F238E27FC236}">
+                <a16:creationId xmlns:a16="http://schemas.microsoft.com/office/drawing/2014/main" id="{D41D8EB6-A7CA-4D53-AFD2-2FB925CFEF86}"/>
+              </a:ext>
+            </a:extLst>
+          </p:cNvPr>
+          <p:cNvSpPr txBox="1"/>
+          <p:nvPr/>
         </p:nvSpPr>
-        <p:spPr/>
+        <p:spPr>
+          <a:xfrm>
+            <a:off x="-1" y="0"/>
+            <a:ext cx="11950701" cy="769441"/>
+          </a:xfrm>
+          <a:prstGeom prst="rect">
+            <a:avLst/>
+          </a:prstGeom>
+          <a:noFill/>
+        </p:spPr>
         <p:txBody>
-          <a:bodyPr/>
+          <a:bodyPr wrap="square" rtlCol="0">
+            <a:spAutoFit/>
+          </a:bodyPr>
           <a:lstStyle/>
           <a:p>
             <a:r>
-              <a:rPr lang="en-US" dirty="0"/>
-              <a:t>Add slide Vandy  / Cenk Introduction</a:t>
+              <a:rPr lang="en-US" sz="4400" dirty="0">
+                <a:solidFill>
+                  <a:schemeClr val="bg1"/>
+                </a:solidFill>
+                <a:latin typeface="Segoe UI Light" panose="020B0502040204020203" pitchFamily="34" charset="0"/>
+                <a:cs typeface="Segoe UI Light" panose="020B0502040204020203" pitchFamily="34" charset="0"/>
+              </a:rPr>
+              <a:t>US National CSA Team</a:t>
             </a:r>
           </a:p>
         </p:txBody>
       </p:sp>
       <p:sp>
         <p:nvSpPr>
-          <p:cNvPr id="3" name="Content Placeholder 2">
+          <p:cNvPr id="6" name="TextBox 5">
             <a:extLst>
               <a:ext uri="{FF2B5EF4-FFF2-40B4-BE49-F238E27FC236}">
-                <a16:creationId xmlns:a16="http://schemas.microsoft.com/office/drawing/2014/main" id="{E2ABA83E-7055-4C7D-8DA5-0113141E8C6B}"/>
+                <a16:creationId xmlns:a16="http://schemas.microsoft.com/office/drawing/2014/main" id="{8F8CFCA6-6AAC-4078-84C9-CF36EEF3A253}"/>
               </a:ext>
             </a:extLst>
           </p:cNvPr>
-          <p:cNvSpPr>
-            <a:spLocks noGrp="1"/>
-          </p:cNvSpPr>
-          <p:nvPr>
-            <p:ph idx="1"/>
-          </p:nvPr>
+          <p:cNvSpPr txBox="1"/>
+          <p:nvPr/>
         </p:nvSpPr>
-        <p:spPr/>
+        <p:spPr>
+          <a:xfrm>
+            <a:off x="0" y="5257800"/>
+            <a:ext cx="12026900" cy="1446550"/>
+          </a:xfrm>
+          <a:prstGeom prst="rect">
+            <a:avLst/>
+          </a:prstGeom>
+          <a:noFill/>
+        </p:spPr>
         <p:txBody>
-          <a:bodyPr/>
+          <a:bodyPr wrap="square" rtlCol="0">
+            <a:spAutoFit/>
+          </a:bodyPr>
           <a:lstStyle/>
           <a:p>
-            <a:endParaRPr lang="en-US"/>
+            <a:r>
+              <a:rPr lang="en-US" sz="4400" dirty="0">
+                <a:solidFill>
+                  <a:schemeClr val="bg1"/>
+                </a:solidFill>
+                <a:latin typeface="Segoe UI Light" panose="020B0502040204020203" pitchFamily="34" charset="0"/>
+                <a:cs typeface="Segoe UI Light" panose="020B0502040204020203" pitchFamily="34" charset="0"/>
+              </a:rPr>
+              <a:t>Vandy Rodrigues</a:t>
+            </a:r>
+          </a:p>
+          <a:p>
+            <a:r>
+              <a:rPr lang="en-US" sz="4400" dirty="0">
+                <a:solidFill>
+                  <a:schemeClr val="bg1"/>
+                </a:solidFill>
+                <a:latin typeface="Segoe UI Light" panose="020B0502040204020203" pitchFamily="34" charset="0"/>
+                <a:cs typeface="Segoe UI Light" panose="020B0502040204020203" pitchFamily="34" charset="0"/>
+              </a:rPr>
+              <a:t>Cenk Caglar</a:t>
+            </a:r>
           </a:p>
         </p:txBody>
       </p:sp>
     </p:spTree>
     <p:extLst>
       <p:ext uri="{BB962C8B-B14F-4D97-AF65-F5344CB8AC3E}">
-        <p14:creationId xmlns:p14="http://schemas.microsoft.com/office/powerpoint/2010/main" val="3681923"/>
+        <p14:creationId xmlns:p14="http://schemas.microsoft.com/office/powerpoint/2010/main" val="795180667"/>
       </p:ext>
     </p:extLst>
   </p:cSld>
@@ -11724,7 +12302,7 @@
           </a:prstGeom>
           <a:extLst>
             <a:ext uri="{C572A759-6A51-4108-AA02-DFA0A04FC94B}">
-              <ma14:wrappingTextBoxFlag xmlns:ma14="http://schemas.microsoft.com/office/mac/drawingml/2011/main" xmlns="" val="1"/>
+              <ma14:wrappingTextBoxFlag xmlns="" xmlns:ma14="http://schemas.microsoft.com/office/mac/drawingml/2011/main" val="1"/>
             </a:ext>
           </a:extLst>
         </p:spPr>
@@ -12191,7 +12769,7 @@
           </a:effectLst>
           <a:extLst>
             <a:ext uri="{C572A759-6A51-4108-AA02-DFA0A04FC94B}">
-              <ma14:wrappingTextBoxFlag xmlns:ma14="http://schemas.microsoft.com/office/mac/drawingml/2011/main" xmlns="" val="1"/>
+              <ma14:wrappingTextBoxFlag xmlns="" xmlns:ma14="http://schemas.microsoft.com/office/mac/drawingml/2011/main" val="1"/>
             </a:ext>
           </a:extLst>
         </p:spPr>
@@ -12293,7 +12871,7 @@
           </a:effectLst>
           <a:extLst>
             <a:ext uri="{C572A759-6A51-4108-AA02-DFA0A04FC94B}">
-              <ma14:wrappingTextBoxFlag xmlns:ma14="http://schemas.microsoft.com/office/mac/drawingml/2011/main" xmlns="" val="1"/>
+              <ma14:wrappingTextBoxFlag xmlns="" xmlns:ma14="http://schemas.microsoft.com/office/mac/drawingml/2011/main" val="1"/>
             </a:ext>
           </a:extLst>
         </p:spPr>
@@ -12342,7 +12920,7 @@
           </a:ln>
           <a:extLst>
             <a:ext uri="{C572A759-6A51-4108-AA02-DFA0A04FC94B}">
-              <ma14:wrappingTextBoxFlag xmlns:ma14="http://schemas.microsoft.com/office/mac/drawingml/2011/main" xmlns="" val="1"/>
+              <ma14:wrappingTextBoxFlag xmlns="" xmlns:ma14="http://schemas.microsoft.com/office/mac/drawingml/2011/main" val="1"/>
             </a:ext>
           </a:extLst>
         </p:spPr>
@@ -12652,7 +13230,7 @@
           </a:ln>
           <a:extLst>
             <a:ext uri="{C572A759-6A51-4108-AA02-DFA0A04FC94B}">
-              <ma14:wrappingTextBoxFlag xmlns:ma14="http://schemas.microsoft.com/office/mac/drawingml/2011/main" xmlns="" val="1"/>
+              <ma14:wrappingTextBoxFlag xmlns="" xmlns:ma14="http://schemas.microsoft.com/office/mac/drawingml/2011/main" val="1"/>
             </a:ext>
           </a:extLst>
         </p:spPr>
@@ -12706,7 +13284,7 @@
           </a:ln>
           <a:extLst>
             <a:ext uri="{C572A759-6A51-4108-AA02-DFA0A04FC94B}">
-              <ma14:wrappingTextBoxFlag xmlns:ma14="http://schemas.microsoft.com/office/mac/drawingml/2011/main" xmlns="" val="1"/>
+              <ma14:wrappingTextBoxFlag xmlns="" xmlns:ma14="http://schemas.microsoft.com/office/mac/drawingml/2011/main" val="1"/>
             </a:ext>
           </a:extLst>
         </p:spPr>
@@ -12789,7 +13367,7 @@
           </a:ln>
           <a:extLst>
             <a:ext uri="{C572A759-6A51-4108-AA02-DFA0A04FC94B}">
-              <ma14:wrappingTextBoxFlag xmlns:ma14="http://schemas.microsoft.com/office/mac/drawingml/2011/main" xmlns="" val="1"/>
+              <ma14:wrappingTextBoxFlag xmlns="" xmlns:ma14="http://schemas.microsoft.com/office/mac/drawingml/2011/main" val="1"/>
             </a:ext>
           </a:extLst>
         </p:spPr>
@@ -15390,13 +15968,12 @@
 </file>
 
 <file path=customXml/item1.xml><?xml version="1.0" encoding="utf-8"?>
-<p:properties xmlns:p="http://schemas.microsoft.com/office/2006/metadata/properties" xmlns:xsi="http://www.w3.org/2001/XMLSchema-instance" xmlns:pc="http://schemas.microsoft.com/office/infopath/2007/PartnerControls">
-  <documentManagement>
-    <_ip_UnifiedCompliancePolicyUIAction xmlns="http://schemas.microsoft.com/sharepoint/v3" xsi:nil="true"/>
-    <_ip_UnifiedCompliancePolicyProperties xmlns="http://schemas.microsoft.com/sharepoint/v3" xsi:nil="true"/>
-    <MediaServiceKeyPoints xmlns="36984313-f623-41bb-a65c-16a37d29f6f8" xsi:nil="true"/>
-  </documentManagement>
-</p:properties>
+<?mso-contentType ?>
+<FormTemplates xmlns="http://schemas.microsoft.com/sharepoint/v3/contenttype/forms">
+  <Display>DocumentLibraryForm</Display>
+  <Edit>DocumentLibraryForm</Edit>
+  <New>DocumentLibraryForm</New>
+</FormTemplates>
 </file>
 
 <file path=customXml/item2.xml><?xml version="1.0" encoding="utf-8"?>
@@ -15610,28 +16187,19 @@
 </file>
 
 <file path=customXml/item3.xml><?xml version="1.0" encoding="utf-8"?>
-<?mso-contentType ?>
-<FormTemplates xmlns="http://schemas.microsoft.com/sharepoint/v3/contenttype/forms">
-  <Display>DocumentLibraryForm</Display>
-  <Edit>DocumentLibraryForm</Edit>
-  <New>DocumentLibraryForm</New>
-</FormTemplates>
+<p:properties xmlns:p="http://schemas.microsoft.com/office/2006/metadata/properties" xmlns:xsi="http://www.w3.org/2001/XMLSchema-instance" xmlns:pc="http://schemas.microsoft.com/office/infopath/2007/PartnerControls">
+  <documentManagement>
+    <_ip_UnifiedCompliancePolicyUIAction xmlns="http://schemas.microsoft.com/sharepoint/v3" xsi:nil="true"/>
+    <_ip_UnifiedCompliancePolicyProperties xmlns="http://schemas.microsoft.com/sharepoint/v3" xsi:nil="true"/>
+    <MediaServiceKeyPoints xmlns="36984313-f623-41bb-a65c-16a37d29f6f8" xsi:nil="true"/>
+  </documentManagement>
+</p:properties>
 </file>
 
 <file path=customXml/itemProps1.xml><?xml version="1.0" encoding="utf-8"?>
-<ds:datastoreItem xmlns:ds="http://schemas.openxmlformats.org/officeDocument/2006/customXml" ds:itemID="{5937D4A4-7B08-4DC9-8876-2CFC31085D37}">
+<ds:datastoreItem xmlns:ds="http://schemas.openxmlformats.org/officeDocument/2006/customXml" ds:itemID="{A5C48E5E-7CC6-49B1-BEEB-92F78CA821FC}">
   <ds:schemaRefs>
-    <ds:schemaRef ds:uri="fa40b356-8329-45cf-bdd1-8a6639dbec32"/>
-    <ds:schemaRef ds:uri="http://schemas.microsoft.com/sharepoint/v3"/>
-    <ds:schemaRef ds:uri="http://purl.org/dc/terms/"/>
-    <ds:schemaRef ds:uri="http://schemas.openxmlformats.org/package/2006/metadata/core-properties"/>
-    <ds:schemaRef ds:uri="http://schemas.microsoft.com/office/2006/documentManagement/types"/>
-    <ds:schemaRef ds:uri="http://schemas.microsoft.com/office/infopath/2007/PartnerControls"/>
-    <ds:schemaRef ds:uri="http://purl.org/dc/elements/1.1/"/>
-    <ds:schemaRef ds:uri="http://schemas.microsoft.com/office/2006/metadata/properties"/>
-    <ds:schemaRef ds:uri="36984313-f623-41bb-a65c-16a37d29f6f8"/>
-    <ds:schemaRef ds:uri="http://www.w3.org/XML/1998/namespace"/>
-    <ds:schemaRef ds:uri="http://purl.org/dc/dcmitype/"/>
+    <ds:schemaRef ds:uri="http://schemas.microsoft.com/sharepoint/v3/contenttype/forms"/>
   </ds:schemaRefs>
 </ds:datastoreItem>
 </file>
@@ -15657,9 +16225,19 @@
 </file>
 
 <file path=customXml/itemProps3.xml><?xml version="1.0" encoding="utf-8"?>
-<ds:datastoreItem xmlns:ds="http://schemas.openxmlformats.org/officeDocument/2006/customXml" ds:itemID="{A5C48E5E-7CC6-49B1-BEEB-92F78CA821FC}">
+<ds:datastoreItem xmlns:ds="http://schemas.openxmlformats.org/officeDocument/2006/customXml" ds:itemID="{5937D4A4-7B08-4DC9-8876-2CFC31085D37}">
   <ds:schemaRefs>
-    <ds:schemaRef ds:uri="http://schemas.microsoft.com/sharepoint/v3/contenttype/forms"/>
+    <ds:schemaRef ds:uri="fa40b356-8329-45cf-bdd1-8a6639dbec32"/>
+    <ds:schemaRef ds:uri="http://schemas.microsoft.com/sharepoint/v3"/>
+    <ds:schemaRef ds:uri="http://purl.org/dc/terms/"/>
+    <ds:schemaRef ds:uri="http://schemas.openxmlformats.org/package/2006/metadata/core-properties"/>
+    <ds:schemaRef ds:uri="http://schemas.microsoft.com/office/2006/documentManagement/types"/>
+    <ds:schemaRef ds:uri="http://schemas.microsoft.com/office/infopath/2007/PartnerControls"/>
+    <ds:schemaRef ds:uri="http://purl.org/dc/elements/1.1/"/>
+    <ds:schemaRef ds:uri="http://schemas.microsoft.com/office/2006/metadata/properties"/>
+    <ds:schemaRef ds:uri="36984313-f623-41bb-a65c-16a37d29f6f8"/>
+    <ds:schemaRef ds:uri="http://www.w3.org/XML/1998/namespace"/>
+    <ds:schemaRef ds:uri="http://purl.org/dc/dcmitype/"/>
   </ds:schemaRefs>
 </ds:datastoreItem>
 </file>
--- a/Multi-cloud Orchestration with Terraform.pptx
+++ b/Multi-cloud Orchestration with Terraform.pptx
@@ -131,9 +131,241 @@
 <file path=ppt/revisionInfo.xml><?xml version="1.0" encoding="utf-8"?>
 <p1510:revInfo xmlns:a="http://schemas.openxmlformats.org/drawingml/2006/main" xmlns:r="http://schemas.openxmlformats.org/officeDocument/2006/relationships" xmlns:p1510="http://schemas.microsoft.com/office/powerpoint/2015/10/main">
   <p1510:revLst>
-    <p1510:client id="{AD25AAB3-A467-488F-9D27-D2AEF867988E}" v="1" dt="2019-02-07T05:03:44.251"/>
+    <p1510:client id="{3D8DE031-40C8-473F-B44F-D832F2065553}" v="235" dt="2019-02-25T01:00:46.476"/>
   </p1510:revLst>
 </p1510:revInfo>
+</file>
+
+<file path=ppt/changesInfos/changesInfo1.xml><?xml version="1.0" encoding="utf-8"?>
+<pc:chgInfo xmlns:a="http://schemas.openxmlformats.org/drawingml/2006/main" xmlns:r="http://schemas.openxmlformats.org/officeDocument/2006/relationships" xmlns:ac="http://schemas.microsoft.com/office/drawing/2013/main/command" xmlns:pc="http://schemas.microsoft.com/office/powerpoint/2013/main/command">
+  <pc:docChgLst>
+    <pc:chgData name="Cenk Caglar" userId="67723780-3e8d-4f91-955b-262c862f308d" providerId="ADAL" clId="{3D8DE031-40C8-473F-B44F-D832F2065553}"/>
+    <pc:docChg chg="modSld">
+      <pc:chgData name="Cenk Caglar" userId="67723780-3e8d-4f91-955b-262c862f308d" providerId="ADAL" clId="{3D8DE031-40C8-473F-B44F-D832F2065553}" dt="2019-02-25T01:00:46.476" v="234"/>
+      <pc:docMkLst>
+        <pc:docMk/>
+      </pc:docMkLst>
+      <pc:sldChg chg="addSp delSp modSp modTransition">
+        <pc:chgData name="Cenk Caglar" userId="67723780-3e8d-4f91-955b-262c862f308d" providerId="ADAL" clId="{3D8DE031-40C8-473F-B44F-D832F2065553}" dt="2019-02-25T01:00:46.476" v="234"/>
+        <pc:sldMkLst>
+          <pc:docMk/>
+          <pc:sldMk cId="0" sldId="277"/>
+        </pc:sldMkLst>
+        <pc:spChg chg="add mod">
+          <ac:chgData name="Cenk Caglar" userId="67723780-3e8d-4f91-955b-262c862f308d" providerId="ADAL" clId="{3D8DE031-40C8-473F-B44F-D832F2065553}" dt="2019-02-25T01:00:00.068" v="231" actId="207"/>
+          <ac:spMkLst>
+            <pc:docMk/>
+            <pc:sldMk cId="0" sldId="277"/>
+            <ac:spMk id="2" creationId="{E7666414-0E17-4A28-ACDB-2604002B6B13}"/>
+          </ac:spMkLst>
+        </pc:spChg>
+        <pc:spChg chg="add">
+          <ac:chgData name="Cenk Caglar" userId="67723780-3e8d-4f91-955b-262c862f308d" providerId="ADAL" clId="{3D8DE031-40C8-473F-B44F-D832F2065553}" dt="2019-02-25T01:00:24.738" v="232"/>
+          <ac:spMkLst>
+            <pc:docMk/>
+            <pc:sldMk cId="0" sldId="277"/>
+            <ac:spMk id="3" creationId="{F09D25B9-2BD9-4376-B9D4-132B33A01DA1}"/>
+          </ac:spMkLst>
+        </pc:spChg>
+        <pc:spChg chg="add del">
+          <ac:chgData name="Cenk Caglar" userId="67723780-3e8d-4f91-955b-262c862f308d" providerId="ADAL" clId="{3D8DE031-40C8-473F-B44F-D832F2065553}" dt="2019-02-25T00:55:56.241" v="219"/>
+          <ac:spMkLst>
+            <pc:docMk/>
+            <pc:sldMk cId="0" sldId="277"/>
+            <ac:spMk id="50" creationId="{9722D888-3AE8-40C2-BC4A-7841B77DBF5A}"/>
+          </ac:spMkLst>
+        </pc:spChg>
+        <pc:spChg chg="add del">
+          <ac:chgData name="Cenk Caglar" userId="67723780-3e8d-4f91-955b-262c862f308d" providerId="ADAL" clId="{3D8DE031-40C8-473F-B44F-D832F2065553}" dt="2019-02-25T00:56:02.015" v="221"/>
+          <ac:spMkLst>
+            <pc:docMk/>
+            <pc:sldMk cId="0" sldId="277"/>
+            <ac:spMk id="51" creationId="{BEB913BF-B0AF-4342-9D89-C98751F3D664}"/>
+          </ac:spMkLst>
+        </pc:spChg>
+        <pc:spChg chg="add del">
+          <ac:chgData name="Cenk Caglar" userId="67723780-3e8d-4f91-955b-262c862f308d" providerId="ADAL" clId="{3D8DE031-40C8-473F-B44F-D832F2065553}" dt="2019-02-25T00:56:10.459" v="223"/>
+          <ac:spMkLst>
+            <pc:docMk/>
+            <pc:sldMk cId="0" sldId="277"/>
+            <ac:spMk id="52" creationId="{399A4949-E699-4947-AE3B-76349CE8BD11}"/>
+          </ac:spMkLst>
+        </pc:spChg>
+        <pc:spChg chg="add del">
+          <ac:chgData name="Cenk Caglar" userId="67723780-3e8d-4f91-955b-262c862f308d" providerId="ADAL" clId="{3D8DE031-40C8-473F-B44F-D832F2065553}" dt="2019-02-25T00:57:05.831" v="225"/>
+          <ac:spMkLst>
+            <pc:docMk/>
+            <pc:sldMk cId="0" sldId="277"/>
+            <ac:spMk id="53" creationId="{87AAFCDB-1623-43DE-A98E-F10D0D2603B6}"/>
+          </ac:spMkLst>
+        </pc:spChg>
+        <pc:spChg chg="add del">
+          <ac:chgData name="Cenk Caglar" userId="67723780-3e8d-4f91-955b-262c862f308d" providerId="ADAL" clId="{3D8DE031-40C8-473F-B44F-D832F2065553}" dt="2019-02-25T00:57:26.999" v="227"/>
+          <ac:spMkLst>
+            <pc:docMk/>
+            <pc:sldMk cId="0" sldId="277"/>
+            <ac:spMk id="54" creationId="{29C35232-93F8-425B-8BCC-030699B55AFC}"/>
+          </ac:spMkLst>
+        </pc:spChg>
+        <pc:spChg chg="add mod">
+          <ac:chgData name="Cenk Caglar" userId="67723780-3e8d-4f91-955b-262c862f308d" providerId="ADAL" clId="{3D8DE031-40C8-473F-B44F-D832F2065553}" dt="2019-02-25T00:58:54.396" v="229"/>
+          <ac:spMkLst>
+            <pc:docMk/>
+            <pc:sldMk cId="0" sldId="277"/>
+            <ac:spMk id="55" creationId="{D0CE77DE-89B4-4762-80F5-D52D77EA13AE}"/>
+          </ac:spMkLst>
+        </pc:spChg>
+        <pc:spChg chg="add mod">
+          <ac:chgData name="Cenk Caglar" userId="67723780-3e8d-4f91-955b-262c862f308d" providerId="ADAL" clId="{3D8DE031-40C8-473F-B44F-D832F2065553}" dt="2019-02-25T01:00:46.476" v="234"/>
+          <ac:spMkLst>
+            <pc:docMk/>
+            <pc:sldMk cId="0" sldId="277"/>
+            <ac:spMk id="58" creationId="{F2CC5B90-1F6C-4FE8-9AD8-20D78B6EFFFB}"/>
+          </ac:spMkLst>
+        </pc:spChg>
+      </pc:sldChg>
+      <pc:sldChg chg="modTransition">
+        <pc:chgData name="Cenk Caglar" userId="67723780-3e8d-4f91-955b-262c862f308d" providerId="ADAL" clId="{3D8DE031-40C8-473F-B44F-D832F2065553}" dt="2019-02-25T00:51:57.671" v="211"/>
+        <pc:sldMkLst>
+          <pc:docMk/>
+          <pc:sldMk cId="1147947165" sldId="295"/>
+        </pc:sldMkLst>
+      </pc:sldChg>
+      <pc:sldChg chg="modTransition">
+        <pc:chgData name="Cenk Caglar" userId="67723780-3e8d-4f91-955b-262c862f308d" providerId="ADAL" clId="{3D8DE031-40C8-473F-B44F-D832F2065553}" dt="2019-02-25T00:51:57.671" v="211"/>
+        <pc:sldMkLst>
+          <pc:docMk/>
+          <pc:sldMk cId="4141567906" sldId="313"/>
+        </pc:sldMkLst>
+      </pc:sldChg>
+      <pc:sldChg chg="modTransition">
+        <pc:chgData name="Cenk Caglar" userId="67723780-3e8d-4f91-955b-262c862f308d" providerId="ADAL" clId="{3D8DE031-40C8-473F-B44F-D832F2065553}" dt="2019-02-25T00:51:57.671" v="211"/>
+        <pc:sldMkLst>
+          <pc:docMk/>
+          <pc:sldMk cId="1456476726" sldId="314"/>
+        </pc:sldMkLst>
+      </pc:sldChg>
+      <pc:sldChg chg="modTransition">
+        <pc:chgData name="Cenk Caglar" userId="67723780-3e8d-4f91-955b-262c862f308d" providerId="ADAL" clId="{3D8DE031-40C8-473F-B44F-D832F2065553}" dt="2019-02-25T00:51:57.671" v="211"/>
+        <pc:sldMkLst>
+          <pc:docMk/>
+          <pc:sldMk cId="4059674618" sldId="316"/>
+        </pc:sldMkLst>
+      </pc:sldChg>
+      <pc:sldChg chg="modTransition">
+        <pc:chgData name="Cenk Caglar" userId="67723780-3e8d-4f91-955b-262c862f308d" providerId="ADAL" clId="{3D8DE031-40C8-473F-B44F-D832F2065553}" dt="2019-02-25T00:51:57.671" v="211"/>
+        <pc:sldMkLst>
+          <pc:docMk/>
+          <pc:sldMk cId="1873717888" sldId="317"/>
+        </pc:sldMkLst>
+      </pc:sldChg>
+      <pc:sldChg chg="addSp modSp modTransition setBg modAnim">
+        <pc:chgData name="Cenk Caglar" userId="67723780-3e8d-4f91-955b-262c862f308d" providerId="ADAL" clId="{3D8DE031-40C8-473F-B44F-D832F2065553}" dt="2019-02-25T00:54:30.512" v="216"/>
+        <pc:sldMkLst>
+          <pc:docMk/>
+          <pc:sldMk cId="3305089340" sldId="392"/>
+        </pc:sldMkLst>
+        <pc:spChg chg="add mod">
+          <ac:chgData name="Cenk Caglar" userId="67723780-3e8d-4f91-955b-262c862f308d" providerId="ADAL" clId="{3D8DE031-40C8-473F-B44F-D832F2065553}" dt="2019-02-25T00:46:09.664" v="207" actId="207"/>
+          <ac:spMkLst>
+            <pc:docMk/>
+            <pc:sldMk cId="3305089340" sldId="392"/>
+            <ac:spMk id="3" creationId="{AA2FD308-3013-4F73-96C8-596D5FB74DF6}"/>
+          </ac:spMkLst>
+        </pc:spChg>
+        <pc:spChg chg="add">
+          <ac:chgData name="Cenk Caglar" userId="67723780-3e8d-4f91-955b-262c862f308d" providerId="ADAL" clId="{3D8DE031-40C8-473F-B44F-D832F2065553}" dt="2019-02-25T00:48:30.813" v="210"/>
+          <ac:spMkLst>
+            <pc:docMk/>
+            <pc:sldMk cId="3305089340" sldId="392"/>
+            <ac:spMk id="9" creationId="{6BBA10AC-9821-43D7-92A5-63AB1B9D7A4C}"/>
+          </ac:spMkLst>
+        </pc:spChg>
+        <pc:graphicFrameChg chg="mod">
+          <ac:chgData name="Cenk Caglar" userId="67723780-3e8d-4f91-955b-262c862f308d" providerId="ADAL" clId="{3D8DE031-40C8-473F-B44F-D832F2065553}" dt="2019-02-25T00:43:00.551" v="31" actId="20577"/>
+          <ac:graphicFrameMkLst>
+            <pc:docMk/>
+            <pc:sldMk cId="3305089340" sldId="392"/>
+            <ac:graphicFrameMk id="19" creationId="{308A3B27-D871-4DA9-B27C-0D1AA5A9BAB6}"/>
+          </ac:graphicFrameMkLst>
+        </pc:graphicFrameChg>
+      </pc:sldChg>
+      <pc:sldChg chg="modTransition">
+        <pc:chgData name="Cenk Caglar" userId="67723780-3e8d-4f91-955b-262c862f308d" providerId="ADAL" clId="{3D8DE031-40C8-473F-B44F-D832F2065553}" dt="2019-02-25T00:51:57.671" v="211"/>
+        <pc:sldMkLst>
+          <pc:docMk/>
+          <pc:sldMk cId="109223160" sldId="393"/>
+        </pc:sldMkLst>
+      </pc:sldChg>
+      <pc:sldChg chg="modTransition">
+        <pc:chgData name="Cenk Caglar" userId="67723780-3e8d-4f91-955b-262c862f308d" providerId="ADAL" clId="{3D8DE031-40C8-473F-B44F-D832F2065553}" dt="2019-02-25T00:51:57.671" v="211"/>
+        <pc:sldMkLst>
+          <pc:docMk/>
+          <pc:sldMk cId="400957522" sldId="394"/>
+        </pc:sldMkLst>
+      </pc:sldChg>
+      <pc:sldChg chg="addSp modTransition">
+        <pc:chgData name="Cenk Caglar" userId="67723780-3e8d-4f91-955b-262c862f308d" providerId="ADAL" clId="{3D8DE031-40C8-473F-B44F-D832F2065553}" dt="2019-02-25T00:51:57.671" v="211"/>
+        <pc:sldMkLst>
+          <pc:docMk/>
+          <pc:sldMk cId="3446698670" sldId="395"/>
+        </pc:sldMkLst>
+        <pc:spChg chg="add">
+          <ac:chgData name="Cenk Caglar" userId="67723780-3e8d-4f91-955b-262c862f308d" providerId="ADAL" clId="{3D8DE031-40C8-473F-B44F-D832F2065553}" dt="2019-02-25T00:47:53.064" v="208"/>
+          <ac:spMkLst>
+            <pc:docMk/>
+            <pc:sldMk cId="3446698670" sldId="395"/>
+            <ac:spMk id="3" creationId="{BC1F7344-4451-4779-9FB7-0D1CA6BFD9B4}"/>
+          </ac:spMkLst>
+        </pc:spChg>
+      </pc:sldChg>
+      <pc:sldChg chg="addSp modTransition">
+        <pc:chgData name="Cenk Caglar" userId="67723780-3e8d-4f91-955b-262c862f308d" providerId="ADAL" clId="{3D8DE031-40C8-473F-B44F-D832F2065553}" dt="2019-02-25T00:55:21.268" v="217"/>
+        <pc:sldMkLst>
+          <pc:docMk/>
+          <pc:sldMk cId="2383338744" sldId="396"/>
+        </pc:sldMkLst>
+        <pc:spChg chg="add">
+          <ac:chgData name="Cenk Caglar" userId="67723780-3e8d-4f91-955b-262c862f308d" providerId="ADAL" clId="{3D8DE031-40C8-473F-B44F-D832F2065553}" dt="2019-02-25T00:48:23.060" v="209"/>
+          <ac:spMkLst>
+            <pc:docMk/>
+            <pc:sldMk cId="2383338744" sldId="396"/>
+            <ac:spMk id="5" creationId="{7CCDF27B-8B99-41CC-B340-D3EF45E646A1}"/>
+          </ac:spMkLst>
+        </pc:spChg>
+        <pc:spChg chg="add">
+          <ac:chgData name="Cenk Caglar" userId="67723780-3e8d-4f91-955b-262c862f308d" providerId="ADAL" clId="{3D8DE031-40C8-473F-B44F-D832F2065553}" dt="2019-02-25T00:55:21.268" v="217"/>
+          <ac:spMkLst>
+            <pc:docMk/>
+            <pc:sldMk cId="2383338744" sldId="396"/>
+            <ac:spMk id="7" creationId="{5C0C5C0E-24EF-4A64-9AD0-BDA49BFEEB35}"/>
+          </ac:spMkLst>
+        </pc:spChg>
+      </pc:sldChg>
+      <pc:sldChg chg="modTransition">
+        <pc:chgData name="Cenk Caglar" userId="67723780-3e8d-4f91-955b-262c862f308d" providerId="ADAL" clId="{3D8DE031-40C8-473F-B44F-D832F2065553}" dt="2019-02-25T00:51:57.671" v="211"/>
+        <pc:sldMkLst>
+          <pc:docMk/>
+          <pc:sldMk cId="795180667" sldId="399"/>
+        </pc:sldMkLst>
+      </pc:sldChg>
+      <pc:sldChg chg="modTransition">
+        <pc:chgData name="Cenk Caglar" userId="67723780-3e8d-4f91-955b-262c862f308d" providerId="ADAL" clId="{3D8DE031-40C8-473F-B44F-D832F2065553}" dt="2019-02-25T00:51:57.671" v="211"/>
+        <pc:sldMkLst>
+          <pc:docMk/>
+          <pc:sldMk cId="2612142866" sldId="400"/>
+        </pc:sldMkLst>
+      </pc:sldChg>
+      <pc:sldChg chg="modTransition">
+        <pc:chgData name="Cenk Caglar" userId="67723780-3e8d-4f91-955b-262c862f308d" providerId="ADAL" clId="{3D8DE031-40C8-473F-B44F-D832F2065553}" dt="2019-02-25T00:51:57.671" v="211"/>
+        <pc:sldMkLst>
+          <pc:docMk/>
+          <pc:sldMk cId="1457540026" sldId="401"/>
+        </pc:sldMkLst>
+      </pc:sldChg>
+    </pc:docChg>
+  </pc:docChgLst>
+</pc:chgInfo>
 </file>
 
 <file path=ppt/diagrams/colors1.xml><?xml version="1.0" encoding="utf-8"?>
@@ -2035,12 +2267,12 @@
         <a:lstStyle/>
         <a:p>
           <a:r>
-            <a:rPr lang="en-US" sz="1600" b="1">
+            <a:rPr lang="en-US" sz="1600" b="1" dirty="0">
               <a:solidFill>
                 <a:schemeClr val="tx1"/>
               </a:solidFill>
             </a:rPr>
-            <a:t>Challenge 1</a:t>
+            <a:t>Workshop 1</a:t>
           </a:r>
         </a:p>
       </dgm:t>
@@ -2075,12 +2307,12 @@
         <a:lstStyle/>
         <a:p>
           <a:r>
-            <a:rPr lang="en-US" sz="1600" b="1">
+            <a:rPr lang="en-US" sz="1600" b="1" dirty="0">
               <a:solidFill>
                 <a:schemeClr val="tx1"/>
               </a:solidFill>
             </a:rPr>
-            <a:t>Challenge 3</a:t>
+            <a:t>Workshop 3</a:t>
           </a:r>
         </a:p>
       </dgm:t>
@@ -2115,12 +2347,12 @@
         <a:lstStyle/>
         <a:p>
           <a:r>
-            <a:rPr lang="en-US" sz="1600" b="1">
+            <a:rPr lang="en-US" sz="1600" b="1" dirty="0">
               <a:solidFill>
                 <a:schemeClr val="tx1"/>
               </a:solidFill>
             </a:rPr>
-            <a:t>Challenge 2</a:t>
+            <a:t>Workshop 2</a:t>
           </a:r>
         </a:p>
       </dgm:t>
@@ -2155,7 +2387,7 @@
         <a:lstStyle/>
         <a:p>
           <a:r>
-            <a:rPr lang="en-US" sz="1600" b="1">
+            <a:rPr lang="en-US" sz="1600" b="1" dirty="0">
               <a:solidFill>
                 <a:schemeClr val="tx1"/>
               </a:solidFill>
@@ -2490,12 +2722,12 @@
             <a:buNone/>
           </a:pPr>
           <a:r>
-            <a:rPr lang="en-US" sz="1600" b="1" kern="1200">
+            <a:rPr lang="en-US" sz="1600" b="1" kern="1200" dirty="0">
               <a:solidFill>
                 <a:schemeClr val="tx1"/>
               </a:solidFill>
             </a:rPr>
-            <a:t>Challenge 1</a:t>
+            <a:t>Workshop 1</a:t>
           </a:r>
         </a:p>
       </dsp:txBody>
@@ -2659,12 +2891,12 @@
             <a:buNone/>
           </a:pPr>
           <a:r>
-            <a:rPr lang="en-US" sz="1600" b="1" kern="1200">
+            <a:rPr lang="en-US" sz="1600" b="1" kern="1200" dirty="0">
               <a:solidFill>
                 <a:schemeClr val="tx1"/>
               </a:solidFill>
             </a:rPr>
-            <a:t>Challenge 2</a:t>
+            <a:t>Workshop 2</a:t>
           </a:r>
         </a:p>
       </dsp:txBody>
@@ -2828,12 +3060,12 @@
             <a:buNone/>
           </a:pPr>
           <a:r>
-            <a:rPr lang="en-US" sz="1600" b="1" kern="1200">
+            <a:rPr lang="en-US" sz="1600" b="1" kern="1200" dirty="0">
               <a:solidFill>
                 <a:schemeClr val="tx1"/>
               </a:solidFill>
             </a:rPr>
-            <a:t>Challenge 3</a:t>
+            <a:t>Workshop 3</a:t>
           </a:r>
         </a:p>
       </dsp:txBody>
@@ -2944,7 +3176,7 @@
             <a:buNone/>
           </a:pPr>
           <a:r>
-            <a:rPr lang="en-US" sz="1600" b="1" kern="1200">
+            <a:rPr lang="en-US" sz="1600" b="1" kern="1200" dirty="0">
               <a:solidFill>
                 <a:schemeClr val="tx1"/>
               </a:solidFill>
@@ -5748,7 +5980,7 @@
           <a:p>
             <a:fld id="{64B5CDC6-C9CC-4F19-A304-2F95E321901D}" type="datetimeFigureOut">
               <a:rPr lang="en-US" smtClean="0"/>
-              <a:t>2/21/2019</a:t>
+              <a:t>2/24/2019</a:t>
             </a:fld>
             <a:endParaRPr lang="en-US"/>
           </a:p>
@@ -7235,7 +7467,7 @@
           <a:p>
             <a:fld id="{97EF81AB-0984-4A53-A1A0-D4D18D764F0C}" type="datetimeFigureOut">
               <a:rPr lang="en-US" smtClean="0"/>
-              <a:t>2/21/2019</a:t>
+              <a:t>2/24/2019</a:t>
             </a:fld>
             <a:endParaRPr lang="en-US"/>
           </a:p>
@@ -7403,7 +7635,7 @@
           <a:p>
             <a:fld id="{97EF81AB-0984-4A53-A1A0-D4D18D764F0C}" type="datetimeFigureOut">
               <a:rPr lang="en-US" smtClean="0"/>
-              <a:t>2/21/2019</a:t>
+              <a:t>2/24/2019</a:t>
             </a:fld>
             <a:endParaRPr lang="en-US"/>
           </a:p>
@@ -7581,7 +7813,7 @@
           <a:p>
             <a:fld id="{97EF81AB-0984-4A53-A1A0-D4D18D764F0C}" type="datetimeFigureOut">
               <a:rPr lang="en-US" smtClean="0"/>
-              <a:t>2/21/2019</a:t>
+              <a:t>2/24/2019</a:t>
             </a:fld>
             <a:endParaRPr lang="en-US"/>
           </a:p>
@@ -8384,7 +8616,7 @@
           <a:p>
             <a:fld id="{97EF81AB-0984-4A53-A1A0-D4D18D764F0C}" type="datetimeFigureOut">
               <a:rPr lang="en-US" smtClean="0"/>
-              <a:t>2/21/2019</a:t>
+              <a:t>2/24/2019</a:t>
             </a:fld>
             <a:endParaRPr lang="en-US"/>
           </a:p>
@@ -8629,7 +8861,7 @@
           <a:p>
             <a:fld id="{97EF81AB-0984-4A53-A1A0-D4D18D764F0C}" type="datetimeFigureOut">
               <a:rPr lang="en-US" smtClean="0"/>
-              <a:t>2/21/2019</a:t>
+              <a:t>2/24/2019</a:t>
             </a:fld>
             <a:endParaRPr lang="en-US"/>
           </a:p>
@@ -8858,7 +9090,7 @@
           <a:p>
             <a:fld id="{97EF81AB-0984-4A53-A1A0-D4D18D764F0C}" type="datetimeFigureOut">
               <a:rPr lang="en-US" smtClean="0"/>
-              <a:t>2/21/2019</a:t>
+              <a:t>2/24/2019</a:t>
             </a:fld>
             <a:endParaRPr lang="en-US"/>
           </a:p>
@@ -9222,7 +9454,7 @@
           <a:p>
             <a:fld id="{97EF81AB-0984-4A53-A1A0-D4D18D764F0C}" type="datetimeFigureOut">
               <a:rPr lang="en-US" smtClean="0"/>
-              <a:t>2/21/2019</a:t>
+              <a:t>2/24/2019</a:t>
             </a:fld>
             <a:endParaRPr lang="en-US"/>
           </a:p>
@@ -9339,7 +9571,7 @@
           <a:p>
             <a:fld id="{97EF81AB-0984-4A53-A1A0-D4D18D764F0C}" type="datetimeFigureOut">
               <a:rPr lang="en-US" smtClean="0"/>
-              <a:t>2/21/2019</a:t>
+              <a:t>2/24/2019</a:t>
             </a:fld>
             <a:endParaRPr lang="en-US"/>
           </a:p>
@@ -9434,7 +9666,7 @@
           <a:p>
             <a:fld id="{97EF81AB-0984-4A53-A1A0-D4D18D764F0C}" type="datetimeFigureOut">
               <a:rPr lang="en-US" smtClean="0"/>
-              <a:t>2/21/2019</a:t>
+              <a:t>2/24/2019</a:t>
             </a:fld>
             <a:endParaRPr lang="en-US"/>
           </a:p>
@@ -9709,7 +9941,7 @@
           <a:p>
             <a:fld id="{97EF81AB-0984-4A53-A1A0-D4D18D764F0C}" type="datetimeFigureOut">
               <a:rPr lang="en-US" smtClean="0"/>
-              <a:t>2/21/2019</a:t>
+              <a:t>2/24/2019</a:t>
             </a:fld>
             <a:endParaRPr lang="en-US"/>
           </a:p>
@@ -9961,7 +10193,7 @@
           <a:p>
             <a:fld id="{97EF81AB-0984-4A53-A1A0-D4D18D764F0C}" type="datetimeFigureOut">
               <a:rPr lang="en-US" smtClean="0"/>
-              <a:t>2/21/2019</a:t>
+              <a:t>2/24/2019</a:t>
             </a:fld>
             <a:endParaRPr lang="en-US"/>
           </a:p>
@@ -10172,7 +10404,7 @@
           <a:p>
             <a:fld id="{97EF81AB-0984-4A53-A1A0-D4D18D764F0C}" type="datetimeFigureOut">
               <a:rPr lang="en-US" smtClean="0"/>
-              <a:t>2/21/2019</a:t>
+              <a:t>2/24/2019</a:t>
             </a:fld>
             <a:endParaRPr lang="en-US"/>
           </a:p>
@@ -10662,12 +10894,32 @@
   <p:clrMapOvr>
     <a:masterClrMapping/>
   </p:clrMapOvr>
+  <mc:AlternateContent xmlns:mc="http://schemas.openxmlformats.org/markup-compatibility/2006">
+    <mc:Choice xmlns:p14="http://schemas.microsoft.com/office/powerpoint/2010/main" Requires="p14">
+      <p:transition spd="med" p14:dur="700">
+        <p:fade/>
+      </p:transition>
+    </mc:Choice>
+    <mc:Fallback>
+      <p:transition spd="med">
+        <p:fade/>
+      </p:transition>
+    </mc:Fallback>
+  </mc:AlternateContent>
 </p:sld>
 </file>
 
 <file path=ppt/slides/slide10.xml><?xml version="1.0" encoding="utf-8"?>
 <p:sld xmlns:a="http://schemas.openxmlformats.org/drawingml/2006/main" xmlns:r="http://schemas.openxmlformats.org/officeDocument/2006/relationships" xmlns:p="http://schemas.openxmlformats.org/presentationml/2006/main">
   <p:cSld>
+    <p:bg>
+      <p:bgPr>
+        <a:solidFill>
+          <a:schemeClr val="bg1"/>
+        </a:solidFill>
+        <a:effectLst/>
+      </p:bgPr>
+    </p:bg>
     <p:spTree>
       <p:nvGrpSpPr>
         <p:cNvPr id="1" name=""/>
@@ -10729,10 +10981,10 @@
           <a:lstStyle/>
           <a:p>
             <a:r>
-              <a:rPr lang="en-US" sz="6600">
+              <a:rPr lang="en-US" sz="6600" dirty="0">
                 <a:latin typeface="Segoe UI Light" panose="020B0502040204020203" pitchFamily="34" charset="0"/>
               </a:rPr>
-              <a:t>Challenges</a:t>
+              <a:t>Workshops</a:t>
             </a:r>
           </a:p>
         </p:txBody>
@@ -10750,7 +11002,7 @@
           <p:nvPr>
             <p:extLst>
               <p:ext uri="{D42A27DB-BD31-4B8C-83A1-F6EECF244321}">
-                <p14:modId xmlns:p14="http://schemas.microsoft.com/office/powerpoint/2010/main" val="4284121109"/>
+                <p14:modId xmlns:p14="http://schemas.microsoft.com/office/powerpoint/2010/main" val="2444351032"/>
               </p:ext>
             </p:extLst>
           </p:nvPr>
@@ -10779,7 +11031,7 @@
         </p:nvSpPr>
         <p:spPr>
           <a:xfrm>
-            <a:off x="2622452" y="2218652"/>
+            <a:off x="2622452" y="2037899"/>
             <a:ext cx="6794696" cy="646331"/>
           </a:xfrm>
           <a:prstGeom prst="rect">
@@ -10794,7 +11046,7 @@
           <a:lstStyle/>
           <a:p>
             <a:r>
-              <a:rPr lang="en-US" b="1">
+              <a:rPr lang="en-US" b="1" dirty="0">
                 <a:solidFill>
                   <a:schemeClr val="tx1">
                     <a:lumMod val="50000"/>
@@ -10802,55 +11054,12 @@
                   </a:schemeClr>
                 </a:solidFill>
               </a:rPr>
-              <a:t>Deploying Infrastructure as Code – </a:t>
+              <a:t>Deploying Infrastructure as Code – Workshop 1</a:t>
             </a:r>
+          </a:p>
+          <a:p>
             <a:r>
-              <a:rPr lang="en-US" b="1">
-                <a:solidFill>
-                  <a:schemeClr val="tx1">
-                    <a:lumMod val="50000"/>
-                    <a:lumOff val="50000"/>
-                  </a:schemeClr>
-                </a:solidFill>
-                <a:hlinkClick r:id="rId8"/>
-              </a:rPr>
-              <a:t>Lab 1 </a:t>
-            </a:r>
-            <a:r>
-              <a:rPr lang="en-US" b="1">
-                <a:solidFill>
-                  <a:schemeClr val="tx1">
-                    <a:lumMod val="50000"/>
-                    <a:lumOff val="50000"/>
-                  </a:schemeClr>
-                </a:solidFill>
-              </a:rPr>
-              <a:t>and </a:t>
-            </a:r>
-            <a:r>
-              <a:rPr lang="en-US" b="1">
-                <a:solidFill>
-                  <a:schemeClr val="tx1">
-                    <a:lumMod val="50000"/>
-                    <a:lumOff val="50000"/>
-                  </a:schemeClr>
-                </a:solidFill>
-                <a:hlinkClick r:id="rId9"/>
-              </a:rPr>
-              <a:t>Lab 2</a:t>
-            </a:r>
-            <a:endParaRPr lang="en-US" b="1">
-              <a:solidFill>
-                <a:schemeClr val="tx1">
-                  <a:lumMod val="50000"/>
-                  <a:lumOff val="50000"/>
-                </a:schemeClr>
-              </a:solidFill>
-            </a:endParaRPr>
-          </a:p>
-          <a:p>
-            <a:r>
-              <a:rPr lang="en-US" b="1">
+              <a:rPr lang="en-US" b="1" dirty="0">
                 <a:solidFill>
                   <a:schemeClr val="tx1">
                     <a:lumMod val="50000"/>
@@ -10892,7 +11101,7 @@
           <a:lstStyle/>
           <a:p>
             <a:r>
-              <a:rPr lang="en-US" b="1">
+              <a:rPr lang="en-US" b="1" dirty="0">
                 <a:solidFill>
                   <a:schemeClr val="tx1">
                     <a:lumMod val="50000"/>
@@ -10900,32 +11109,12 @@
                   </a:schemeClr>
                 </a:solidFill>
               </a:rPr>
-              <a:t>Deploying Azure PaaS – </a:t>
+              <a:t>Deploying Azure PaaS – Workshop 2</a:t>
             </a:r>
+          </a:p>
+          <a:p>
             <a:r>
-              <a:rPr lang="en-US" b="1">
-                <a:solidFill>
-                  <a:schemeClr val="tx1">
-                    <a:lumMod val="50000"/>
-                    <a:lumOff val="50000"/>
-                  </a:schemeClr>
-                </a:solidFill>
-                <a:hlinkClick r:id="rId10"/>
-              </a:rPr>
-              <a:t>Lab 4</a:t>
-            </a:r>
-            <a:endParaRPr lang="en-US" b="1">
-              <a:solidFill>
-                <a:schemeClr val="tx1">
-                  <a:lumMod val="50000"/>
-                  <a:lumOff val="50000"/>
-                </a:schemeClr>
-              </a:solidFill>
-            </a:endParaRPr>
-          </a:p>
-          <a:p>
-            <a:r>
-              <a:rPr lang="en-US" b="1">
+              <a:rPr lang="en-US" b="1" dirty="0">
                 <a:solidFill>
                   <a:schemeClr val="tx1">
                     <a:lumMod val="50000"/>
@@ -10967,7 +11156,7 @@
           <a:lstStyle/>
           <a:p>
             <a:r>
-              <a:rPr lang="en-US" b="1">
+              <a:rPr lang="en-US" b="1" dirty="0">
                 <a:solidFill>
                   <a:schemeClr val="tx1">
                     <a:lumMod val="50000"/>
@@ -10975,28 +11164,8 @@
                   </a:schemeClr>
                 </a:solidFill>
               </a:rPr>
-              <a:t>Deploy Azure Kubernetes Services (AKS) – </a:t>
+              <a:t>Deploy Azure Kubernetes Services (AKS) – Workshop 3</a:t>
             </a:r>
-            <a:r>
-              <a:rPr lang="en-US" b="1">
-                <a:solidFill>
-                  <a:schemeClr val="tx1">
-                    <a:lumMod val="50000"/>
-                    <a:lumOff val="50000"/>
-                  </a:schemeClr>
-                </a:solidFill>
-                <a:hlinkClick r:id="rId11"/>
-              </a:rPr>
-              <a:t>Lab 8</a:t>
-            </a:r>
-            <a:endParaRPr lang="en-US" b="1">
-              <a:solidFill>
-                <a:schemeClr val="tx1">
-                  <a:lumMod val="50000"/>
-                  <a:lumOff val="50000"/>
-                </a:schemeClr>
-              </a:solidFill>
-            </a:endParaRPr>
           </a:p>
         </p:txBody>
       </p:sp>
@@ -11029,7 +11198,7 @@
           <a:lstStyle/>
           <a:p>
             <a:r>
-              <a:rPr lang="en-US" b="1">
+              <a:rPr lang="en-US" b="1" dirty="0">
                 <a:solidFill>
                   <a:schemeClr val="tx1">
                     <a:lumMod val="50000"/>
@@ -11038,6 +11207,102 @@
                 </a:solidFill>
               </a:rPr>
               <a:t>Terraform Enterprise - Demo</a:t>
+            </a:r>
+          </a:p>
+        </p:txBody>
+      </p:sp>
+      <p:sp>
+        <p:nvSpPr>
+          <p:cNvPr id="3" name="Rectangle 2">
+            <a:extLst>
+              <a:ext uri="{FF2B5EF4-FFF2-40B4-BE49-F238E27FC236}">
+                <a16:creationId xmlns:a16="http://schemas.microsoft.com/office/drawing/2014/main" id="{AA2FD308-3013-4F73-96C8-596D5FB74DF6}"/>
+              </a:ext>
+            </a:extLst>
+          </p:cNvPr>
+          <p:cNvSpPr/>
+          <p:nvPr/>
+        </p:nvSpPr>
+        <p:spPr>
+          <a:xfrm>
+            <a:off x="3014330" y="3949471"/>
+            <a:ext cx="6725093" cy="968087"/>
+          </a:xfrm>
+          <a:prstGeom prst="rect">
+            <a:avLst/>
+          </a:prstGeom>
+          <a:solidFill>
+            <a:schemeClr val="bg1">
+              <a:alpha val="82000"/>
+            </a:schemeClr>
+          </a:solidFill>
+          <a:ln>
+            <a:noFill/>
+          </a:ln>
+        </p:spPr>
+        <p:style>
+          <a:lnRef idx="2">
+            <a:schemeClr val="accent1">
+              <a:shade val="50000"/>
+            </a:schemeClr>
+          </a:lnRef>
+          <a:fillRef idx="1">
+            <a:schemeClr val="accent1"/>
+          </a:fillRef>
+          <a:effectRef idx="0">
+            <a:schemeClr val="accent1"/>
+          </a:effectRef>
+          <a:fontRef idx="minor">
+            <a:schemeClr val="lt1"/>
+          </a:fontRef>
+        </p:style>
+        <p:txBody>
+          <a:bodyPr rtlCol="0" anchor="ctr"/>
+          <a:lstStyle/>
+          <a:p>
+            <a:pPr algn="ctr"/>
+            <a:endParaRPr lang="en-US" dirty="0"/>
+          </a:p>
+        </p:txBody>
+      </p:sp>
+      <p:sp>
+        <p:nvSpPr>
+          <p:cNvPr id="9" name="Rectangle 8">
+            <a:extLst>
+              <a:ext uri="{FF2B5EF4-FFF2-40B4-BE49-F238E27FC236}">
+                <a16:creationId xmlns:a16="http://schemas.microsoft.com/office/drawing/2014/main" id="{6BBA10AC-9821-43D7-92A5-63AB1B9D7A4C}"/>
+              </a:ext>
+            </a:extLst>
+          </p:cNvPr>
+          <p:cNvSpPr/>
+          <p:nvPr/>
+        </p:nvSpPr>
+        <p:spPr>
+          <a:xfrm>
+            <a:off x="3797594" y="6103535"/>
+            <a:ext cx="4697820" cy="369332"/>
+          </a:xfrm>
+          <a:prstGeom prst="rect">
+            <a:avLst/>
+          </a:prstGeom>
+          <a:noFill/>
+        </p:spPr>
+        <p:txBody>
+          <a:bodyPr wrap="square" rtlCol="0">
+            <a:spAutoFit/>
+          </a:bodyPr>
+          <a:lstStyle/>
+          <a:p>
+            <a:r>
+              <a:rPr lang="en-US" b="1" dirty="0">
+                <a:solidFill>
+                  <a:schemeClr val="tx1">
+                    <a:lumMod val="50000"/>
+                    <a:lumOff val="50000"/>
+                  </a:schemeClr>
+                </a:solidFill>
+              </a:rPr>
+              <a:t>https://github.com/cenkms/MultiCloudStarter</a:t>
             </a:r>
           </a:p>
         </p:txBody>
@@ -11052,6 +11317,18 @@
   <p:clrMapOvr>
     <a:masterClrMapping/>
   </p:clrMapOvr>
+  <mc:AlternateContent xmlns:mc="http://schemas.openxmlformats.org/markup-compatibility/2006">
+    <mc:Choice xmlns:p14="http://schemas.microsoft.com/office/powerpoint/2010/main" Requires="p14">
+      <p:transition spd="med" p14:dur="700">
+        <p:fade/>
+      </p:transition>
+    </mc:Choice>
+    <mc:Fallback>
+      <p:transition spd="med">
+        <p:fade/>
+      </p:transition>
+    </mc:Fallback>
+  </mc:AlternateContent>
 </p:sld>
 </file>
 
@@ -11095,7 +11372,7 @@
           <a:p>
             <a:r>
               <a:rPr lang="en-US" dirty="0"/>
-              <a:t>Challenge 1: Scenario IaaS </a:t>
+              <a:t>Workshop 1: Scenario IaaS </a:t>
             </a:r>
           </a:p>
         </p:txBody>
@@ -11168,6 +11445,47 @@
           </a:prstGeom>
         </p:spPr>
       </p:pic>
+      <p:sp>
+        <p:nvSpPr>
+          <p:cNvPr id="3" name="Rectangle 2">
+            <a:extLst>
+              <a:ext uri="{FF2B5EF4-FFF2-40B4-BE49-F238E27FC236}">
+                <a16:creationId xmlns:a16="http://schemas.microsoft.com/office/drawing/2014/main" id="{BC1F7344-4451-4779-9FB7-0D1CA6BFD9B4}"/>
+              </a:ext>
+            </a:extLst>
+          </p:cNvPr>
+          <p:cNvSpPr/>
+          <p:nvPr/>
+        </p:nvSpPr>
+        <p:spPr>
+          <a:xfrm>
+            <a:off x="2027274" y="6119048"/>
+            <a:ext cx="8137451" cy="369332"/>
+          </a:xfrm>
+          <a:prstGeom prst="rect">
+            <a:avLst/>
+          </a:prstGeom>
+        </p:spPr>
+        <p:txBody>
+          <a:bodyPr wrap="square">
+            <a:spAutoFit/>
+          </a:bodyPr>
+          <a:lstStyle/>
+          <a:p>
+            <a:r>
+              <a:rPr lang="en-US" b="1" dirty="0">
+                <a:solidFill>
+                  <a:schemeClr val="tx1">
+                    <a:lumMod val="50000"/>
+                    <a:lumOff val="50000"/>
+                  </a:schemeClr>
+                </a:solidFill>
+              </a:rPr>
+              <a:t>https://github.com/cenkms/MultiCloudStarter/tree/master/workshops/workshop1</a:t>
+            </a:r>
+          </a:p>
+        </p:txBody>
+      </p:sp>
     </p:spTree>
     <p:extLst>
       <p:ext uri="{BB962C8B-B14F-4D97-AF65-F5344CB8AC3E}">
@@ -11178,6 +11496,18 @@
   <p:clrMapOvr>
     <a:masterClrMapping/>
   </p:clrMapOvr>
+  <mc:AlternateContent xmlns:mc="http://schemas.openxmlformats.org/markup-compatibility/2006">
+    <mc:Choice xmlns:p14="http://schemas.microsoft.com/office/powerpoint/2010/main" Requires="p14">
+      <p:transition spd="med" p14:dur="700">
+        <p:fade/>
+      </p:transition>
+    </mc:Choice>
+    <mc:Fallback>
+      <p:transition spd="med">
+        <p:fade/>
+      </p:transition>
+    </mc:Fallback>
+  </mc:AlternateContent>
 </p:sld>
 </file>
 
@@ -11221,7 +11551,7 @@
           <a:p>
             <a:r>
               <a:rPr lang="en-US" dirty="0"/>
-              <a:t>Challenge 2: Scenario PaaS</a:t>
+              <a:t>Workshop 2: Scenario PaaS</a:t>
             </a:r>
           </a:p>
         </p:txBody>
@@ -11296,6 +11626,47 @@
           </a:prstGeom>
         </p:spPr>
       </p:pic>
+      <p:sp>
+        <p:nvSpPr>
+          <p:cNvPr id="7" name="Rectangle 6">
+            <a:extLst>
+              <a:ext uri="{FF2B5EF4-FFF2-40B4-BE49-F238E27FC236}">
+                <a16:creationId xmlns:a16="http://schemas.microsoft.com/office/drawing/2014/main" id="{5C0C5C0E-24EF-4A64-9AD0-BDA49BFEEB35}"/>
+              </a:ext>
+            </a:extLst>
+          </p:cNvPr>
+          <p:cNvSpPr/>
+          <p:nvPr/>
+        </p:nvSpPr>
+        <p:spPr>
+          <a:xfrm>
+            <a:off x="2027274" y="6119048"/>
+            <a:ext cx="8137451" cy="369332"/>
+          </a:xfrm>
+          <a:prstGeom prst="rect">
+            <a:avLst/>
+          </a:prstGeom>
+        </p:spPr>
+        <p:txBody>
+          <a:bodyPr wrap="square">
+            <a:spAutoFit/>
+          </a:bodyPr>
+          <a:lstStyle/>
+          <a:p>
+            <a:r>
+              <a:rPr lang="en-US" b="1" dirty="0">
+                <a:solidFill>
+                  <a:schemeClr val="tx1">
+                    <a:lumMod val="50000"/>
+                    <a:lumOff val="50000"/>
+                  </a:schemeClr>
+                </a:solidFill>
+              </a:rPr>
+              <a:t>https://github.com/cenkms/MultiCloudStarter/tree/master/workshops/workshop2</a:t>
+            </a:r>
+          </a:p>
+        </p:txBody>
+      </p:sp>
     </p:spTree>
     <p:extLst>
       <p:ext uri="{BB962C8B-B14F-4D97-AF65-F5344CB8AC3E}">
@@ -11306,6 +11677,18 @@
   <p:clrMapOvr>
     <a:masterClrMapping/>
   </p:clrMapOvr>
+  <mc:AlternateContent xmlns:mc="http://schemas.openxmlformats.org/markup-compatibility/2006">
+    <mc:Choice xmlns:p14="http://schemas.microsoft.com/office/powerpoint/2010/main" Requires="p14">
+      <p:transition spd="med" p14:dur="700">
+        <p:fade/>
+      </p:transition>
+    </mc:Choice>
+    <mc:Fallback>
+      <p:transition spd="med">
+        <p:fade/>
+      </p:transition>
+    </mc:Fallback>
+  </mc:AlternateContent>
 </p:sld>
 </file>
 
@@ -11475,6 +11858,18 @@
   <p:clrMapOvr>
     <a:masterClrMapping/>
   </p:clrMapOvr>
+  <mc:AlternateContent xmlns:mc="http://schemas.openxmlformats.org/markup-compatibility/2006">
+    <mc:Choice xmlns:p14="http://schemas.microsoft.com/office/powerpoint/2010/main" Requires="p14">
+      <p:transition spd="med" p14:dur="700">
+        <p:fade/>
+      </p:transition>
+    </mc:Choice>
+    <mc:Fallback>
+      <p:transition spd="med">
+        <p:fade/>
+      </p:transition>
+    </mc:Fallback>
+  </mc:AlternateContent>
 </p:sld>
 </file>
 
@@ -11620,6 +12015,18 @@
   <p:clrMapOvr>
     <a:masterClrMapping/>
   </p:clrMapOvr>
+  <mc:AlternateContent xmlns:mc="http://schemas.openxmlformats.org/markup-compatibility/2006">
+    <mc:Choice xmlns:p14="http://schemas.microsoft.com/office/powerpoint/2010/main" Requires="p14">
+      <p:transition spd="med" p14:dur="700">
+        <p:fade/>
+      </p:transition>
+    </mc:Choice>
+    <mc:Fallback>
+      <p:transition spd="med">
+        <p:fade/>
+      </p:transition>
+    </mc:Fallback>
+  </mc:AlternateContent>
 </p:sld>
 </file>
 
@@ -11777,6 +12184,18 @@
   <p:clrMapOvr>
     <a:masterClrMapping/>
   </p:clrMapOvr>
+  <mc:AlternateContent xmlns:mc="http://schemas.openxmlformats.org/markup-compatibility/2006">
+    <mc:Choice xmlns:p14="http://schemas.microsoft.com/office/powerpoint/2010/main" Requires="p14">
+      <p:transition spd="med" p14:dur="700">
+        <p:fade/>
+      </p:transition>
+    </mc:Choice>
+    <mc:Fallback>
+      <p:transition spd="med">
+        <p:fade/>
+      </p:transition>
+    </mc:Fallback>
+  </mc:AlternateContent>
 </p:sld>
 </file>
 
@@ -11988,15 +12407,15 @@
           </a:bodyPr>
           <a:lstStyle/>
           <a:p>
-            <a:endParaRPr lang="en-US"/>
+            <a:endParaRPr lang="en-US" dirty="0"/>
           </a:p>
           <a:p>
             <a:r>
-              <a:rPr lang="en-US"/>
+              <a:rPr lang="en-US" dirty="0"/>
               <a:t>Technical </a:t>
             </a:r>
             <a:r>
-              <a:rPr lang="en-US">
+              <a:rPr lang="en-US" dirty="0">
                 <a:solidFill>
                   <a:srgbClr val="FF0000"/>
                 </a:solidFill>
@@ -12007,87 +12426,87 @@
           <a:p>
             <a:pPr lvl="1"/>
             <a:r>
-              <a:rPr lang="en-US"/>
+              <a:rPr lang="en-US" dirty="0"/>
               <a:t>Infrastructure</a:t>
             </a:r>
           </a:p>
           <a:p>
             <a:pPr lvl="1"/>
             <a:r>
-              <a:rPr lang="en-US"/>
+              <a:rPr lang="en-US" dirty="0"/>
               <a:t>Identity</a:t>
             </a:r>
           </a:p>
           <a:p>
             <a:pPr lvl="1"/>
             <a:r>
-              <a:rPr lang="en-US"/>
+              <a:rPr lang="en-US" dirty="0"/>
               <a:t>Networking</a:t>
             </a:r>
           </a:p>
           <a:p>
             <a:pPr lvl="1"/>
             <a:r>
-              <a:rPr lang="en-US"/>
+              <a:rPr lang="en-US" dirty="0"/>
               <a:t>Security</a:t>
             </a:r>
           </a:p>
           <a:p>
             <a:pPr lvl="1"/>
             <a:r>
-              <a:rPr lang="en-US"/>
+              <a:rPr lang="en-US" dirty="0"/>
               <a:t>Governance</a:t>
             </a:r>
           </a:p>
           <a:p>
             <a:pPr lvl="1"/>
             <a:r>
-              <a:rPr lang="en-US" sz="3500" b="1"/>
+              <a:rPr lang="en-US" sz="3500" b="1" dirty="0"/>
               <a:t>Automation</a:t>
             </a:r>
           </a:p>
           <a:p>
             <a:pPr lvl="1"/>
-            <a:endParaRPr lang="en-US"/>
+            <a:endParaRPr lang="en-US" dirty="0"/>
           </a:p>
           <a:p>
             <a:r>
-              <a:rPr lang="en-US"/>
+              <a:rPr lang="en-US" dirty="0"/>
               <a:t>Application Discovery</a:t>
             </a:r>
           </a:p>
           <a:p>
             <a:pPr lvl="1"/>
             <a:r>
-              <a:rPr lang="en-US"/>
+              <a:rPr lang="en-US" dirty="0"/>
               <a:t>Decommission</a:t>
             </a:r>
           </a:p>
           <a:p>
             <a:pPr lvl="1"/>
             <a:r>
-              <a:rPr lang="en-US"/>
+              <a:rPr lang="en-US" dirty="0"/>
               <a:t>Re-platform</a:t>
             </a:r>
           </a:p>
           <a:p>
             <a:pPr lvl="1"/>
             <a:r>
-              <a:rPr lang="en-US"/>
+              <a:rPr lang="en-US" dirty="0"/>
               <a:t>Redesign</a:t>
             </a:r>
           </a:p>
           <a:p>
             <a:pPr lvl="1"/>
             <a:r>
-              <a:rPr lang="en-US"/>
+              <a:rPr lang="en-US" dirty="0"/>
               <a:t>Rearchitect</a:t>
             </a:r>
           </a:p>
           <a:p>
             <a:pPr lvl="1"/>
             <a:r>
-              <a:rPr lang="en-US"/>
+              <a:rPr lang="en-US" dirty="0"/>
               <a:t>Where to deploy?</a:t>
             </a:r>
           </a:p>
@@ -12144,7 +12563,7 @@
           <a:lstStyle/>
           <a:p>
             <a:r>
-              <a:rPr lang="en-US" sz="5600">
+              <a:rPr lang="en-US" sz="5600" dirty="0">
                 <a:latin typeface="Segoe UI Light" panose="020B0502040204020203" pitchFamily="34" charset="0"/>
               </a:rPr>
               <a:t>Multi-cloud Strategy - Challenges</a:t>
@@ -12162,6 +12581,18 @@
   <p:clrMapOvr>
     <a:masterClrMapping/>
   </p:clrMapOvr>
+  <mc:AlternateContent xmlns:mc="http://schemas.openxmlformats.org/markup-compatibility/2006">
+    <mc:Choice xmlns:p14="http://schemas.microsoft.com/office/powerpoint/2010/main" Requires="p14">
+      <p:transition spd="med" p14:dur="700">
+        <p:fade/>
+      </p:transition>
+    </mc:Choice>
+    <mc:Fallback>
+      <p:transition spd="med">
+        <p:fade/>
+      </p:transition>
+    </mc:Fallback>
+  </mc:AlternateContent>
 </p:sld>
 </file>
 
@@ -12190,7 +12621,7 @@
         </p:nvSpPr>
         <p:spPr>
           <a:xfrm>
-            <a:off x="929060" y="1681083"/>
+            <a:off x="929060" y="1898157"/>
             <a:ext cx="4511066" cy="4573142"/>
           </a:xfrm>
           <a:prstGeom prst="rect">
@@ -12242,7 +12673,7 @@
         </p:nvSpPr>
         <p:spPr>
           <a:xfrm>
-            <a:off x="7330856" y="1617250"/>
+            <a:off x="7330856" y="1834324"/>
             <a:ext cx="4511066" cy="4573142"/>
           </a:xfrm>
           <a:prstGeom prst="rect">
@@ -12288,44 +12719,13 @@
       </p:sp>
       <p:sp>
         <p:nvSpPr>
-          <p:cNvPr id="1881" name="Shape 1881"/>
-          <p:cNvSpPr>
-            <a:spLocks noGrp="1"/>
-          </p:cNvSpPr>
-          <p:nvPr>
-            <p:ph type="sldNum" sz="quarter" idx="2"/>
-          </p:nvPr>
-        </p:nvSpPr>
-        <p:spPr>
-          <a:prstGeom prst="rect">
-            <a:avLst/>
-          </a:prstGeom>
-          <a:extLst>
-            <a:ext uri="{C572A759-6A51-4108-AA02-DFA0A04FC94B}">
-              <ma14:wrappingTextBoxFlag xmlns="" xmlns:ma14="http://schemas.microsoft.com/office/mac/drawingml/2011/main" val="1"/>
-            </a:ext>
-          </a:extLst>
-        </p:spPr>
-        <p:txBody>
-          <a:bodyPr/>
-          <a:lstStyle/>
-          <a:p>
-            <a:fld id="{86CB4B4D-7CA3-9044-876B-883B54F8677D}" type="slidenum">
-              <a:t>4</a:t>
-            </a:fld>
-            <a:endParaRPr/>
-          </a:p>
-        </p:txBody>
-      </p:sp>
-      <p:sp>
-        <p:nvSpPr>
           <p:cNvPr id="1882" name="Shape 1882"/>
           <p:cNvSpPr/>
           <p:nvPr/>
         </p:nvSpPr>
         <p:spPr>
           <a:xfrm>
-            <a:off x="5127542" y="4585335"/>
+            <a:off x="5127542" y="4802409"/>
             <a:ext cx="2515817" cy="1457981"/>
           </a:xfrm>
           <a:custGeom>
@@ -12409,7 +12809,7 @@
         </p:nvGrpSpPr>
         <p:grpSpPr>
           <a:xfrm>
-            <a:off x="6232685" y="5140137"/>
+            <a:off x="6232685" y="5357211"/>
             <a:ext cx="305611" cy="348350"/>
             <a:chOff x="0" y="0"/>
             <a:chExt cx="611221" cy="696698"/>
@@ -12748,7 +13148,7 @@
         </p:nvSpPr>
         <p:spPr>
           <a:xfrm>
-            <a:off x="4386477" y="5059400"/>
+            <a:off x="4386477" y="5276474"/>
             <a:ext cx="1278866" cy="509824"/>
           </a:xfrm>
           <a:prstGeom prst="rect">
@@ -12811,7 +13211,7 @@
         </p:nvSpPr>
         <p:spPr>
           <a:xfrm>
-            <a:off x="782698" y="437951"/>
+            <a:off x="782698" y="655025"/>
             <a:ext cx="10873398" cy="661748"/>
           </a:xfrm>
           <a:prstGeom prst="rect">
@@ -12837,6 +13237,7 @@
           </a:lstStyle>
           <a:p>
             <a:r>
+              <a:rPr lang="en-US" dirty="0"/>
               <a:t>Terraform Ecosystem</a:t>
             </a:r>
           </a:p>
@@ -12850,7 +13251,7 @@
         </p:nvSpPr>
         <p:spPr>
           <a:xfrm>
-            <a:off x="7105638" y="5059400"/>
+            <a:off x="7105638" y="5276474"/>
             <a:ext cx="1278866" cy="509824"/>
           </a:xfrm>
           <a:prstGeom prst="rect">
@@ -12909,7 +13310,7 @@
         </p:nvSpPr>
         <p:spPr>
           <a:xfrm>
-            <a:off x="929060" y="1384983"/>
+            <a:off x="929060" y="1700727"/>
             <a:ext cx="10265716" cy="317010"/>
           </a:xfrm>
           <a:prstGeom prst="rect">
@@ -12949,15 +13350,15 @@
           </a:lstStyle>
           <a:p>
             <a:r>
-              <a:rPr sz="1400"/>
+              <a:rPr sz="1400" dirty="0"/>
               <a:t>Partnerships with </a:t>
             </a:r>
             <a:r>
-              <a:rPr lang="en-US" sz="1400"/>
+              <a:rPr lang="en-US" sz="1400" dirty="0"/>
               <a:t>4</a:t>
             </a:r>
             <a:r>
-              <a:rPr sz="1400"/>
+              <a:rPr sz="1400" dirty="0"/>
               <a:t>5+ technology providers, community support for many more</a:t>
             </a:r>
           </a:p>
@@ -12982,7 +13383,7 @@
         </p:blipFill>
         <p:spPr>
           <a:xfrm>
-            <a:off x="10504647" y="3301119"/>
+            <a:off x="10504647" y="3518193"/>
             <a:ext cx="1026374" cy="410550"/>
           </a:xfrm>
           <a:prstGeom prst="rect">
@@ -13011,7 +13412,7 @@
         </p:blipFill>
         <p:spPr>
           <a:xfrm>
-            <a:off x="7680660" y="3142390"/>
+            <a:off x="7680660" y="3359464"/>
             <a:ext cx="1026374" cy="634139"/>
           </a:xfrm>
           <a:prstGeom prst="rect">
@@ -13040,7 +13441,7 @@
         </p:blipFill>
         <p:spPr>
           <a:xfrm>
-            <a:off x="10385541" y="4252350"/>
+            <a:off x="10385541" y="4469424"/>
             <a:ext cx="1121302" cy="209551"/>
           </a:xfrm>
           <a:prstGeom prst="rect">
@@ -13069,7 +13470,7 @@
         </p:blipFill>
         <p:spPr>
           <a:xfrm>
-            <a:off x="7667402" y="4020296"/>
+            <a:off x="7667402" y="4237370"/>
             <a:ext cx="1233687" cy="673658"/>
           </a:xfrm>
           <a:prstGeom prst="rect">
@@ -13102,7 +13503,7 @@
         </p:blipFill>
         <p:spPr>
           <a:xfrm>
-            <a:off x="2837724" y="3587325"/>
+            <a:off x="2837724" y="3804399"/>
             <a:ext cx="693738" cy="760658"/>
           </a:xfrm>
           <a:prstGeom prst="rect">
@@ -13131,7 +13532,7 @@
         </p:blipFill>
         <p:spPr>
           <a:xfrm>
-            <a:off x="3983908" y="3587325"/>
+            <a:off x="3983908" y="3804399"/>
             <a:ext cx="765269" cy="760658"/>
           </a:xfrm>
           <a:prstGeom prst="rect">
@@ -13160,7 +13561,7 @@
         </p:blipFill>
         <p:spPr>
           <a:xfrm>
-            <a:off x="1494892" y="3445252"/>
+            <a:off x="1494892" y="3662326"/>
             <a:ext cx="1044804" cy="1044804"/>
           </a:xfrm>
           <a:prstGeom prst="rect">
@@ -13179,7 +13580,7 @@
         </p:nvSpPr>
         <p:spPr>
           <a:xfrm>
-            <a:off x="626082" y="2135618"/>
+            <a:off x="626082" y="2352692"/>
             <a:ext cx="11518818" cy="1"/>
           </a:xfrm>
           <a:prstGeom prst="line">
@@ -13219,7 +13620,7 @@
         </p:nvSpPr>
         <p:spPr>
           <a:xfrm>
-            <a:off x="7814203" y="1690241"/>
+            <a:off x="7814203" y="1907315"/>
             <a:ext cx="3733801" cy="396412"/>
           </a:xfrm>
           <a:prstGeom prst="rect">
@@ -13273,7 +13674,7 @@
         </p:nvSpPr>
         <p:spPr>
           <a:xfrm>
-            <a:off x="1317693" y="1709291"/>
+            <a:off x="1317693" y="1926365"/>
             <a:ext cx="3733801" cy="396412"/>
           </a:xfrm>
           <a:prstGeom prst="rect">
@@ -13313,7 +13714,7 @@
           </a:lstStyle>
           <a:p>
             <a:r>
-              <a:rPr sz="1300"/>
+              <a:rPr sz="1300" dirty="0"/>
               <a:t>Version-control Systems</a:t>
             </a:r>
           </a:p>
@@ -13337,7 +13738,7 @@
         </p:blipFill>
         <p:spPr>
           <a:xfrm>
-            <a:off x="9151615" y="4050175"/>
+            <a:off x="9151615" y="4267249"/>
             <a:ext cx="869547" cy="613901"/>
           </a:xfrm>
           <a:prstGeom prst="rect">
@@ -13356,7 +13757,7 @@
         </p:nvSpPr>
         <p:spPr>
           <a:xfrm>
-            <a:off x="7284928" y="5878542"/>
+            <a:off x="7284928" y="6095616"/>
             <a:ext cx="4317766" cy="284693"/>
           </a:xfrm>
           <a:prstGeom prst="rect">
@@ -13414,7 +13815,7 @@
         </p:nvSpPr>
         <p:spPr>
           <a:xfrm>
-            <a:off x="2805570" y="5559291"/>
+            <a:off x="2805570" y="5776365"/>
             <a:ext cx="1266166" cy="695060"/>
           </a:xfrm>
           <a:prstGeom prst="rect">
@@ -13454,7 +13855,7 @@
         </p:nvSpPr>
         <p:spPr>
           <a:xfrm>
-            <a:off x="2181947" y="5320662"/>
+            <a:off x="2181947" y="5537736"/>
             <a:ext cx="2130885" cy="1"/>
           </a:xfrm>
           <a:prstGeom prst="line">
@@ -13495,7 +13896,7 @@
         </p:nvGrpSpPr>
         <p:grpSpPr>
           <a:xfrm>
-            <a:off x="1767754" y="5079366"/>
+            <a:off x="1767754" y="5296440"/>
             <a:ext cx="340549" cy="393342"/>
             <a:chOff x="0" y="0"/>
             <a:chExt cx="681096" cy="786682"/>
@@ -13721,7 +14122,7 @@
         </p:nvGrpSpPr>
         <p:grpSpPr>
           <a:xfrm>
-            <a:off x="3014151" y="5003162"/>
+            <a:off x="3014151" y="5220236"/>
             <a:ext cx="635001" cy="635001"/>
             <a:chOff x="0" y="0"/>
             <a:chExt cx="1270000" cy="1270000"/>
@@ -14076,7 +14477,7 @@
         </p:nvGrpSpPr>
         <p:grpSpPr>
           <a:xfrm>
-            <a:off x="2894857" y="5651897"/>
+            <a:off x="2894857" y="5868971"/>
             <a:ext cx="509848" cy="509848"/>
             <a:chOff x="0" y="0"/>
             <a:chExt cx="1019694" cy="1019694"/>
@@ -14256,7 +14657,7 @@
         </p:nvGrpSpPr>
         <p:grpSpPr>
           <a:xfrm>
-            <a:off x="3472602" y="5651897"/>
+            <a:off x="3472602" y="5868971"/>
             <a:ext cx="509848" cy="509848"/>
             <a:chOff x="0" y="0"/>
             <a:chExt cx="1019694" cy="1019694"/>
@@ -14457,7 +14858,7 @@
         </p:blipFill>
         <p:spPr bwMode="auto">
           <a:xfrm>
-            <a:off x="8633215" y="2395463"/>
+            <a:off x="8633215" y="2612537"/>
             <a:ext cx="1906346" cy="953173"/>
           </a:xfrm>
           <a:prstGeom prst="rect">
@@ -14475,12 +14876,232 @@
           </a:extLst>
         </p:spPr>
       </p:pic>
+      <p:sp>
+        <p:nvSpPr>
+          <p:cNvPr id="2" name="Rectangle 1">
+            <a:extLst>
+              <a:ext uri="{FF2B5EF4-FFF2-40B4-BE49-F238E27FC236}">
+                <a16:creationId xmlns:a16="http://schemas.microsoft.com/office/drawing/2014/main" id="{E7666414-0E17-4A28-ACDB-2604002B6B13}"/>
+              </a:ext>
+            </a:extLst>
+          </p:cNvPr>
+          <p:cNvSpPr/>
+          <p:nvPr/>
+        </p:nvSpPr>
+        <p:spPr>
+          <a:xfrm>
+            <a:off x="0" y="1"/>
+            <a:ext cx="622086" cy="6858000"/>
+          </a:xfrm>
+          <a:prstGeom prst="rect">
+            <a:avLst/>
+          </a:prstGeom>
+          <a:solidFill>
+            <a:schemeClr val="bg1"/>
+          </a:solidFill>
+          <a:ln>
+            <a:noFill/>
+          </a:ln>
+        </p:spPr>
+        <p:style>
+          <a:lnRef idx="2">
+            <a:schemeClr val="accent1">
+              <a:shade val="50000"/>
+            </a:schemeClr>
+          </a:lnRef>
+          <a:fillRef idx="1">
+            <a:schemeClr val="accent1"/>
+          </a:fillRef>
+          <a:effectRef idx="0">
+            <a:schemeClr val="accent1"/>
+          </a:effectRef>
+          <a:fontRef idx="minor">
+            <a:schemeClr val="lt1"/>
+          </a:fontRef>
+        </p:style>
+        <p:txBody>
+          <a:bodyPr rtlCol="0" anchor="ctr"/>
+          <a:lstStyle/>
+          <a:p>
+            <a:pPr algn="ctr"/>
+            <a:endParaRPr lang="en-US"/>
+          </a:p>
+        </p:txBody>
+      </p:sp>
+      <p:sp>
+        <p:nvSpPr>
+          <p:cNvPr id="58" name="Title 1">
+            <a:extLst>
+              <a:ext uri="{FF2B5EF4-FFF2-40B4-BE49-F238E27FC236}">
+                <a16:creationId xmlns:a16="http://schemas.microsoft.com/office/drawing/2014/main" id="{F2CC5B90-1F6C-4FE8-9AD8-20D78B6EFFFB}"/>
+              </a:ext>
+            </a:extLst>
+          </p:cNvPr>
+          <p:cNvSpPr txBox="1">
+            <a:spLocks/>
+          </p:cNvSpPr>
+          <p:nvPr/>
+        </p:nvSpPr>
+        <p:spPr>
+          <a:xfrm>
+            <a:off x="838200" y="365125"/>
+            <a:ext cx="10515600" cy="1325563"/>
+          </a:xfrm>
+          <a:prstGeom prst="rect">
+            <a:avLst/>
+          </a:prstGeom>
+          <a:ln w="12700" cap="flat" cmpd="sng" algn="ctr">
+            <a:noFill/>
+            <a:prstDash val="solid"/>
+            <a:miter lim="800000"/>
+          </a:ln>
+        </p:spPr>
+        <p:style>
+          <a:lnRef idx="2">
+            <a:schemeClr val="accent1">
+              <a:shade val="50000"/>
+            </a:schemeClr>
+          </a:lnRef>
+          <a:fillRef idx="1">
+            <a:schemeClr val="accent1"/>
+          </a:fillRef>
+          <a:effectRef idx="0">
+            <a:schemeClr val="accent1"/>
+          </a:effectRef>
+          <a:fontRef idx="minor">
+            <a:schemeClr val="lt1"/>
+          </a:fontRef>
+        </p:style>
+        <p:txBody>
+          <a:bodyPr vert="horz" lIns="127000" tIns="127000" rIns="127000" bIns="127000" rtlCol="0" anchor="ctr">
+            <a:normAutofit/>
+          </a:bodyPr>
+          <a:lstStyle>
+            <a:lvl1pPr algn="l" defTabSz="914400" rtl="0" eaLnBrk="1" latinLnBrk="0" hangingPunct="1">
+              <a:lnSpc>
+                <a:spcPct val="100000"/>
+              </a:lnSpc>
+              <a:spcBef>
+                <a:spcPts val="900"/>
+              </a:spcBef>
+              <a:buNone/>
+              <a:defRPr sz="3700" kern="1200" spc="-79">
+                <a:solidFill>
+                  <a:schemeClr val="lt1"/>
+                </a:solidFill>
+                <a:latin typeface="+mn-lt"/>
+                <a:ea typeface="+mn-ea"/>
+                <a:cs typeface="+mn-cs"/>
+              </a:defRPr>
+            </a:lvl1pPr>
+            <a:lvl2pPr>
+              <a:defRPr>
+                <a:solidFill>
+                  <a:schemeClr val="lt1"/>
+                </a:solidFill>
+                <a:latin typeface="+mn-lt"/>
+                <a:ea typeface="+mn-ea"/>
+                <a:cs typeface="+mn-cs"/>
+              </a:defRPr>
+            </a:lvl2pPr>
+            <a:lvl3pPr>
+              <a:defRPr>
+                <a:solidFill>
+                  <a:schemeClr val="lt1"/>
+                </a:solidFill>
+                <a:latin typeface="+mn-lt"/>
+                <a:ea typeface="+mn-ea"/>
+                <a:cs typeface="+mn-cs"/>
+              </a:defRPr>
+            </a:lvl3pPr>
+            <a:lvl4pPr>
+              <a:defRPr>
+                <a:solidFill>
+                  <a:schemeClr val="lt1"/>
+                </a:solidFill>
+                <a:latin typeface="+mn-lt"/>
+                <a:ea typeface="+mn-ea"/>
+                <a:cs typeface="+mn-cs"/>
+              </a:defRPr>
+            </a:lvl4pPr>
+            <a:lvl5pPr>
+              <a:defRPr>
+                <a:solidFill>
+                  <a:schemeClr val="lt1"/>
+                </a:solidFill>
+                <a:latin typeface="+mn-lt"/>
+                <a:ea typeface="+mn-ea"/>
+                <a:cs typeface="+mn-cs"/>
+              </a:defRPr>
+            </a:lvl5pPr>
+            <a:lvl6pPr>
+              <a:defRPr>
+                <a:solidFill>
+                  <a:schemeClr val="lt1"/>
+                </a:solidFill>
+                <a:latin typeface="+mn-lt"/>
+                <a:ea typeface="+mn-ea"/>
+                <a:cs typeface="+mn-cs"/>
+              </a:defRPr>
+            </a:lvl6pPr>
+            <a:lvl7pPr>
+              <a:defRPr>
+                <a:solidFill>
+                  <a:schemeClr val="lt1"/>
+                </a:solidFill>
+                <a:latin typeface="+mn-lt"/>
+                <a:ea typeface="+mn-ea"/>
+                <a:cs typeface="+mn-cs"/>
+              </a:defRPr>
+            </a:lvl7pPr>
+            <a:lvl8pPr>
+              <a:defRPr>
+                <a:solidFill>
+                  <a:schemeClr val="lt1"/>
+                </a:solidFill>
+                <a:latin typeface="+mn-lt"/>
+                <a:ea typeface="+mn-ea"/>
+                <a:cs typeface="+mn-cs"/>
+              </a:defRPr>
+            </a:lvl8pPr>
+            <a:lvl9pPr>
+              <a:defRPr>
+                <a:solidFill>
+                  <a:schemeClr val="lt1"/>
+                </a:solidFill>
+                <a:latin typeface="+mn-lt"/>
+                <a:ea typeface="+mn-ea"/>
+                <a:cs typeface="+mn-cs"/>
+              </a:defRPr>
+            </a:lvl9pPr>
+          </a:lstStyle>
+          <a:p>
+            <a:r>
+              <a:rPr lang="en-US" sz="6600" dirty="0">
+                <a:latin typeface="Segoe UI Light" panose="020B0502040204020203" pitchFamily="34" charset="0"/>
+              </a:rPr>
+              <a:t>Terraform Ecosystem</a:t>
+            </a:r>
+          </a:p>
+        </p:txBody>
+      </p:sp>
     </p:spTree>
   </p:cSld>
   <p:clrMapOvr>
     <a:masterClrMapping/>
   </p:clrMapOvr>
-  <p:transition spd="slow"/>
+  <mc:AlternateContent xmlns:mc="http://schemas.openxmlformats.org/markup-compatibility/2006">
+    <mc:Choice xmlns:p14="http://schemas.microsoft.com/office/powerpoint/2010/main" Requires="p14">
+      <p:transition spd="med" p14:dur="700">
+        <p:fade/>
+      </p:transition>
+    </mc:Choice>
+    <mc:Fallback>
+      <p:transition spd="med">
+        <p:fade/>
+      </p:transition>
+    </mc:Fallback>
+  </mc:AlternateContent>
 </p:sld>
 </file>
 
@@ -14601,6 +15222,18 @@
   <p:clrMapOvr>
     <a:masterClrMapping/>
   </p:clrMapOvr>
+  <mc:AlternateContent xmlns:mc="http://schemas.openxmlformats.org/markup-compatibility/2006">
+    <mc:Choice xmlns:p14="http://schemas.microsoft.com/office/powerpoint/2010/main" Requires="p14">
+      <p:transition spd="med" p14:dur="700">
+        <p:fade/>
+      </p:transition>
+    </mc:Choice>
+    <mc:Fallback>
+      <p:transition spd="med">
+        <p:fade/>
+      </p:transition>
+    </mc:Fallback>
+  </mc:AlternateContent>
 </p:sld>
 </file>
 
@@ -14721,6 +15354,18 @@
   <p:clrMapOvr>
     <a:masterClrMapping/>
   </p:clrMapOvr>
+  <mc:AlternateContent xmlns:mc="http://schemas.openxmlformats.org/markup-compatibility/2006">
+    <mc:Choice xmlns:p14="http://schemas.microsoft.com/office/powerpoint/2010/main" Requires="p14">
+      <p:transition spd="med" p14:dur="700">
+        <p:fade/>
+      </p:transition>
+    </mc:Choice>
+    <mc:Fallback>
+      <p:transition spd="med">
+        <p:fade/>
+      </p:transition>
+    </mc:Fallback>
+  </mc:AlternateContent>
 </p:sld>
 </file>
 
@@ -15016,6 +15661,18 @@
   <p:clrMapOvr>
     <a:masterClrMapping/>
   </p:clrMapOvr>
+  <mc:AlternateContent xmlns:mc="http://schemas.openxmlformats.org/markup-compatibility/2006">
+    <mc:Choice xmlns:p14="http://schemas.microsoft.com/office/powerpoint/2010/main" Requires="p14">
+      <p:transition spd="med" p14:dur="700">
+        <p:fade/>
+      </p:transition>
+    </mc:Choice>
+    <mc:Fallback>
+      <p:transition spd="med">
+        <p:fade/>
+      </p:transition>
+    </mc:Fallback>
+  </mc:AlternateContent>
 </p:sld>
 </file>
 
@@ -15133,6 +15790,18 @@
   <p:clrMapOvr>
     <a:masterClrMapping/>
   </p:clrMapOvr>
+  <mc:AlternateContent xmlns:mc="http://schemas.openxmlformats.org/markup-compatibility/2006">
+    <mc:Choice xmlns:p14="http://schemas.microsoft.com/office/powerpoint/2010/main" Requires="p14">
+      <p:transition spd="med" p14:dur="700">
+        <p:fade/>
+      </p:transition>
+    </mc:Choice>
+    <mc:Fallback>
+      <p:transition spd="med">
+        <p:fade/>
+      </p:transition>
+    </mc:Fallback>
+  </mc:AlternateContent>
 </p:sld>
 </file>
 
@@ -15343,7 +16012,7 @@
           <a:lstStyle/>
           <a:p>
             <a:r>
-              <a:rPr lang="en-US" b="1">
+              <a:rPr lang="en-US" b="1" dirty="0">
                 <a:solidFill>
                   <a:srgbClr val="313130"/>
                 </a:solidFill>
@@ -15352,7 +16021,7 @@
               <a:t>💬 Note.</a:t>
             </a:r>
             <a:r>
-              <a:rPr lang="en-US">
+              <a:rPr lang="en-US" dirty="0">
                 <a:solidFill>
                   <a:srgbClr val="313130"/>
                 </a:solidFill>
@@ -15360,7 +16029,7 @@
               </a:rPr>
               <a:t> If you are using an Azure Free Pass then please do not activate it using your work email address. If you do then it will be unlikely that you will have RBAC permissions to create Service Principals and you will be limited to using the Azure CLI authentication.</a:t>
             </a:r>
-            <a:endParaRPr lang="en-US"/>
+            <a:endParaRPr lang="en-US" dirty="0"/>
           </a:p>
         </p:txBody>
       </p:sp>
@@ -15374,6 +16043,18 @@
   <p:clrMapOvr>
     <a:masterClrMapping/>
   </p:clrMapOvr>
+  <mc:AlternateContent xmlns:mc="http://schemas.openxmlformats.org/markup-compatibility/2006">
+    <mc:Choice xmlns:p14="http://schemas.microsoft.com/office/powerpoint/2010/main" Requires="p14">
+      <p:transition spd="med" p14:dur="700">
+        <p:fade/>
+      </p:transition>
+    </mc:Choice>
+    <mc:Fallback>
+      <p:transition spd="med">
+        <p:fade/>
+      </p:transition>
+    </mc:Fallback>
+  </mc:AlternateContent>
 </p:sld>
 </file>
 
@@ -15968,12 +16649,13 @@
 </file>
 
 <file path=customXml/item1.xml><?xml version="1.0" encoding="utf-8"?>
-<?mso-contentType ?>
-<FormTemplates xmlns="http://schemas.microsoft.com/sharepoint/v3/contenttype/forms">
-  <Display>DocumentLibraryForm</Display>
-  <Edit>DocumentLibraryForm</Edit>
-  <New>DocumentLibraryForm</New>
-</FormTemplates>
+<p:properties xmlns:p="http://schemas.microsoft.com/office/2006/metadata/properties" xmlns:xsi="http://www.w3.org/2001/XMLSchema-instance" xmlns:pc="http://schemas.microsoft.com/office/infopath/2007/PartnerControls">
+  <documentManagement>
+    <_ip_UnifiedCompliancePolicyUIAction xmlns="http://schemas.microsoft.com/sharepoint/v3" xsi:nil="true"/>
+    <_ip_UnifiedCompliancePolicyProperties xmlns="http://schemas.microsoft.com/sharepoint/v3" xsi:nil="true"/>
+    <MediaServiceKeyPoints xmlns="36984313-f623-41bb-a65c-16a37d29f6f8" xsi:nil="true"/>
+  </documentManagement>
+</p:properties>
 </file>
 
 <file path=customXml/item2.xml><?xml version="1.0" encoding="utf-8"?>
@@ -16187,19 +16869,28 @@
 </file>
 
 <file path=customXml/item3.xml><?xml version="1.0" encoding="utf-8"?>
-<p:properties xmlns:p="http://schemas.microsoft.com/office/2006/metadata/properties" xmlns:xsi="http://www.w3.org/2001/XMLSchema-instance" xmlns:pc="http://schemas.microsoft.com/office/infopath/2007/PartnerControls">
-  <documentManagement>
-    <_ip_UnifiedCompliancePolicyUIAction xmlns="http://schemas.microsoft.com/sharepoint/v3" xsi:nil="true"/>
-    <_ip_UnifiedCompliancePolicyProperties xmlns="http://schemas.microsoft.com/sharepoint/v3" xsi:nil="true"/>
-    <MediaServiceKeyPoints xmlns="36984313-f623-41bb-a65c-16a37d29f6f8" xsi:nil="true"/>
-  </documentManagement>
-</p:properties>
+<?mso-contentType ?>
+<FormTemplates xmlns="http://schemas.microsoft.com/sharepoint/v3/contenttype/forms">
+  <Display>DocumentLibraryForm</Display>
+  <Edit>DocumentLibraryForm</Edit>
+  <New>DocumentLibraryForm</New>
+</FormTemplates>
 </file>
 
 <file path=customXml/itemProps1.xml><?xml version="1.0" encoding="utf-8"?>
-<ds:datastoreItem xmlns:ds="http://schemas.openxmlformats.org/officeDocument/2006/customXml" ds:itemID="{A5C48E5E-7CC6-49B1-BEEB-92F78CA821FC}">
+<ds:datastoreItem xmlns:ds="http://schemas.openxmlformats.org/officeDocument/2006/customXml" ds:itemID="{5937D4A4-7B08-4DC9-8876-2CFC31085D37}">
   <ds:schemaRefs>
-    <ds:schemaRef ds:uri="http://schemas.microsoft.com/sharepoint/v3/contenttype/forms"/>
+    <ds:schemaRef ds:uri="http://purl.org/dc/dcmitype/"/>
+    <ds:schemaRef ds:uri="http://purl.org/dc/elements/1.1/"/>
+    <ds:schemaRef ds:uri="http://schemas.microsoft.com/office/2006/documentManagement/types"/>
+    <ds:schemaRef ds:uri="http://schemas.microsoft.com/office/2006/metadata/properties"/>
+    <ds:schemaRef ds:uri="36984313-f623-41bb-a65c-16a37d29f6f8"/>
+    <ds:schemaRef ds:uri="http://purl.org/dc/terms/"/>
+    <ds:schemaRef ds:uri="http://schemas.microsoft.com/office/infopath/2007/PartnerControls"/>
+    <ds:schemaRef ds:uri="http://schemas.openxmlformats.org/package/2006/metadata/core-properties"/>
+    <ds:schemaRef ds:uri="fa40b356-8329-45cf-bdd1-8a6639dbec32"/>
+    <ds:schemaRef ds:uri="http://schemas.microsoft.com/sharepoint/v3"/>
+    <ds:schemaRef ds:uri="http://www.w3.org/XML/1998/namespace"/>
   </ds:schemaRefs>
 </ds:datastoreItem>
 </file>
@@ -16225,19 +16916,9 @@
 </file>
 
 <file path=customXml/itemProps3.xml><?xml version="1.0" encoding="utf-8"?>
-<ds:datastoreItem xmlns:ds="http://schemas.openxmlformats.org/officeDocument/2006/customXml" ds:itemID="{5937D4A4-7B08-4DC9-8876-2CFC31085D37}">
+<ds:datastoreItem xmlns:ds="http://schemas.openxmlformats.org/officeDocument/2006/customXml" ds:itemID="{A5C48E5E-7CC6-49B1-BEEB-92F78CA821FC}">
   <ds:schemaRefs>
-    <ds:schemaRef ds:uri="fa40b356-8329-45cf-bdd1-8a6639dbec32"/>
-    <ds:schemaRef ds:uri="http://schemas.microsoft.com/sharepoint/v3"/>
-    <ds:schemaRef ds:uri="http://purl.org/dc/terms/"/>
-    <ds:schemaRef ds:uri="http://schemas.openxmlformats.org/package/2006/metadata/core-properties"/>
-    <ds:schemaRef ds:uri="http://schemas.microsoft.com/office/2006/documentManagement/types"/>
-    <ds:schemaRef ds:uri="http://schemas.microsoft.com/office/infopath/2007/PartnerControls"/>
-    <ds:schemaRef ds:uri="http://purl.org/dc/elements/1.1/"/>
-    <ds:schemaRef ds:uri="http://schemas.microsoft.com/office/2006/metadata/properties"/>
-    <ds:schemaRef ds:uri="36984313-f623-41bb-a65c-16a37d29f6f8"/>
-    <ds:schemaRef ds:uri="http://www.w3.org/XML/1998/namespace"/>
-    <ds:schemaRef ds:uri="http://purl.org/dc/dcmitype/"/>
+    <ds:schemaRef ds:uri="http://schemas.microsoft.com/sharepoint/v3/contenttype/forms"/>
   </ds:schemaRefs>
 </ds:datastoreItem>
 </file>